--- a/Lectures/Lecture10_SurvivalAnalysis_MixedMethods/Lecture10_SurvivalAnalysis_MixedMethods.pptx
+++ b/Lectures/Lecture10_SurvivalAnalysis_MixedMethods/Lecture10_SurvivalAnalysis_MixedMethods.pptx
@@ -5,35 +5,59 @@
     <p:sldMasterId id="2147483738" r:id="rId1"/>
   </p:sldMasterIdLst>
   <p:notesMasterIdLst>
-    <p:notesMasterId r:id="rId28"/>
+    <p:notesMasterId r:id="rId52"/>
   </p:notesMasterIdLst>
   <p:sldIdLst>
     <p:sldId id="256" r:id="rId2"/>
     <p:sldId id="458" r:id="rId3"/>
     <p:sldId id="438" r:id="rId4"/>
-    <p:sldId id="464" r:id="rId5"/>
-    <p:sldId id="545" r:id="rId6"/>
-    <p:sldId id="551" r:id="rId7"/>
-    <p:sldId id="553" r:id="rId8"/>
-    <p:sldId id="548" r:id="rId9"/>
-    <p:sldId id="547" r:id="rId10"/>
-    <p:sldId id="552" r:id="rId11"/>
-    <p:sldId id="556" r:id="rId12"/>
-    <p:sldId id="555" r:id="rId13"/>
-    <p:sldId id="557" r:id="rId14"/>
-    <p:sldId id="558" r:id="rId15"/>
-    <p:sldId id="559" r:id="rId16"/>
-    <p:sldId id="546" r:id="rId17"/>
-    <p:sldId id="560" r:id="rId18"/>
-    <p:sldId id="561" r:id="rId19"/>
-    <p:sldId id="549" r:id="rId20"/>
-    <p:sldId id="562" r:id="rId21"/>
-    <p:sldId id="565" r:id="rId22"/>
-    <p:sldId id="566" r:id="rId23"/>
-    <p:sldId id="550" r:id="rId24"/>
-    <p:sldId id="544" r:id="rId25"/>
-    <p:sldId id="564" r:id="rId26"/>
-    <p:sldId id="567" r:id="rId27"/>
+    <p:sldId id="545" r:id="rId5"/>
+    <p:sldId id="551" r:id="rId6"/>
+    <p:sldId id="553" r:id="rId7"/>
+    <p:sldId id="548" r:id="rId8"/>
+    <p:sldId id="547" r:id="rId9"/>
+    <p:sldId id="552" r:id="rId10"/>
+    <p:sldId id="556" r:id="rId11"/>
+    <p:sldId id="555" r:id="rId12"/>
+    <p:sldId id="557" r:id="rId13"/>
+    <p:sldId id="558" r:id="rId14"/>
+    <p:sldId id="559" r:id="rId15"/>
+    <p:sldId id="546" r:id="rId16"/>
+    <p:sldId id="560" r:id="rId17"/>
+    <p:sldId id="561" r:id="rId18"/>
+    <p:sldId id="549" r:id="rId19"/>
+    <p:sldId id="562" r:id="rId20"/>
+    <p:sldId id="565" r:id="rId21"/>
+    <p:sldId id="566" r:id="rId22"/>
+    <p:sldId id="550" r:id="rId23"/>
+    <p:sldId id="544" r:id="rId24"/>
+    <p:sldId id="564" r:id="rId25"/>
+    <p:sldId id="567" r:id="rId26"/>
+    <p:sldId id="568" r:id="rId27"/>
+    <p:sldId id="569" r:id="rId28"/>
+    <p:sldId id="571" r:id="rId29"/>
+    <p:sldId id="575" r:id="rId30"/>
+    <p:sldId id="576" r:id="rId31"/>
+    <p:sldId id="577" r:id="rId32"/>
+    <p:sldId id="572" r:id="rId33"/>
+    <p:sldId id="570" r:id="rId34"/>
+    <p:sldId id="578" r:id="rId35"/>
+    <p:sldId id="573" r:id="rId36"/>
+    <p:sldId id="574" r:id="rId37"/>
+    <p:sldId id="579" r:id="rId38"/>
+    <p:sldId id="580" r:id="rId39"/>
+    <p:sldId id="585" r:id="rId40"/>
+    <p:sldId id="582" r:id="rId41"/>
+    <p:sldId id="583" r:id="rId42"/>
+    <p:sldId id="584" r:id="rId43"/>
+    <p:sldId id="581" r:id="rId44"/>
+    <p:sldId id="586" r:id="rId45"/>
+    <p:sldId id="587" r:id="rId46"/>
+    <p:sldId id="588" r:id="rId47"/>
+    <p:sldId id="589" r:id="rId48"/>
+    <p:sldId id="590" r:id="rId49"/>
+    <p:sldId id="591" r:id="rId50"/>
+    <p:sldId id="592" r:id="rId51"/>
   </p:sldIdLst>
   <p:sldSz cx="12192000" cy="6858000"/>
   <p:notesSz cx="7010400" cy="9296400"/>
@@ -640,7 +664,16 @@
           <a:bodyPr/>
           <a:lstStyle/>
           <a:p>
-            <a:endParaRPr lang="en-CA" dirty="0"/>
+            <a:r>
+              <a:rPr lang="en-CA" dirty="0"/>
+              <a:t>WRHA: Winnipeg. (Is this generalizable?)</a:t>
+            </a:r>
+          </a:p>
+          <a:p>
+            <a:r>
+              <a:rPr lang="en-CA" dirty="0"/>
+              <a:t>How do we think about the external validity of this regression given these features?</a:t>
+            </a:r>
           </a:p>
         </p:txBody>
       </p:sp>
@@ -670,7 +703,7 @@
     </p:spTree>
     <p:extLst>
       <p:ext uri="{BB962C8B-B14F-4D97-AF65-F5344CB8AC3E}">
-        <p14:creationId xmlns:p14="http://schemas.microsoft.com/office/powerpoint/2010/main" val="469838492"/>
+        <p14:creationId xmlns:p14="http://schemas.microsoft.com/office/powerpoint/2010/main" val="359513873"/>
       </p:ext>
     </p:extLst>
   </p:cSld>
@@ -726,13 +759,7 @@
           <a:p>
             <a:r>
               <a:rPr lang="en-CA" dirty="0"/>
-              <a:t>WRHA: Winnipeg. (Is this generalizable?)</a:t>
-            </a:r>
-          </a:p>
-          <a:p>
-            <a:r>
-              <a:rPr lang="en-CA" dirty="0"/>
-              <a:t>How do we think about the external validity of this regression given these features?</a:t>
+              <a:t>What do we think about this? What might be missing? </a:t>
             </a:r>
           </a:p>
         </p:txBody>
@@ -763,7 +790,7 @@
     </p:spTree>
     <p:extLst>
       <p:ext uri="{BB962C8B-B14F-4D97-AF65-F5344CB8AC3E}">
-        <p14:creationId xmlns:p14="http://schemas.microsoft.com/office/powerpoint/2010/main" val="359513873"/>
+        <p14:creationId xmlns:p14="http://schemas.microsoft.com/office/powerpoint/2010/main" val="3063627994"/>
       </p:ext>
     </p:extLst>
   </p:cSld>
@@ -819,7 +846,7 @@
           <a:p>
             <a:r>
               <a:rPr lang="en-CA" dirty="0"/>
-              <a:t>What do we think about this? What might be missing? </a:t>
+              <a:t>What is this telling us? Is it convincing? </a:t>
             </a:r>
           </a:p>
         </p:txBody>
@@ -850,7 +877,7 @@
     </p:spTree>
     <p:extLst>
       <p:ext uri="{BB962C8B-B14F-4D97-AF65-F5344CB8AC3E}">
-        <p14:creationId xmlns:p14="http://schemas.microsoft.com/office/powerpoint/2010/main" val="3063627994"/>
+        <p14:creationId xmlns:p14="http://schemas.microsoft.com/office/powerpoint/2010/main" val="2427445851"/>
       </p:ext>
     </p:extLst>
   </p:cSld>
@@ -906,8 +933,13 @@
           <a:p>
             <a:r>
               <a:rPr lang="en-CA" dirty="0"/>
-              <a:t>What is this telling us? Is it convincing? </a:t>
-            </a:r>
+              <a:t>What is this telling us? Is it convincing? “The trend toward improved mortality </a:t>
+            </a:r>
+            <a:r>
+              <a:rPr lang="en-US" dirty="0"/>
+              <a:t>still did not reach statistical significance”</a:t>
+            </a:r>
+            <a:endParaRPr lang="en-CA" dirty="0"/>
           </a:p>
         </p:txBody>
       </p:sp>
@@ -937,7 +969,7 @@
     </p:spTree>
     <p:extLst>
       <p:ext uri="{BB962C8B-B14F-4D97-AF65-F5344CB8AC3E}">
-        <p14:creationId xmlns:p14="http://schemas.microsoft.com/office/powerpoint/2010/main" val="2427445851"/>
+        <p14:creationId xmlns:p14="http://schemas.microsoft.com/office/powerpoint/2010/main" val="2226274637"/>
       </p:ext>
     </p:extLst>
   </p:cSld>
@@ -1029,7 +1061,7 @@
     </p:spTree>
     <p:extLst>
       <p:ext uri="{BB962C8B-B14F-4D97-AF65-F5344CB8AC3E}">
-        <p14:creationId xmlns:p14="http://schemas.microsoft.com/office/powerpoint/2010/main" val="2226274637"/>
+        <p14:creationId xmlns:p14="http://schemas.microsoft.com/office/powerpoint/2010/main" val="489846224"/>
       </p:ext>
     </p:extLst>
   </p:cSld>
@@ -1085,13 +1117,8 @@
           <a:p>
             <a:r>
               <a:rPr lang="en-CA" dirty="0"/>
-              <a:t>What is this telling us? Is it convincing? “The trend toward improved mortality </a:t>
-            </a:r>
-            <a:r>
-              <a:rPr lang="en-US" dirty="0"/>
-              <a:t>still did not reach statistical significance”</a:t>
-            </a:r>
-            <a:endParaRPr lang="en-CA" dirty="0"/>
+              <a:t>Assuming independence across periods (is this a valid assumption)? </a:t>
+            </a:r>
           </a:p>
         </p:txBody>
       </p:sp>
@@ -1121,7 +1148,7 @@
     </p:spTree>
     <p:extLst>
       <p:ext uri="{BB962C8B-B14F-4D97-AF65-F5344CB8AC3E}">
-        <p14:creationId xmlns:p14="http://schemas.microsoft.com/office/powerpoint/2010/main" val="489846224"/>
+        <p14:creationId xmlns:p14="http://schemas.microsoft.com/office/powerpoint/2010/main" val="2616843966"/>
       </p:ext>
     </p:extLst>
   </p:cSld>
@@ -1208,7 +1235,7 @@
     </p:spTree>
     <p:extLst>
       <p:ext uri="{BB962C8B-B14F-4D97-AF65-F5344CB8AC3E}">
-        <p14:creationId xmlns:p14="http://schemas.microsoft.com/office/powerpoint/2010/main" val="2616843966"/>
+        <p14:creationId xmlns:p14="http://schemas.microsoft.com/office/powerpoint/2010/main" val="1292165980"/>
       </p:ext>
     </p:extLst>
   </p:cSld>
@@ -1295,7 +1322,7 @@
     </p:spTree>
     <p:extLst>
       <p:ext uri="{BB962C8B-B14F-4D97-AF65-F5344CB8AC3E}">
-        <p14:creationId xmlns:p14="http://schemas.microsoft.com/office/powerpoint/2010/main" val="1292165980"/>
+        <p14:creationId xmlns:p14="http://schemas.microsoft.com/office/powerpoint/2010/main" val="640937549"/>
       </p:ext>
     </p:extLst>
   </p:cSld>
@@ -1351,7 +1378,15 @@
           <a:p>
             <a:r>
               <a:rPr lang="en-CA" dirty="0"/>
-              <a:t>Assuming independence across periods (is this a valid assumption)? </a:t>
+              <a:t>We’re </a:t>
+            </a:r>
+            <a:r>
+              <a:rPr lang="en-CA" dirty="0" err="1"/>
+              <a:t>gonna</a:t>
+            </a:r>
+            <a:r>
+              <a:rPr lang="en-CA" dirty="0"/>
+              <a:t> touch on more threats to internal validity now. </a:t>
             </a:r>
           </a:p>
         </p:txBody>
@@ -1382,7 +1417,7 @@
     </p:spTree>
     <p:extLst>
       <p:ext uri="{BB962C8B-B14F-4D97-AF65-F5344CB8AC3E}">
-        <p14:creationId xmlns:p14="http://schemas.microsoft.com/office/powerpoint/2010/main" val="640937549"/>
+        <p14:creationId xmlns:p14="http://schemas.microsoft.com/office/powerpoint/2010/main" val="26709507"/>
       </p:ext>
     </p:extLst>
   </p:cSld>
@@ -1436,18 +1471,7 @@
           <a:bodyPr/>
           <a:lstStyle/>
           <a:p>
-            <a:r>
-              <a:rPr lang="en-CA" dirty="0"/>
-              <a:t>We’re </a:t>
-            </a:r>
-            <a:r>
-              <a:rPr lang="en-CA" dirty="0" err="1"/>
-              <a:t>gonna</a:t>
-            </a:r>
-            <a:r>
-              <a:rPr lang="en-CA" dirty="0"/>
-              <a:t> touch on more threats to internal validity now. </a:t>
-            </a:r>
+            <a:endParaRPr lang="en-CA" dirty="0"/>
           </a:p>
         </p:txBody>
       </p:sp>
@@ -1477,7 +1501,7 @@
     </p:spTree>
     <p:extLst>
       <p:ext uri="{BB962C8B-B14F-4D97-AF65-F5344CB8AC3E}">
-        <p14:creationId xmlns:p14="http://schemas.microsoft.com/office/powerpoint/2010/main" val="26709507"/>
+        <p14:creationId xmlns:p14="http://schemas.microsoft.com/office/powerpoint/2010/main" val="4202056557"/>
       </p:ext>
     </p:extLst>
   </p:cSld>
@@ -1649,7 +1673,7 @@
     </p:spTree>
     <p:extLst>
       <p:ext uri="{BB962C8B-B14F-4D97-AF65-F5344CB8AC3E}">
-        <p14:creationId xmlns:p14="http://schemas.microsoft.com/office/powerpoint/2010/main" val="4202056557"/>
+        <p14:creationId xmlns:p14="http://schemas.microsoft.com/office/powerpoint/2010/main" val="2172304551"/>
       </p:ext>
     </p:extLst>
   </p:cSld>
@@ -1733,7 +1757,7 @@
     </p:spTree>
     <p:extLst>
       <p:ext uri="{BB962C8B-B14F-4D97-AF65-F5344CB8AC3E}">
-        <p14:creationId xmlns:p14="http://schemas.microsoft.com/office/powerpoint/2010/main" val="2172304551"/>
+        <p14:creationId xmlns:p14="http://schemas.microsoft.com/office/powerpoint/2010/main" val="4112569218"/>
       </p:ext>
     </p:extLst>
   </p:cSld>
@@ -1787,7 +1811,18 @@
           <a:bodyPr/>
           <a:lstStyle/>
           <a:p>
-            <a:endParaRPr lang="en-CA" dirty="0"/>
+            <a:r>
+              <a:rPr lang="en-CA" dirty="0"/>
+              <a:t>We’re </a:t>
+            </a:r>
+            <a:r>
+              <a:rPr lang="en-CA" dirty="0" err="1"/>
+              <a:t>gonna</a:t>
+            </a:r>
+            <a:r>
+              <a:rPr lang="en-CA" dirty="0"/>
+              <a:t> touch on more threats to internal validity now. </a:t>
+            </a:r>
           </a:p>
         </p:txBody>
       </p:sp>
@@ -1817,7 +1852,7 @@
     </p:spTree>
     <p:extLst>
       <p:ext uri="{BB962C8B-B14F-4D97-AF65-F5344CB8AC3E}">
-        <p14:creationId xmlns:p14="http://schemas.microsoft.com/office/powerpoint/2010/main" val="4112569218"/>
+        <p14:creationId xmlns:p14="http://schemas.microsoft.com/office/powerpoint/2010/main" val="3822100541"/>
       </p:ext>
     </p:extLst>
   </p:cSld>
@@ -1872,16 +1907,8 @@
           <a:lstStyle/>
           <a:p>
             <a:r>
-              <a:rPr lang="en-CA" dirty="0"/>
-              <a:t>We’re </a:t>
-            </a:r>
-            <a:r>
-              <a:rPr lang="en-CA" dirty="0" err="1"/>
-              <a:t>gonna</a:t>
-            </a:r>
-            <a:r>
-              <a:rPr lang="en-CA" dirty="0"/>
-              <a:t> touch on more threats to internal validity now. </a:t>
+              <a:rPr lang="en-US" dirty="0"/>
+              <a:t>I don’t think they did a super good job dealing with this. Their limitations are all “fake” limitations. </a:t>
             </a:r>
           </a:p>
         </p:txBody>
@@ -1912,7 +1939,7 @@
     </p:spTree>
     <p:extLst>
       <p:ext uri="{BB962C8B-B14F-4D97-AF65-F5344CB8AC3E}">
-        <p14:creationId xmlns:p14="http://schemas.microsoft.com/office/powerpoint/2010/main" val="3822100541"/>
+        <p14:creationId xmlns:p14="http://schemas.microsoft.com/office/powerpoint/2010/main" val="345144341"/>
       </p:ext>
     </p:extLst>
   </p:cSld>
@@ -1967,8 +1994,8 @@
           <a:lstStyle/>
           <a:p>
             <a:r>
-              <a:rPr lang="en-US" dirty="0"/>
-              <a:t>I don’t think they did a super good job dealing with this. Their limitations are all “fake” limitations. </a:t>
+              <a:rPr lang="en-CA" dirty="0"/>
+              <a:t>What are these saying? </a:t>
             </a:r>
           </a:p>
         </p:txBody>
@@ -1991,93 +2018,6 @@
             <a:fld id="{4AF79E1B-2C51-4B9B-8EA4-26DE9E345AFF}" type="slidenum">
               <a:rPr lang="en-US" smtClean="0"/>
               <a:t>24</a:t>
-            </a:fld>
-            <a:endParaRPr lang="en-US"/>
-          </a:p>
-        </p:txBody>
-      </p:sp>
-    </p:spTree>
-    <p:extLst>
-      <p:ext uri="{BB962C8B-B14F-4D97-AF65-F5344CB8AC3E}">
-        <p14:creationId xmlns:p14="http://schemas.microsoft.com/office/powerpoint/2010/main" val="345144341"/>
-      </p:ext>
-    </p:extLst>
-  </p:cSld>
-  <p:clrMapOvr>
-    <a:masterClrMapping/>
-  </p:clrMapOvr>
-</p:notes>
-</file>
-
-<file path=ppt/notesSlides/notesSlide25.xml><?xml version="1.0" encoding="utf-8"?>
-<p:notes xmlns:a="http://schemas.openxmlformats.org/drawingml/2006/main" xmlns:r="http://schemas.openxmlformats.org/officeDocument/2006/relationships" xmlns:p="http://schemas.openxmlformats.org/presentationml/2006/main">
-  <p:cSld>
-    <p:spTree>
-      <p:nvGrpSpPr>
-        <p:cNvPr id="1" name=""/>
-        <p:cNvGrpSpPr/>
-        <p:nvPr/>
-      </p:nvGrpSpPr>
-      <p:grpSpPr>
-        <a:xfrm>
-          <a:off x="0" y="0"/>
-          <a:ext cx="0" cy="0"/>
-          <a:chOff x="0" y="0"/>
-          <a:chExt cx="0" cy="0"/>
-        </a:xfrm>
-      </p:grpSpPr>
-      <p:sp>
-        <p:nvSpPr>
-          <p:cNvPr id="2" name="Slide Image Placeholder 1"/>
-          <p:cNvSpPr>
-            <a:spLocks noGrp="1" noRot="1" noChangeAspect="1"/>
-          </p:cNvSpPr>
-          <p:nvPr>
-            <p:ph type="sldImg"/>
-          </p:nvPr>
-        </p:nvSpPr>
-        <p:spPr/>
-      </p:sp>
-      <p:sp>
-        <p:nvSpPr>
-          <p:cNvPr id="3" name="Notes Placeholder 2"/>
-          <p:cNvSpPr>
-            <a:spLocks noGrp="1"/>
-          </p:cNvSpPr>
-          <p:nvPr>
-            <p:ph type="body" idx="1"/>
-          </p:nvPr>
-        </p:nvSpPr>
-        <p:spPr/>
-        <p:txBody>
-          <a:bodyPr/>
-          <a:lstStyle/>
-          <a:p>
-            <a:r>
-              <a:rPr lang="en-CA" dirty="0"/>
-              <a:t>What are these saying? </a:t>
-            </a:r>
-          </a:p>
-        </p:txBody>
-      </p:sp>
-      <p:sp>
-        <p:nvSpPr>
-          <p:cNvPr id="4" name="Slide Number Placeholder 3"/>
-          <p:cNvSpPr>
-            <a:spLocks noGrp="1"/>
-          </p:cNvSpPr>
-          <p:nvPr>
-            <p:ph type="sldNum" sz="quarter" idx="5"/>
-          </p:nvPr>
-        </p:nvSpPr>
-        <p:spPr/>
-        <p:txBody>
-          <a:bodyPr/>
-          <a:lstStyle/>
-          <a:p>
-            <a:fld id="{4AF79E1B-2C51-4B9B-8EA4-26DE9E345AFF}" type="slidenum">
-              <a:rPr lang="en-US" smtClean="0"/>
-              <a:t>25</a:t>
             </a:fld>
             <a:endParaRPr lang="en-US"/>
           </a:p>
@@ -2096,7 +2036,7 @@
 </p:notes>
 </file>
 
-<file path=ppt/notesSlides/notesSlide26.xml><?xml version="1.0" encoding="utf-8"?>
+<file path=ppt/notesSlides/notesSlide25.xml><?xml version="1.0" encoding="utf-8"?>
 <p:notes xmlns:a="http://schemas.openxmlformats.org/drawingml/2006/main" xmlns:r="http://schemas.openxmlformats.org/officeDocument/2006/relationships" xmlns:p="http://schemas.openxmlformats.org/presentationml/2006/main">
   <p:cSld>
     <p:spTree>
@@ -2446,7 +2386,7 @@
           <a:p>
             <a:fld id="{4AF79E1B-2C51-4B9B-8EA4-26DE9E345AFF}" type="slidenum">
               <a:rPr lang="en-US" smtClean="0"/>
-              <a:t>26</a:t>
+              <a:t>25</a:t>
             </a:fld>
             <a:endParaRPr lang="en-US"/>
           </a:p>
@@ -2456,6 +2396,342 @@
     <p:extLst>
       <p:ext uri="{BB962C8B-B14F-4D97-AF65-F5344CB8AC3E}">
         <p14:creationId xmlns:p14="http://schemas.microsoft.com/office/powerpoint/2010/main" val="79921231"/>
+      </p:ext>
+    </p:extLst>
+  </p:cSld>
+  <p:clrMapOvr>
+    <a:masterClrMapping/>
+  </p:clrMapOvr>
+</p:notes>
+</file>
+
+<file path=ppt/notesSlides/notesSlide26.xml><?xml version="1.0" encoding="utf-8"?>
+<p:notes xmlns:a="http://schemas.openxmlformats.org/drawingml/2006/main" xmlns:r="http://schemas.openxmlformats.org/officeDocument/2006/relationships" xmlns:p="http://schemas.openxmlformats.org/presentationml/2006/main">
+  <p:cSld>
+    <p:spTree>
+      <p:nvGrpSpPr>
+        <p:cNvPr id="1" name=""/>
+        <p:cNvGrpSpPr/>
+        <p:nvPr/>
+      </p:nvGrpSpPr>
+      <p:grpSpPr>
+        <a:xfrm>
+          <a:off x="0" y="0"/>
+          <a:ext cx="0" cy="0"/>
+          <a:chOff x="0" y="0"/>
+          <a:chExt cx="0" cy="0"/>
+        </a:xfrm>
+      </p:grpSpPr>
+      <p:sp>
+        <p:nvSpPr>
+          <p:cNvPr id="2" name="Slide Image Placeholder 1"/>
+          <p:cNvSpPr>
+            <a:spLocks noGrp="1" noRot="1" noChangeAspect="1"/>
+          </p:cNvSpPr>
+          <p:nvPr>
+            <p:ph type="sldImg"/>
+          </p:nvPr>
+        </p:nvSpPr>
+        <p:spPr/>
+      </p:sp>
+      <p:sp>
+        <p:nvSpPr>
+          <p:cNvPr id="3" name="Notes Placeholder 2"/>
+          <p:cNvSpPr>
+            <a:spLocks noGrp="1"/>
+          </p:cNvSpPr>
+          <p:nvPr>
+            <p:ph type="body" idx="1"/>
+          </p:nvPr>
+        </p:nvSpPr>
+        <p:spPr/>
+        <p:txBody>
+          <a:bodyPr/>
+          <a:lstStyle/>
+          <a:p>
+            <a:endParaRPr lang="en-US" dirty="0"/>
+          </a:p>
+        </p:txBody>
+      </p:sp>
+      <p:sp>
+        <p:nvSpPr>
+          <p:cNvPr id="4" name="Slide Number Placeholder 3"/>
+          <p:cNvSpPr>
+            <a:spLocks noGrp="1"/>
+          </p:cNvSpPr>
+          <p:nvPr>
+            <p:ph type="sldNum" sz="quarter" idx="5"/>
+          </p:nvPr>
+        </p:nvSpPr>
+        <p:spPr/>
+        <p:txBody>
+          <a:bodyPr/>
+          <a:lstStyle/>
+          <a:p>
+            <a:fld id="{4AF79E1B-2C51-4B9B-8EA4-26DE9E345AFF}" type="slidenum">
+              <a:rPr lang="en-US" smtClean="0"/>
+              <a:t>26</a:t>
+            </a:fld>
+            <a:endParaRPr lang="en-US"/>
+          </a:p>
+        </p:txBody>
+      </p:sp>
+    </p:spTree>
+    <p:extLst>
+      <p:ext uri="{BB962C8B-B14F-4D97-AF65-F5344CB8AC3E}">
+        <p14:creationId xmlns:p14="http://schemas.microsoft.com/office/powerpoint/2010/main" val="1485835297"/>
+      </p:ext>
+    </p:extLst>
+  </p:cSld>
+  <p:clrMapOvr>
+    <a:masterClrMapping/>
+  </p:clrMapOvr>
+</p:notes>
+</file>
+
+<file path=ppt/notesSlides/notesSlide27.xml><?xml version="1.0" encoding="utf-8"?>
+<p:notes xmlns:a="http://schemas.openxmlformats.org/drawingml/2006/main" xmlns:r="http://schemas.openxmlformats.org/officeDocument/2006/relationships" xmlns:p="http://schemas.openxmlformats.org/presentationml/2006/main">
+  <p:cSld>
+    <p:spTree>
+      <p:nvGrpSpPr>
+        <p:cNvPr id="1" name=""/>
+        <p:cNvGrpSpPr/>
+        <p:nvPr/>
+      </p:nvGrpSpPr>
+      <p:grpSpPr>
+        <a:xfrm>
+          <a:off x="0" y="0"/>
+          <a:ext cx="0" cy="0"/>
+          <a:chOff x="0" y="0"/>
+          <a:chExt cx="0" cy="0"/>
+        </a:xfrm>
+      </p:grpSpPr>
+      <p:sp>
+        <p:nvSpPr>
+          <p:cNvPr id="2" name="Slide Image Placeholder 1"/>
+          <p:cNvSpPr>
+            <a:spLocks noGrp="1" noRot="1" noChangeAspect="1"/>
+          </p:cNvSpPr>
+          <p:nvPr>
+            <p:ph type="sldImg"/>
+          </p:nvPr>
+        </p:nvSpPr>
+        <p:spPr/>
+      </p:sp>
+      <p:sp>
+        <p:nvSpPr>
+          <p:cNvPr id="3" name="Notes Placeholder 2"/>
+          <p:cNvSpPr>
+            <a:spLocks noGrp="1"/>
+          </p:cNvSpPr>
+          <p:nvPr>
+            <p:ph type="body" idx="1"/>
+          </p:nvPr>
+        </p:nvSpPr>
+        <p:spPr/>
+        <p:txBody>
+          <a:bodyPr/>
+          <a:lstStyle/>
+          <a:p>
+            <a:endParaRPr lang="en-US" dirty="0"/>
+          </a:p>
+        </p:txBody>
+      </p:sp>
+      <p:sp>
+        <p:nvSpPr>
+          <p:cNvPr id="4" name="Slide Number Placeholder 3"/>
+          <p:cNvSpPr>
+            <a:spLocks noGrp="1"/>
+          </p:cNvSpPr>
+          <p:nvPr>
+            <p:ph type="sldNum" sz="quarter" idx="5"/>
+          </p:nvPr>
+        </p:nvSpPr>
+        <p:spPr/>
+        <p:txBody>
+          <a:bodyPr/>
+          <a:lstStyle/>
+          <a:p>
+            <a:fld id="{4AF79E1B-2C51-4B9B-8EA4-26DE9E345AFF}" type="slidenum">
+              <a:rPr lang="en-US" smtClean="0"/>
+              <a:t>27</a:t>
+            </a:fld>
+            <a:endParaRPr lang="en-US"/>
+          </a:p>
+        </p:txBody>
+      </p:sp>
+    </p:spTree>
+    <p:extLst>
+      <p:ext uri="{BB962C8B-B14F-4D97-AF65-F5344CB8AC3E}">
+        <p14:creationId xmlns:p14="http://schemas.microsoft.com/office/powerpoint/2010/main" val="2284488900"/>
+      </p:ext>
+    </p:extLst>
+  </p:cSld>
+  <p:clrMapOvr>
+    <a:masterClrMapping/>
+  </p:clrMapOvr>
+</p:notes>
+</file>
+
+<file path=ppt/notesSlides/notesSlide28.xml><?xml version="1.0" encoding="utf-8"?>
+<p:notes xmlns:a="http://schemas.openxmlformats.org/drawingml/2006/main" xmlns:r="http://schemas.openxmlformats.org/officeDocument/2006/relationships" xmlns:p="http://schemas.openxmlformats.org/presentationml/2006/main">
+  <p:cSld>
+    <p:spTree>
+      <p:nvGrpSpPr>
+        <p:cNvPr id="1" name=""/>
+        <p:cNvGrpSpPr/>
+        <p:nvPr/>
+      </p:nvGrpSpPr>
+      <p:grpSpPr>
+        <a:xfrm>
+          <a:off x="0" y="0"/>
+          <a:ext cx="0" cy="0"/>
+          <a:chOff x="0" y="0"/>
+          <a:chExt cx="0" cy="0"/>
+        </a:xfrm>
+      </p:grpSpPr>
+      <p:sp>
+        <p:nvSpPr>
+          <p:cNvPr id="2" name="Slide Image Placeholder 1"/>
+          <p:cNvSpPr>
+            <a:spLocks noGrp="1" noRot="1" noChangeAspect="1"/>
+          </p:cNvSpPr>
+          <p:nvPr>
+            <p:ph type="sldImg"/>
+          </p:nvPr>
+        </p:nvSpPr>
+        <p:spPr/>
+      </p:sp>
+      <p:sp>
+        <p:nvSpPr>
+          <p:cNvPr id="3" name="Notes Placeholder 2"/>
+          <p:cNvSpPr>
+            <a:spLocks noGrp="1"/>
+          </p:cNvSpPr>
+          <p:nvPr>
+            <p:ph type="body" idx="1"/>
+          </p:nvPr>
+        </p:nvSpPr>
+        <p:spPr/>
+        <p:txBody>
+          <a:bodyPr/>
+          <a:lstStyle/>
+          <a:p>
+            <a:endParaRPr lang="en-US" dirty="0"/>
+          </a:p>
+        </p:txBody>
+      </p:sp>
+      <p:sp>
+        <p:nvSpPr>
+          <p:cNvPr id="4" name="Slide Number Placeholder 3"/>
+          <p:cNvSpPr>
+            <a:spLocks noGrp="1"/>
+          </p:cNvSpPr>
+          <p:nvPr>
+            <p:ph type="sldNum" sz="quarter" idx="5"/>
+          </p:nvPr>
+        </p:nvSpPr>
+        <p:spPr/>
+        <p:txBody>
+          <a:bodyPr/>
+          <a:lstStyle/>
+          <a:p>
+            <a:fld id="{4AF79E1B-2C51-4B9B-8EA4-26DE9E345AFF}" type="slidenum">
+              <a:rPr lang="en-US" smtClean="0"/>
+              <a:t>28</a:t>
+            </a:fld>
+            <a:endParaRPr lang="en-US"/>
+          </a:p>
+        </p:txBody>
+      </p:sp>
+    </p:spTree>
+    <p:extLst>
+      <p:ext uri="{BB962C8B-B14F-4D97-AF65-F5344CB8AC3E}">
+        <p14:creationId xmlns:p14="http://schemas.microsoft.com/office/powerpoint/2010/main" val="1657245300"/>
+      </p:ext>
+    </p:extLst>
+  </p:cSld>
+  <p:clrMapOvr>
+    <a:masterClrMapping/>
+  </p:clrMapOvr>
+</p:notes>
+</file>
+
+<file path=ppt/notesSlides/notesSlide29.xml><?xml version="1.0" encoding="utf-8"?>
+<p:notes xmlns:a="http://schemas.openxmlformats.org/drawingml/2006/main" xmlns:r="http://schemas.openxmlformats.org/officeDocument/2006/relationships" xmlns:p="http://schemas.openxmlformats.org/presentationml/2006/main">
+  <p:cSld>
+    <p:spTree>
+      <p:nvGrpSpPr>
+        <p:cNvPr id="1" name=""/>
+        <p:cNvGrpSpPr/>
+        <p:nvPr/>
+      </p:nvGrpSpPr>
+      <p:grpSpPr>
+        <a:xfrm>
+          <a:off x="0" y="0"/>
+          <a:ext cx="0" cy="0"/>
+          <a:chOff x="0" y="0"/>
+          <a:chExt cx="0" cy="0"/>
+        </a:xfrm>
+      </p:grpSpPr>
+      <p:sp>
+        <p:nvSpPr>
+          <p:cNvPr id="2" name="Slide Image Placeholder 1"/>
+          <p:cNvSpPr>
+            <a:spLocks noGrp="1" noRot="1" noChangeAspect="1"/>
+          </p:cNvSpPr>
+          <p:nvPr>
+            <p:ph type="sldImg"/>
+          </p:nvPr>
+        </p:nvSpPr>
+        <p:spPr/>
+      </p:sp>
+      <p:sp>
+        <p:nvSpPr>
+          <p:cNvPr id="3" name="Notes Placeholder 2"/>
+          <p:cNvSpPr>
+            <a:spLocks noGrp="1"/>
+          </p:cNvSpPr>
+          <p:nvPr>
+            <p:ph type="body" idx="1"/>
+          </p:nvPr>
+        </p:nvSpPr>
+        <p:spPr/>
+        <p:txBody>
+          <a:bodyPr/>
+          <a:lstStyle/>
+          <a:p>
+            <a:endParaRPr lang="en-US" dirty="0"/>
+          </a:p>
+        </p:txBody>
+      </p:sp>
+      <p:sp>
+        <p:nvSpPr>
+          <p:cNvPr id="4" name="Slide Number Placeholder 3"/>
+          <p:cNvSpPr>
+            <a:spLocks noGrp="1"/>
+          </p:cNvSpPr>
+          <p:nvPr>
+            <p:ph type="sldNum" sz="quarter" idx="5"/>
+          </p:nvPr>
+        </p:nvSpPr>
+        <p:spPr/>
+        <p:txBody>
+          <a:bodyPr/>
+          <a:lstStyle/>
+          <a:p>
+            <a:fld id="{4AF79E1B-2C51-4B9B-8EA4-26DE9E345AFF}" type="slidenum">
+              <a:rPr lang="en-US" smtClean="0"/>
+              <a:t>29</a:t>
+            </a:fld>
+            <a:endParaRPr lang="en-US"/>
+          </a:p>
+        </p:txBody>
+      </p:sp>
+    </p:spTree>
+    <p:extLst>
+      <p:ext uri="{BB962C8B-B14F-4D97-AF65-F5344CB8AC3E}">
+        <p14:creationId xmlns:p14="http://schemas.microsoft.com/office/powerpoint/2010/main" val="1615139983"/>
       </p:ext>
     </p:extLst>
   </p:cSld>
@@ -2834,6 +3110,867 @@
 </p:notes>
 </file>
 
+<file path=ppt/notesSlides/notesSlide30.xml><?xml version="1.0" encoding="utf-8"?>
+<p:notes xmlns:a="http://schemas.openxmlformats.org/drawingml/2006/main" xmlns:r="http://schemas.openxmlformats.org/officeDocument/2006/relationships" xmlns:p="http://schemas.openxmlformats.org/presentationml/2006/main">
+  <p:cSld>
+    <p:spTree>
+      <p:nvGrpSpPr>
+        <p:cNvPr id="1" name=""/>
+        <p:cNvGrpSpPr/>
+        <p:nvPr/>
+      </p:nvGrpSpPr>
+      <p:grpSpPr>
+        <a:xfrm>
+          <a:off x="0" y="0"/>
+          <a:ext cx="0" cy="0"/>
+          <a:chOff x="0" y="0"/>
+          <a:chExt cx="0" cy="0"/>
+        </a:xfrm>
+      </p:grpSpPr>
+      <p:sp>
+        <p:nvSpPr>
+          <p:cNvPr id="2" name="Slide Image Placeholder 1"/>
+          <p:cNvSpPr>
+            <a:spLocks noGrp="1" noRot="1" noChangeAspect="1"/>
+          </p:cNvSpPr>
+          <p:nvPr>
+            <p:ph type="sldImg"/>
+          </p:nvPr>
+        </p:nvSpPr>
+        <p:spPr/>
+      </p:sp>
+      <p:sp>
+        <p:nvSpPr>
+          <p:cNvPr id="3" name="Notes Placeholder 2"/>
+          <p:cNvSpPr>
+            <a:spLocks noGrp="1"/>
+          </p:cNvSpPr>
+          <p:nvPr>
+            <p:ph type="body" idx="1"/>
+          </p:nvPr>
+        </p:nvSpPr>
+        <p:spPr/>
+        <p:txBody>
+          <a:bodyPr/>
+          <a:lstStyle/>
+          <a:p>
+            <a:endParaRPr lang="en-US" dirty="0"/>
+          </a:p>
+        </p:txBody>
+      </p:sp>
+      <p:sp>
+        <p:nvSpPr>
+          <p:cNvPr id="4" name="Slide Number Placeholder 3"/>
+          <p:cNvSpPr>
+            <a:spLocks noGrp="1"/>
+          </p:cNvSpPr>
+          <p:nvPr>
+            <p:ph type="sldNum" sz="quarter" idx="5"/>
+          </p:nvPr>
+        </p:nvSpPr>
+        <p:spPr/>
+        <p:txBody>
+          <a:bodyPr/>
+          <a:lstStyle/>
+          <a:p>
+            <a:fld id="{4AF79E1B-2C51-4B9B-8EA4-26DE9E345AFF}" type="slidenum">
+              <a:rPr lang="en-US" smtClean="0"/>
+              <a:t>30</a:t>
+            </a:fld>
+            <a:endParaRPr lang="en-US"/>
+          </a:p>
+        </p:txBody>
+      </p:sp>
+    </p:spTree>
+    <p:extLst>
+      <p:ext uri="{BB962C8B-B14F-4D97-AF65-F5344CB8AC3E}">
+        <p14:creationId xmlns:p14="http://schemas.microsoft.com/office/powerpoint/2010/main" val="1093075128"/>
+      </p:ext>
+    </p:extLst>
+  </p:cSld>
+  <p:clrMapOvr>
+    <a:masterClrMapping/>
+  </p:clrMapOvr>
+</p:notes>
+</file>
+
+<file path=ppt/notesSlides/notesSlide31.xml><?xml version="1.0" encoding="utf-8"?>
+<p:notes xmlns:a="http://schemas.openxmlformats.org/drawingml/2006/main" xmlns:r="http://schemas.openxmlformats.org/officeDocument/2006/relationships" xmlns:p="http://schemas.openxmlformats.org/presentationml/2006/main">
+  <p:cSld>
+    <p:spTree>
+      <p:nvGrpSpPr>
+        <p:cNvPr id="1" name=""/>
+        <p:cNvGrpSpPr/>
+        <p:nvPr/>
+      </p:nvGrpSpPr>
+      <p:grpSpPr>
+        <a:xfrm>
+          <a:off x="0" y="0"/>
+          <a:ext cx="0" cy="0"/>
+          <a:chOff x="0" y="0"/>
+          <a:chExt cx="0" cy="0"/>
+        </a:xfrm>
+      </p:grpSpPr>
+      <p:sp>
+        <p:nvSpPr>
+          <p:cNvPr id="2" name="Slide Image Placeholder 1"/>
+          <p:cNvSpPr>
+            <a:spLocks noGrp="1" noRot="1" noChangeAspect="1"/>
+          </p:cNvSpPr>
+          <p:nvPr>
+            <p:ph type="sldImg"/>
+          </p:nvPr>
+        </p:nvSpPr>
+        <p:spPr/>
+      </p:sp>
+      <p:sp>
+        <p:nvSpPr>
+          <p:cNvPr id="3" name="Notes Placeholder 2"/>
+          <p:cNvSpPr>
+            <a:spLocks noGrp="1"/>
+          </p:cNvSpPr>
+          <p:nvPr>
+            <p:ph type="body" idx="1"/>
+          </p:nvPr>
+        </p:nvSpPr>
+        <p:spPr/>
+        <p:txBody>
+          <a:bodyPr/>
+          <a:lstStyle/>
+          <a:p>
+            <a:r>
+              <a:rPr lang="en-US" dirty="0"/>
+              <a:t>What does Table 1 here tell us? </a:t>
+            </a:r>
+          </a:p>
+        </p:txBody>
+      </p:sp>
+      <p:sp>
+        <p:nvSpPr>
+          <p:cNvPr id="4" name="Slide Number Placeholder 3"/>
+          <p:cNvSpPr>
+            <a:spLocks noGrp="1"/>
+          </p:cNvSpPr>
+          <p:nvPr>
+            <p:ph type="sldNum" sz="quarter" idx="5"/>
+          </p:nvPr>
+        </p:nvSpPr>
+        <p:spPr/>
+        <p:txBody>
+          <a:bodyPr/>
+          <a:lstStyle/>
+          <a:p>
+            <a:fld id="{4AF79E1B-2C51-4B9B-8EA4-26DE9E345AFF}" type="slidenum">
+              <a:rPr lang="en-US" smtClean="0"/>
+              <a:t>31</a:t>
+            </a:fld>
+            <a:endParaRPr lang="en-US"/>
+          </a:p>
+        </p:txBody>
+      </p:sp>
+    </p:spTree>
+    <p:extLst>
+      <p:ext uri="{BB962C8B-B14F-4D97-AF65-F5344CB8AC3E}">
+        <p14:creationId xmlns:p14="http://schemas.microsoft.com/office/powerpoint/2010/main" val="3153869028"/>
+      </p:ext>
+    </p:extLst>
+  </p:cSld>
+  <p:clrMapOvr>
+    <a:masterClrMapping/>
+  </p:clrMapOvr>
+</p:notes>
+</file>
+
+<file path=ppt/notesSlides/notesSlide32.xml><?xml version="1.0" encoding="utf-8"?>
+<p:notes xmlns:a="http://schemas.openxmlformats.org/drawingml/2006/main" xmlns:r="http://schemas.openxmlformats.org/officeDocument/2006/relationships" xmlns:p="http://schemas.openxmlformats.org/presentationml/2006/main">
+  <p:cSld>
+    <p:spTree>
+      <p:nvGrpSpPr>
+        <p:cNvPr id="1" name=""/>
+        <p:cNvGrpSpPr/>
+        <p:nvPr/>
+      </p:nvGrpSpPr>
+      <p:grpSpPr>
+        <a:xfrm>
+          <a:off x="0" y="0"/>
+          <a:ext cx="0" cy="0"/>
+          <a:chOff x="0" y="0"/>
+          <a:chExt cx="0" cy="0"/>
+        </a:xfrm>
+      </p:grpSpPr>
+      <p:sp>
+        <p:nvSpPr>
+          <p:cNvPr id="2" name="Slide Image Placeholder 1"/>
+          <p:cNvSpPr>
+            <a:spLocks noGrp="1" noRot="1" noChangeAspect="1"/>
+          </p:cNvSpPr>
+          <p:nvPr>
+            <p:ph type="sldImg"/>
+          </p:nvPr>
+        </p:nvSpPr>
+        <p:spPr/>
+      </p:sp>
+      <p:sp>
+        <p:nvSpPr>
+          <p:cNvPr id="3" name="Notes Placeholder 2"/>
+          <p:cNvSpPr>
+            <a:spLocks noGrp="1"/>
+          </p:cNvSpPr>
+          <p:nvPr>
+            <p:ph type="body" idx="1"/>
+          </p:nvPr>
+        </p:nvSpPr>
+        <p:spPr/>
+        <p:txBody>
+          <a:bodyPr/>
+          <a:lstStyle/>
+          <a:p>
+            <a:endParaRPr lang="en-US" dirty="0"/>
+          </a:p>
+        </p:txBody>
+      </p:sp>
+      <p:sp>
+        <p:nvSpPr>
+          <p:cNvPr id="4" name="Slide Number Placeholder 3"/>
+          <p:cNvSpPr>
+            <a:spLocks noGrp="1"/>
+          </p:cNvSpPr>
+          <p:nvPr>
+            <p:ph type="sldNum" sz="quarter" idx="5"/>
+          </p:nvPr>
+        </p:nvSpPr>
+        <p:spPr/>
+        <p:txBody>
+          <a:bodyPr/>
+          <a:lstStyle/>
+          <a:p>
+            <a:fld id="{4AF79E1B-2C51-4B9B-8EA4-26DE9E345AFF}" type="slidenum">
+              <a:rPr lang="en-US" smtClean="0"/>
+              <a:t>32</a:t>
+            </a:fld>
+            <a:endParaRPr lang="en-US"/>
+          </a:p>
+        </p:txBody>
+      </p:sp>
+    </p:spTree>
+    <p:extLst>
+      <p:ext uri="{BB962C8B-B14F-4D97-AF65-F5344CB8AC3E}">
+        <p14:creationId xmlns:p14="http://schemas.microsoft.com/office/powerpoint/2010/main" val="2480835458"/>
+      </p:ext>
+    </p:extLst>
+  </p:cSld>
+  <p:clrMapOvr>
+    <a:masterClrMapping/>
+  </p:clrMapOvr>
+</p:notes>
+</file>
+
+<file path=ppt/notesSlides/notesSlide33.xml><?xml version="1.0" encoding="utf-8"?>
+<p:notes xmlns:a="http://schemas.openxmlformats.org/drawingml/2006/main" xmlns:r="http://schemas.openxmlformats.org/officeDocument/2006/relationships" xmlns:p="http://schemas.openxmlformats.org/presentationml/2006/main">
+  <p:cSld>
+    <p:spTree>
+      <p:nvGrpSpPr>
+        <p:cNvPr id="1" name=""/>
+        <p:cNvGrpSpPr/>
+        <p:nvPr/>
+      </p:nvGrpSpPr>
+      <p:grpSpPr>
+        <a:xfrm>
+          <a:off x="0" y="0"/>
+          <a:ext cx="0" cy="0"/>
+          <a:chOff x="0" y="0"/>
+          <a:chExt cx="0" cy="0"/>
+        </a:xfrm>
+      </p:grpSpPr>
+      <p:sp>
+        <p:nvSpPr>
+          <p:cNvPr id="2" name="Slide Image Placeholder 1"/>
+          <p:cNvSpPr>
+            <a:spLocks noGrp="1" noRot="1" noChangeAspect="1"/>
+          </p:cNvSpPr>
+          <p:nvPr>
+            <p:ph type="sldImg"/>
+          </p:nvPr>
+        </p:nvSpPr>
+        <p:spPr/>
+      </p:sp>
+      <p:sp>
+        <p:nvSpPr>
+          <p:cNvPr id="3" name="Notes Placeholder 2"/>
+          <p:cNvSpPr>
+            <a:spLocks noGrp="1"/>
+          </p:cNvSpPr>
+          <p:nvPr>
+            <p:ph type="body" idx="1"/>
+          </p:nvPr>
+        </p:nvSpPr>
+        <p:spPr/>
+        <p:txBody>
+          <a:bodyPr/>
+          <a:lstStyle/>
+          <a:p>
+            <a:r>
+              <a:rPr lang="en-US" dirty="0"/>
+              <a:t>What did they do here? </a:t>
+            </a:r>
+          </a:p>
+        </p:txBody>
+      </p:sp>
+      <p:sp>
+        <p:nvSpPr>
+          <p:cNvPr id="4" name="Slide Number Placeholder 3"/>
+          <p:cNvSpPr>
+            <a:spLocks noGrp="1"/>
+          </p:cNvSpPr>
+          <p:nvPr>
+            <p:ph type="sldNum" sz="quarter" idx="5"/>
+          </p:nvPr>
+        </p:nvSpPr>
+        <p:spPr/>
+        <p:txBody>
+          <a:bodyPr/>
+          <a:lstStyle/>
+          <a:p>
+            <a:fld id="{4AF79E1B-2C51-4B9B-8EA4-26DE9E345AFF}" type="slidenum">
+              <a:rPr lang="en-US" smtClean="0"/>
+              <a:t>33</a:t>
+            </a:fld>
+            <a:endParaRPr lang="en-US"/>
+          </a:p>
+        </p:txBody>
+      </p:sp>
+    </p:spTree>
+    <p:extLst>
+      <p:ext uri="{BB962C8B-B14F-4D97-AF65-F5344CB8AC3E}">
+        <p14:creationId xmlns:p14="http://schemas.microsoft.com/office/powerpoint/2010/main" val="821076985"/>
+      </p:ext>
+    </p:extLst>
+  </p:cSld>
+  <p:clrMapOvr>
+    <a:masterClrMapping/>
+  </p:clrMapOvr>
+</p:notes>
+</file>
+
+<file path=ppt/notesSlides/notesSlide34.xml><?xml version="1.0" encoding="utf-8"?>
+<p:notes xmlns:a="http://schemas.openxmlformats.org/drawingml/2006/main" xmlns:r="http://schemas.openxmlformats.org/officeDocument/2006/relationships" xmlns:p="http://schemas.openxmlformats.org/presentationml/2006/main">
+  <p:cSld>
+    <p:spTree>
+      <p:nvGrpSpPr>
+        <p:cNvPr id="1" name=""/>
+        <p:cNvGrpSpPr/>
+        <p:nvPr/>
+      </p:nvGrpSpPr>
+      <p:grpSpPr>
+        <a:xfrm>
+          <a:off x="0" y="0"/>
+          <a:ext cx="0" cy="0"/>
+          <a:chOff x="0" y="0"/>
+          <a:chExt cx="0" cy="0"/>
+        </a:xfrm>
+      </p:grpSpPr>
+      <p:sp>
+        <p:nvSpPr>
+          <p:cNvPr id="2" name="Slide Image Placeholder 1"/>
+          <p:cNvSpPr>
+            <a:spLocks noGrp="1" noRot="1" noChangeAspect="1"/>
+          </p:cNvSpPr>
+          <p:nvPr>
+            <p:ph type="sldImg"/>
+          </p:nvPr>
+        </p:nvSpPr>
+        <p:spPr/>
+      </p:sp>
+      <p:sp>
+        <p:nvSpPr>
+          <p:cNvPr id="3" name="Notes Placeholder 2"/>
+          <p:cNvSpPr>
+            <a:spLocks noGrp="1"/>
+          </p:cNvSpPr>
+          <p:nvPr>
+            <p:ph type="body" idx="1"/>
+          </p:nvPr>
+        </p:nvSpPr>
+        <p:spPr/>
+        <p:txBody>
+          <a:bodyPr/>
+          <a:lstStyle/>
+          <a:p>
+            <a:r>
+              <a:rPr lang="en-US" dirty="0"/>
+              <a:t>What did they do here? </a:t>
+            </a:r>
+          </a:p>
+        </p:txBody>
+      </p:sp>
+      <p:sp>
+        <p:nvSpPr>
+          <p:cNvPr id="4" name="Slide Number Placeholder 3"/>
+          <p:cNvSpPr>
+            <a:spLocks noGrp="1"/>
+          </p:cNvSpPr>
+          <p:nvPr>
+            <p:ph type="sldNum" sz="quarter" idx="5"/>
+          </p:nvPr>
+        </p:nvSpPr>
+        <p:spPr/>
+        <p:txBody>
+          <a:bodyPr/>
+          <a:lstStyle/>
+          <a:p>
+            <a:fld id="{4AF79E1B-2C51-4B9B-8EA4-26DE9E345AFF}" type="slidenum">
+              <a:rPr lang="en-US" smtClean="0"/>
+              <a:t>34</a:t>
+            </a:fld>
+            <a:endParaRPr lang="en-US"/>
+          </a:p>
+        </p:txBody>
+      </p:sp>
+    </p:spTree>
+    <p:extLst>
+      <p:ext uri="{BB962C8B-B14F-4D97-AF65-F5344CB8AC3E}">
+        <p14:creationId xmlns:p14="http://schemas.microsoft.com/office/powerpoint/2010/main" val="391643880"/>
+      </p:ext>
+    </p:extLst>
+  </p:cSld>
+  <p:clrMapOvr>
+    <a:masterClrMapping/>
+  </p:clrMapOvr>
+</p:notes>
+</file>
+
+<file path=ppt/notesSlides/notesSlide35.xml><?xml version="1.0" encoding="utf-8"?>
+<p:notes xmlns:a="http://schemas.openxmlformats.org/drawingml/2006/main" xmlns:r="http://schemas.openxmlformats.org/officeDocument/2006/relationships" xmlns:p="http://schemas.openxmlformats.org/presentationml/2006/main">
+  <p:cSld>
+    <p:spTree>
+      <p:nvGrpSpPr>
+        <p:cNvPr id="1" name=""/>
+        <p:cNvGrpSpPr/>
+        <p:nvPr/>
+      </p:nvGrpSpPr>
+      <p:grpSpPr>
+        <a:xfrm>
+          <a:off x="0" y="0"/>
+          <a:ext cx="0" cy="0"/>
+          <a:chOff x="0" y="0"/>
+          <a:chExt cx="0" cy="0"/>
+        </a:xfrm>
+      </p:grpSpPr>
+      <p:sp>
+        <p:nvSpPr>
+          <p:cNvPr id="2" name="Slide Image Placeholder 1"/>
+          <p:cNvSpPr>
+            <a:spLocks noGrp="1" noRot="1" noChangeAspect="1"/>
+          </p:cNvSpPr>
+          <p:nvPr>
+            <p:ph type="sldImg"/>
+          </p:nvPr>
+        </p:nvSpPr>
+        <p:spPr/>
+      </p:sp>
+      <p:sp>
+        <p:nvSpPr>
+          <p:cNvPr id="3" name="Notes Placeholder 2"/>
+          <p:cNvSpPr>
+            <a:spLocks noGrp="1"/>
+          </p:cNvSpPr>
+          <p:nvPr>
+            <p:ph type="body" idx="1"/>
+          </p:nvPr>
+        </p:nvSpPr>
+        <p:spPr/>
+        <p:txBody>
+          <a:bodyPr/>
+          <a:lstStyle/>
+          <a:p>
+            <a:endParaRPr lang="en-US" dirty="0"/>
+          </a:p>
+        </p:txBody>
+      </p:sp>
+      <p:sp>
+        <p:nvSpPr>
+          <p:cNvPr id="4" name="Slide Number Placeholder 3"/>
+          <p:cNvSpPr>
+            <a:spLocks noGrp="1"/>
+          </p:cNvSpPr>
+          <p:nvPr>
+            <p:ph type="sldNum" sz="quarter" idx="5"/>
+          </p:nvPr>
+        </p:nvSpPr>
+        <p:spPr/>
+        <p:txBody>
+          <a:bodyPr/>
+          <a:lstStyle/>
+          <a:p>
+            <a:fld id="{4AF79E1B-2C51-4B9B-8EA4-26DE9E345AFF}" type="slidenum">
+              <a:rPr lang="en-US" smtClean="0"/>
+              <a:t>35</a:t>
+            </a:fld>
+            <a:endParaRPr lang="en-US"/>
+          </a:p>
+        </p:txBody>
+      </p:sp>
+    </p:spTree>
+    <p:extLst>
+      <p:ext uri="{BB962C8B-B14F-4D97-AF65-F5344CB8AC3E}">
+        <p14:creationId xmlns:p14="http://schemas.microsoft.com/office/powerpoint/2010/main" val="2378158438"/>
+      </p:ext>
+    </p:extLst>
+  </p:cSld>
+  <p:clrMapOvr>
+    <a:masterClrMapping/>
+  </p:clrMapOvr>
+</p:notes>
+</file>
+
+<file path=ppt/notesSlides/notesSlide36.xml><?xml version="1.0" encoding="utf-8"?>
+<p:notes xmlns:a="http://schemas.openxmlformats.org/drawingml/2006/main" xmlns:r="http://schemas.openxmlformats.org/officeDocument/2006/relationships" xmlns:p="http://schemas.openxmlformats.org/presentationml/2006/main">
+  <p:cSld>
+    <p:spTree>
+      <p:nvGrpSpPr>
+        <p:cNvPr id="1" name=""/>
+        <p:cNvGrpSpPr/>
+        <p:nvPr/>
+      </p:nvGrpSpPr>
+      <p:grpSpPr>
+        <a:xfrm>
+          <a:off x="0" y="0"/>
+          <a:ext cx="0" cy="0"/>
+          <a:chOff x="0" y="0"/>
+          <a:chExt cx="0" cy="0"/>
+        </a:xfrm>
+      </p:grpSpPr>
+      <p:sp>
+        <p:nvSpPr>
+          <p:cNvPr id="2" name="Slide Image Placeholder 1"/>
+          <p:cNvSpPr>
+            <a:spLocks noGrp="1" noRot="1" noChangeAspect="1"/>
+          </p:cNvSpPr>
+          <p:nvPr>
+            <p:ph type="sldImg"/>
+          </p:nvPr>
+        </p:nvSpPr>
+        <p:spPr/>
+      </p:sp>
+      <p:sp>
+        <p:nvSpPr>
+          <p:cNvPr id="3" name="Notes Placeholder 2"/>
+          <p:cNvSpPr>
+            <a:spLocks noGrp="1"/>
+          </p:cNvSpPr>
+          <p:nvPr>
+            <p:ph type="body" idx="1"/>
+          </p:nvPr>
+        </p:nvSpPr>
+        <p:spPr/>
+        <p:txBody>
+          <a:bodyPr/>
+          <a:lstStyle/>
+          <a:p>
+            <a:r>
+              <a:rPr lang="en-US" dirty="0"/>
+              <a:t>What did they do here? </a:t>
+            </a:r>
+          </a:p>
+        </p:txBody>
+      </p:sp>
+      <p:sp>
+        <p:nvSpPr>
+          <p:cNvPr id="4" name="Slide Number Placeholder 3"/>
+          <p:cNvSpPr>
+            <a:spLocks noGrp="1"/>
+          </p:cNvSpPr>
+          <p:nvPr>
+            <p:ph type="sldNum" sz="quarter" idx="5"/>
+          </p:nvPr>
+        </p:nvSpPr>
+        <p:spPr/>
+        <p:txBody>
+          <a:bodyPr/>
+          <a:lstStyle/>
+          <a:p>
+            <a:fld id="{4AF79E1B-2C51-4B9B-8EA4-26DE9E345AFF}" type="slidenum">
+              <a:rPr lang="en-US" smtClean="0"/>
+              <a:t>36</a:t>
+            </a:fld>
+            <a:endParaRPr lang="en-US"/>
+          </a:p>
+        </p:txBody>
+      </p:sp>
+    </p:spTree>
+    <p:extLst>
+      <p:ext uri="{BB962C8B-B14F-4D97-AF65-F5344CB8AC3E}">
+        <p14:creationId xmlns:p14="http://schemas.microsoft.com/office/powerpoint/2010/main" val="2073511175"/>
+      </p:ext>
+    </p:extLst>
+  </p:cSld>
+  <p:clrMapOvr>
+    <a:masterClrMapping/>
+  </p:clrMapOvr>
+</p:notes>
+</file>
+
+<file path=ppt/notesSlides/notesSlide37.xml><?xml version="1.0" encoding="utf-8"?>
+<p:notes xmlns:a="http://schemas.openxmlformats.org/drawingml/2006/main" xmlns:r="http://schemas.openxmlformats.org/officeDocument/2006/relationships" xmlns:p="http://schemas.openxmlformats.org/presentationml/2006/main">
+  <p:cSld>
+    <p:spTree>
+      <p:nvGrpSpPr>
+        <p:cNvPr id="1" name=""/>
+        <p:cNvGrpSpPr/>
+        <p:nvPr/>
+      </p:nvGrpSpPr>
+      <p:grpSpPr>
+        <a:xfrm>
+          <a:off x="0" y="0"/>
+          <a:ext cx="0" cy="0"/>
+          <a:chOff x="0" y="0"/>
+          <a:chExt cx="0" cy="0"/>
+        </a:xfrm>
+      </p:grpSpPr>
+      <p:sp>
+        <p:nvSpPr>
+          <p:cNvPr id="2" name="Slide Image Placeholder 1"/>
+          <p:cNvSpPr>
+            <a:spLocks noGrp="1" noRot="1" noChangeAspect="1"/>
+          </p:cNvSpPr>
+          <p:nvPr>
+            <p:ph type="sldImg"/>
+          </p:nvPr>
+        </p:nvSpPr>
+        <p:spPr/>
+      </p:sp>
+      <p:sp>
+        <p:nvSpPr>
+          <p:cNvPr id="3" name="Notes Placeholder 2"/>
+          <p:cNvSpPr>
+            <a:spLocks noGrp="1"/>
+          </p:cNvSpPr>
+          <p:nvPr>
+            <p:ph type="body" idx="1"/>
+          </p:nvPr>
+        </p:nvSpPr>
+        <p:spPr/>
+        <p:txBody>
+          <a:bodyPr/>
+          <a:lstStyle/>
+          <a:p>
+            <a:r>
+              <a:rPr lang="en-US" dirty="0"/>
+              <a:t>What did they do here? </a:t>
+            </a:r>
+          </a:p>
+        </p:txBody>
+      </p:sp>
+      <p:sp>
+        <p:nvSpPr>
+          <p:cNvPr id="4" name="Slide Number Placeholder 3"/>
+          <p:cNvSpPr>
+            <a:spLocks noGrp="1"/>
+          </p:cNvSpPr>
+          <p:nvPr>
+            <p:ph type="sldNum" sz="quarter" idx="5"/>
+          </p:nvPr>
+        </p:nvSpPr>
+        <p:spPr/>
+        <p:txBody>
+          <a:bodyPr/>
+          <a:lstStyle/>
+          <a:p>
+            <a:fld id="{4AF79E1B-2C51-4B9B-8EA4-26DE9E345AFF}" type="slidenum">
+              <a:rPr lang="en-US" smtClean="0"/>
+              <a:t>37</a:t>
+            </a:fld>
+            <a:endParaRPr lang="en-US"/>
+          </a:p>
+        </p:txBody>
+      </p:sp>
+    </p:spTree>
+    <p:extLst>
+      <p:ext uri="{BB962C8B-B14F-4D97-AF65-F5344CB8AC3E}">
+        <p14:creationId xmlns:p14="http://schemas.microsoft.com/office/powerpoint/2010/main" val="3544419289"/>
+      </p:ext>
+    </p:extLst>
+  </p:cSld>
+  <p:clrMapOvr>
+    <a:masterClrMapping/>
+  </p:clrMapOvr>
+</p:notes>
+</file>
+
+<file path=ppt/notesSlides/notesSlide38.xml><?xml version="1.0" encoding="utf-8"?>
+<p:notes xmlns:a="http://schemas.openxmlformats.org/drawingml/2006/main" xmlns:r="http://schemas.openxmlformats.org/officeDocument/2006/relationships" xmlns:p="http://schemas.openxmlformats.org/presentationml/2006/main">
+  <p:cSld>
+    <p:spTree>
+      <p:nvGrpSpPr>
+        <p:cNvPr id="1" name=""/>
+        <p:cNvGrpSpPr/>
+        <p:nvPr/>
+      </p:nvGrpSpPr>
+      <p:grpSpPr>
+        <a:xfrm>
+          <a:off x="0" y="0"/>
+          <a:ext cx="0" cy="0"/>
+          <a:chOff x="0" y="0"/>
+          <a:chExt cx="0" cy="0"/>
+        </a:xfrm>
+      </p:grpSpPr>
+      <p:sp>
+        <p:nvSpPr>
+          <p:cNvPr id="2" name="Slide Image Placeholder 1"/>
+          <p:cNvSpPr>
+            <a:spLocks noGrp="1" noRot="1" noChangeAspect="1"/>
+          </p:cNvSpPr>
+          <p:nvPr>
+            <p:ph type="sldImg"/>
+          </p:nvPr>
+        </p:nvSpPr>
+        <p:spPr/>
+      </p:sp>
+      <p:sp>
+        <p:nvSpPr>
+          <p:cNvPr id="3" name="Notes Placeholder 2"/>
+          <p:cNvSpPr>
+            <a:spLocks noGrp="1"/>
+          </p:cNvSpPr>
+          <p:nvPr>
+            <p:ph type="body" idx="1"/>
+          </p:nvPr>
+        </p:nvSpPr>
+        <p:spPr/>
+        <p:txBody>
+          <a:bodyPr/>
+          <a:lstStyle/>
+          <a:p>
+            <a:r>
+              <a:rPr lang="en-US" dirty="0"/>
+              <a:t>What did they do here? </a:t>
+            </a:r>
+          </a:p>
+        </p:txBody>
+      </p:sp>
+      <p:sp>
+        <p:nvSpPr>
+          <p:cNvPr id="4" name="Slide Number Placeholder 3"/>
+          <p:cNvSpPr>
+            <a:spLocks noGrp="1"/>
+          </p:cNvSpPr>
+          <p:nvPr>
+            <p:ph type="sldNum" sz="quarter" idx="5"/>
+          </p:nvPr>
+        </p:nvSpPr>
+        <p:spPr/>
+        <p:txBody>
+          <a:bodyPr/>
+          <a:lstStyle/>
+          <a:p>
+            <a:fld id="{4AF79E1B-2C51-4B9B-8EA4-26DE9E345AFF}" type="slidenum">
+              <a:rPr lang="en-US" smtClean="0"/>
+              <a:t>38</a:t>
+            </a:fld>
+            <a:endParaRPr lang="en-US"/>
+          </a:p>
+        </p:txBody>
+      </p:sp>
+    </p:spTree>
+    <p:extLst>
+      <p:ext uri="{BB962C8B-B14F-4D97-AF65-F5344CB8AC3E}">
+        <p14:creationId xmlns:p14="http://schemas.microsoft.com/office/powerpoint/2010/main" val="2528547765"/>
+      </p:ext>
+    </p:extLst>
+  </p:cSld>
+  <p:clrMapOvr>
+    <a:masterClrMapping/>
+  </p:clrMapOvr>
+</p:notes>
+</file>
+
+<file path=ppt/notesSlides/notesSlide39.xml><?xml version="1.0" encoding="utf-8"?>
+<p:notes xmlns:a="http://schemas.openxmlformats.org/drawingml/2006/main" xmlns:r="http://schemas.openxmlformats.org/officeDocument/2006/relationships" xmlns:p="http://schemas.openxmlformats.org/presentationml/2006/main">
+  <p:cSld>
+    <p:spTree>
+      <p:nvGrpSpPr>
+        <p:cNvPr id="1" name=""/>
+        <p:cNvGrpSpPr/>
+        <p:nvPr/>
+      </p:nvGrpSpPr>
+      <p:grpSpPr>
+        <a:xfrm>
+          <a:off x="0" y="0"/>
+          <a:ext cx="0" cy="0"/>
+          <a:chOff x="0" y="0"/>
+          <a:chExt cx="0" cy="0"/>
+        </a:xfrm>
+      </p:grpSpPr>
+      <p:sp>
+        <p:nvSpPr>
+          <p:cNvPr id="2" name="Slide Image Placeholder 1"/>
+          <p:cNvSpPr>
+            <a:spLocks noGrp="1" noRot="1" noChangeAspect="1"/>
+          </p:cNvSpPr>
+          <p:nvPr>
+            <p:ph type="sldImg"/>
+          </p:nvPr>
+        </p:nvSpPr>
+        <p:spPr/>
+      </p:sp>
+      <p:sp>
+        <p:nvSpPr>
+          <p:cNvPr id="3" name="Notes Placeholder 2"/>
+          <p:cNvSpPr>
+            <a:spLocks noGrp="1"/>
+          </p:cNvSpPr>
+          <p:nvPr>
+            <p:ph type="body" idx="1"/>
+          </p:nvPr>
+        </p:nvSpPr>
+        <p:spPr/>
+        <p:txBody>
+          <a:bodyPr/>
+          <a:lstStyle/>
+          <a:p>
+            <a:r>
+              <a:rPr lang="en-US" dirty="0"/>
+              <a:t>What did they do here? </a:t>
+            </a:r>
+          </a:p>
+        </p:txBody>
+      </p:sp>
+      <p:sp>
+        <p:nvSpPr>
+          <p:cNvPr id="4" name="Slide Number Placeholder 3"/>
+          <p:cNvSpPr>
+            <a:spLocks noGrp="1"/>
+          </p:cNvSpPr>
+          <p:nvPr>
+            <p:ph type="sldNum" sz="quarter" idx="5"/>
+          </p:nvPr>
+        </p:nvSpPr>
+        <p:spPr/>
+        <p:txBody>
+          <a:bodyPr/>
+          <a:lstStyle/>
+          <a:p>
+            <a:fld id="{4AF79E1B-2C51-4B9B-8EA4-26DE9E345AFF}" type="slidenum">
+              <a:rPr lang="en-US" smtClean="0"/>
+              <a:t>39</a:t>
+            </a:fld>
+            <a:endParaRPr lang="en-US"/>
+          </a:p>
+        </p:txBody>
+      </p:sp>
+    </p:spTree>
+    <p:extLst>
+      <p:ext uri="{BB962C8B-B14F-4D97-AF65-F5344CB8AC3E}">
+        <p14:creationId xmlns:p14="http://schemas.microsoft.com/office/powerpoint/2010/main" val="4209690449"/>
+      </p:ext>
+    </p:extLst>
+  </p:cSld>
+  <p:clrMapOvr>
+    <a:masterClrMapping/>
+  </p:clrMapOvr>
+</p:notes>
+</file>
+
 <file path=ppt/notesSlides/notesSlide4.xml><?xml version="1.0" encoding="utf-8"?>
 <p:notes xmlns:a="http://schemas.openxmlformats.org/drawingml/2006/main" xmlns:r="http://schemas.openxmlformats.org/officeDocument/2006/relationships" xmlns:p="http://schemas.openxmlformats.org/presentationml/2006/main">
   <p:cSld>
@@ -2919,7 +4056,859 @@
     </p:spTree>
     <p:extLst>
       <p:ext uri="{BB962C8B-B14F-4D97-AF65-F5344CB8AC3E}">
-        <p14:creationId xmlns:p14="http://schemas.microsoft.com/office/powerpoint/2010/main" val="977192831"/>
+        <p14:creationId xmlns:p14="http://schemas.microsoft.com/office/powerpoint/2010/main" val="3420859155"/>
+      </p:ext>
+    </p:extLst>
+  </p:cSld>
+  <p:clrMapOvr>
+    <a:masterClrMapping/>
+  </p:clrMapOvr>
+</p:notes>
+</file>
+
+<file path=ppt/notesSlides/notesSlide40.xml><?xml version="1.0" encoding="utf-8"?>
+<p:notes xmlns:a="http://schemas.openxmlformats.org/drawingml/2006/main" xmlns:r="http://schemas.openxmlformats.org/officeDocument/2006/relationships" xmlns:p="http://schemas.openxmlformats.org/presentationml/2006/main">
+  <p:cSld>
+    <p:spTree>
+      <p:nvGrpSpPr>
+        <p:cNvPr id="1" name=""/>
+        <p:cNvGrpSpPr/>
+        <p:nvPr/>
+      </p:nvGrpSpPr>
+      <p:grpSpPr>
+        <a:xfrm>
+          <a:off x="0" y="0"/>
+          <a:ext cx="0" cy="0"/>
+          <a:chOff x="0" y="0"/>
+          <a:chExt cx="0" cy="0"/>
+        </a:xfrm>
+      </p:grpSpPr>
+      <p:sp>
+        <p:nvSpPr>
+          <p:cNvPr id="2" name="Slide Image Placeholder 1"/>
+          <p:cNvSpPr>
+            <a:spLocks noGrp="1" noRot="1" noChangeAspect="1"/>
+          </p:cNvSpPr>
+          <p:nvPr>
+            <p:ph type="sldImg"/>
+          </p:nvPr>
+        </p:nvSpPr>
+        <p:spPr/>
+      </p:sp>
+      <p:sp>
+        <p:nvSpPr>
+          <p:cNvPr id="3" name="Notes Placeholder 2"/>
+          <p:cNvSpPr>
+            <a:spLocks noGrp="1"/>
+          </p:cNvSpPr>
+          <p:nvPr>
+            <p:ph type="body" idx="1"/>
+          </p:nvPr>
+        </p:nvSpPr>
+        <p:spPr/>
+        <p:txBody>
+          <a:bodyPr/>
+          <a:lstStyle/>
+          <a:p>
+            <a:r>
+              <a:rPr lang="en-US" dirty="0"/>
+              <a:t>Comes from supplement, go over in a little bit of detail</a:t>
+            </a:r>
+          </a:p>
+        </p:txBody>
+      </p:sp>
+      <p:sp>
+        <p:nvSpPr>
+          <p:cNvPr id="4" name="Slide Number Placeholder 3"/>
+          <p:cNvSpPr>
+            <a:spLocks noGrp="1"/>
+          </p:cNvSpPr>
+          <p:nvPr>
+            <p:ph type="sldNum" sz="quarter" idx="5"/>
+          </p:nvPr>
+        </p:nvSpPr>
+        <p:spPr/>
+        <p:txBody>
+          <a:bodyPr/>
+          <a:lstStyle/>
+          <a:p>
+            <a:fld id="{4AF79E1B-2C51-4B9B-8EA4-26DE9E345AFF}" type="slidenum">
+              <a:rPr lang="en-US" smtClean="0"/>
+              <a:t>40</a:t>
+            </a:fld>
+            <a:endParaRPr lang="en-US"/>
+          </a:p>
+        </p:txBody>
+      </p:sp>
+    </p:spTree>
+    <p:extLst>
+      <p:ext uri="{BB962C8B-B14F-4D97-AF65-F5344CB8AC3E}">
+        <p14:creationId xmlns:p14="http://schemas.microsoft.com/office/powerpoint/2010/main" val="3130913519"/>
+      </p:ext>
+    </p:extLst>
+  </p:cSld>
+  <p:clrMapOvr>
+    <a:masterClrMapping/>
+  </p:clrMapOvr>
+</p:notes>
+</file>
+
+<file path=ppt/notesSlides/notesSlide41.xml><?xml version="1.0" encoding="utf-8"?>
+<p:notes xmlns:a="http://schemas.openxmlformats.org/drawingml/2006/main" xmlns:r="http://schemas.openxmlformats.org/officeDocument/2006/relationships" xmlns:p="http://schemas.openxmlformats.org/presentationml/2006/main">
+  <p:cSld>
+    <p:spTree>
+      <p:nvGrpSpPr>
+        <p:cNvPr id="1" name=""/>
+        <p:cNvGrpSpPr/>
+        <p:nvPr/>
+      </p:nvGrpSpPr>
+      <p:grpSpPr>
+        <a:xfrm>
+          <a:off x="0" y="0"/>
+          <a:ext cx="0" cy="0"/>
+          <a:chOff x="0" y="0"/>
+          <a:chExt cx="0" cy="0"/>
+        </a:xfrm>
+      </p:grpSpPr>
+      <p:sp>
+        <p:nvSpPr>
+          <p:cNvPr id="2" name="Slide Image Placeholder 1"/>
+          <p:cNvSpPr>
+            <a:spLocks noGrp="1" noRot="1" noChangeAspect="1"/>
+          </p:cNvSpPr>
+          <p:nvPr>
+            <p:ph type="sldImg"/>
+          </p:nvPr>
+        </p:nvSpPr>
+        <p:spPr/>
+      </p:sp>
+      <p:sp>
+        <p:nvSpPr>
+          <p:cNvPr id="3" name="Notes Placeholder 2"/>
+          <p:cNvSpPr>
+            <a:spLocks noGrp="1"/>
+          </p:cNvSpPr>
+          <p:nvPr>
+            <p:ph type="body" idx="1"/>
+          </p:nvPr>
+        </p:nvSpPr>
+        <p:spPr/>
+        <p:txBody>
+          <a:bodyPr/>
+          <a:lstStyle/>
+          <a:p>
+            <a:r>
+              <a:rPr lang="en-US" dirty="0"/>
+              <a:t>Comes from supplement, go over in a little bit of detail</a:t>
+            </a:r>
+          </a:p>
+        </p:txBody>
+      </p:sp>
+      <p:sp>
+        <p:nvSpPr>
+          <p:cNvPr id="4" name="Slide Number Placeholder 3"/>
+          <p:cNvSpPr>
+            <a:spLocks noGrp="1"/>
+          </p:cNvSpPr>
+          <p:nvPr>
+            <p:ph type="sldNum" sz="quarter" idx="5"/>
+          </p:nvPr>
+        </p:nvSpPr>
+        <p:spPr/>
+        <p:txBody>
+          <a:bodyPr/>
+          <a:lstStyle/>
+          <a:p>
+            <a:fld id="{4AF79E1B-2C51-4B9B-8EA4-26DE9E345AFF}" type="slidenum">
+              <a:rPr lang="en-US" smtClean="0"/>
+              <a:t>41</a:t>
+            </a:fld>
+            <a:endParaRPr lang="en-US"/>
+          </a:p>
+        </p:txBody>
+      </p:sp>
+    </p:spTree>
+    <p:extLst>
+      <p:ext uri="{BB962C8B-B14F-4D97-AF65-F5344CB8AC3E}">
+        <p14:creationId xmlns:p14="http://schemas.microsoft.com/office/powerpoint/2010/main" val="470029752"/>
+      </p:ext>
+    </p:extLst>
+  </p:cSld>
+  <p:clrMapOvr>
+    <a:masterClrMapping/>
+  </p:clrMapOvr>
+</p:notes>
+</file>
+
+<file path=ppt/notesSlides/notesSlide42.xml><?xml version="1.0" encoding="utf-8"?>
+<p:notes xmlns:a="http://schemas.openxmlformats.org/drawingml/2006/main" xmlns:r="http://schemas.openxmlformats.org/officeDocument/2006/relationships" xmlns:p="http://schemas.openxmlformats.org/presentationml/2006/main">
+  <p:cSld>
+    <p:spTree>
+      <p:nvGrpSpPr>
+        <p:cNvPr id="1" name=""/>
+        <p:cNvGrpSpPr/>
+        <p:nvPr/>
+      </p:nvGrpSpPr>
+      <p:grpSpPr>
+        <a:xfrm>
+          <a:off x="0" y="0"/>
+          <a:ext cx="0" cy="0"/>
+          <a:chOff x="0" y="0"/>
+          <a:chExt cx="0" cy="0"/>
+        </a:xfrm>
+      </p:grpSpPr>
+      <p:sp>
+        <p:nvSpPr>
+          <p:cNvPr id="2" name="Slide Image Placeholder 1"/>
+          <p:cNvSpPr>
+            <a:spLocks noGrp="1" noRot="1" noChangeAspect="1"/>
+          </p:cNvSpPr>
+          <p:nvPr>
+            <p:ph type="sldImg"/>
+          </p:nvPr>
+        </p:nvSpPr>
+        <p:spPr/>
+      </p:sp>
+      <p:sp>
+        <p:nvSpPr>
+          <p:cNvPr id="3" name="Notes Placeholder 2"/>
+          <p:cNvSpPr>
+            <a:spLocks noGrp="1"/>
+          </p:cNvSpPr>
+          <p:nvPr>
+            <p:ph type="body" idx="1"/>
+          </p:nvPr>
+        </p:nvSpPr>
+        <p:spPr/>
+        <p:txBody>
+          <a:bodyPr/>
+          <a:lstStyle/>
+          <a:p>
+            <a:endParaRPr lang="en-US" dirty="0"/>
+          </a:p>
+        </p:txBody>
+      </p:sp>
+      <p:sp>
+        <p:nvSpPr>
+          <p:cNvPr id="4" name="Slide Number Placeholder 3"/>
+          <p:cNvSpPr>
+            <a:spLocks noGrp="1"/>
+          </p:cNvSpPr>
+          <p:nvPr>
+            <p:ph type="sldNum" sz="quarter" idx="5"/>
+          </p:nvPr>
+        </p:nvSpPr>
+        <p:spPr/>
+        <p:txBody>
+          <a:bodyPr/>
+          <a:lstStyle/>
+          <a:p>
+            <a:fld id="{4AF79E1B-2C51-4B9B-8EA4-26DE9E345AFF}" type="slidenum">
+              <a:rPr lang="en-US" smtClean="0"/>
+              <a:t>42</a:t>
+            </a:fld>
+            <a:endParaRPr lang="en-US"/>
+          </a:p>
+        </p:txBody>
+      </p:sp>
+    </p:spTree>
+    <p:extLst>
+      <p:ext uri="{BB962C8B-B14F-4D97-AF65-F5344CB8AC3E}">
+        <p14:creationId xmlns:p14="http://schemas.microsoft.com/office/powerpoint/2010/main" val="798527676"/>
+      </p:ext>
+    </p:extLst>
+  </p:cSld>
+  <p:clrMapOvr>
+    <a:masterClrMapping/>
+  </p:clrMapOvr>
+</p:notes>
+</file>
+
+<file path=ppt/notesSlides/notesSlide43.xml><?xml version="1.0" encoding="utf-8"?>
+<p:notes xmlns:a="http://schemas.openxmlformats.org/drawingml/2006/main" xmlns:r="http://schemas.openxmlformats.org/officeDocument/2006/relationships" xmlns:p="http://schemas.openxmlformats.org/presentationml/2006/main">
+  <p:cSld>
+    <p:spTree>
+      <p:nvGrpSpPr>
+        <p:cNvPr id="1" name=""/>
+        <p:cNvGrpSpPr/>
+        <p:nvPr/>
+      </p:nvGrpSpPr>
+      <p:grpSpPr>
+        <a:xfrm>
+          <a:off x="0" y="0"/>
+          <a:ext cx="0" cy="0"/>
+          <a:chOff x="0" y="0"/>
+          <a:chExt cx="0" cy="0"/>
+        </a:xfrm>
+      </p:grpSpPr>
+      <p:sp>
+        <p:nvSpPr>
+          <p:cNvPr id="2" name="Slide Image Placeholder 1"/>
+          <p:cNvSpPr>
+            <a:spLocks noGrp="1" noRot="1" noChangeAspect="1"/>
+          </p:cNvSpPr>
+          <p:nvPr>
+            <p:ph type="sldImg"/>
+          </p:nvPr>
+        </p:nvSpPr>
+        <p:spPr/>
+      </p:sp>
+      <p:sp>
+        <p:nvSpPr>
+          <p:cNvPr id="3" name="Notes Placeholder 2"/>
+          <p:cNvSpPr>
+            <a:spLocks noGrp="1"/>
+          </p:cNvSpPr>
+          <p:nvPr>
+            <p:ph type="body" idx="1"/>
+          </p:nvPr>
+        </p:nvSpPr>
+        <p:spPr/>
+        <p:txBody>
+          <a:bodyPr/>
+          <a:lstStyle/>
+          <a:p>
+            <a:r>
+              <a:rPr lang="en-US" dirty="0"/>
+              <a:t>What did they do here? </a:t>
+            </a:r>
+          </a:p>
+        </p:txBody>
+      </p:sp>
+      <p:sp>
+        <p:nvSpPr>
+          <p:cNvPr id="4" name="Slide Number Placeholder 3"/>
+          <p:cNvSpPr>
+            <a:spLocks noGrp="1"/>
+          </p:cNvSpPr>
+          <p:nvPr>
+            <p:ph type="sldNum" sz="quarter" idx="5"/>
+          </p:nvPr>
+        </p:nvSpPr>
+        <p:spPr/>
+        <p:txBody>
+          <a:bodyPr/>
+          <a:lstStyle/>
+          <a:p>
+            <a:fld id="{4AF79E1B-2C51-4B9B-8EA4-26DE9E345AFF}" type="slidenum">
+              <a:rPr lang="en-US" smtClean="0"/>
+              <a:t>43</a:t>
+            </a:fld>
+            <a:endParaRPr lang="en-US"/>
+          </a:p>
+        </p:txBody>
+      </p:sp>
+    </p:spTree>
+    <p:extLst>
+      <p:ext uri="{BB962C8B-B14F-4D97-AF65-F5344CB8AC3E}">
+        <p14:creationId xmlns:p14="http://schemas.microsoft.com/office/powerpoint/2010/main" val="1821734871"/>
+      </p:ext>
+    </p:extLst>
+  </p:cSld>
+  <p:clrMapOvr>
+    <a:masterClrMapping/>
+  </p:clrMapOvr>
+</p:notes>
+</file>
+
+<file path=ppt/notesSlides/notesSlide44.xml><?xml version="1.0" encoding="utf-8"?>
+<p:notes xmlns:a="http://schemas.openxmlformats.org/drawingml/2006/main" xmlns:r="http://schemas.openxmlformats.org/officeDocument/2006/relationships" xmlns:p="http://schemas.openxmlformats.org/presentationml/2006/main">
+  <p:cSld>
+    <p:spTree>
+      <p:nvGrpSpPr>
+        <p:cNvPr id="1" name=""/>
+        <p:cNvGrpSpPr/>
+        <p:nvPr/>
+      </p:nvGrpSpPr>
+      <p:grpSpPr>
+        <a:xfrm>
+          <a:off x="0" y="0"/>
+          <a:ext cx="0" cy="0"/>
+          <a:chOff x="0" y="0"/>
+          <a:chExt cx="0" cy="0"/>
+        </a:xfrm>
+      </p:grpSpPr>
+      <p:sp>
+        <p:nvSpPr>
+          <p:cNvPr id="2" name="Slide Image Placeholder 1"/>
+          <p:cNvSpPr>
+            <a:spLocks noGrp="1" noRot="1" noChangeAspect="1"/>
+          </p:cNvSpPr>
+          <p:nvPr>
+            <p:ph type="sldImg"/>
+          </p:nvPr>
+        </p:nvSpPr>
+        <p:spPr/>
+      </p:sp>
+      <p:sp>
+        <p:nvSpPr>
+          <p:cNvPr id="3" name="Notes Placeholder 2"/>
+          <p:cNvSpPr>
+            <a:spLocks noGrp="1"/>
+          </p:cNvSpPr>
+          <p:nvPr>
+            <p:ph type="body" idx="1"/>
+          </p:nvPr>
+        </p:nvSpPr>
+        <p:spPr/>
+        <p:txBody>
+          <a:bodyPr/>
+          <a:lstStyle/>
+          <a:p>
+            <a:r>
+              <a:rPr lang="en-US" dirty="0"/>
+              <a:t>Recall n=57. The likelihood here is “being engaged” but the table/text treats it differently. Confusing!</a:t>
+            </a:r>
+          </a:p>
+        </p:txBody>
+      </p:sp>
+      <p:sp>
+        <p:nvSpPr>
+          <p:cNvPr id="4" name="Slide Number Placeholder 3"/>
+          <p:cNvSpPr>
+            <a:spLocks noGrp="1"/>
+          </p:cNvSpPr>
+          <p:nvPr>
+            <p:ph type="sldNum" sz="quarter" idx="5"/>
+          </p:nvPr>
+        </p:nvSpPr>
+        <p:spPr/>
+        <p:txBody>
+          <a:bodyPr/>
+          <a:lstStyle/>
+          <a:p>
+            <a:fld id="{4AF79E1B-2C51-4B9B-8EA4-26DE9E345AFF}" type="slidenum">
+              <a:rPr lang="en-US" smtClean="0"/>
+              <a:t>44</a:t>
+            </a:fld>
+            <a:endParaRPr lang="en-US"/>
+          </a:p>
+        </p:txBody>
+      </p:sp>
+    </p:spTree>
+    <p:extLst>
+      <p:ext uri="{BB962C8B-B14F-4D97-AF65-F5344CB8AC3E}">
+        <p14:creationId xmlns:p14="http://schemas.microsoft.com/office/powerpoint/2010/main" val="2440171620"/>
+      </p:ext>
+    </p:extLst>
+  </p:cSld>
+  <p:clrMapOvr>
+    <a:masterClrMapping/>
+  </p:clrMapOvr>
+</p:notes>
+</file>
+
+<file path=ppt/notesSlides/notesSlide45.xml><?xml version="1.0" encoding="utf-8"?>
+<p:notes xmlns:a="http://schemas.openxmlformats.org/drawingml/2006/main" xmlns:r="http://schemas.openxmlformats.org/officeDocument/2006/relationships" xmlns:p="http://schemas.openxmlformats.org/presentationml/2006/main">
+  <p:cSld>
+    <p:spTree>
+      <p:nvGrpSpPr>
+        <p:cNvPr id="1" name=""/>
+        <p:cNvGrpSpPr/>
+        <p:nvPr/>
+      </p:nvGrpSpPr>
+      <p:grpSpPr>
+        <a:xfrm>
+          <a:off x="0" y="0"/>
+          <a:ext cx="0" cy="0"/>
+          <a:chOff x="0" y="0"/>
+          <a:chExt cx="0" cy="0"/>
+        </a:xfrm>
+      </p:grpSpPr>
+      <p:sp>
+        <p:nvSpPr>
+          <p:cNvPr id="2" name="Slide Image Placeholder 1"/>
+          <p:cNvSpPr>
+            <a:spLocks noGrp="1" noRot="1" noChangeAspect="1"/>
+          </p:cNvSpPr>
+          <p:nvPr>
+            <p:ph type="sldImg"/>
+          </p:nvPr>
+        </p:nvSpPr>
+        <p:spPr/>
+      </p:sp>
+      <p:sp>
+        <p:nvSpPr>
+          <p:cNvPr id="3" name="Notes Placeholder 2"/>
+          <p:cNvSpPr>
+            <a:spLocks noGrp="1"/>
+          </p:cNvSpPr>
+          <p:nvPr>
+            <p:ph type="body" idx="1"/>
+          </p:nvPr>
+        </p:nvSpPr>
+        <p:spPr/>
+        <p:txBody>
+          <a:bodyPr/>
+          <a:lstStyle/>
+          <a:p>
+            <a:endParaRPr lang="en-US" dirty="0"/>
+          </a:p>
+        </p:txBody>
+      </p:sp>
+      <p:sp>
+        <p:nvSpPr>
+          <p:cNvPr id="4" name="Slide Number Placeholder 3"/>
+          <p:cNvSpPr>
+            <a:spLocks noGrp="1"/>
+          </p:cNvSpPr>
+          <p:nvPr>
+            <p:ph type="sldNum" sz="quarter" idx="5"/>
+          </p:nvPr>
+        </p:nvSpPr>
+        <p:spPr/>
+        <p:txBody>
+          <a:bodyPr/>
+          <a:lstStyle/>
+          <a:p>
+            <a:fld id="{4AF79E1B-2C51-4B9B-8EA4-26DE9E345AFF}" type="slidenum">
+              <a:rPr lang="en-US" smtClean="0"/>
+              <a:t>45</a:t>
+            </a:fld>
+            <a:endParaRPr lang="en-US"/>
+          </a:p>
+        </p:txBody>
+      </p:sp>
+    </p:spTree>
+    <p:extLst>
+      <p:ext uri="{BB962C8B-B14F-4D97-AF65-F5344CB8AC3E}">
+        <p14:creationId xmlns:p14="http://schemas.microsoft.com/office/powerpoint/2010/main" val="1889326001"/>
+      </p:ext>
+    </p:extLst>
+  </p:cSld>
+  <p:clrMapOvr>
+    <a:masterClrMapping/>
+  </p:clrMapOvr>
+</p:notes>
+</file>
+
+<file path=ppt/notesSlides/notesSlide46.xml><?xml version="1.0" encoding="utf-8"?>
+<p:notes xmlns:a="http://schemas.openxmlformats.org/drawingml/2006/main" xmlns:r="http://schemas.openxmlformats.org/officeDocument/2006/relationships" xmlns:p="http://schemas.openxmlformats.org/presentationml/2006/main">
+  <p:cSld>
+    <p:spTree>
+      <p:nvGrpSpPr>
+        <p:cNvPr id="1" name=""/>
+        <p:cNvGrpSpPr/>
+        <p:nvPr/>
+      </p:nvGrpSpPr>
+      <p:grpSpPr>
+        <a:xfrm>
+          <a:off x="0" y="0"/>
+          <a:ext cx="0" cy="0"/>
+          <a:chOff x="0" y="0"/>
+          <a:chExt cx="0" cy="0"/>
+        </a:xfrm>
+      </p:grpSpPr>
+      <p:sp>
+        <p:nvSpPr>
+          <p:cNvPr id="2" name="Slide Image Placeholder 1"/>
+          <p:cNvSpPr>
+            <a:spLocks noGrp="1" noRot="1" noChangeAspect="1"/>
+          </p:cNvSpPr>
+          <p:nvPr>
+            <p:ph type="sldImg"/>
+          </p:nvPr>
+        </p:nvSpPr>
+        <p:spPr/>
+      </p:sp>
+      <p:sp>
+        <p:nvSpPr>
+          <p:cNvPr id="3" name="Notes Placeholder 2"/>
+          <p:cNvSpPr>
+            <a:spLocks noGrp="1"/>
+          </p:cNvSpPr>
+          <p:nvPr>
+            <p:ph type="body" idx="1"/>
+          </p:nvPr>
+        </p:nvSpPr>
+        <p:spPr/>
+        <p:txBody>
+          <a:bodyPr/>
+          <a:lstStyle/>
+          <a:p>
+            <a:endParaRPr lang="en-US" dirty="0"/>
+          </a:p>
+        </p:txBody>
+      </p:sp>
+      <p:sp>
+        <p:nvSpPr>
+          <p:cNvPr id="4" name="Slide Number Placeholder 3"/>
+          <p:cNvSpPr>
+            <a:spLocks noGrp="1"/>
+          </p:cNvSpPr>
+          <p:nvPr>
+            <p:ph type="sldNum" sz="quarter" idx="5"/>
+          </p:nvPr>
+        </p:nvSpPr>
+        <p:spPr/>
+        <p:txBody>
+          <a:bodyPr/>
+          <a:lstStyle/>
+          <a:p>
+            <a:fld id="{4AF79E1B-2C51-4B9B-8EA4-26DE9E345AFF}" type="slidenum">
+              <a:rPr lang="en-US" smtClean="0"/>
+              <a:t>46</a:t>
+            </a:fld>
+            <a:endParaRPr lang="en-US"/>
+          </a:p>
+        </p:txBody>
+      </p:sp>
+    </p:spTree>
+    <p:extLst>
+      <p:ext uri="{BB962C8B-B14F-4D97-AF65-F5344CB8AC3E}">
+        <p14:creationId xmlns:p14="http://schemas.microsoft.com/office/powerpoint/2010/main" val="1903782446"/>
+      </p:ext>
+    </p:extLst>
+  </p:cSld>
+  <p:clrMapOvr>
+    <a:masterClrMapping/>
+  </p:clrMapOvr>
+</p:notes>
+</file>
+
+<file path=ppt/notesSlides/notesSlide47.xml><?xml version="1.0" encoding="utf-8"?>
+<p:notes xmlns:a="http://schemas.openxmlformats.org/drawingml/2006/main" xmlns:r="http://schemas.openxmlformats.org/officeDocument/2006/relationships" xmlns:p="http://schemas.openxmlformats.org/presentationml/2006/main">
+  <p:cSld>
+    <p:spTree>
+      <p:nvGrpSpPr>
+        <p:cNvPr id="1" name=""/>
+        <p:cNvGrpSpPr/>
+        <p:nvPr/>
+      </p:nvGrpSpPr>
+      <p:grpSpPr>
+        <a:xfrm>
+          <a:off x="0" y="0"/>
+          <a:ext cx="0" cy="0"/>
+          <a:chOff x="0" y="0"/>
+          <a:chExt cx="0" cy="0"/>
+        </a:xfrm>
+      </p:grpSpPr>
+      <p:sp>
+        <p:nvSpPr>
+          <p:cNvPr id="2" name="Slide Image Placeholder 1"/>
+          <p:cNvSpPr>
+            <a:spLocks noGrp="1" noRot="1" noChangeAspect="1"/>
+          </p:cNvSpPr>
+          <p:nvPr>
+            <p:ph type="sldImg"/>
+          </p:nvPr>
+        </p:nvSpPr>
+        <p:spPr/>
+      </p:sp>
+      <p:sp>
+        <p:nvSpPr>
+          <p:cNvPr id="3" name="Notes Placeholder 2"/>
+          <p:cNvSpPr>
+            <a:spLocks noGrp="1"/>
+          </p:cNvSpPr>
+          <p:nvPr>
+            <p:ph type="body" idx="1"/>
+          </p:nvPr>
+        </p:nvSpPr>
+        <p:spPr/>
+        <p:txBody>
+          <a:bodyPr/>
+          <a:lstStyle/>
+          <a:p>
+            <a:endParaRPr lang="en-US" dirty="0"/>
+          </a:p>
+        </p:txBody>
+      </p:sp>
+      <p:sp>
+        <p:nvSpPr>
+          <p:cNvPr id="4" name="Slide Number Placeholder 3"/>
+          <p:cNvSpPr>
+            <a:spLocks noGrp="1"/>
+          </p:cNvSpPr>
+          <p:nvPr>
+            <p:ph type="sldNum" sz="quarter" idx="5"/>
+          </p:nvPr>
+        </p:nvSpPr>
+        <p:spPr/>
+        <p:txBody>
+          <a:bodyPr/>
+          <a:lstStyle/>
+          <a:p>
+            <a:fld id="{4AF79E1B-2C51-4B9B-8EA4-26DE9E345AFF}" type="slidenum">
+              <a:rPr lang="en-US" smtClean="0"/>
+              <a:t>47</a:t>
+            </a:fld>
+            <a:endParaRPr lang="en-US"/>
+          </a:p>
+        </p:txBody>
+      </p:sp>
+    </p:spTree>
+    <p:extLst>
+      <p:ext uri="{BB962C8B-B14F-4D97-AF65-F5344CB8AC3E}">
+        <p14:creationId xmlns:p14="http://schemas.microsoft.com/office/powerpoint/2010/main" val="2435794044"/>
+      </p:ext>
+    </p:extLst>
+  </p:cSld>
+  <p:clrMapOvr>
+    <a:masterClrMapping/>
+  </p:clrMapOvr>
+</p:notes>
+</file>
+
+<file path=ppt/notesSlides/notesSlide48.xml><?xml version="1.0" encoding="utf-8"?>
+<p:notes xmlns:a="http://schemas.openxmlformats.org/drawingml/2006/main" xmlns:r="http://schemas.openxmlformats.org/officeDocument/2006/relationships" xmlns:p="http://schemas.openxmlformats.org/presentationml/2006/main">
+  <p:cSld>
+    <p:spTree>
+      <p:nvGrpSpPr>
+        <p:cNvPr id="1" name=""/>
+        <p:cNvGrpSpPr/>
+        <p:nvPr/>
+      </p:nvGrpSpPr>
+      <p:grpSpPr>
+        <a:xfrm>
+          <a:off x="0" y="0"/>
+          <a:ext cx="0" cy="0"/>
+          <a:chOff x="0" y="0"/>
+          <a:chExt cx="0" cy="0"/>
+        </a:xfrm>
+      </p:grpSpPr>
+      <p:sp>
+        <p:nvSpPr>
+          <p:cNvPr id="2" name="Slide Image Placeholder 1"/>
+          <p:cNvSpPr>
+            <a:spLocks noGrp="1" noRot="1" noChangeAspect="1"/>
+          </p:cNvSpPr>
+          <p:nvPr>
+            <p:ph type="sldImg"/>
+          </p:nvPr>
+        </p:nvSpPr>
+        <p:spPr/>
+      </p:sp>
+      <p:sp>
+        <p:nvSpPr>
+          <p:cNvPr id="3" name="Notes Placeholder 2"/>
+          <p:cNvSpPr>
+            <a:spLocks noGrp="1"/>
+          </p:cNvSpPr>
+          <p:nvPr>
+            <p:ph type="body" idx="1"/>
+          </p:nvPr>
+        </p:nvSpPr>
+        <p:spPr/>
+        <p:txBody>
+          <a:bodyPr/>
+          <a:lstStyle/>
+          <a:p>
+            <a:endParaRPr lang="en-US" dirty="0"/>
+          </a:p>
+        </p:txBody>
+      </p:sp>
+      <p:sp>
+        <p:nvSpPr>
+          <p:cNvPr id="4" name="Slide Number Placeholder 3"/>
+          <p:cNvSpPr>
+            <a:spLocks noGrp="1"/>
+          </p:cNvSpPr>
+          <p:nvPr>
+            <p:ph type="sldNum" sz="quarter" idx="5"/>
+          </p:nvPr>
+        </p:nvSpPr>
+        <p:spPr/>
+        <p:txBody>
+          <a:bodyPr/>
+          <a:lstStyle/>
+          <a:p>
+            <a:fld id="{4AF79E1B-2C51-4B9B-8EA4-26DE9E345AFF}" type="slidenum">
+              <a:rPr lang="en-US" smtClean="0"/>
+              <a:t>48</a:t>
+            </a:fld>
+            <a:endParaRPr lang="en-US"/>
+          </a:p>
+        </p:txBody>
+      </p:sp>
+    </p:spTree>
+    <p:extLst>
+      <p:ext uri="{BB962C8B-B14F-4D97-AF65-F5344CB8AC3E}">
+        <p14:creationId xmlns:p14="http://schemas.microsoft.com/office/powerpoint/2010/main" val="4070602718"/>
+      </p:ext>
+    </p:extLst>
+  </p:cSld>
+  <p:clrMapOvr>
+    <a:masterClrMapping/>
+  </p:clrMapOvr>
+</p:notes>
+</file>
+
+<file path=ppt/notesSlides/notesSlide49.xml><?xml version="1.0" encoding="utf-8"?>
+<p:notes xmlns:a="http://schemas.openxmlformats.org/drawingml/2006/main" xmlns:r="http://schemas.openxmlformats.org/officeDocument/2006/relationships" xmlns:p="http://schemas.openxmlformats.org/presentationml/2006/main">
+  <p:cSld>
+    <p:spTree>
+      <p:nvGrpSpPr>
+        <p:cNvPr id="1" name=""/>
+        <p:cNvGrpSpPr/>
+        <p:nvPr/>
+      </p:nvGrpSpPr>
+      <p:grpSpPr>
+        <a:xfrm>
+          <a:off x="0" y="0"/>
+          <a:ext cx="0" cy="0"/>
+          <a:chOff x="0" y="0"/>
+          <a:chExt cx="0" cy="0"/>
+        </a:xfrm>
+      </p:grpSpPr>
+      <p:sp>
+        <p:nvSpPr>
+          <p:cNvPr id="2" name="Slide Image Placeholder 1"/>
+          <p:cNvSpPr>
+            <a:spLocks noGrp="1" noRot="1" noChangeAspect="1"/>
+          </p:cNvSpPr>
+          <p:nvPr>
+            <p:ph type="sldImg"/>
+          </p:nvPr>
+        </p:nvSpPr>
+        <p:spPr/>
+      </p:sp>
+      <p:sp>
+        <p:nvSpPr>
+          <p:cNvPr id="3" name="Notes Placeholder 2"/>
+          <p:cNvSpPr>
+            <a:spLocks noGrp="1"/>
+          </p:cNvSpPr>
+          <p:nvPr>
+            <p:ph type="body" idx="1"/>
+          </p:nvPr>
+        </p:nvSpPr>
+        <p:spPr/>
+        <p:txBody>
+          <a:bodyPr/>
+          <a:lstStyle/>
+          <a:p>
+            <a:endParaRPr lang="en-US" dirty="0"/>
+          </a:p>
+        </p:txBody>
+      </p:sp>
+      <p:sp>
+        <p:nvSpPr>
+          <p:cNvPr id="4" name="Slide Number Placeholder 3"/>
+          <p:cNvSpPr>
+            <a:spLocks noGrp="1"/>
+          </p:cNvSpPr>
+          <p:nvPr>
+            <p:ph type="sldNum" sz="quarter" idx="5"/>
+          </p:nvPr>
+        </p:nvSpPr>
+        <p:spPr/>
+        <p:txBody>
+          <a:bodyPr/>
+          <a:lstStyle/>
+          <a:p>
+            <a:fld id="{4AF79E1B-2C51-4B9B-8EA4-26DE9E345AFF}" type="slidenum">
+              <a:rPr lang="en-US" smtClean="0"/>
+              <a:t>49</a:t>
+            </a:fld>
+            <a:endParaRPr lang="en-US"/>
+          </a:p>
+        </p:txBody>
+      </p:sp>
+    </p:spTree>
+    <p:extLst>
+      <p:ext uri="{BB962C8B-B14F-4D97-AF65-F5344CB8AC3E}">
+        <p14:creationId xmlns:p14="http://schemas.microsoft.com/office/powerpoint/2010/main" val="3896283928"/>
       </p:ext>
     </p:extLst>
   </p:cSld>
@@ -2973,18 +4962,7 @@
           <a:bodyPr/>
           <a:lstStyle/>
           <a:p>
-            <a:r>
-              <a:rPr lang="en-CA" dirty="0"/>
-              <a:t>We’re </a:t>
-            </a:r>
-            <a:r>
-              <a:rPr lang="en-CA" dirty="0" err="1"/>
-              <a:t>gonna</a:t>
-            </a:r>
-            <a:r>
-              <a:rPr lang="en-CA" dirty="0"/>
-              <a:t> touch on more threats to internal validity now. </a:t>
-            </a:r>
+            <a:endParaRPr lang="en-CA" dirty="0"/>
           </a:p>
         </p:txBody>
       </p:sp>
@@ -3014,7 +4992,94 @@
     </p:spTree>
     <p:extLst>
       <p:ext uri="{BB962C8B-B14F-4D97-AF65-F5344CB8AC3E}">
-        <p14:creationId xmlns:p14="http://schemas.microsoft.com/office/powerpoint/2010/main" val="3420859155"/>
+        <p14:creationId xmlns:p14="http://schemas.microsoft.com/office/powerpoint/2010/main" val="3260395365"/>
+      </p:ext>
+    </p:extLst>
+  </p:cSld>
+  <p:clrMapOvr>
+    <a:masterClrMapping/>
+  </p:clrMapOvr>
+</p:notes>
+</file>
+
+<file path=ppt/notesSlides/notesSlide50.xml><?xml version="1.0" encoding="utf-8"?>
+<p:notes xmlns:a="http://schemas.openxmlformats.org/drawingml/2006/main" xmlns:r="http://schemas.openxmlformats.org/officeDocument/2006/relationships" xmlns:p="http://schemas.openxmlformats.org/presentationml/2006/main">
+  <p:cSld>
+    <p:spTree>
+      <p:nvGrpSpPr>
+        <p:cNvPr id="1" name=""/>
+        <p:cNvGrpSpPr/>
+        <p:nvPr/>
+      </p:nvGrpSpPr>
+      <p:grpSpPr>
+        <a:xfrm>
+          <a:off x="0" y="0"/>
+          <a:ext cx="0" cy="0"/>
+          <a:chOff x="0" y="0"/>
+          <a:chExt cx="0" cy="0"/>
+        </a:xfrm>
+      </p:grpSpPr>
+      <p:sp>
+        <p:nvSpPr>
+          <p:cNvPr id="2" name="Slide Image Placeholder 1"/>
+          <p:cNvSpPr>
+            <a:spLocks noGrp="1" noRot="1" noChangeAspect="1"/>
+          </p:cNvSpPr>
+          <p:nvPr>
+            <p:ph type="sldImg"/>
+          </p:nvPr>
+        </p:nvSpPr>
+        <p:spPr/>
+      </p:sp>
+      <p:sp>
+        <p:nvSpPr>
+          <p:cNvPr id="3" name="Notes Placeholder 2"/>
+          <p:cNvSpPr>
+            <a:spLocks noGrp="1"/>
+          </p:cNvSpPr>
+          <p:nvPr>
+            <p:ph type="body" idx="1"/>
+          </p:nvPr>
+        </p:nvSpPr>
+        <p:spPr/>
+        <p:txBody>
+          <a:bodyPr/>
+          <a:lstStyle/>
+          <a:p>
+            <a:r>
+              <a:rPr lang="en-US" dirty="0"/>
+              <a:t>I don’t think they did a super good job dealing with this. Their limitations are all “fake” limitations. </a:t>
+            </a:r>
+          </a:p>
+        </p:txBody>
+      </p:sp>
+      <p:sp>
+        <p:nvSpPr>
+          <p:cNvPr id="4" name="Slide Number Placeholder 3"/>
+          <p:cNvSpPr>
+            <a:spLocks noGrp="1"/>
+          </p:cNvSpPr>
+          <p:nvPr>
+            <p:ph type="sldNum" sz="quarter" idx="5"/>
+          </p:nvPr>
+        </p:nvSpPr>
+        <p:spPr/>
+        <p:txBody>
+          <a:bodyPr/>
+          <a:lstStyle/>
+          <a:p>
+            <a:fld id="{4AF79E1B-2C51-4B9B-8EA4-26DE9E345AFF}" type="slidenum">
+              <a:rPr lang="en-US" smtClean="0"/>
+              <a:t>50</a:t>
+            </a:fld>
+            <a:endParaRPr lang="en-US"/>
+          </a:p>
+        </p:txBody>
+      </p:sp>
+    </p:spTree>
+    <p:extLst>
+      <p:ext uri="{BB962C8B-B14F-4D97-AF65-F5344CB8AC3E}">
+        <p14:creationId xmlns:p14="http://schemas.microsoft.com/office/powerpoint/2010/main" val="1682245509"/>
       </p:ext>
     </p:extLst>
   </p:cSld>
@@ -3068,6 +5133,13 @@
           <a:bodyPr/>
           <a:lstStyle/>
           <a:p>
+            <a:r>
+              <a:rPr lang="en-US" dirty="0"/>
+              <a:t>What does this paper do? Adds causal evidence using an RCT (adequately powered)</a:t>
+            </a:r>
+            <a:endParaRPr lang="en-CA" b="1" dirty="0"/>
+          </a:p>
+          <a:p>
             <a:endParaRPr lang="en-CA" dirty="0"/>
           </a:p>
         </p:txBody>
@@ -3098,7 +5170,7 @@
     </p:spTree>
     <p:extLst>
       <p:ext uri="{BB962C8B-B14F-4D97-AF65-F5344CB8AC3E}">
-        <p14:creationId xmlns:p14="http://schemas.microsoft.com/office/powerpoint/2010/main" val="3260395365"/>
+        <p14:creationId xmlns:p14="http://schemas.microsoft.com/office/powerpoint/2010/main" val="1618157234"/>
       </p:ext>
     </p:extLst>
   </p:cSld>
@@ -3153,13 +5225,17 @@
           <a:lstStyle/>
           <a:p>
             <a:r>
-              <a:rPr lang="en-US" dirty="0"/>
-              <a:t>What does this paper do? Adds causal evidence using an RCT (adequately powered)</a:t>
-            </a:r>
-            <a:endParaRPr lang="en-CA" b="1" dirty="0"/>
-          </a:p>
-          <a:p>
-            <a:endParaRPr lang="en-CA" dirty="0"/>
+              <a:rPr lang="en-CA" dirty="0"/>
+              <a:t>We’re </a:t>
+            </a:r>
+            <a:r>
+              <a:rPr lang="en-CA" dirty="0" err="1"/>
+              <a:t>gonna</a:t>
+            </a:r>
+            <a:r>
+              <a:rPr lang="en-CA" dirty="0"/>
+              <a:t> touch on more threats to internal validity now. </a:t>
+            </a:r>
           </a:p>
         </p:txBody>
       </p:sp>
@@ -3189,7 +5265,7 @@
     </p:spTree>
     <p:extLst>
       <p:ext uri="{BB962C8B-B14F-4D97-AF65-F5344CB8AC3E}">
-        <p14:creationId xmlns:p14="http://schemas.microsoft.com/office/powerpoint/2010/main" val="1618157234"/>
+        <p14:creationId xmlns:p14="http://schemas.microsoft.com/office/powerpoint/2010/main" val="1741964807"/>
       </p:ext>
     </p:extLst>
   </p:cSld>
@@ -3245,15 +5321,7 @@
           <a:p>
             <a:r>
               <a:rPr lang="en-CA" dirty="0"/>
-              <a:t>We’re </a:t>
-            </a:r>
-            <a:r>
-              <a:rPr lang="en-CA" dirty="0" err="1"/>
-              <a:t>gonna</a:t>
-            </a:r>
-            <a:r>
-              <a:rPr lang="en-CA" dirty="0"/>
-              <a:t> touch on more threats to internal validity now. </a:t>
+              <a:t>Notice that this is a little different, but what if we take logs? Now we’re back to a linear regression! How do we interpret the coefficients here? </a:t>
             </a:r>
           </a:p>
         </p:txBody>
@@ -3284,7 +5352,7 @@
     </p:spTree>
     <p:extLst>
       <p:ext uri="{BB962C8B-B14F-4D97-AF65-F5344CB8AC3E}">
-        <p14:creationId xmlns:p14="http://schemas.microsoft.com/office/powerpoint/2010/main" val="1741964807"/>
+        <p14:creationId xmlns:p14="http://schemas.microsoft.com/office/powerpoint/2010/main" val="737750013"/>
       </p:ext>
     </p:extLst>
   </p:cSld>
@@ -3338,10 +5406,7 @@
           <a:bodyPr/>
           <a:lstStyle/>
           <a:p>
-            <a:r>
-              <a:rPr lang="en-CA" dirty="0"/>
-              <a:t>Notice that this is a little different, but what if we take logs? Now we’re back to a linear regression! How do we interpret the coefficients here? </a:t>
-            </a:r>
+            <a:endParaRPr lang="en-CA" dirty="0"/>
           </a:p>
         </p:txBody>
       </p:sp>
@@ -3371,7 +5436,7 @@
     </p:spTree>
     <p:extLst>
       <p:ext uri="{BB962C8B-B14F-4D97-AF65-F5344CB8AC3E}">
-        <p14:creationId xmlns:p14="http://schemas.microsoft.com/office/powerpoint/2010/main" val="737750013"/>
+        <p14:creationId xmlns:p14="http://schemas.microsoft.com/office/powerpoint/2010/main" val="469838492"/>
       </p:ext>
     </p:extLst>
   </p:cSld>
@@ -6912,138 +8977,6 @@
           </a:bodyPr>
           <a:lstStyle/>
           <a:p>
-            <a:r>
-              <a:rPr lang="en-US" sz="2400" dirty="0"/>
-              <a:t>2008 intervention to improve time to surgery in </a:t>
-            </a:r>
-            <a:r>
-              <a:rPr lang="en-US" sz="2400" b="1" dirty="0"/>
-              <a:t>Winnipeg</a:t>
-            </a:r>
-            <a:r>
-              <a:rPr lang="en-US" sz="2400" dirty="0"/>
-              <a:t>:</a:t>
-            </a:r>
-          </a:p>
-        </p:txBody>
-      </p:sp>
-      <p:pic>
-        <p:nvPicPr>
-          <p:cNvPr id="6" name="Picture 5">
-            <a:extLst>
-              <a:ext uri="{FF2B5EF4-FFF2-40B4-BE49-F238E27FC236}">
-                <a16:creationId xmlns:a16="http://schemas.microsoft.com/office/drawing/2014/main" id="{0C5A61E4-B0D5-9645-0DB3-FBFA8EF2C5A7}"/>
-              </a:ext>
-            </a:extLst>
-          </p:cNvPr>
-          <p:cNvPicPr>
-            <a:picLocks noChangeAspect="1"/>
-          </p:cNvPicPr>
-          <p:nvPr/>
-        </p:nvPicPr>
-        <p:blipFill>
-          <a:blip r:embed="rId3"/>
-          <a:stretch>
-            <a:fillRect/>
-          </a:stretch>
-        </p:blipFill>
-        <p:spPr>
-          <a:xfrm>
-            <a:off x="465187" y="1447800"/>
-            <a:ext cx="10507613" cy="4953000"/>
-          </a:xfrm>
-          <a:prstGeom prst="rect">
-            <a:avLst/>
-          </a:prstGeom>
-        </p:spPr>
-      </p:pic>
-    </p:spTree>
-    <p:extLst>
-      <p:ext uri="{BB962C8B-B14F-4D97-AF65-F5344CB8AC3E}">
-        <p14:creationId xmlns:p14="http://schemas.microsoft.com/office/powerpoint/2010/main" val="809282293"/>
-      </p:ext>
-    </p:extLst>
-  </p:cSld>
-  <p:clrMapOvr>
-    <a:masterClrMapping/>
-  </p:clrMapOvr>
-</p:sld>
-</file>
-
-<file path=ppt/slides/slide11.xml><?xml version="1.0" encoding="utf-8"?>
-<p:sld xmlns:a="http://schemas.openxmlformats.org/drawingml/2006/main" xmlns:r="http://schemas.openxmlformats.org/officeDocument/2006/relationships" xmlns:p="http://schemas.openxmlformats.org/presentationml/2006/main">
-  <p:cSld>
-    <p:spTree>
-      <p:nvGrpSpPr>
-        <p:cNvPr id="1" name=""/>
-        <p:cNvGrpSpPr/>
-        <p:nvPr/>
-      </p:nvGrpSpPr>
-      <p:grpSpPr>
-        <a:xfrm>
-          <a:off x="0" y="0"/>
-          <a:ext cx="0" cy="0"/>
-          <a:chOff x="0" y="0"/>
-          <a:chExt cx="0" cy="0"/>
-        </a:xfrm>
-      </p:grpSpPr>
-      <p:sp>
-        <p:nvSpPr>
-          <p:cNvPr id="2" name="Title 1"/>
-          <p:cNvSpPr>
-            <a:spLocks noGrp="1"/>
-          </p:cNvSpPr>
-          <p:nvPr>
-            <p:ph type="title"/>
-          </p:nvPr>
-        </p:nvSpPr>
-        <p:spPr>
-          <a:xfrm>
-            <a:off x="609600" y="337392"/>
-            <a:ext cx="10439400" cy="624840"/>
-          </a:xfrm>
-        </p:spPr>
-        <p:txBody>
-          <a:bodyPr>
-            <a:noAutofit/>
-          </a:bodyPr>
-          <a:lstStyle/>
-          <a:p>
-            <a:r>
-              <a:rPr lang="en-US" sz="3600" dirty="0">
-                <a:cs typeface="Times New Roman" panose="02020603050405020304" pitchFamily="18" charset="0"/>
-              </a:rPr>
-              <a:t>Research Setting: Intervention and Context</a:t>
-            </a:r>
-            <a:endParaRPr lang="en-US" sz="3600" dirty="0">
-              <a:latin typeface="Times New Roman" panose="02020603050405020304" pitchFamily="18" charset="0"/>
-              <a:cs typeface="Times New Roman" panose="02020603050405020304" pitchFamily="18" charset="0"/>
-            </a:endParaRPr>
-          </a:p>
-        </p:txBody>
-      </p:sp>
-      <p:sp>
-        <p:nvSpPr>
-          <p:cNvPr id="3" name="Content Placeholder 2"/>
-          <p:cNvSpPr>
-            <a:spLocks noGrp="1"/>
-          </p:cNvSpPr>
-          <p:nvPr>
-            <p:ph idx="1"/>
-          </p:nvPr>
-        </p:nvSpPr>
-        <p:spPr>
-          <a:xfrm>
-            <a:off x="990600" y="954612"/>
-            <a:ext cx="9982201" cy="5141388"/>
-          </a:xfrm>
-        </p:spPr>
-        <p:txBody>
-          <a:bodyPr>
-            <a:noAutofit/>
-          </a:bodyPr>
-          <a:lstStyle/>
-          <a:p>
             <a:endParaRPr lang="en-US" sz="2400" dirty="0"/>
           </a:p>
         </p:txBody>
@@ -7144,7 +9077,7 @@
 </p:sld>
 </file>
 
-<file path=ppt/slides/slide12.xml><?xml version="1.0" encoding="utf-8"?>
+<file path=ppt/slides/slide11.xml><?xml version="1.0" encoding="utf-8"?>
 <p:sld xmlns:a="http://schemas.openxmlformats.org/drawingml/2006/main" xmlns:r="http://schemas.openxmlformats.org/officeDocument/2006/relationships" xmlns:p="http://schemas.openxmlformats.org/presentationml/2006/main">
   <p:cSld>
     <p:spTree>
@@ -7639,7 +9572,7 @@
 </p:sld>
 </file>
 
-<file path=ppt/slides/slide13.xml><?xml version="1.0" encoding="utf-8"?>
+<file path=ppt/slides/slide12.xml><?xml version="1.0" encoding="utf-8"?>
 <p:sld xmlns:a="http://schemas.openxmlformats.org/drawingml/2006/main" xmlns:r="http://schemas.openxmlformats.org/officeDocument/2006/relationships" xmlns:p="http://schemas.openxmlformats.org/presentationml/2006/main">
   <p:cSld>
     <p:spTree>
@@ -7734,7 +9667,7 @@
 </p:sld>
 </file>
 
-<file path=ppt/slides/slide14.xml><?xml version="1.0" encoding="utf-8"?>
+<file path=ppt/slides/slide13.xml><?xml version="1.0" encoding="utf-8"?>
 <p:sld xmlns:a="http://schemas.openxmlformats.org/drawingml/2006/main" xmlns:r="http://schemas.openxmlformats.org/officeDocument/2006/relationships" xmlns:p="http://schemas.openxmlformats.org/presentationml/2006/main">
   <p:cSld>
     <p:spTree>
@@ -7829,7 +9762,7 @@
 </p:sld>
 </file>
 
-<file path=ppt/slides/slide15.xml><?xml version="1.0" encoding="utf-8"?>
+<file path=ppt/slides/slide14.xml><?xml version="1.0" encoding="utf-8"?>
 <p:sld xmlns:a="http://schemas.openxmlformats.org/drawingml/2006/main" xmlns:r="http://schemas.openxmlformats.org/officeDocument/2006/relationships" xmlns:p="http://schemas.openxmlformats.org/presentationml/2006/main">
   <p:cSld>
     <p:spTree>
@@ -7985,7 +9918,7 @@
 </p:sld>
 </file>
 
-<file path=ppt/slides/slide16.xml><?xml version="1.0" encoding="utf-8"?>
+<file path=ppt/slides/slide15.xml><?xml version="1.0" encoding="utf-8"?>
 <p:sld xmlns:a="http://schemas.openxmlformats.org/drawingml/2006/main" xmlns:r="http://schemas.openxmlformats.org/officeDocument/2006/relationships" xmlns:p="http://schemas.openxmlformats.org/presentationml/2006/main">
   <p:cSld>
     <p:spTree>
@@ -8519,7 +10452,7 @@
 </p:sld>
 </file>
 
-<file path=ppt/slides/slide17.xml><?xml version="1.0" encoding="utf-8"?>
+<file path=ppt/slides/slide16.xml><?xml version="1.0" encoding="utf-8"?>
 <p:sld xmlns:a="http://schemas.openxmlformats.org/drawingml/2006/main" xmlns:r="http://schemas.openxmlformats.org/officeDocument/2006/relationships" xmlns:p="http://schemas.openxmlformats.org/presentationml/2006/main">
   <p:cSld>
     <p:spTree>
@@ -9028,7 +10961,7 @@
 </p:sld>
 </file>
 
-<file path=ppt/slides/slide18.xml><?xml version="1.0" encoding="utf-8"?>
+<file path=ppt/slides/slide17.xml><?xml version="1.0" encoding="utf-8"?>
 <p:sld xmlns:a="http://schemas.openxmlformats.org/drawingml/2006/main" xmlns:r="http://schemas.openxmlformats.org/officeDocument/2006/relationships" xmlns:p="http://schemas.openxmlformats.org/presentationml/2006/main">
   <p:cSld>
     <p:spTree>
@@ -9227,7 +11160,7 @@
 </p:sld>
 </file>
 
-<file path=ppt/slides/slide19.xml><?xml version="1.0" encoding="utf-8"?>
+<file path=ppt/slides/slide18.xml><?xml version="1.0" encoding="utf-8"?>
 <p:sld xmlns:a="http://schemas.openxmlformats.org/drawingml/2006/main" xmlns:r="http://schemas.openxmlformats.org/officeDocument/2006/relationships" xmlns:p="http://schemas.openxmlformats.org/presentationml/2006/main">
   <p:cSld>
     <p:spTree>
@@ -9413,6 +11346,244 @@
     <p:extLst>
       <p:ext uri="{BB962C8B-B14F-4D97-AF65-F5344CB8AC3E}">
         <p14:creationId xmlns:p14="http://schemas.microsoft.com/office/powerpoint/2010/main" val="3600691224"/>
+      </p:ext>
+    </p:extLst>
+  </p:cSld>
+  <p:clrMapOvr>
+    <a:masterClrMapping/>
+  </p:clrMapOvr>
+</p:sld>
+</file>
+
+<file path=ppt/slides/slide19.xml><?xml version="1.0" encoding="utf-8"?>
+<p:sld xmlns:a="http://schemas.openxmlformats.org/drawingml/2006/main" xmlns:r="http://schemas.openxmlformats.org/officeDocument/2006/relationships" xmlns:p="http://schemas.openxmlformats.org/presentationml/2006/main">
+  <p:cSld>
+    <p:spTree>
+      <p:nvGrpSpPr>
+        <p:cNvPr id="1" name=""/>
+        <p:cNvGrpSpPr/>
+        <p:nvPr/>
+      </p:nvGrpSpPr>
+      <p:grpSpPr>
+        <a:xfrm>
+          <a:off x="0" y="0"/>
+          <a:ext cx="0" cy="0"/>
+          <a:chOff x="0" y="0"/>
+          <a:chExt cx="0" cy="0"/>
+        </a:xfrm>
+      </p:grpSpPr>
+      <p:sp>
+        <p:nvSpPr>
+          <p:cNvPr id="2" name="Title 1"/>
+          <p:cNvSpPr>
+            <a:spLocks noGrp="1"/>
+          </p:cNvSpPr>
+          <p:nvPr>
+            <p:ph type="title"/>
+          </p:nvPr>
+        </p:nvSpPr>
+        <p:spPr>
+          <a:xfrm>
+            <a:off x="609600" y="337392"/>
+            <a:ext cx="10439400" cy="624840"/>
+          </a:xfrm>
+        </p:spPr>
+        <p:txBody>
+          <a:bodyPr>
+            <a:noAutofit/>
+          </a:bodyPr>
+          <a:lstStyle/>
+          <a:p>
+            <a:r>
+              <a:rPr lang="en-US" sz="3600" dirty="0">
+                <a:cs typeface="Times New Roman" panose="02020603050405020304" pitchFamily="18" charset="0"/>
+              </a:rPr>
+              <a:t>Types of Survival Analysis </a:t>
+            </a:r>
+            <a:endParaRPr lang="en-US" sz="3600" dirty="0">
+              <a:latin typeface="Times New Roman" panose="02020603050405020304" pitchFamily="18" charset="0"/>
+              <a:cs typeface="Times New Roman" panose="02020603050405020304" pitchFamily="18" charset="0"/>
+            </a:endParaRPr>
+          </a:p>
+        </p:txBody>
+      </p:sp>
+      <mc:AlternateContent xmlns:mc="http://schemas.openxmlformats.org/markup-compatibility/2006">
+        <mc:Choice xmlns:a14="http://schemas.microsoft.com/office/drawing/2010/main" Requires="a14">
+          <p:sp>
+            <p:nvSpPr>
+              <p:cNvPr id="3" name="Content Placeholder 2"/>
+              <p:cNvSpPr>
+                <a:spLocks noGrp="1"/>
+              </p:cNvSpPr>
+              <p:nvPr>
+                <p:ph idx="1"/>
+              </p:nvPr>
+            </p:nvSpPr>
+            <p:spPr>
+              <a:xfrm>
+                <a:off x="990600" y="954612"/>
+                <a:ext cx="9982201" cy="5141388"/>
+              </a:xfrm>
+            </p:spPr>
+            <p:txBody>
+              <a:bodyPr>
+                <a:noAutofit/>
+              </a:bodyPr>
+              <a:lstStyle/>
+              <a:p>
+                <a:pPr marL="457200" indent="-457200">
+                  <a:buFont typeface="+mj-lt"/>
+                  <a:buAutoNum type="arabicPeriod"/>
+                </a:pPr>
+                <a:r>
+                  <a:rPr lang="en-US" sz="2400" b="1" u="sng" dirty="0"/>
+                  <a:t>Kaplan-Meier Estimators</a:t>
+                </a:r>
+                <a:r>
+                  <a:rPr lang="en-US" sz="2400" dirty="0"/>
+                  <a:t>: Estimate the survival function itself (probability that events don’t occur until </a:t>
+                </a:r>
+                <a14:m>
+                  <m:oMath xmlns:m="http://schemas.openxmlformats.org/officeDocument/2006/math">
+                    <m:r>
+                      <a:rPr lang="en-US" sz="2400" b="0" i="1" smtClean="0">
+                        <a:latin typeface="Cambria Math" panose="02040503050406030204" pitchFamily="18" charset="0"/>
+                      </a:rPr>
+                      <m:t>𝑡</m:t>
+                    </m:r>
+                    <m:r>
+                      <a:rPr lang="en-US" sz="2400" b="0" i="1" smtClean="0">
+                        <a:latin typeface="Cambria Math" panose="02040503050406030204" pitchFamily="18" charset="0"/>
+                      </a:rPr>
+                      <m:t>)</m:t>
+                    </m:r>
+                  </m:oMath>
+                </a14:m>
+                <a:endParaRPr lang="en-US" sz="2400" b="1" u="sng" dirty="0"/>
+              </a:p>
+              <a:p>
+                <a:pPr marL="457200" indent="-457200">
+                  <a:buFont typeface="+mj-lt"/>
+                  <a:buAutoNum type="arabicPeriod"/>
+                </a:pPr>
+                <a:r>
+                  <a:rPr lang="en-US" sz="2400" b="1" u="sng" dirty="0"/>
+                  <a:t>Cox Proportional Hazard Models:</a:t>
+                </a:r>
+                <a:r>
+                  <a:rPr lang="en-US" sz="2400" dirty="0"/>
+                  <a:t> Estimate the effect of covariates on survival time.</a:t>
+                </a:r>
+              </a:p>
+              <a:p>
+                <a:pPr marL="457200" indent="-457200">
+                  <a:buFont typeface="+mj-lt"/>
+                  <a:buAutoNum type="arabicPeriod"/>
+                </a:pPr>
+                <a:endParaRPr lang="en-US" sz="2400" b="1" u="sng" dirty="0"/>
+              </a:p>
+              <a:p>
+                <a:pPr marL="0" indent="0">
+                  <a:buNone/>
+                </a:pPr>
+                <a:r>
+                  <a:rPr lang="en-US" sz="2400" dirty="0"/>
+                  <a:t>						- overall 1-year mortality</a:t>
+                </a:r>
+              </a:p>
+              <a:p>
+                <a:pPr marL="0" indent="0">
+                  <a:buNone/>
+                </a:pPr>
+                <a:r>
+                  <a:rPr lang="en-US" sz="2400" dirty="0"/>
+                  <a:t>						- can be combined with regression</a:t>
+                </a:r>
+              </a:p>
+              <a:p>
+                <a:pPr marL="0" indent="0">
+                  <a:buNone/>
+                </a:pPr>
+                <a:r>
+                  <a:rPr lang="en-US" sz="2400" dirty="0"/>
+                  <a:t>							 adjustment</a:t>
+                </a:r>
+              </a:p>
+            </p:txBody>
+          </p:sp>
+        </mc:Choice>
+        <mc:Fallback>
+          <p:sp>
+            <p:nvSpPr>
+              <p:cNvPr id="3" name="Content Placeholder 2"/>
+              <p:cNvSpPr>
+                <a:spLocks noGrp="1" noRot="1" noChangeAspect="1" noMove="1" noResize="1" noEditPoints="1" noAdjustHandles="1" noChangeArrowheads="1" noChangeShapeType="1" noTextEdit="1"/>
+              </p:cNvSpPr>
+              <p:nvPr>
+                <p:ph idx="1"/>
+              </p:nvPr>
+            </p:nvSpPr>
+            <p:spPr>
+              <a:xfrm>
+                <a:off x="990600" y="954612"/>
+                <a:ext cx="9982201" cy="5141388"/>
+              </a:xfrm>
+              <a:blipFill>
+                <a:blip r:embed="rId3"/>
+                <a:stretch>
+                  <a:fillRect l="-489" t="-1305"/>
+                </a:stretch>
+              </a:blipFill>
+            </p:spPr>
+            <p:txBody>
+              <a:bodyPr/>
+              <a:lstStyle/>
+              <a:p>
+                <a:r>
+                  <a:rPr lang="en-US">
+                    <a:noFill/>
+                  </a:rPr>
+                  <a:t> </a:t>
+                </a:r>
+              </a:p>
+            </p:txBody>
+          </p:sp>
+        </mc:Fallback>
+      </mc:AlternateContent>
+      <p:pic>
+        <p:nvPicPr>
+          <p:cNvPr id="5" name="Picture 4">
+            <a:extLst>
+              <a:ext uri="{FF2B5EF4-FFF2-40B4-BE49-F238E27FC236}">
+                <a16:creationId xmlns:a16="http://schemas.microsoft.com/office/drawing/2014/main" id="{15436E6A-A3C2-F467-FCAD-6B3751851A3A}"/>
+              </a:ext>
+            </a:extLst>
+          </p:cNvPr>
+          <p:cNvPicPr>
+            <a:picLocks noChangeAspect="1"/>
+          </p:cNvPicPr>
+          <p:nvPr/>
+        </p:nvPicPr>
+        <p:blipFill>
+          <a:blip r:embed="rId4"/>
+          <a:stretch>
+            <a:fillRect/>
+          </a:stretch>
+        </p:blipFill>
+        <p:spPr>
+          <a:xfrm>
+            <a:off x="76200" y="2664913"/>
+            <a:ext cx="6400800" cy="4040687"/>
+          </a:xfrm>
+          <a:prstGeom prst="rect">
+            <a:avLst/>
+          </a:prstGeom>
+        </p:spPr>
+      </p:pic>
+    </p:spTree>
+    <p:extLst>
+      <p:ext uri="{BB962C8B-B14F-4D97-AF65-F5344CB8AC3E}">
+        <p14:creationId xmlns:p14="http://schemas.microsoft.com/office/powerpoint/2010/main" val="3229014597"/>
       </p:ext>
     </p:extLst>
   </p:cSld>
@@ -10222,244 +12393,6 @@
               <a:rPr lang="en-US" sz="3600" dirty="0">
                 <a:cs typeface="Times New Roman" panose="02020603050405020304" pitchFamily="18" charset="0"/>
               </a:rPr>
-              <a:t>Types of Survival Analysis </a:t>
-            </a:r>
-            <a:endParaRPr lang="en-US" sz="3600" dirty="0">
-              <a:latin typeface="Times New Roman" panose="02020603050405020304" pitchFamily="18" charset="0"/>
-              <a:cs typeface="Times New Roman" panose="02020603050405020304" pitchFamily="18" charset="0"/>
-            </a:endParaRPr>
-          </a:p>
-        </p:txBody>
-      </p:sp>
-      <mc:AlternateContent xmlns:mc="http://schemas.openxmlformats.org/markup-compatibility/2006">
-        <mc:Choice xmlns:a14="http://schemas.microsoft.com/office/drawing/2010/main" Requires="a14">
-          <p:sp>
-            <p:nvSpPr>
-              <p:cNvPr id="3" name="Content Placeholder 2"/>
-              <p:cNvSpPr>
-                <a:spLocks noGrp="1"/>
-              </p:cNvSpPr>
-              <p:nvPr>
-                <p:ph idx="1"/>
-              </p:nvPr>
-            </p:nvSpPr>
-            <p:spPr>
-              <a:xfrm>
-                <a:off x="990600" y="954612"/>
-                <a:ext cx="9982201" cy="5141388"/>
-              </a:xfrm>
-            </p:spPr>
-            <p:txBody>
-              <a:bodyPr>
-                <a:noAutofit/>
-              </a:bodyPr>
-              <a:lstStyle/>
-              <a:p>
-                <a:pPr marL="457200" indent="-457200">
-                  <a:buFont typeface="+mj-lt"/>
-                  <a:buAutoNum type="arabicPeriod"/>
-                </a:pPr>
-                <a:r>
-                  <a:rPr lang="en-US" sz="2400" b="1" u="sng" dirty="0"/>
-                  <a:t>Kaplan-Meier Estimators</a:t>
-                </a:r>
-                <a:r>
-                  <a:rPr lang="en-US" sz="2400" dirty="0"/>
-                  <a:t>: Estimate the survival function itself (probability that events don’t occur until </a:t>
-                </a:r>
-                <a14:m>
-                  <m:oMath xmlns:m="http://schemas.openxmlformats.org/officeDocument/2006/math">
-                    <m:r>
-                      <a:rPr lang="en-US" sz="2400" b="0" i="1" smtClean="0">
-                        <a:latin typeface="Cambria Math" panose="02040503050406030204" pitchFamily="18" charset="0"/>
-                      </a:rPr>
-                      <m:t>𝑡</m:t>
-                    </m:r>
-                    <m:r>
-                      <a:rPr lang="en-US" sz="2400" b="0" i="1" smtClean="0">
-                        <a:latin typeface="Cambria Math" panose="02040503050406030204" pitchFamily="18" charset="0"/>
-                      </a:rPr>
-                      <m:t>)</m:t>
-                    </m:r>
-                  </m:oMath>
-                </a14:m>
-                <a:endParaRPr lang="en-US" sz="2400" b="1" u="sng" dirty="0"/>
-              </a:p>
-              <a:p>
-                <a:pPr marL="457200" indent="-457200">
-                  <a:buFont typeface="+mj-lt"/>
-                  <a:buAutoNum type="arabicPeriod"/>
-                </a:pPr>
-                <a:r>
-                  <a:rPr lang="en-US" sz="2400" b="1" u="sng" dirty="0"/>
-                  <a:t>Cox Proportional Hazard Models:</a:t>
-                </a:r>
-                <a:r>
-                  <a:rPr lang="en-US" sz="2400" dirty="0"/>
-                  <a:t> Estimate the effect of covariates on survival time.</a:t>
-                </a:r>
-              </a:p>
-              <a:p>
-                <a:pPr marL="457200" indent="-457200">
-                  <a:buFont typeface="+mj-lt"/>
-                  <a:buAutoNum type="arabicPeriod"/>
-                </a:pPr>
-                <a:endParaRPr lang="en-US" sz="2400" b="1" u="sng" dirty="0"/>
-              </a:p>
-              <a:p>
-                <a:pPr marL="0" indent="0">
-                  <a:buNone/>
-                </a:pPr>
-                <a:r>
-                  <a:rPr lang="en-US" sz="2400" dirty="0"/>
-                  <a:t>						- overall 1-year mortality</a:t>
-                </a:r>
-              </a:p>
-              <a:p>
-                <a:pPr marL="0" indent="0">
-                  <a:buNone/>
-                </a:pPr>
-                <a:r>
-                  <a:rPr lang="en-US" sz="2400" dirty="0"/>
-                  <a:t>						- can be combined with regression</a:t>
-                </a:r>
-              </a:p>
-              <a:p>
-                <a:pPr marL="0" indent="0">
-                  <a:buNone/>
-                </a:pPr>
-                <a:r>
-                  <a:rPr lang="en-US" sz="2400" dirty="0"/>
-                  <a:t>							 adjustment</a:t>
-                </a:r>
-              </a:p>
-            </p:txBody>
-          </p:sp>
-        </mc:Choice>
-        <mc:Fallback>
-          <p:sp>
-            <p:nvSpPr>
-              <p:cNvPr id="3" name="Content Placeholder 2"/>
-              <p:cNvSpPr>
-                <a:spLocks noGrp="1" noRot="1" noChangeAspect="1" noMove="1" noResize="1" noEditPoints="1" noAdjustHandles="1" noChangeArrowheads="1" noChangeShapeType="1" noTextEdit="1"/>
-              </p:cNvSpPr>
-              <p:nvPr>
-                <p:ph idx="1"/>
-              </p:nvPr>
-            </p:nvSpPr>
-            <p:spPr>
-              <a:xfrm>
-                <a:off x="990600" y="954612"/>
-                <a:ext cx="9982201" cy="5141388"/>
-              </a:xfrm>
-              <a:blipFill>
-                <a:blip r:embed="rId3"/>
-                <a:stretch>
-                  <a:fillRect l="-489" t="-1305"/>
-                </a:stretch>
-              </a:blipFill>
-            </p:spPr>
-            <p:txBody>
-              <a:bodyPr/>
-              <a:lstStyle/>
-              <a:p>
-                <a:r>
-                  <a:rPr lang="en-US">
-                    <a:noFill/>
-                  </a:rPr>
-                  <a:t> </a:t>
-                </a:r>
-              </a:p>
-            </p:txBody>
-          </p:sp>
-        </mc:Fallback>
-      </mc:AlternateContent>
-      <p:pic>
-        <p:nvPicPr>
-          <p:cNvPr id="5" name="Picture 4">
-            <a:extLst>
-              <a:ext uri="{FF2B5EF4-FFF2-40B4-BE49-F238E27FC236}">
-                <a16:creationId xmlns:a16="http://schemas.microsoft.com/office/drawing/2014/main" id="{15436E6A-A3C2-F467-FCAD-6B3751851A3A}"/>
-              </a:ext>
-            </a:extLst>
-          </p:cNvPr>
-          <p:cNvPicPr>
-            <a:picLocks noChangeAspect="1"/>
-          </p:cNvPicPr>
-          <p:nvPr/>
-        </p:nvPicPr>
-        <p:blipFill>
-          <a:blip r:embed="rId4"/>
-          <a:stretch>
-            <a:fillRect/>
-          </a:stretch>
-        </p:blipFill>
-        <p:spPr>
-          <a:xfrm>
-            <a:off x="76200" y="2664913"/>
-            <a:ext cx="6400800" cy="4040687"/>
-          </a:xfrm>
-          <a:prstGeom prst="rect">
-            <a:avLst/>
-          </a:prstGeom>
-        </p:spPr>
-      </p:pic>
-    </p:spTree>
-    <p:extLst>
-      <p:ext uri="{BB962C8B-B14F-4D97-AF65-F5344CB8AC3E}">
-        <p14:creationId xmlns:p14="http://schemas.microsoft.com/office/powerpoint/2010/main" val="3229014597"/>
-      </p:ext>
-    </p:extLst>
-  </p:cSld>
-  <p:clrMapOvr>
-    <a:masterClrMapping/>
-  </p:clrMapOvr>
-</p:sld>
-</file>
-
-<file path=ppt/slides/slide21.xml><?xml version="1.0" encoding="utf-8"?>
-<p:sld xmlns:a="http://schemas.openxmlformats.org/drawingml/2006/main" xmlns:r="http://schemas.openxmlformats.org/officeDocument/2006/relationships" xmlns:p="http://schemas.openxmlformats.org/presentationml/2006/main">
-  <p:cSld>
-    <p:spTree>
-      <p:nvGrpSpPr>
-        <p:cNvPr id="1" name=""/>
-        <p:cNvGrpSpPr/>
-        <p:nvPr/>
-      </p:nvGrpSpPr>
-      <p:grpSpPr>
-        <a:xfrm>
-          <a:off x="0" y="0"/>
-          <a:ext cx="0" cy="0"/>
-          <a:chOff x="0" y="0"/>
-          <a:chExt cx="0" cy="0"/>
-        </a:xfrm>
-      </p:grpSpPr>
-      <p:sp>
-        <p:nvSpPr>
-          <p:cNvPr id="2" name="Title 1"/>
-          <p:cNvSpPr>
-            <a:spLocks noGrp="1"/>
-          </p:cNvSpPr>
-          <p:nvPr>
-            <p:ph type="title"/>
-          </p:nvPr>
-        </p:nvSpPr>
-        <p:spPr>
-          <a:xfrm>
-            <a:off x="609600" y="337392"/>
-            <a:ext cx="10439400" cy="624840"/>
-          </a:xfrm>
-        </p:spPr>
-        <p:txBody>
-          <a:bodyPr>
-            <a:noAutofit/>
-          </a:bodyPr>
-          <a:lstStyle/>
-          <a:p>
-            <a:r>
-              <a:rPr lang="en-US" sz="3600" dirty="0">
-                <a:cs typeface="Times New Roman" panose="02020603050405020304" pitchFamily="18" charset="0"/>
-              </a:rPr>
               <a:t>Why Choose (1) over (2)? </a:t>
             </a:r>
             <a:endParaRPr lang="en-US" sz="3600" dirty="0">
@@ -10638,7 +12571,7 @@
 </p:sld>
 </file>
 
-<file path=ppt/slides/slide22.xml><?xml version="1.0" encoding="utf-8"?>
+<file path=ppt/slides/slide21.xml><?xml version="1.0" encoding="utf-8"?>
 <p:sld xmlns:a="http://schemas.openxmlformats.org/drawingml/2006/main" xmlns:r="http://schemas.openxmlformats.org/officeDocument/2006/relationships" xmlns:p="http://schemas.openxmlformats.org/presentationml/2006/main">
   <p:cSld>
     <p:spTree>
@@ -10809,7 +12742,7 @@
 </p:sld>
 </file>
 
-<file path=ppt/slides/slide23.xml><?xml version="1.0" encoding="utf-8"?>
+<file path=ppt/slides/slide22.xml><?xml version="1.0" encoding="utf-8"?>
 <p:sld xmlns:a="http://schemas.openxmlformats.org/drawingml/2006/main" xmlns:r="http://schemas.openxmlformats.org/officeDocument/2006/relationships" xmlns:p="http://schemas.openxmlformats.org/presentationml/2006/main">
   <p:cSld>
     <p:spTree>
@@ -11047,6 +12980,139 @@
 </p:sld>
 </file>
 
+<file path=ppt/slides/slide23.xml><?xml version="1.0" encoding="utf-8"?>
+<p:sld xmlns:a="http://schemas.openxmlformats.org/drawingml/2006/main" xmlns:r="http://schemas.openxmlformats.org/officeDocument/2006/relationships" xmlns:p="http://schemas.openxmlformats.org/presentationml/2006/main">
+  <p:cSld>
+    <p:spTree>
+      <p:nvGrpSpPr>
+        <p:cNvPr id="1" name=""/>
+        <p:cNvGrpSpPr/>
+        <p:nvPr/>
+      </p:nvGrpSpPr>
+      <p:grpSpPr>
+        <a:xfrm>
+          <a:off x="0" y="0"/>
+          <a:ext cx="0" cy="0"/>
+          <a:chOff x="0" y="0"/>
+          <a:chExt cx="0" cy="0"/>
+        </a:xfrm>
+      </p:grpSpPr>
+      <p:sp>
+        <p:nvSpPr>
+          <p:cNvPr id="2" name="Title 1"/>
+          <p:cNvSpPr>
+            <a:spLocks noGrp="1"/>
+          </p:cNvSpPr>
+          <p:nvPr>
+            <p:ph type="title"/>
+          </p:nvPr>
+        </p:nvSpPr>
+        <p:spPr>
+          <a:xfrm>
+            <a:off x="609600" y="228600"/>
+            <a:ext cx="10439400" cy="624840"/>
+          </a:xfrm>
+        </p:spPr>
+        <p:txBody>
+          <a:bodyPr>
+            <a:noAutofit/>
+          </a:bodyPr>
+          <a:lstStyle/>
+          <a:p>
+            <a:r>
+              <a:rPr lang="en-US" sz="3600" dirty="0">
+                <a:cs typeface="Times New Roman" panose="02020603050405020304" pitchFamily="18" charset="0"/>
+              </a:rPr>
+              <a:t>Interpretation and Limitations of Analysis </a:t>
+            </a:r>
+            <a:endParaRPr lang="en-US" sz="3600" dirty="0">
+              <a:latin typeface="Times New Roman" panose="02020603050405020304" pitchFamily="18" charset="0"/>
+              <a:cs typeface="Times New Roman" panose="02020603050405020304" pitchFamily="18" charset="0"/>
+            </a:endParaRPr>
+          </a:p>
+        </p:txBody>
+      </p:sp>
+      <p:sp>
+        <p:nvSpPr>
+          <p:cNvPr id="3" name="Content Placeholder 2"/>
+          <p:cNvSpPr>
+            <a:spLocks noGrp="1"/>
+          </p:cNvSpPr>
+          <p:nvPr>
+            <p:ph idx="1"/>
+          </p:nvPr>
+        </p:nvSpPr>
+        <p:spPr>
+          <a:xfrm>
+            <a:off x="609601" y="1066801"/>
+            <a:ext cx="10439400" cy="5141388"/>
+          </a:xfrm>
+        </p:spPr>
+        <p:txBody>
+          <a:bodyPr>
+            <a:noAutofit/>
+          </a:bodyPr>
+          <a:lstStyle/>
+          <a:p>
+            <a:pPr lvl="1"/>
+            <a:r>
+              <a:rPr lang="en-US" sz="2400" dirty="0">
+                <a:cs typeface="Times New Roman" panose="02020603050405020304" pitchFamily="18" charset="0"/>
+              </a:rPr>
+              <a:t>What worked well in this analysis? </a:t>
+            </a:r>
+          </a:p>
+          <a:p>
+            <a:pPr lvl="1"/>
+            <a:r>
+              <a:rPr lang="en-US" sz="2400" dirty="0">
+                <a:cs typeface="Times New Roman" panose="02020603050405020304" pitchFamily="18" charset="0"/>
+              </a:rPr>
+              <a:t>What was lacking? </a:t>
+            </a:r>
+          </a:p>
+          <a:p>
+            <a:pPr lvl="1"/>
+            <a:r>
+              <a:rPr lang="en-US" sz="2400" dirty="0">
+                <a:cs typeface="Times New Roman" panose="02020603050405020304" pitchFamily="18" charset="0"/>
+              </a:rPr>
+              <a:t>What are the takeaways for you? </a:t>
+            </a:r>
+          </a:p>
+          <a:p>
+            <a:pPr lvl="1"/>
+            <a:r>
+              <a:rPr lang="en-US" sz="2400" dirty="0">
+                <a:cs typeface="Times New Roman" panose="02020603050405020304" pitchFamily="18" charset="0"/>
+              </a:rPr>
+              <a:t>What might limit the takeaways? What hinders your approach to thinking of this as causal? </a:t>
+            </a:r>
+          </a:p>
+          <a:p>
+            <a:pPr lvl="1"/>
+            <a:r>
+              <a:rPr lang="en-US" sz="2400" dirty="0">
+                <a:cs typeface="Times New Roman" panose="02020603050405020304" pitchFamily="18" charset="0"/>
+              </a:rPr>
+              <a:t>Any other thoughts? </a:t>
+            </a:r>
+          </a:p>
+        </p:txBody>
+      </p:sp>
+    </p:spTree>
+    <p:extLst>
+      <p:ext uri="{BB962C8B-B14F-4D97-AF65-F5344CB8AC3E}">
+        <p14:creationId xmlns:p14="http://schemas.microsoft.com/office/powerpoint/2010/main" val="62032694"/>
+      </p:ext>
+    </p:extLst>
+  </p:cSld>
+  <p:clrMapOvr>
+    <a:masterClrMapping/>
+  </p:clrMapOvr>
+</p:sld>
+</file>
+
 <file path=ppt/slides/slide24.xml><?xml version="1.0" encoding="utf-8"?>
 <p:sld xmlns:a="http://schemas.openxmlformats.org/drawingml/2006/main" xmlns:r="http://schemas.openxmlformats.org/officeDocument/2006/relationships" xmlns:p="http://schemas.openxmlformats.org/presentationml/2006/main">
   <p:cSld>
@@ -11076,7 +13142,7 @@
         </p:nvSpPr>
         <p:spPr>
           <a:xfrm>
-            <a:off x="609600" y="228600"/>
+            <a:off x="609600" y="337392"/>
             <a:ext cx="10439400" cy="624840"/>
           </a:xfrm>
         </p:spPr>
@@ -11088,14 +13154,11 @@
           <a:p>
             <a:r>
               <a:rPr lang="en-US" sz="3600" dirty="0">
+                <a:latin typeface="Times New Roman" panose="02020603050405020304" pitchFamily="18" charset="0"/>
                 <a:cs typeface="Times New Roman" panose="02020603050405020304" pitchFamily="18" charset="0"/>
               </a:rPr>
-              <a:t>Interpretation and Limitations of Analysis </a:t>
-            </a:r>
-            <a:endParaRPr lang="en-US" sz="3600" dirty="0">
-              <a:latin typeface="Times New Roman" panose="02020603050405020304" pitchFamily="18" charset="0"/>
-              <a:cs typeface="Times New Roman" panose="02020603050405020304" pitchFamily="18" charset="0"/>
-            </a:endParaRPr>
+              <a:t>Thoughts?</a:t>
+            </a:r>
           </a:p>
         </p:txBody>
       </p:sp>
@@ -11111,8 +13174,8 @@
         </p:nvSpPr>
         <p:spPr>
           <a:xfrm>
-            <a:off x="609601" y="1066801"/>
-            <a:ext cx="10439400" cy="5141388"/>
+            <a:off x="990600" y="954612"/>
+            <a:ext cx="9982201" cy="5141388"/>
           </a:xfrm>
         </p:spPr>
         <p:txBody>
@@ -11121,48 +13184,44 @@
           </a:bodyPr>
           <a:lstStyle/>
           <a:p>
+            <a:r>
+              <a:rPr lang="en-US" sz="2400" dirty="0"/>
+              <a:t>“We are aware of 3 other studies that incorporated a control group to study the effectiveness of similar interventions. These studies were limited by small sample sizes and did not detect an effect on mortality.”</a:t>
+            </a:r>
+          </a:p>
+          <a:p>
+            <a:r>
+              <a:rPr lang="en-US" sz="2400" dirty="0"/>
+              <a:t>“Finally, it is not possible for us to say with certainty which of our intervention initiatives ultimately led to the observed improvements, or to measure the effect of other unrecognized changes on the improvements. It is possible that at least part of the observed reduction in LOS is attributable to improved repatriation of patients to their home hospitals after surgery. Nonetheless, our findings of reduced adjusted risk of death in those patients undergoing surgery within 48 hours, regardless of time period, underscore the role of timely surgery in reducing mortality.”</a:t>
+            </a:r>
+          </a:p>
+          <a:p>
+            <a:r>
+              <a:rPr lang="en-US" sz="2400" dirty="0"/>
+              <a:t>Papers to consider: </a:t>
+            </a:r>
+          </a:p>
+          <a:p>
             <a:pPr lvl="1"/>
             <a:r>
-              <a:rPr lang="en-US" sz="2400" dirty="0">
-                <a:cs typeface="Times New Roman" panose="02020603050405020304" pitchFamily="18" charset="0"/>
+              <a:rPr lang="en-US" sz="2200" dirty="0">
+                <a:hlinkClick r:id="rId3"/>
               </a:rPr>
-              <a:t>What worked well in this analysis? </a:t>
-            </a:r>
+              <a:t>https://www.ncbi.nlm.nih.gov/pmc/articles/PMC3653612/</a:t>
+            </a:r>
+            <a:endParaRPr lang="en-US" sz="2200" dirty="0"/>
           </a:p>
           <a:p>
             <a:pPr lvl="1"/>
             <a:r>
-              <a:rPr lang="en-US" sz="2400" dirty="0">
-                <a:cs typeface="Times New Roman" panose="02020603050405020304" pitchFamily="18" charset="0"/>
+              <a:rPr lang="en-US" sz="2200" dirty="0">
+                <a:hlinkClick r:id="rId4"/>
               </a:rPr>
-              <a:t>What was lacking? </a:t>
-            </a:r>
-          </a:p>
-          <a:p>
-            <a:pPr lvl="1"/>
-            <a:r>
-              <a:rPr lang="en-US" sz="2400" dirty="0">
-                <a:cs typeface="Times New Roman" panose="02020603050405020304" pitchFamily="18" charset="0"/>
-              </a:rPr>
-              <a:t>What are the takeaways for you? </a:t>
-            </a:r>
-          </a:p>
-          <a:p>
-            <a:pPr lvl="1"/>
-            <a:r>
-              <a:rPr lang="en-US" sz="2400" dirty="0">
-                <a:cs typeface="Times New Roman" panose="02020603050405020304" pitchFamily="18" charset="0"/>
-              </a:rPr>
-              <a:t>What might limit the takeaways? What hinders your approach to thinking of this as causal? </a:t>
-            </a:r>
-          </a:p>
-          <a:p>
-            <a:pPr lvl="1"/>
-            <a:r>
-              <a:rPr lang="en-US" sz="2400" dirty="0">
-                <a:cs typeface="Times New Roman" panose="02020603050405020304" pitchFamily="18" charset="0"/>
-              </a:rPr>
-              <a:t>Any other thoughts? </a:t>
+              <a:t>https://arxiv.org/pdf/2307.11971.pdf</a:t>
+            </a:r>
+            <a:r>
+              <a:rPr lang="en-US" sz="2200" dirty="0"/>
+              <a:t> </a:t>
             </a:r>
           </a:p>
         </p:txBody>
@@ -11170,7 +13229,7 @@
     </p:spTree>
     <p:extLst>
       <p:ext uri="{BB962C8B-B14F-4D97-AF65-F5344CB8AC3E}">
-        <p14:creationId xmlns:p14="http://schemas.microsoft.com/office/powerpoint/2010/main" val="62032694"/>
+        <p14:creationId xmlns:p14="http://schemas.microsoft.com/office/powerpoint/2010/main" val="585088145"/>
       </p:ext>
     </p:extLst>
   </p:cSld>
@@ -11204,27 +13263,27 @@
             <a:spLocks noGrp="1"/>
           </p:cNvSpPr>
           <p:nvPr>
-            <p:ph type="title"/>
+            <p:ph type="ctrTitle"/>
           </p:nvPr>
         </p:nvSpPr>
         <p:spPr>
           <a:xfrm>
-            <a:off x="609600" y="337392"/>
-            <a:ext cx="10439400" cy="624840"/>
+            <a:off x="1261872" y="758952"/>
+            <a:ext cx="10625328" cy="4041648"/>
           </a:xfrm>
         </p:spPr>
         <p:txBody>
           <a:bodyPr>
-            <a:noAutofit/>
+            <a:normAutofit/>
           </a:bodyPr>
           <a:lstStyle/>
           <a:p>
             <a:r>
-              <a:rPr lang="en-US" sz="3600" dirty="0">
+              <a:rPr lang="en-US" sz="5400" dirty="0">
                 <a:latin typeface="Times New Roman" panose="02020603050405020304" pitchFamily="18" charset="0"/>
                 <a:cs typeface="Times New Roman" panose="02020603050405020304" pitchFamily="18" charset="0"/>
               </a:rPr>
-              <a:t>Thoughts?</a:t>
+              <a:t>Mixed Methods</a:t>
             </a:r>
           </a:p>
         </p:txBody>
@@ -11236,59 +13295,27 @@
             <a:spLocks noGrp="1"/>
           </p:cNvSpPr>
           <p:nvPr>
-            <p:ph idx="1"/>
+            <p:ph type="subTitle" idx="1"/>
           </p:nvPr>
         </p:nvSpPr>
         <p:spPr>
           <a:xfrm>
-            <a:off x="990600" y="954612"/>
-            <a:ext cx="9982201" cy="5141388"/>
+            <a:off x="1066800" y="4800600"/>
+            <a:ext cx="9613392" cy="1691640"/>
           </a:xfrm>
         </p:spPr>
         <p:txBody>
           <a:bodyPr>
-            <a:noAutofit/>
+            <a:normAutofit/>
           </a:bodyPr>
           <a:lstStyle/>
           <a:p>
-            <a:r>
-              <a:rPr lang="en-US" sz="2400" dirty="0"/>
-              <a:t>“We are aware of 3 other studies that incorporated a control group to study the effectiveness of similar interventions. These studies were limited by small sample sizes and did not detect an effect on mortality.”</a:t>
-            </a:r>
-          </a:p>
-          <a:p>
-            <a:r>
-              <a:rPr lang="en-US" sz="2400" dirty="0"/>
-              <a:t>“Finally, it is not possible for us to say with certainty which of our intervention initiatives ultimately led to the observed improvements, or to measure the effect of other unrecognized changes on the improvements. It is possible that at least part of the observed reduction in LOS is attributable to improved repatriation of patients to their home hospitals after surgery. Nonetheless, our findings of reduced adjusted risk of death in those patients undergoing surgery within 48 hours, regardless of time period, underscore the role of timely surgery in reducing mortality.”</a:t>
-            </a:r>
-          </a:p>
-          <a:p>
-            <a:r>
-              <a:rPr lang="en-US" sz="2400" dirty="0"/>
-              <a:t>Papers to consider: </a:t>
-            </a:r>
-          </a:p>
-          <a:p>
-            <a:pPr lvl="1"/>
-            <a:r>
-              <a:rPr lang="en-US" sz="2200" dirty="0">
-                <a:hlinkClick r:id="rId3"/>
-              </a:rPr>
-              <a:t>https://www.ncbi.nlm.nih.gov/pmc/articles/PMC3653612/</a:t>
-            </a:r>
-            <a:endParaRPr lang="en-US" sz="2200" dirty="0"/>
-          </a:p>
-          <a:p>
-            <a:pPr lvl="1"/>
-            <a:r>
-              <a:rPr lang="en-US" sz="2200" dirty="0">
-                <a:hlinkClick r:id="rId4"/>
-              </a:rPr>
-              <a:t>https://arxiv.org/pdf/2307.11971.pdf</a:t>
-            </a:r>
-            <a:r>
-              <a:rPr lang="en-US" sz="2200" dirty="0"/>
-              <a:t> </a:t>
+            <a:pPr marL="274320" lvl="1" indent="0" algn="l">
+              <a:buNone/>
+            </a:pPr>
+            <a:r>
+              <a:rPr lang="en-CA" sz="2800" dirty="0"/>
+              <a:t>Bridging the gap between quantitative and qualitative research</a:t>
             </a:r>
           </a:p>
         </p:txBody>
@@ -11296,7 +13323,7 @@
     </p:spTree>
     <p:extLst>
       <p:ext uri="{BB962C8B-B14F-4D97-AF65-F5344CB8AC3E}">
-        <p14:creationId xmlns:p14="http://schemas.microsoft.com/office/powerpoint/2010/main" val="585088145"/>
+        <p14:creationId xmlns:p14="http://schemas.microsoft.com/office/powerpoint/2010/main" val="721334116"/>
       </p:ext>
     </p:extLst>
   </p:cSld>
@@ -11325,34 +13352,367 @@
       </p:grpSpPr>
       <p:sp>
         <p:nvSpPr>
-          <p:cNvPr id="2" name="Title 1"/>
-          <p:cNvSpPr>
-            <a:spLocks noGrp="1"/>
-          </p:cNvSpPr>
-          <p:nvPr>
-            <p:ph type="ctrTitle"/>
-          </p:nvPr>
+          <p:cNvPr id="5" name="Content Placeholder 4">
+            <a:extLst>
+              <a:ext uri="{FF2B5EF4-FFF2-40B4-BE49-F238E27FC236}">
+                <a16:creationId xmlns:a16="http://schemas.microsoft.com/office/drawing/2014/main" id="{02C067E7-55F1-3ED8-0262-CE9D862A4DF9}"/>
+              </a:ext>
+            </a:extLst>
+          </p:cNvPr>
+          <p:cNvSpPr>
+            <a:spLocks noGrp="1"/>
+          </p:cNvSpPr>
+          <p:nvPr>
+            <p:ph idx="1"/>
+          </p:nvPr>
+        </p:nvSpPr>
+        <p:spPr/>
+        <p:txBody>
+          <a:bodyPr/>
+          <a:lstStyle/>
+          <a:p>
+            <a:endParaRPr lang="en-US"/>
+          </a:p>
+        </p:txBody>
+      </p:sp>
+      <p:sp>
+        <p:nvSpPr>
+          <p:cNvPr id="7" name="Title 6">
+            <a:extLst>
+              <a:ext uri="{FF2B5EF4-FFF2-40B4-BE49-F238E27FC236}">
+                <a16:creationId xmlns:a16="http://schemas.microsoft.com/office/drawing/2014/main" id="{8ADA244E-A34B-8AAB-17F3-8D2064FD47B2}"/>
+              </a:ext>
+            </a:extLst>
+          </p:cNvPr>
+          <p:cNvSpPr>
+            <a:spLocks noGrp="1"/>
+          </p:cNvSpPr>
+          <p:nvPr>
+            <p:ph type="title"/>
+          </p:nvPr>
+        </p:nvSpPr>
+        <p:spPr/>
+        <p:txBody>
+          <a:bodyPr/>
+          <a:lstStyle/>
+          <a:p>
+            <a:endParaRPr lang="en-US"/>
+          </a:p>
+        </p:txBody>
+      </p:sp>
+      <p:sp>
+        <p:nvSpPr>
+          <p:cNvPr id="9" name="TextBox 8">
+            <a:extLst>
+              <a:ext uri="{FF2B5EF4-FFF2-40B4-BE49-F238E27FC236}">
+                <a16:creationId xmlns:a16="http://schemas.microsoft.com/office/drawing/2014/main" id="{4FEDFF1D-03BA-F782-6DBC-CB9E5166D1C1}"/>
+              </a:ext>
+            </a:extLst>
+          </p:cNvPr>
+          <p:cNvSpPr txBox="1"/>
+          <p:nvPr/>
         </p:nvSpPr>
         <p:spPr>
           <a:xfrm>
-            <a:off x="1261872" y="758952"/>
-            <a:ext cx="10625328" cy="4041648"/>
+            <a:off x="-2971800" y="-5863144"/>
+            <a:ext cx="13792199" cy="11726287"/>
+          </a:xfrm>
+          <a:prstGeom prst="rect">
+            <a:avLst/>
+          </a:prstGeom>
+          <a:noFill/>
+        </p:spPr>
+        <p:txBody>
+          <a:bodyPr wrap="square">
+            <a:spAutoFit/>
+          </a:bodyPr>
+          <a:lstStyle/>
+          <a:p>
+            <a:r>
+              <a:rPr lang="en-US" dirty="0"/>
+              <a:t>**Slide 9: Data Analysis**</a:t>
+            </a:r>
+          </a:p>
+          <a:p>
+            <a:r>
+              <a:rPr lang="en-US" dirty="0"/>
+              <a:t>- Quantitative analysis:</a:t>
+            </a:r>
+          </a:p>
+          <a:p>
+            <a:r>
+              <a:rPr lang="en-US" dirty="0"/>
+              <a:t>  - Statistical methods (e.g., regression analysis)</a:t>
+            </a:r>
+          </a:p>
+          <a:p>
+            <a:r>
+              <a:rPr lang="en-US" dirty="0"/>
+              <a:t>- Qualitative analysis:</a:t>
+            </a:r>
+          </a:p>
+          <a:p>
+            <a:r>
+              <a:rPr lang="en-US" dirty="0"/>
+              <a:t>  - Thematic analysis</a:t>
+            </a:r>
+          </a:p>
+          <a:p>
+            <a:r>
+              <a:rPr lang="en-US" dirty="0"/>
+              <a:t>  - Grounded theory</a:t>
+            </a:r>
+          </a:p>
+          <a:p>
+            <a:r>
+              <a:rPr lang="en-US" dirty="0"/>
+              <a:t>  - Content analysis</a:t>
+            </a:r>
+          </a:p>
+          <a:p>
+            <a:endParaRPr lang="en-US" dirty="0"/>
+          </a:p>
+          <a:p>
+            <a:r>
+              <a:rPr lang="en-US" dirty="0"/>
+              <a:t>**Slide 10: Triangulation**</a:t>
+            </a:r>
+          </a:p>
+          <a:p>
+            <a:r>
+              <a:rPr lang="en-US" dirty="0"/>
+              <a:t>- Definition: the use of multiple methods to corroborate findings</a:t>
+            </a:r>
+          </a:p>
+          <a:p>
+            <a:r>
+              <a:rPr lang="en-US" dirty="0"/>
+              <a:t>- Types of triangulation:</a:t>
+            </a:r>
+          </a:p>
+          <a:p>
+            <a:r>
+              <a:rPr lang="en-US" dirty="0"/>
+              <a:t>  - Data triangulation</a:t>
+            </a:r>
+          </a:p>
+          <a:p>
+            <a:r>
+              <a:rPr lang="en-US" dirty="0"/>
+              <a:t>  - Investigator triangulation</a:t>
+            </a:r>
+          </a:p>
+          <a:p>
+            <a:r>
+              <a:rPr lang="en-US" dirty="0"/>
+              <a:t>  - Methodological triangulation</a:t>
+            </a:r>
+          </a:p>
+          <a:p>
+            <a:endParaRPr lang="en-US" dirty="0"/>
+          </a:p>
+          <a:p>
+            <a:r>
+              <a:rPr lang="en-US" dirty="0"/>
+              <a:t>**Slide 11: Challenges in Mixed Methods Research**</a:t>
+            </a:r>
+          </a:p>
+          <a:p>
+            <a:r>
+              <a:rPr lang="en-US" dirty="0"/>
+              <a:t>- Integration of quantitative and qualitative data</a:t>
+            </a:r>
+          </a:p>
+          <a:p>
+            <a:r>
+              <a:rPr lang="en-US" dirty="0"/>
+              <a:t>- Time and resource-intensive</a:t>
+            </a:r>
+          </a:p>
+          <a:p>
+            <a:r>
+              <a:rPr lang="en-US" dirty="0"/>
+              <a:t>- Ensuring validity and reliability across methods</a:t>
+            </a:r>
+          </a:p>
+          <a:p>
+            <a:endParaRPr lang="en-US" dirty="0"/>
+          </a:p>
+          <a:p>
+            <a:r>
+              <a:rPr lang="en-US" dirty="0"/>
+              <a:t>**Slide 12: Ethical Considerations**</a:t>
+            </a:r>
+          </a:p>
+          <a:p>
+            <a:r>
+              <a:rPr lang="en-US" dirty="0"/>
+              <a:t>- Informed consent for both quantitative and qualitative components</a:t>
+            </a:r>
+          </a:p>
+          <a:p>
+            <a:r>
+              <a:rPr lang="en-US" dirty="0"/>
+              <a:t>- Protection of participant confidentiality</a:t>
+            </a:r>
+          </a:p>
+          <a:p>
+            <a:r>
+              <a:rPr lang="en-US" dirty="0"/>
+              <a:t>- Ethical handling of sensitive data</a:t>
+            </a:r>
+          </a:p>
+          <a:p>
+            <a:endParaRPr lang="en-US" dirty="0"/>
+          </a:p>
+          <a:p>
+            <a:r>
+              <a:rPr lang="en-US" dirty="0"/>
+              <a:t>**Slide 13: Reporting and Dissemination**</a:t>
+            </a:r>
+          </a:p>
+          <a:p>
+            <a:r>
+              <a:rPr lang="en-US" dirty="0"/>
+              <a:t>- Importance of transparent reporting</a:t>
+            </a:r>
+          </a:p>
+          <a:p>
+            <a:r>
+              <a:rPr lang="en-US" dirty="0"/>
+              <a:t>- Integration of quantitative and qualitative findings in dissemination efforts</a:t>
+            </a:r>
+          </a:p>
+          <a:p>
+            <a:r>
+              <a:rPr lang="en-US" dirty="0"/>
+              <a:t>- Publication guidelines for mixed methods research</a:t>
+            </a:r>
+          </a:p>
+          <a:p>
+            <a:endParaRPr lang="en-US" dirty="0"/>
+          </a:p>
+          <a:p>
+            <a:r>
+              <a:rPr lang="en-US" dirty="0"/>
+              <a:t>**Slide 14: Examples of Successful Mixed Methods Studies in Health Systems Research**</a:t>
+            </a:r>
+          </a:p>
+          <a:p>
+            <a:r>
+              <a:rPr lang="en-US" dirty="0"/>
+              <a:t>- Highlight a few notable studies and their impact on healthcare policy and practice</a:t>
+            </a:r>
+          </a:p>
+          <a:p>
+            <a:endParaRPr lang="en-US" dirty="0"/>
+          </a:p>
+          <a:p>
+            <a:r>
+              <a:rPr lang="en-US" dirty="0"/>
+              <a:t>**Slide 15: Future Directions**</a:t>
+            </a:r>
+          </a:p>
+          <a:p>
+            <a:r>
+              <a:rPr lang="en-US" dirty="0"/>
+              <a:t>- Advancements in mixed methods research methodologies</a:t>
+            </a:r>
+          </a:p>
+          <a:p>
+            <a:r>
+              <a:rPr lang="en-US" dirty="0"/>
+              <a:t>- Integration of technology in data collection and analysis</a:t>
+            </a:r>
+          </a:p>
+          <a:p>
+            <a:r>
+              <a:rPr lang="en-US" dirty="0"/>
+              <a:t>- Importance of interdisciplinary collaboration</a:t>
+            </a:r>
+          </a:p>
+          <a:p>
+            <a:endParaRPr lang="en-US" dirty="0"/>
+          </a:p>
+          <a:p>
+            <a:r>
+              <a:rPr lang="en-US" dirty="0"/>
+              <a:t>**Slide 16: Conclusion**</a:t>
+            </a:r>
+          </a:p>
+          <a:p>
+            <a:r>
+              <a:rPr lang="en-US" dirty="0"/>
+              <a:t>- Recap of the benefits of mixed methods in health systems research</a:t>
+            </a:r>
+          </a:p>
+          <a:p>
+            <a:r>
+              <a:rPr lang="en-US" dirty="0"/>
+              <a:t>- Encouragement for researchers to consider mixed methods approaches in future studies</a:t>
+            </a:r>
+          </a:p>
+        </p:txBody>
+      </p:sp>
+    </p:spTree>
+    <p:extLst>
+      <p:ext uri="{BB962C8B-B14F-4D97-AF65-F5344CB8AC3E}">
+        <p14:creationId xmlns:p14="http://schemas.microsoft.com/office/powerpoint/2010/main" val="3801388410"/>
+      </p:ext>
+    </p:extLst>
+  </p:cSld>
+  <p:clrMapOvr>
+    <a:masterClrMapping/>
+  </p:clrMapOvr>
+</p:sld>
+</file>
+
+<file path=ppt/slides/slide27.xml><?xml version="1.0" encoding="utf-8"?>
+<p:sld xmlns:a="http://schemas.openxmlformats.org/drawingml/2006/main" xmlns:r="http://schemas.openxmlformats.org/officeDocument/2006/relationships" xmlns:p="http://schemas.openxmlformats.org/presentationml/2006/main">
+  <p:cSld>
+    <p:spTree>
+      <p:nvGrpSpPr>
+        <p:cNvPr id="1" name=""/>
+        <p:cNvGrpSpPr/>
+        <p:nvPr/>
+      </p:nvGrpSpPr>
+      <p:grpSpPr>
+        <a:xfrm>
+          <a:off x="0" y="0"/>
+          <a:ext cx="0" cy="0"/>
+          <a:chOff x="0" y="0"/>
+          <a:chExt cx="0" cy="0"/>
+        </a:xfrm>
+      </p:grpSpPr>
+      <p:sp>
+        <p:nvSpPr>
+          <p:cNvPr id="2" name="Title 1"/>
+          <p:cNvSpPr>
+            <a:spLocks noGrp="1"/>
+          </p:cNvSpPr>
+          <p:nvPr>
+            <p:ph type="title"/>
+          </p:nvPr>
+        </p:nvSpPr>
+        <p:spPr>
+          <a:xfrm>
+            <a:off x="609600" y="228600"/>
+            <a:ext cx="10439400" cy="624840"/>
           </a:xfrm>
         </p:spPr>
         <p:txBody>
           <a:bodyPr>
-            <a:normAutofit/>
+            <a:noAutofit/>
           </a:bodyPr>
           <a:lstStyle/>
           <a:p>
             <a:r>
-              <a:rPr lang="en-US" sz="5400">
-                <a:latin typeface="Times New Roman" panose="02020603050405020304" pitchFamily="18" charset="0"/>
+              <a:rPr lang="en-US" sz="3600" dirty="0">
                 <a:cs typeface="Times New Roman" panose="02020603050405020304" pitchFamily="18" charset="0"/>
               </a:rPr>
-              <a:t>Mixed Methods</a:t>
-            </a:r>
-            <a:endParaRPr lang="en-US" sz="5400" dirty="0">
+              <a:t>What do we mean by mixed methods?</a:t>
+            </a:r>
+            <a:endParaRPr lang="en-US" sz="3600" dirty="0">
               <a:latin typeface="Times New Roman" panose="02020603050405020304" pitchFamily="18" charset="0"/>
               <a:cs typeface="Times New Roman" panose="02020603050405020304" pitchFamily="18" charset="0"/>
             </a:endParaRPr>
@@ -11366,34 +13726,486 @@
             <a:spLocks noGrp="1"/>
           </p:cNvSpPr>
           <p:nvPr>
-            <p:ph type="subTitle" idx="1"/>
-          </p:nvPr>
-        </p:nvSpPr>
-        <p:spPr/>
+            <p:ph idx="1"/>
+          </p:nvPr>
+        </p:nvSpPr>
+        <p:spPr>
+          <a:xfrm>
+            <a:off x="609601" y="1066801"/>
+            <a:ext cx="10439400" cy="5141388"/>
+          </a:xfrm>
+        </p:spPr>
         <p:txBody>
           <a:bodyPr>
-            <a:normAutofit/>
+            <a:noAutofit/>
           </a:bodyPr>
           <a:lstStyle/>
           <a:p>
             <a:pPr marL="274320" lvl="1" indent="0">
               <a:buNone/>
             </a:pPr>
-            <a:endParaRPr lang="en-CA" sz="2000" dirty="0">
-              <a:solidFill>
-                <a:schemeClr val="tx1"/>
-              </a:solidFill>
-              <a:latin typeface="Open Sans"/>
-              <a:ea typeface="Open Sans" panose="020B0606030504020204" pitchFamily="34" charset="0"/>
-              <a:cs typeface="Open Sans" panose="020B0606030504020204" pitchFamily="34" charset="0"/>
+            <a:r>
+              <a:rPr lang="en-US" sz="2400" b="1" u="sng" dirty="0">
+                <a:cs typeface="Times New Roman" panose="02020603050405020304" pitchFamily="18" charset="0"/>
+              </a:rPr>
+              <a:t>1. Quantitative Research: </a:t>
+            </a:r>
+            <a:r>
+              <a:rPr lang="en-US" sz="2400" dirty="0">
+                <a:cs typeface="Times New Roman" panose="02020603050405020304" pitchFamily="18" charset="0"/>
+              </a:rPr>
+              <a:t>regressions, hypothesis tests, etc. </a:t>
+            </a:r>
+          </a:p>
+          <a:p>
+            <a:pPr marL="274320" lvl="1" indent="0">
+              <a:buNone/>
+            </a:pPr>
+            <a:r>
+              <a:rPr lang="en-US" sz="2400" dirty="0">
+                <a:cs typeface="Times New Roman" panose="02020603050405020304" pitchFamily="18" charset="0"/>
+              </a:rPr>
+              <a:t>2. </a:t>
+            </a:r>
+            <a:r>
+              <a:rPr lang="en-US" sz="2400" b="1" u="sng" dirty="0">
+                <a:cs typeface="Times New Roman" panose="02020603050405020304" pitchFamily="18" charset="0"/>
+              </a:rPr>
+              <a:t>Qualitative Research:</a:t>
+            </a:r>
+            <a:r>
+              <a:rPr lang="en-US" sz="2400" dirty="0">
+                <a:cs typeface="Times New Roman" panose="02020603050405020304" pitchFamily="18" charset="0"/>
+              </a:rPr>
+              <a:t> interviews, case-studies, focus groups, etc. </a:t>
+            </a:r>
+          </a:p>
+          <a:p>
+            <a:pPr marL="274320" lvl="1" indent="0">
+              <a:buNone/>
+            </a:pPr>
+            <a:endParaRPr lang="en-US" sz="2400" dirty="0">
+              <a:cs typeface="Times New Roman" panose="02020603050405020304" pitchFamily="18" charset="0"/>
             </a:endParaRPr>
+          </a:p>
+          <a:p>
+            <a:pPr lvl="1"/>
+            <a:r>
+              <a:rPr lang="en-US" sz="2400" dirty="0">
+                <a:cs typeface="Times New Roman" panose="02020603050405020304" pitchFamily="18" charset="0"/>
+              </a:rPr>
+              <a:t>Combining these can give a more detailed view of complex phenomena! </a:t>
+            </a:r>
+          </a:p>
+          <a:p>
+            <a:pPr marL="274320" lvl="1" indent="0">
+              <a:buNone/>
+            </a:pPr>
+            <a:endParaRPr lang="en-US" sz="2400" dirty="0">
+              <a:cs typeface="Times New Roman" panose="02020603050405020304" pitchFamily="18" charset="0"/>
+            </a:endParaRPr>
+          </a:p>
+          <a:p>
+            <a:pPr marL="274320" lvl="1" indent="0">
+              <a:buNone/>
+            </a:pPr>
+            <a:r>
+              <a:rPr lang="en-US" sz="2400" b="1" dirty="0">
+                <a:solidFill>
+                  <a:schemeClr val="tx2">
+                    <a:lumMod val="60000"/>
+                    <a:lumOff val="40000"/>
+                  </a:schemeClr>
+                </a:solidFill>
+                <a:cs typeface="Times New Roman" panose="02020603050405020304" pitchFamily="18" charset="0"/>
+              </a:rPr>
+              <a:t>Why might you want to incorporate both? What kinds of settings?</a:t>
+            </a:r>
           </a:p>
         </p:txBody>
       </p:sp>
     </p:spTree>
     <p:extLst>
       <p:ext uri="{BB962C8B-B14F-4D97-AF65-F5344CB8AC3E}">
-        <p14:creationId xmlns:p14="http://schemas.microsoft.com/office/powerpoint/2010/main" val="721334116"/>
+        <p14:creationId xmlns:p14="http://schemas.microsoft.com/office/powerpoint/2010/main" val="2170729658"/>
+      </p:ext>
+    </p:extLst>
+  </p:cSld>
+  <p:clrMapOvr>
+    <a:masterClrMapping/>
+  </p:clrMapOvr>
+</p:sld>
+</file>
+
+<file path=ppt/slides/slide28.xml><?xml version="1.0" encoding="utf-8"?>
+<p:sld xmlns:a="http://schemas.openxmlformats.org/drawingml/2006/main" xmlns:r="http://schemas.openxmlformats.org/officeDocument/2006/relationships" xmlns:p="http://schemas.openxmlformats.org/presentationml/2006/main">
+  <p:cSld>
+    <p:spTree>
+      <p:nvGrpSpPr>
+        <p:cNvPr id="1" name=""/>
+        <p:cNvGrpSpPr/>
+        <p:nvPr/>
+      </p:nvGrpSpPr>
+      <p:grpSpPr>
+        <a:xfrm>
+          <a:off x="0" y="0"/>
+          <a:ext cx="0" cy="0"/>
+          <a:chOff x="0" y="0"/>
+          <a:chExt cx="0" cy="0"/>
+        </a:xfrm>
+      </p:grpSpPr>
+      <p:sp>
+        <p:nvSpPr>
+          <p:cNvPr id="2" name="Title 1"/>
+          <p:cNvSpPr>
+            <a:spLocks noGrp="1"/>
+          </p:cNvSpPr>
+          <p:nvPr>
+            <p:ph type="title"/>
+          </p:nvPr>
+        </p:nvSpPr>
+        <p:spPr>
+          <a:xfrm>
+            <a:off x="609600" y="228600"/>
+            <a:ext cx="10439400" cy="624840"/>
+          </a:xfrm>
+        </p:spPr>
+        <p:txBody>
+          <a:bodyPr>
+            <a:noAutofit/>
+          </a:bodyPr>
+          <a:lstStyle/>
+          <a:p>
+            <a:r>
+              <a:rPr lang="en-US" sz="3600" dirty="0">
+                <a:cs typeface="Times New Roman" panose="02020603050405020304" pitchFamily="18" charset="0"/>
+              </a:rPr>
+              <a:t>Mixed Methods in Context</a:t>
+            </a:r>
+            <a:endParaRPr lang="en-US" sz="3600" dirty="0">
+              <a:latin typeface="Times New Roman" panose="02020603050405020304" pitchFamily="18" charset="0"/>
+              <a:cs typeface="Times New Roman" panose="02020603050405020304" pitchFamily="18" charset="0"/>
+            </a:endParaRPr>
+          </a:p>
+        </p:txBody>
+      </p:sp>
+      <p:sp>
+        <p:nvSpPr>
+          <p:cNvPr id="5" name="Content Placeholder 4">
+            <a:extLst>
+              <a:ext uri="{FF2B5EF4-FFF2-40B4-BE49-F238E27FC236}">
+                <a16:creationId xmlns:a16="http://schemas.microsoft.com/office/drawing/2014/main" id="{0AB018D9-F021-3661-42D2-43CDFA2EF3AE}"/>
+              </a:ext>
+            </a:extLst>
+          </p:cNvPr>
+          <p:cNvSpPr>
+            <a:spLocks noGrp="1"/>
+          </p:cNvSpPr>
+          <p:nvPr>
+            <p:ph idx="1"/>
+          </p:nvPr>
+        </p:nvSpPr>
+        <p:spPr/>
+        <p:txBody>
+          <a:bodyPr/>
+          <a:lstStyle/>
+          <a:p>
+            <a:endParaRPr lang="en-US"/>
+          </a:p>
+        </p:txBody>
+      </p:sp>
+      <p:pic>
+        <p:nvPicPr>
+          <p:cNvPr id="7" name="Picture 6">
+            <a:extLst>
+              <a:ext uri="{FF2B5EF4-FFF2-40B4-BE49-F238E27FC236}">
+                <a16:creationId xmlns:a16="http://schemas.microsoft.com/office/drawing/2014/main" id="{4D624368-7F05-A71B-F0F7-DF69A25D00BC}"/>
+              </a:ext>
+            </a:extLst>
+          </p:cNvPr>
+          <p:cNvPicPr>
+            <a:picLocks noChangeAspect="1"/>
+          </p:cNvPicPr>
+          <p:nvPr/>
+        </p:nvPicPr>
+        <p:blipFill>
+          <a:blip r:embed="rId3"/>
+          <a:stretch>
+            <a:fillRect/>
+          </a:stretch>
+        </p:blipFill>
+        <p:spPr>
+          <a:xfrm>
+            <a:off x="635726" y="875210"/>
+            <a:ext cx="9755379" cy="5754189"/>
+          </a:xfrm>
+          <a:prstGeom prst="rect">
+            <a:avLst/>
+          </a:prstGeom>
+        </p:spPr>
+      </p:pic>
+      <p:sp>
+        <p:nvSpPr>
+          <p:cNvPr id="8" name="Oval 7">
+            <a:extLst>
+              <a:ext uri="{FF2B5EF4-FFF2-40B4-BE49-F238E27FC236}">
+                <a16:creationId xmlns:a16="http://schemas.microsoft.com/office/drawing/2014/main" id="{6EBC2816-B2F0-6527-F8BE-4572B7C2D470}"/>
+              </a:ext>
+            </a:extLst>
+          </p:cNvPr>
+          <p:cNvSpPr/>
+          <p:nvPr/>
+        </p:nvSpPr>
+        <p:spPr>
+          <a:xfrm>
+            <a:off x="1828800" y="1371600"/>
+            <a:ext cx="2667000" cy="381000"/>
+          </a:xfrm>
+          <a:prstGeom prst="ellipse">
+            <a:avLst/>
+          </a:prstGeom>
+          <a:noFill/>
+          <a:ln w="57150">
+            <a:solidFill>
+              <a:schemeClr val="tx2">
+                <a:lumMod val="60000"/>
+                <a:lumOff val="40000"/>
+              </a:schemeClr>
+            </a:solidFill>
+          </a:ln>
+        </p:spPr>
+        <p:style>
+          <a:lnRef idx="2">
+            <a:schemeClr val="accent1">
+              <a:shade val="15000"/>
+            </a:schemeClr>
+          </a:lnRef>
+          <a:fillRef idx="1">
+            <a:schemeClr val="accent1"/>
+          </a:fillRef>
+          <a:effectRef idx="0">
+            <a:schemeClr val="accent1"/>
+          </a:effectRef>
+          <a:fontRef idx="minor">
+            <a:schemeClr val="lt1"/>
+          </a:fontRef>
+        </p:style>
+        <p:txBody>
+          <a:bodyPr rtlCol="0" anchor="ctr"/>
+          <a:lstStyle/>
+          <a:p>
+            <a:pPr algn="ctr"/>
+            <a:endParaRPr lang="en-US"/>
+          </a:p>
+        </p:txBody>
+      </p:sp>
+      <p:sp>
+        <p:nvSpPr>
+          <p:cNvPr id="9" name="Oval 8">
+            <a:extLst>
+              <a:ext uri="{FF2B5EF4-FFF2-40B4-BE49-F238E27FC236}">
+                <a16:creationId xmlns:a16="http://schemas.microsoft.com/office/drawing/2014/main" id="{A7DB0561-B447-D56F-B528-414CAAB17CB3}"/>
+              </a:ext>
+            </a:extLst>
+          </p:cNvPr>
+          <p:cNvSpPr/>
+          <p:nvPr/>
+        </p:nvSpPr>
+        <p:spPr>
+          <a:xfrm>
+            <a:off x="1981200" y="2286000"/>
+            <a:ext cx="3505200" cy="420190"/>
+          </a:xfrm>
+          <a:prstGeom prst="ellipse">
+            <a:avLst/>
+          </a:prstGeom>
+          <a:noFill/>
+          <a:ln w="57150">
+            <a:solidFill>
+              <a:schemeClr val="tx2">
+                <a:lumMod val="60000"/>
+                <a:lumOff val="40000"/>
+              </a:schemeClr>
+            </a:solidFill>
+          </a:ln>
+        </p:spPr>
+        <p:style>
+          <a:lnRef idx="2">
+            <a:schemeClr val="accent1">
+              <a:shade val="15000"/>
+            </a:schemeClr>
+          </a:lnRef>
+          <a:fillRef idx="1">
+            <a:schemeClr val="accent1"/>
+          </a:fillRef>
+          <a:effectRef idx="0">
+            <a:schemeClr val="accent1"/>
+          </a:effectRef>
+          <a:fontRef idx="minor">
+            <a:schemeClr val="lt1"/>
+          </a:fontRef>
+        </p:style>
+        <p:txBody>
+          <a:bodyPr rtlCol="0" anchor="ctr"/>
+          <a:lstStyle/>
+          <a:p>
+            <a:pPr algn="ctr"/>
+            <a:endParaRPr lang="en-US"/>
+          </a:p>
+        </p:txBody>
+      </p:sp>
+    </p:spTree>
+    <p:extLst>
+      <p:ext uri="{BB962C8B-B14F-4D97-AF65-F5344CB8AC3E}">
+        <p14:creationId xmlns:p14="http://schemas.microsoft.com/office/powerpoint/2010/main" val="2648459524"/>
+      </p:ext>
+    </p:extLst>
+  </p:cSld>
+  <p:clrMapOvr>
+    <a:masterClrMapping/>
+  </p:clrMapOvr>
+</p:sld>
+</file>
+
+<file path=ppt/slides/slide29.xml><?xml version="1.0" encoding="utf-8"?>
+<p:sld xmlns:a="http://schemas.openxmlformats.org/drawingml/2006/main" xmlns:r="http://schemas.openxmlformats.org/officeDocument/2006/relationships" xmlns:p="http://schemas.openxmlformats.org/presentationml/2006/main">
+  <p:cSld>
+    <p:spTree>
+      <p:nvGrpSpPr>
+        <p:cNvPr id="1" name=""/>
+        <p:cNvGrpSpPr/>
+        <p:nvPr/>
+      </p:nvGrpSpPr>
+      <p:grpSpPr>
+        <a:xfrm>
+          <a:off x="0" y="0"/>
+          <a:ext cx="0" cy="0"/>
+          <a:chOff x="0" y="0"/>
+          <a:chExt cx="0" cy="0"/>
+        </a:xfrm>
+      </p:grpSpPr>
+      <p:sp>
+        <p:nvSpPr>
+          <p:cNvPr id="2" name="Title 1"/>
+          <p:cNvSpPr>
+            <a:spLocks noGrp="1"/>
+          </p:cNvSpPr>
+          <p:nvPr>
+            <p:ph type="title"/>
+          </p:nvPr>
+        </p:nvSpPr>
+        <p:spPr>
+          <a:xfrm>
+            <a:off x="609600" y="228600"/>
+            <a:ext cx="10439400" cy="624840"/>
+          </a:xfrm>
+        </p:spPr>
+        <p:txBody>
+          <a:bodyPr>
+            <a:noAutofit/>
+          </a:bodyPr>
+          <a:lstStyle/>
+          <a:p>
+            <a:r>
+              <a:rPr lang="en-US" sz="3600" dirty="0">
+                <a:cs typeface="Times New Roman" panose="02020603050405020304" pitchFamily="18" charset="0"/>
+              </a:rPr>
+              <a:t>Mixed Methods in Context</a:t>
+            </a:r>
+            <a:endParaRPr lang="en-US" sz="3600" dirty="0">
+              <a:latin typeface="Times New Roman" panose="02020603050405020304" pitchFamily="18" charset="0"/>
+              <a:cs typeface="Times New Roman" panose="02020603050405020304" pitchFamily="18" charset="0"/>
+            </a:endParaRPr>
+          </a:p>
+        </p:txBody>
+      </p:sp>
+      <p:sp>
+        <p:nvSpPr>
+          <p:cNvPr id="3" name="Content Placeholder 2"/>
+          <p:cNvSpPr>
+            <a:spLocks noGrp="1"/>
+          </p:cNvSpPr>
+          <p:nvPr>
+            <p:ph idx="1"/>
+          </p:nvPr>
+        </p:nvSpPr>
+        <p:spPr>
+          <a:xfrm>
+            <a:off x="304800" y="1066801"/>
+            <a:ext cx="10744201" cy="5141388"/>
+          </a:xfrm>
+        </p:spPr>
+        <p:txBody>
+          <a:bodyPr>
+            <a:noAutofit/>
+          </a:bodyPr>
+          <a:lstStyle/>
+          <a:p>
+            <a:pPr marL="274320" lvl="1" indent="0">
+              <a:buNone/>
+            </a:pPr>
+            <a:r>
+              <a:rPr lang="en-US" sz="2400" dirty="0">
+                <a:solidFill>
+                  <a:schemeClr val="tx2">
+                    <a:lumMod val="60000"/>
+                    <a:lumOff val="40000"/>
+                  </a:schemeClr>
+                </a:solidFill>
+                <a:cs typeface="Times New Roman" panose="02020603050405020304" pitchFamily="18" charset="0"/>
+              </a:rPr>
+              <a:t>Why should we care about this? (How is the study motivated?)</a:t>
+            </a:r>
+          </a:p>
+          <a:p>
+            <a:pPr marL="274320" lvl="1" indent="0">
+              <a:buNone/>
+            </a:pPr>
+            <a:endParaRPr lang="en-US" sz="2400" dirty="0">
+              <a:solidFill>
+                <a:schemeClr val="tx2">
+                  <a:lumMod val="60000"/>
+                  <a:lumOff val="40000"/>
+                </a:schemeClr>
+              </a:solidFill>
+              <a:cs typeface="Times New Roman" panose="02020603050405020304" pitchFamily="18" charset="0"/>
+            </a:endParaRPr>
+          </a:p>
+          <a:p>
+            <a:pPr marL="274320" lvl="1" indent="0">
+              <a:buNone/>
+            </a:pPr>
+            <a:r>
+              <a:rPr lang="en-US" sz="2400" dirty="0">
+                <a:solidFill>
+                  <a:schemeClr val="tx2">
+                    <a:lumMod val="60000"/>
+                    <a:lumOff val="40000"/>
+                  </a:schemeClr>
+                </a:solidFill>
+                <a:cs typeface="Times New Roman" panose="02020603050405020304" pitchFamily="18" charset="0"/>
+              </a:rPr>
+              <a:t>What’s the motivation for mixed methods research? </a:t>
+            </a:r>
+          </a:p>
+          <a:p>
+            <a:pPr lvl="1"/>
+            <a:endParaRPr lang="en-US" sz="2400" dirty="0">
+              <a:solidFill>
+                <a:schemeClr val="tx2">
+                  <a:lumMod val="60000"/>
+                  <a:lumOff val="40000"/>
+                </a:schemeClr>
+              </a:solidFill>
+              <a:cs typeface="Times New Roman" panose="02020603050405020304" pitchFamily="18" charset="0"/>
+            </a:endParaRPr>
+          </a:p>
+        </p:txBody>
+      </p:sp>
+    </p:spTree>
+    <p:extLst>
+      <p:ext uri="{BB962C8B-B14F-4D97-AF65-F5344CB8AC3E}">
+        <p14:creationId xmlns:p14="http://schemas.microsoft.com/office/powerpoint/2010/main" val="3900756467"/>
       </p:ext>
     </p:extLst>
   </p:cSld>
@@ -11506,6 +14318,1700 @@
 </p:sld>
 </file>
 
+<file path=ppt/slides/slide30.xml><?xml version="1.0" encoding="utf-8"?>
+<p:sld xmlns:a="http://schemas.openxmlformats.org/drawingml/2006/main" xmlns:r="http://schemas.openxmlformats.org/officeDocument/2006/relationships" xmlns:p="http://schemas.openxmlformats.org/presentationml/2006/main">
+  <p:cSld>
+    <p:spTree>
+      <p:nvGrpSpPr>
+        <p:cNvPr id="1" name=""/>
+        <p:cNvGrpSpPr/>
+        <p:nvPr/>
+      </p:nvGrpSpPr>
+      <p:grpSpPr>
+        <a:xfrm>
+          <a:off x="0" y="0"/>
+          <a:ext cx="0" cy="0"/>
+          <a:chOff x="0" y="0"/>
+          <a:chExt cx="0" cy="0"/>
+        </a:xfrm>
+      </p:grpSpPr>
+      <p:sp>
+        <p:nvSpPr>
+          <p:cNvPr id="2" name="Title 1"/>
+          <p:cNvSpPr>
+            <a:spLocks noGrp="1"/>
+          </p:cNvSpPr>
+          <p:nvPr>
+            <p:ph type="title"/>
+          </p:nvPr>
+        </p:nvSpPr>
+        <p:spPr>
+          <a:xfrm>
+            <a:off x="609600" y="228600"/>
+            <a:ext cx="10439400" cy="624840"/>
+          </a:xfrm>
+        </p:spPr>
+        <p:txBody>
+          <a:bodyPr>
+            <a:noAutofit/>
+          </a:bodyPr>
+          <a:lstStyle/>
+          <a:p>
+            <a:r>
+              <a:rPr lang="en-US" sz="3600" dirty="0">
+                <a:cs typeface="Times New Roman" panose="02020603050405020304" pitchFamily="18" charset="0"/>
+              </a:rPr>
+              <a:t>Mixed Methods in Context</a:t>
+            </a:r>
+            <a:endParaRPr lang="en-US" sz="3600" dirty="0">
+              <a:latin typeface="Times New Roman" panose="02020603050405020304" pitchFamily="18" charset="0"/>
+              <a:cs typeface="Times New Roman" panose="02020603050405020304" pitchFamily="18" charset="0"/>
+            </a:endParaRPr>
+          </a:p>
+        </p:txBody>
+      </p:sp>
+      <p:sp>
+        <p:nvSpPr>
+          <p:cNvPr id="3" name="Content Placeholder 2"/>
+          <p:cNvSpPr>
+            <a:spLocks noGrp="1"/>
+          </p:cNvSpPr>
+          <p:nvPr>
+            <p:ph idx="1"/>
+          </p:nvPr>
+        </p:nvSpPr>
+        <p:spPr>
+          <a:xfrm>
+            <a:off x="304800" y="1066801"/>
+            <a:ext cx="10744201" cy="5141388"/>
+          </a:xfrm>
+        </p:spPr>
+        <p:txBody>
+          <a:bodyPr>
+            <a:noAutofit/>
+          </a:bodyPr>
+          <a:lstStyle/>
+          <a:p>
+            <a:pPr marL="274320" lvl="1" indent="0">
+              <a:buNone/>
+            </a:pPr>
+            <a:r>
+              <a:rPr lang="en-US" sz="2400" dirty="0">
+                <a:solidFill>
+                  <a:schemeClr val="tx2">
+                    <a:lumMod val="60000"/>
+                    <a:lumOff val="40000"/>
+                  </a:schemeClr>
+                </a:solidFill>
+                <a:cs typeface="Times New Roman" panose="02020603050405020304" pitchFamily="18" charset="0"/>
+              </a:rPr>
+              <a:t>Why should we care about this? (How is the study motivated?)</a:t>
+            </a:r>
+          </a:p>
+          <a:p>
+            <a:pPr lvl="1"/>
+            <a:r>
+              <a:rPr lang="en-US" sz="2400" dirty="0">
+                <a:solidFill>
+                  <a:schemeClr val="tx1"/>
+                </a:solidFill>
+                <a:cs typeface="Times New Roman" panose="02020603050405020304" pitchFamily="18" charset="0"/>
+              </a:rPr>
+              <a:t>Burnout can include substance use, insomnia, and depression</a:t>
+            </a:r>
+          </a:p>
+          <a:p>
+            <a:pPr lvl="1"/>
+            <a:r>
+              <a:rPr lang="en-US" sz="2400" dirty="0">
+                <a:solidFill>
+                  <a:schemeClr val="tx1"/>
+                </a:solidFill>
+                <a:cs typeface="Times New Roman" panose="02020603050405020304" pitchFamily="18" charset="0"/>
+              </a:rPr>
+              <a:t>Burnout can lead to poor patient outcomes, in some cases doubling the risk of medical error and increasing recovery times for hospitalized patients. </a:t>
+            </a:r>
+          </a:p>
+          <a:p>
+            <a:pPr lvl="1"/>
+            <a:r>
+              <a:rPr lang="en-US" sz="2400" dirty="0">
+                <a:solidFill>
+                  <a:schemeClr val="tx1"/>
+                </a:solidFill>
+                <a:cs typeface="Times New Roman" panose="02020603050405020304" pitchFamily="18" charset="0"/>
+              </a:rPr>
+              <a:t>Burnout also has broader consequences for health systems ($$$) as a contributor to reduced productivity and staff turnover.</a:t>
+            </a:r>
+          </a:p>
+          <a:p>
+            <a:pPr lvl="1"/>
+            <a:r>
+              <a:rPr lang="en-US" sz="2400" b="1" dirty="0">
+                <a:solidFill>
+                  <a:schemeClr val="tx1"/>
+                </a:solidFill>
+                <a:cs typeface="Times New Roman" panose="02020603050405020304" pitchFamily="18" charset="0"/>
+              </a:rPr>
+              <a:t>This study </a:t>
+            </a:r>
+            <a:r>
+              <a:rPr lang="en-US" sz="2400" dirty="0">
+                <a:solidFill>
+                  <a:schemeClr val="tx1"/>
+                </a:solidFill>
+                <a:cs typeface="Times New Roman" panose="02020603050405020304" pitchFamily="18" charset="0"/>
+              </a:rPr>
+              <a:t>moves beyond urban data to look at rural areas (why?)</a:t>
+            </a:r>
+          </a:p>
+          <a:p>
+            <a:pPr lvl="1"/>
+            <a:endParaRPr lang="en-US" sz="2400" b="1" dirty="0">
+              <a:solidFill>
+                <a:schemeClr val="tx1"/>
+              </a:solidFill>
+              <a:cs typeface="Times New Roman" panose="02020603050405020304" pitchFamily="18" charset="0"/>
+            </a:endParaRPr>
+          </a:p>
+          <a:p>
+            <a:pPr marL="274320" lvl="1" indent="0">
+              <a:buNone/>
+            </a:pPr>
+            <a:r>
+              <a:rPr lang="en-US" sz="2400" dirty="0">
+                <a:solidFill>
+                  <a:schemeClr val="tx2">
+                    <a:lumMod val="60000"/>
+                    <a:lumOff val="40000"/>
+                  </a:schemeClr>
+                </a:solidFill>
+                <a:cs typeface="Times New Roman" panose="02020603050405020304" pitchFamily="18" charset="0"/>
+              </a:rPr>
+              <a:t>What’s the motivation for mixed methods research? </a:t>
+            </a:r>
+            <a:endParaRPr lang="en-US" sz="2400" b="1" dirty="0">
+              <a:solidFill>
+                <a:schemeClr val="tx1"/>
+              </a:solidFill>
+              <a:cs typeface="Times New Roman" panose="02020603050405020304" pitchFamily="18" charset="0"/>
+            </a:endParaRPr>
+          </a:p>
+          <a:p>
+            <a:pPr marL="274320" lvl="1" indent="0">
+              <a:buNone/>
+            </a:pPr>
+            <a:r>
+              <a:rPr lang="en-US" sz="2400" b="1" dirty="0">
+                <a:solidFill>
+                  <a:schemeClr val="tx1"/>
+                </a:solidFill>
+                <a:cs typeface="Times New Roman" panose="02020603050405020304" pitchFamily="18" charset="0"/>
+              </a:rPr>
+              <a:t>“</a:t>
+            </a:r>
+            <a:r>
+              <a:rPr lang="en-US" sz="2400" dirty="0"/>
+              <a:t>Populations in rural and remote contexts are often small, yet the findings of research conducted in these settings remain important and should not be hindered by an inability to generate large statistical power.</a:t>
+            </a:r>
+            <a:r>
+              <a:rPr lang="en-US" sz="2400" b="1" dirty="0">
+                <a:solidFill>
+                  <a:schemeClr val="tx1"/>
+                </a:solidFill>
+                <a:cs typeface="Times New Roman" panose="02020603050405020304" pitchFamily="18" charset="0"/>
+              </a:rPr>
+              <a:t>”</a:t>
+            </a:r>
+          </a:p>
+          <a:p>
+            <a:pPr lvl="1"/>
+            <a:endParaRPr lang="en-US" sz="2400" dirty="0">
+              <a:solidFill>
+                <a:schemeClr val="tx2">
+                  <a:lumMod val="60000"/>
+                  <a:lumOff val="40000"/>
+                </a:schemeClr>
+              </a:solidFill>
+              <a:cs typeface="Times New Roman" panose="02020603050405020304" pitchFamily="18" charset="0"/>
+            </a:endParaRPr>
+          </a:p>
+        </p:txBody>
+      </p:sp>
+    </p:spTree>
+    <p:extLst>
+      <p:ext uri="{BB962C8B-B14F-4D97-AF65-F5344CB8AC3E}">
+        <p14:creationId xmlns:p14="http://schemas.microsoft.com/office/powerpoint/2010/main" val="3347133308"/>
+      </p:ext>
+    </p:extLst>
+  </p:cSld>
+  <p:clrMapOvr>
+    <a:masterClrMapping/>
+  </p:clrMapOvr>
+</p:sld>
+</file>
+
+<file path=ppt/slides/slide31.xml><?xml version="1.0" encoding="utf-8"?>
+<p:sld xmlns:a="http://schemas.openxmlformats.org/drawingml/2006/main" xmlns:r="http://schemas.openxmlformats.org/officeDocument/2006/relationships" xmlns:p="http://schemas.openxmlformats.org/presentationml/2006/main">
+  <p:cSld>
+    <p:spTree>
+      <p:nvGrpSpPr>
+        <p:cNvPr id="1" name=""/>
+        <p:cNvGrpSpPr/>
+        <p:nvPr/>
+      </p:nvGrpSpPr>
+      <p:grpSpPr>
+        <a:xfrm>
+          <a:off x="0" y="0"/>
+          <a:ext cx="0" cy="0"/>
+          <a:chOff x="0" y="0"/>
+          <a:chExt cx="0" cy="0"/>
+        </a:xfrm>
+      </p:grpSpPr>
+      <p:sp>
+        <p:nvSpPr>
+          <p:cNvPr id="2" name="Title 1"/>
+          <p:cNvSpPr>
+            <a:spLocks noGrp="1"/>
+          </p:cNvSpPr>
+          <p:nvPr>
+            <p:ph type="title"/>
+          </p:nvPr>
+        </p:nvSpPr>
+        <p:spPr>
+          <a:xfrm>
+            <a:off x="609600" y="228600"/>
+            <a:ext cx="10439400" cy="624840"/>
+          </a:xfrm>
+        </p:spPr>
+        <p:txBody>
+          <a:bodyPr>
+            <a:noAutofit/>
+          </a:bodyPr>
+          <a:lstStyle/>
+          <a:p>
+            <a:r>
+              <a:rPr lang="en-US" sz="3600" dirty="0">
+                <a:cs typeface="Times New Roman" panose="02020603050405020304" pitchFamily="18" charset="0"/>
+              </a:rPr>
+              <a:t>Mixed Methods in Context</a:t>
+            </a:r>
+            <a:endParaRPr lang="en-US" sz="3600" dirty="0">
+              <a:latin typeface="Times New Roman" panose="02020603050405020304" pitchFamily="18" charset="0"/>
+              <a:cs typeface="Times New Roman" panose="02020603050405020304" pitchFamily="18" charset="0"/>
+            </a:endParaRPr>
+          </a:p>
+        </p:txBody>
+      </p:sp>
+      <p:sp>
+        <p:nvSpPr>
+          <p:cNvPr id="5" name="Content Placeholder 4">
+            <a:extLst>
+              <a:ext uri="{FF2B5EF4-FFF2-40B4-BE49-F238E27FC236}">
+                <a16:creationId xmlns:a16="http://schemas.microsoft.com/office/drawing/2014/main" id="{F016C2A7-5C22-E224-B103-5EF4DCEE523B}"/>
+              </a:ext>
+            </a:extLst>
+          </p:cNvPr>
+          <p:cNvSpPr>
+            <a:spLocks noGrp="1"/>
+          </p:cNvSpPr>
+          <p:nvPr>
+            <p:ph idx="1"/>
+          </p:nvPr>
+        </p:nvSpPr>
+        <p:spPr>
+          <a:xfrm>
+            <a:off x="1261872" y="4800600"/>
+            <a:ext cx="8595360" cy="1379537"/>
+          </a:xfrm>
+        </p:spPr>
+        <p:txBody>
+          <a:bodyPr>
+            <a:normAutofit/>
+          </a:bodyPr>
+          <a:lstStyle/>
+          <a:p>
+            <a:r>
+              <a:rPr lang="en-US" sz="2200" dirty="0"/>
+              <a:t>0.3% of national population</a:t>
+            </a:r>
+          </a:p>
+          <a:p>
+            <a:r>
+              <a:rPr lang="en-US" sz="2200" dirty="0"/>
+              <a:t>So how can we motivate this further?</a:t>
+            </a:r>
+          </a:p>
+        </p:txBody>
+      </p:sp>
+      <p:pic>
+        <p:nvPicPr>
+          <p:cNvPr id="7" name="Picture 6">
+            <a:extLst>
+              <a:ext uri="{FF2B5EF4-FFF2-40B4-BE49-F238E27FC236}">
+                <a16:creationId xmlns:a16="http://schemas.microsoft.com/office/drawing/2014/main" id="{4765CB33-AA1B-D552-4639-BD34BFD9235A}"/>
+              </a:ext>
+            </a:extLst>
+          </p:cNvPr>
+          <p:cNvPicPr>
+            <a:picLocks noChangeAspect="1"/>
+          </p:cNvPicPr>
+          <p:nvPr/>
+        </p:nvPicPr>
+        <p:blipFill>
+          <a:blip r:embed="rId3"/>
+          <a:stretch>
+            <a:fillRect/>
+          </a:stretch>
+        </p:blipFill>
+        <p:spPr>
+          <a:xfrm>
+            <a:off x="322780" y="873034"/>
+            <a:ext cx="11259620" cy="3470366"/>
+          </a:xfrm>
+          <a:prstGeom prst="rect">
+            <a:avLst/>
+          </a:prstGeom>
+        </p:spPr>
+      </p:pic>
+    </p:spTree>
+    <p:extLst>
+      <p:ext uri="{BB962C8B-B14F-4D97-AF65-F5344CB8AC3E}">
+        <p14:creationId xmlns:p14="http://schemas.microsoft.com/office/powerpoint/2010/main" val="3264698186"/>
+      </p:ext>
+    </p:extLst>
+  </p:cSld>
+  <p:clrMapOvr>
+    <a:masterClrMapping/>
+  </p:clrMapOvr>
+</p:sld>
+</file>
+
+<file path=ppt/slides/slide32.xml><?xml version="1.0" encoding="utf-8"?>
+<p:sld xmlns:a="http://schemas.openxmlformats.org/drawingml/2006/main" xmlns:r="http://schemas.openxmlformats.org/officeDocument/2006/relationships" xmlns:p="http://schemas.openxmlformats.org/presentationml/2006/main">
+  <p:cSld>
+    <p:spTree>
+      <p:nvGrpSpPr>
+        <p:cNvPr id="1" name=""/>
+        <p:cNvGrpSpPr/>
+        <p:nvPr/>
+      </p:nvGrpSpPr>
+      <p:grpSpPr>
+        <a:xfrm>
+          <a:off x="0" y="0"/>
+          <a:ext cx="0" cy="0"/>
+          <a:chOff x="0" y="0"/>
+          <a:chExt cx="0" cy="0"/>
+        </a:xfrm>
+      </p:grpSpPr>
+      <p:sp>
+        <p:nvSpPr>
+          <p:cNvPr id="2" name="Title 1"/>
+          <p:cNvSpPr>
+            <a:spLocks noGrp="1"/>
+          </p:cNvSpPr>
+          <p:nvPr>
+            <p:ph type="title"/>
+          </p:nvPr>
+        </p:nvSpPr>
+        <p:spPr>
+          <a:xfrm>
+            <a:off x="609600" y="228600"/>
+            <a:ext cx="10439400" cy="624840"/>
+          </a:xfrm>
+        </p:spPr>
+        <p:txBody>
+          <a:bodyPr>
+            <a:noAutofit/>
+          </a:bodyPr>
+          <a:lstStyle/>
+          <a:p>
+            <a:r>
+              <a:rPr lang="en-US" sz="3600" dirty="0">
+                <a:cs typeface="Times New Roman" panose="02020603050405020304" pitchFamily="18" charset="0"/>
+              </a:rPr>
+              <a:t>Mixed Methods in Context</a:t>
+            </a:r>
+            <a:endParaRPr lang="en-US" sz="3600" dirty="0">
+              <a:latin typeface="Times New Roman" panose="02020603050405020304" pitchFamily="18" charset="0"/>
+              <a:cs typeface="Times New Roman" panose="02020603050405020304" pitchFamily="18" charset="0"/>
+            </a:endParaRPr>
+          </a:p>
+        </p:txBody>
+      </p:sp>
+      <p:sp>
+        <p:nvSpPr>
+          <p:cNvPr id="5" name="Content Placeholder 4">
+            <a:extLst>
+              <a:ext uri="{FF2B5EF4-FFF2-40B4-BE49-F238E27FC236}">
+                <a16:creationId xmlns:a16="http://schemas.microsoft.com/office/drawing/2014/main" id="{0AB018D9-F021-3661-42D2-43CDFA2EF3AE}"/>
+              </a:ext>
+            </a:extLst>
+          </p:cNvPr>
+          <p:cNvSpPr>
+            <a:spLocks noGrp="1"/>
+          </p:cNvSpPr>
+          <p:nvPr>
+            <p:ph idx="1"/>
+          </p:nvPr>
+        </p:nvSpPr>
+        <p:spPr/>
+        <p:txBody>
+          <a:bodyPr/>
+          <a:lstStyle/>
+          <a:p>
+            <a:endParaRPr lang="en-US"/>
+          </a:p>
+        </p:txBody>
+      </p:sp>
+      <p:pic>
+        <p:nvPicPr>
+          <p:cNvPr id="7" name="Picture 6">
+            <a:extLst>
+              <a:ext uri="{FF2B5EF4-FFF2-40B4-BE49-F238E27FC236}">
+                <a16:creationId xmlns:a16="http://schemas.microsoft.com/office/drawing/2014/main" id="{4D624368-7F05-A71B-F0F7-DF69A25D00BC}"/>
+              </a:ext>
+            </a:extLst>
+          </p:cNvPr>
+          <p:cNvPicPr>
+            <a:picLocks noChangeAspect="1"/>
+          </p:cNvPicPr>
+          <p:nvPr/>
+        </p:nvPicPr>
+        <p:blipFill>
+          <a:blip r:embed="rId3"/>
+          <a:stretch>
+            <a:fillRect/>
+          </a:stretch>
+        </p:blipFill>
+        <p:spPr>
+          <a:xfrm>
+            <a:off x="635726" y="875210"/>
+            <a:ext cx="9755379" cy="5754189"/>
+          </a:xfrm>
+          <a:prstGeom prst="rect">
+            <a:avLst/>
+          </a:prstGeom>
+        </p:spPr>
+      </p:pic>
+      <p:sp>
+        <p:nvSpPr>
+          <p:cNvPr id="8" name="Oval 7">
+            <a:extLst>
+              <a:ext uri="{FF2B5EF4-FFF2-40B4-BE49-F238E27FC236}">
+                <a16:creationId xmlns:a16="http://schemas.microsoft.com/office/drawing/2014/main" id="{6EBC2816-B2F0-6527-F8BE-4572B7C2D470}"/>
+              </a:ext>
+            </a:extLst>
+          </p:cNvPr>
+          <p:cNvSpPr/>
+          <p:nvPr/>
+        </p:nvSpPr>
+        <p:spPr>
+          <a:xfrm>
+            <a:off x="6019800" y="2590800"/>
+            <a:ext cx="3837432" cy="457200"/>
+          </a:xfrm>
+          <a:prstGeom prst="ellipse">
+            <a:avLst/>
+          </a:prstGeom>
+          <a:noFill/>
+          <a:ln w="57150">
+            <a:solidFill>
+              <a:schemeClr val="tx2">
+                <a:lumMod val="60000"/>
+                <a:lumOff val="40000"/>
+              </a:schemeClr>
+            </a:solidFill>
+          </a:ln>
+        </p:spPr>
+        <p:style>
+          <a:lnRef idx="2">
+            <a:schemeClr val="accent1">
+              <a:shade val="15000"/>
+            </a:schemeClr>
+          </a:lnRef>
+          <a:fillRef idx="1">
+            <a:schemeClr val="accent1"/>
+          </a:fillRef>
+          <a:effectRef idx="0">
+            <a:schemeClr val="accent1"/>
+          </a:effectRef>
+          <a:fontRef idx="minor">
+            <a:schemeClr val="lt1"/>
+          </a:fontRef>
+        </p:style>
+        <p:txBody>
+          <a:bodyPr rtlCol="0" anchor="ctr"/>
+          <a:lstStyle/>
+          <a:p>
+            <a:pPr algn="ctr"/>
+            <a:endParaRPr lang="en-US"/>
+          </a:p>
+        </p:txBody>
+      </p:sp>
+    </p:spTree>
+    <p:extLst>
+      <p:ext uri="{BB962C8B-B14F-4D97-AF65-F5344CB8AC3E}">
+        <p14:creationId xmlns:p14="http://schemas.microsoft.com/office/powerpoint/2010/main" val="734305904"/>
+      </p:ext>
+    </p:extLst>
+  </p:cSld>
+  <p:clrMapOvr>
+    <a:masterClrMapping/>
+  </p:clrMapOvr>
+</p:sld>
+</file>
+
+<file path=ppt/slides/slide33.xml><?xml version="1.0" encoding="utf-8"?>
+<p:sld xmlns:a="http://schemas.openxmlformats.org/drawingml/2006/main" xmlns:r="http://schemas.openxmlformats.org/officeDocument/2006/relationships" xmlns:p="http://schemas.openxmlformats.org/presentationml/2006/main">
+  <p:cSld>
+    <p:spTree>
+      <p:nvGrpSpPr>
+        <p:cNvPr id="1" name=""/>
+        <p:cNvGrpSpPr/>
+        <p:nvPr/>
+      </p:nvGrpSpPr>
+      <p:grpSpPr>
+        <a:xfrm>
+          <a:off x="0" y="0"/>
+          <a:ext cx="0" cy="0"/>
+          <a:chOff x="0" y="0"/>
+          <a:chExt cx="0" cy="0"/>
+        </a:xfrm>
+      </p:grpSpPr>
+      <p:sp>
+        <p:nvSpPr>
+          <p:cNvPr id="2" name="Title 1"/>
+          <p:cNvSpPr>
+            <a:spLocks noGrp="1"/>
+          </p:cNvSpPr>
+          <p:nvPr>
+            <p:ph type="title"/>
+          </p:nvPr>
+        </p:nvSpPr>
+        <p:spPr>
+          <a:xfrm>
+            <a:off x="609600" y="228600"/>
+            <a:ext cx="10439400" cy="624840"/>
+          </a:xfrm>
+        </p:spPr>
+        <p:txBody>
+          <a:bodyPr>
+            <a:noAutofit/>
+          </a:bodyPr>
+          <a:lstStyle/>
+          <a:p>
+            <a:r>
+              <a:rPr lang="en-US" sz="3600" dirty="0">
+                <a:cs typeface="Times New Roman" panose="02020603050405020304" pitchFamily="18" charset="0"/>
+              </a:rPr>
+              <a:t>How do we design a mixed methods study?</a:t>
+            </a:r>
+            <a:endParaRPr lang="en-US" sz="3600" dirty="0">
+              <a:latin typeface="Times New Roman" panose="02020603050405020304" pitchFamily="18" charset="0"/>
+              <a:cs typeface="Times New Roman" panose="02020603050405020304" pitchFamily="18" charset="0"/>
+            </a:endParaRPr>
+          </a:p>
+        </p:txBody>
+      </p:sp>
+      <p:sp>
+        <p:nvSpPr>
+          <p:cNvPr id="3" name="Content Placeholder 2"/>
+          <p:cNvSpPr>
+            <a:spLocks noGrp="1"/>
+          </p:cNvSpPr>
+          <p:nvPr>
+            <p:ph idx="1"/>
+          </p:nvPr>
+        </p:nvSpPr>
+        <p:spPr>
+          <a:xfrm>
+            <a:off x="609601" y="1066801"/>
+            <a:ext cx="10439400" cy="5141388"/>
+          </a:xfrm>
+        </p:spPr>
+        <p:txBody>
+          <a:bodyPr>
+            <a:noAutofit/>
+          </a:bodyPr>
+          <a:lstStyle/>
+          <a:p>
+            <a:pPr marL="0" indent="0">
+              <a:buNone/>
+            </a:pPr>
+            <a:r>
+              <a:rPr lang="en-US" sz="2800" dirty="0"/>
+              <a:t>Need two types of data: </a:t>
+            </a:r>
+          </a:p>
+          <a:p>
+            <a:pPr marL="514350" indent="-514350">
+              <a:buAutoNum type="arabicPeriod"/>
+            </a:pPr>
+            <a:r>
+              <a:rPr lang="en-US" sz="2800" dirty="0"/>
+              <a:t>Sequential design: </a:t>
+            </a:r>
+          </a:p>
+          <a:p>
+            <a:pPr lvl="1"/>
+            <a:r>
+              <a:rPr lang="en-US" sz="2600" dirty="0"/>
+              <a:t>Quantitative data collected first, followed by qualitative data</a:t>
+            </a:r>
+          </a:p>
+          <a:p>
+            <a:pPr marL="514350" indent="-514350">
+              <a:buFont typeface="+mj-lt"/>
+              <a:buAutoNum type="arabicPeriod"/>
+            </a:pPr>
+            <a:r>
+              <a:rPr lang="en-US" sz="2800" dirty="0"/>
+              <a:t>Concurrent design: </a:t>
+            </a:r>
+          </a:p>
+          <a:p>
+            <a:pPr lvl="1"/>
+            <a:r>
+              <a:rPr lang="en-US" sz="2600" dirty="0"/>
+              <a:t>Both quantitative and qualitative data collected simultaneously</a:t>
+            </a:r>
+          </a:p>
+          <a:p>
+            <a:pPr marL="0" indent="0">
+              <a:buNone/>
+            </a:pPr>
+            <a:r>
+              <a:rPr lang="en-US" sz="2800" dirty="0"/>
+              <a:t>3. Transformative design: (responsive)</a:t>
+            </a:r>
+          </a:p>
+          <a:p>
+            <a:pPr lvl="1"/>
+            <a:r>
+              <a:rPr lang="en-US" sz="2600" dirty="0"/>
+              <a:t>Integrates quantitative and qualitative data throughout the research process</a:t>
+            </a:r>
+          </a:p>
+        </p:txBody>
+      </p:sp>
+    </p:spTree>
+    <p:extLst>
+      <p:ext uri="{BB962C8B-B14F-4D97-AF65-F5344CB8AC3E}">
+        <p14:creationId xmlns:p14="http://schemas.microsoft.com/office/powerpoint/2010/main" val="1754695007"/>
+      </p:ext>
+    </p:extLst>
+  </p:cSld>
+  <p:clrMapOvr>
+    <a:masterClrMapping/>
+  </p:clrMapOvr>
+</p:sld>
+</file>
+
+<file path=ppt/slides/slide34.xml><?xml version="1.0" encoding="utf-8"?>
+<p:sld xmlns:a="http://schemas.openxmlformats.org/drawingml/2006/main" xmlns:r="http://schemas.openxmlformats.org/officeDocument/2006/relationships" xmlns:p="http://schemas.openxmlformats.org/presentationml/2006/main">
+  <p:cSld>
+    <p:spTree>
+      <p:nvGrpSpPr>
+        <p:cNvPr id="1" name=""/>
+        <p:cNvGrpSpPr/>
+        <p:nvPr/>
+      </p:nvGrpSpPr>
+      <p:grpSpPr>
+        <a:xfrm>
+          <a:off x="0" y="0"/>
+          <a:ext cx="0" cy="0"/>
+          <a:chOff x="0" y="0"/>
+          <a:chExt cx="0" cy="0"/>
+        </a:xfrm>
+      </p:grpSpPr>
+      <p:sp>
+        <p:nvSpPr>
+          <p:cNvPr id="2" name="Title 1"/>
+          <p:cNvSpPr>
+            <a:spLocks noGrp="1"/>
+          </p:cNvSpPr>
+          <p:nvPr>
+            <p:ph type="title"/>
+          </p:nvPr>
+        </p:nvSpPr>
+        <p:spPr>
+          <a:xfrm>
+            <a:off x="609600" y="228600"/>
+            <a:ext cx="10439400" cy="624840"/>
+          </a:xfrm>
+        </p:spPr>
+        <p:txBody>
+          <a:bodyPr>
+            <a:noAutofit/>
+          </a:bodyPr>
+          <a:lstStyle/>
+          <a:p>
+            <a:r>
+              <a:rPr lang="en-US" sz="3600" dirty="0">
+                <a:cs typeface="Times New Roman" panose="02020603050405020304" pitchFamily="18" charset="0"/>
+              </a:rPr>
+              <a:t>How do we design a mixed methods study?</a:t>
+            </a:r>
+            <a:endParaRPr lang="en-US" sz="3600" dirty="0">
+              <a:latin typeface="Times New Roman" panose="02020603050405020304" pitchFamily="18" charset="0"/>
+              <a:cs typeface="Times New Roman" panose="02020603050405020304" pitchFamily="18" charset="0"/>
+            </a:endParaRPr>
+          </a:p>
+        </p:txBody>
+      </p:sp>
+      <p:sp>
+        <p:nvSpPr>
+          <p:cNvPr id="3" name="Content Placeholder 2"/>
+          <p:cNvSpPr>
+            <a:spLocks noGrp="1"/>
+          </p:cNvSpPr>
+          <p:nvPr>
+            <p:ph idx="1"/>
+          </p:nvPr>
+        </p:nvSpPr>
+        <p:spPr>
+          <a:xfrm>
+            <a:off x="609601" y="1066801"/>
+            <a:ext cx="10439400" cy="5141388"/>
+          </a:xfrm>
+        </p:spPr>
+        <p:txBody>
+          <a:bodyPr>
+            <a:noAutofit/>
+          </a:bodyPr>
+          <a:lstStyle/>
+          <a:p>
+            <a:pPr marL="0" indent="0">
+              <a:buNone/>
+            </a:pPr>
+            <a:r>
+              <a:rPr lang="en-US" sz="2800" dirty="0"/>
+              <a:t>Need two types of data: </a:t>
+            </a:r>
+          </a:p>
+          <a:p>
+            <a:pPr marL="514350" indent="-514350">
+              <a:buAutoNum type="arabicPeriod"/>
+            </a:pPr>
+            <a:r>
+              <a:rPr lang="en-US" sz="2800" b="1" u="sng" dirty="0"/>
+              <a:t>Sequential design: </a:t>
+            </a:r>
+          </a:p>
+          <a:p>
+            <a:pPr lvl="1"/>
+            <a:r>
+              <a:rPr lang="en-US" sz="2600" b="1" u="sng" dirty="0"/>
+              <a:t>Quantitative data collected first, followed by qualitative data</a:t>
+            </a:r>
+          </a:p>
+          <a:p>
+            <a:pPr marL="514350" indent="-514350">
+              <a:buFont typeface="+mj-lt"/>
+              <a:buAutoNum type="arabicPeriod"/>
+            </a:pPr>
+            <a:r>
+              <a:rPr lang="en-US" sz="2800" dirty="0"/>
+              <a:t>Concurrent design: </a:t>
+            </a:r>
+          </a:p>
+          <a:p>
+            <a:pPr lvl="1"/>
+            <a:r>
+              <a:rPr lang="en-US" sz="2600" dirty="0"/>
+              <a:t>Both quantitative and qualitative data collected simultaneously</a:t>
+            </a:r>
+          </a:p>
+          <a:p>
+            <a:pPr marL="0" indent="0">
+              <a:buNone/>
+            </a:pPr>
+            <a:r>
+              <a:rPr lang="en-US" sz="2800" dirty="0"/>
+              <a:t>3. Transformative design: (responsive)</a:t>
+            </a:r>
+          </a:p>
+          <a:p>
+            <a:pPr lvl="1"/>
+            <a:r>
+              <a:rPr lang="en-US" sz="2600" dirty="0"/>
+              <a:t>Integrates quantitative and qualitative data throughout the research process</a:t>
+            </a:r>
+          </a:p>
+        </p:txBody>
+      </p:sp>
+    </p:spTree>
+    <p:extLst>
+      <p:ext uri="{BB962C8B-B14F-4D97-AF65-F5344CB8AC3E}">
+        <p14:creationId xmlns:p14="http://schemas.microsoft.com/office/powerpoint/2010/main" val="2174433869"/>
+      </p:ext>
+    </p:extLst>
+  </p:cSld>
+  <p:clrMapOvr>
+    <a:masterClrMapping/>
+  </p:clrMapOvr>
+</p:sld>
+</file>
+
+<file path=ppt/slides/slide35.xml><?xml version="1.0" encoding="utf-8"?>
+<p:sld xmlns:a="http://schemas.openxmlformats.org/drawingml/2006/main" xmlns:r="http://schemas.openxmlformats.org/officeDocument/2006/relationships" xmlns:p="http://schemas.openxmlformats.org/presentationml/2006/main">
+  <p:cSld>
+    <p:spTree>
+      <p:nvGrpSpPr>
+        <p:cNvPr id="1" name=""/>
+        <p:cNvGrpSpPr/>
+        <p:nvPr/>
+      </p:nvGrpSpPr>
+      <p:grpSpPr>
+        <a:xfrm>
+          <a:off x="0" y="0"/>
+          <a:ext cx="0" cy="0"/>
+          <a:chOff x="0" y="0"/>
+          <a:chExt cx="0" cy="0"/>
+        </a:xfrm>
+      </p:grpSpPr>
+      <p:sp>
+        <p:nvSpPr>
+          <p:cNvPr id="2" name="Title 1"/>
+          <p:cNvSpPr>
+            <a:spLocks noGrp="1"/>
+          </p:cNvSpPr>
+          <p:nvPr>
+            <p:ph type="title"/>
+          </p:nvPr>
+        </p:nvSpPr>
+        <p:spPr>
+          <a:xfrm>
+            <a:off x="609600" y="228600"/>
+            <a:ext cx="10439400" cy="624840"/>
+          </a:xfrm>
+        </p:spPr>
+        <p:txBody>
+          <a:bodyPr>
+            <a:noAutofit/>
+          </a:bodyPr>
+          <a:lstStyle/>
+          <a:p>
+            <a:r>
+              <a:rPr lang="en-US" sz="3600" dirty="0">
+                <a:cs typeface="Times New Roman" panose="02020603050405020304" pitchFamily="18" charset="0"/>
+              </a:rPr>
+              <a:t>Mixed Methods in Context</a:t>
+            </a:r>
+            <a:endParaRPr lang="en-US" sz="3600" dirty="0">
+              <a:latin typeface="Times New Roman" panose="02020603050405020304" pitchFamily="18" charset="0"/>
+              <a:cs typeface="Times New Roman" panose="02020603050405020304" pitchFamily="18" charset="0"/>
+            </a:endParaRPr>
+          </a:p>
+        </p:txBody>
+      </p:sp>
+      <p:sp>
+        <p:nvSpPr>
+          <p:cNvPr id="5" name="Content Placeholder 4">
+            <a:extLst>
+              <a:ext uri="{FF2B5EF4-FFF2-40B4-BE49-F238E27FC236}">
+                <a16:creationId xmlns:a16="http://schemas.microsoft.com/office/drawing/2014/main" id="{0AB018D9-F021-3661-42D2-43CDFA2EF3AE}"/>
+              </a:ext>
+            </a:extLst>
+          </p:cNvPr>
+          <p:cNvSpPr>
+            <a:spLocks noGrp="1"/>
+          </p:cNvSpPr>
+          <p:nvPr>
+            <p:ph idx="1"/>
+          </p:nvPr>
+        </p:nvSpPr>
+        <p:spPr/>
+        <p:txBody>
+          <a:bodyPr/>
+          <a:lstStyle/>
+          <a:p>
+            <a:endParaRPr lang="en-US"/>
+          </a:p>
+        </p:txBody>
+      </p:sp>
+      <p:pic>
+        <p:nvPicPr>
+          <p:cNvPr id="7" name="Picture 6">
+            <a:extLst>
+              <a:ext uri="{FF2B5EF4-FFF2-40B4-BE49-F238E27FC236}">
+                <a16:creationId xmlns:a16="http://schemas.microsoft.com/office/drawing/2014/main" id="{4D624368-7F05-A71B-F0F7-DF69A25D00BC}"/>
+              </a:ext>
+            </a:extLst>
+          </p:cNvPr>
+          <p:cNvPicPr>
+            <a:picLocks noChangeAspect="1"/>
+          </p:cNvPicPr>
+          <p:nvPr/>
+        </p:nvPicPr>
+        <p:blipFill>
+          <a:blip r:embed="rId3"/>
+          <a:stretch>
+            <a:fillRect/>
+          </a:stretch>
+        </p:blipFill>
+        <p:spPr>
+          <a:xfrm>
+            <a:off x="635726" y="875210"/>
+            <a:ext cx="9755379" cy="5754189"/>
+          </a:xfrm>
+          <a:prstGeom prst="rect">
+            <a:avLst/>
+          </a:prstGeom>
+        </p:spPr>
+      </p:pic>
+      <p:sp>
+        <p:nvSpPr>
+          <p:cNvPr id="8" name="Oval 7">
+            <a:extLst>
+              <a:ext uri="{FF2B5EF4-FFF2-40B4-BE49-F238E27FC236}">
+                <a16:creationId xmlns:a16="http://schemas.microsoft.com/office/drawing/2014/main" id="{6EBC2816-B2F0-6527-F8BE-4572B7C2D470}"/>
+              </a:ext>
+            </a:extLst>
+          </p:cNvPr>
+          <p:cNvSpPr/>
+          <p:nvPr/>
+        </p:nvSpPr>
+        <p:spPr>
+          <a:xfrm>
+            <a:off x="4876800" y="3048000"/>
+            <a:ext cx="2122042" cy="381000"/>
+          </a:xfrm>
+          <a:prstGeom prst="ellipse">
+            <a:avLst/>
+          </a:prstGeom>
+          <a:noFill/>
+          <a:ln w="57150">
+            <a:solidFill>
+              <a:schemeClr val="tx2">
+                <a:lumMod val="60000"/>
+                <a:lumOff val="40000"/>
+              </a:schemeClr>
+            </a:solidFill>
+          </a:ln>
+        </p:spPr>
+        <p:style>
+          <a:lnRef idx="2">
+            <a:schemeClr val="accent1">
+              <a:shade val="15000"/>
+            </a:schemeClr>
+          </a:lnRef>
+          <a:fillRef idx="1">
+            <a:schemeClr val="accent1"/>
+          </a:fillRef>
+          <a:effectRef idx="0">
+            <a:schemeClr val="accent1"/>
+          </a:effectRef>
+          <a:fontRef idx="minor">
+            <a:schemeClr val="lt1"/>
+          </a:fontRef>
+        </p:style>
+        <p:txBody>
+          <a:bodyPr rtlCol="0" anchor="ctr"/>
+          <a:lstStyle/>
+          <a:p>
+            <a:pPr algn="ctr"/>
+            <a:endParaRPr lang="en-US"/>
+          </a:p>
+        </p:txBody>
+      </p:sp>
+      <p:sp>
+        <p:nvSpPr>
+          <p:cNvPr id="3" name="Oval 2">
+            <a:extLst>
+              <a:ext uri="{FF2B5EF4-FFF2-40B4-BE49-F238E27FC236}">
+                <a16:creationId xmlns:a16="http://schemas.microsoft.com/office/drawing/2014/main" id="{D81308B5-BDD4-46CB-C3F2-8364AB2B0D68}"/>
+              </a:ext>
+            </a:extLst>
+          </p:cNvPr>
+          <p:cNvSpPr/>
+          <p:nvPr/>
+        </p:nvSpPr>
+        <p:spPr>
+          <a:xfrm>
+            <a:off x="685800" y="3581400"/>
+            <a:ext cx="2122042" cy="381000"/>
+          </a:xfrm>
+          <a:prstGeom prst="ellipse">
+            <a:avLst/>
+          </a:prstGeom>
+          <a:noFill/>
+          <a:ln w="57150">
+            <a:solidFill>
+              <a:schemeClr val="tx2">
+                <a:lumMod val="60000"/>
+                <a:lumOff val="40000"/>
+              </a:schemeClr>
+            </a:solidFill>
+          </a:ln>
+        </p:spPr>
+        <p:style>
+          <a:lnRef idx="2">
+            <a:schemeClr val="accent1">
+              <a:shade val="15000"/>
+            </a:schemeClr>
+          </a:lnRef>
+          <a:fillRef idx="1">
+            <a:schemeClr val="accent1"/>
+          </a:fillRef>
+          <a:effectRef idx="0">
+            <a:schemeClr val="accent1"/>
+          </a:effectRef>
+          <a:fontRef idx="minor">
+            <a:schemeClr val="lt1"/>
+          </a:fontRef>
+        </p:style>
+        <p:txBody>
+          <a:bodyPr rtlCol="0" anchor="ctr"/>
+          <a:lstStyle/>
+          <a:p>
+            <a:pPr algn="ctr"/>
+            <a:endParaRPr lang="en-US"/>
+          </a:p>
+        </p:txBody>
+      </p:sp>
+    </p:spTree>
+    <p:extLst>
+      <p:ext uri="{BB962C8B-B14F-4D97-AF65-F5344CB8AC3E}">
+        <p14:creationId xmlns:p14="http://schemas.microsoft.com/office/powerpoint/2010/main" val="3331023138"/>
+      </p:ext>
+    </p:extLst>
+  </p:cSld>
+  <p:clrMapOvr>
+    <a:masterClrMapping/>
+  </p:clrMapOvr>
+</p:sld>
+</file>
+
+<file path=ppt/slides/slide36.xml><?xml version="1.0" encoding="utf-8"?>
+<p:sld xmlns:a="http://schemas.openxmlformats.org/drawingml/2006/main" xmlns:r="http://schemas.openxmlformats.org/officeDocument/2006/relationships" xmlns:p="http://schemas.openxmlformats.org/presentationml/2006/main">
+  <p:cSld>
+    <p:spTree>
+      <p:nvGrpSpPr>
+        <p:cNvPr id="1" name=""/>
+        <p:cNvGrpSpPr/>
+        <p:nvPr/>
+      </p:nvGrpSpPr>
+      <p:grpSpPr>
+        <a:xfrm>
+          <a:off x="0" y="0"/>
+          <a:ext cx="0" cy="0"/>
+          <a:chOff x="0" y="0"/>
+          <a:chExt cx="0" cy="0"/>
+        </a:xfrm>
+      </p:grpSpPr>
+      <p:sp>
+        <p:nvSpPr>
+          <p:cNvPr id="2" name="Title 1"/>
+          <p:cNvSpPr>
+            <a:spLocks noGrp="1"/>
+          </p:cNvSpPr>
+          <p:nvPr>
+            <p:ph type="title"/>
+          </p:nvPr>
+        </p:nvSpPr>
+        <p:spPr>
+          <a:xfrm>
+            <a:off x="609600" y="228600"/>
+            <a:ext cx="10439400" cy="624840"/>
+          </a:xfrm>
+        </p:spPr>
+        <p:txBody>
+          <a:bodyPr>
+            <a:noAutofit/>
+          </a:bodyPr>
+          <a:lstStyle/>
+          <a:p>
+            <a:r>
+              <a:rPr lang="en-US" sz="3600" dirty="0">
+                <a:cs typeface="Times New Roman" panose="02020603050405020304" pitchFamily="18" charset="0"/>
+              </a:rPr>
+              <a:t>Data Collection: Quantitative</a:t>
+            </a:r>
+            <a:endParaRPr lang="en-US" sz="3600" dirty="0">
+              <a:latin typeface="Times New Roman" panose="02020603050405020304" pitchFamily="18" charset="0"/>
+              <a:cs typeface="Times New Roman" panose="02020603050405020304" pitchFamily="18" charset="0"/>
+            </a:endParaRPr>
+          </a:p>
+        </p:txBody>
+      </p:sp>
+      <p:sp>
+        <p:nvSpPr>
+          <p:cNvPr id="5" name="Content Placeholder 4">
+            <a:extLst>
+              <a:ext uri="{FF2B5EF4-FFF2-40B4-BE49-F238E27FC236}">
+                <a16:creationId xmlns:a16="http://schemas.microsoft.com/office/drawing/2014/main" id="{DF70B080-D23B-F37E-8DF2-1A1E918638D2}"/>
+              </a:ext>
+            </a:extLst>
+          </p:cNvPr>
+          <p:cNvSpPr>
+            <a:spLocks noGrp="1"/>
+          </p:cNvSpPr>
+          <p:nvPr>
+            <p:ph idx="1"/>
+          </p:nvPr>
+        </p:nvSpPr>
+        <p:spPr>
+          <a:xfrm>
+            <a:off x="609600" y="853440"/>
+            <a:ext cx="7534275" cy="5326697"/>
+          </a:xfrm>
+        </p:spPr>
+        <p:txBody>
+          <a:bodyPr>
+            <a:normAutofit/>
+          </a:bodyPr>
+          <a:lstStyle/>
+          <a:p>
+            <a:r>
+              <a:rPr lang="en-US" sz="2400" dirty="0"/>
+              <a:t>Maslach Burnout Inventory (MBI)</a:t>
+            </a:r>
+          </a:p>
+          <a:p>
+            <a:r>
+              <a:rPr lang="en-US" sz="2400" dirty="0">
+                <a:solidFill>
+                  <a:schemeClr val="bg2">
+                    <a:lumMod val="75000"/>
+                  </a:schemeClr>
+                </a:solidFill>
+              </a:rPr>
+              <a:t>“Scores on these subscales are then used to categorize participants into one of five distinct profiles: engaged, ineffective, overextended, disengaged, and burnout.”</a:t>
+            </a:r>
+          </a:p>
+          <a:p>
+            <a:r>
+              <a:rPr lang="en-US" sz="2400" dirty="0"/>
+              <a:t>What does this mean in terms of </a:t>
+            </a:r>
+            <a:r>
+              <a:rPr lang="en-US" sz="2400" b="1" u="sng" dirty="0"/>
+              <a:t>context validity?</a:t>
+            </a:r>
+          </a:p>
+        </p:txBody>
+      </p:sp>
+      <p:pic>
+        <p:nvPicPr>
+          <p:cNvPr id="2050" name="Picture 2" descr="Maslach Burnout Inventory Item Stems and Frequency With Which Items... |  Download Table">
+            <a:extLst>
+              <a:ext uri="{FF2B5EF4-FFF2-40B4-BE49-F238E27FC236}">
+                <a16:creationId xmlns:a16="http://schemas.microsoft.com/office/drawing/2014/main" id="{6514FBAE-8CF0-516C-6DB3-E00430B8EC85}"/>
+              </a:ext>
+            </a:extLst>
+          </p:cNvPr>
+          <p:cNvPicPr>
+            <a:picLocks noChangeAspect="1" noChangeArrowheads="1"/>
+          </p:cNvPicPr>
+          <p:nvPr/>
+        </p:nvPicPr>
+        <p:blipFill rotWithShape="1">
+          <a:blip r:embed="rId3">
+            <a:extLst>
+              <a:ext uri="{28A0092B-C50C-407E-A947-70E740481C1C}">
+                <a14:useLocalDpi xmlns:a14="http://schemas.microsoft.com/office/drawing/2010/main" val="0"/>
+              </a:ext>
+            </a:extLst>
+          </a:blip>
+          <a:srcRect t="9547" r="63177"/>
+          <a:stretch/>
+        </p:blipFill>
+        <p:spPr bwMode="auto">
+          <a:xfrm>
+            <a:off x="8143875" y="76200"/>
+            <a:ext cx="3133725" cy="6466019"/>
+          </a:xfrm>
+          <a:prstGeom prst="rect">
+            <a:avLst/>
+          </a:prstGeom>
+          <a:noFill/>
+          <a:extLst>
+            <a:ext uri="{909E8E84-426E-40DD-AFC4-6F175D3DCCD1}">
+              <a14:hiddenFill xmlns:a14="http://schemas.microsoft.com/office/drawing/2010/main">
+                <a:solidFill>
+                  <a:srgbClr val="FFFFFF"/>
+                </a:solidFill>
+              </a14:hiddenFill>
+            </a:ext>
+          </a:extLst>
+        </p:spPr>
+      </p:pic>
+    </p:spTree>
+    <p:extLst>
+      <p:ext uri="{BB962C8B-B14F-4D97-AF65-F5344CB8AC3E}">
+        <p14:creationId xmlns:p14="http://schemas.microsoft.com/office/powerpoint/2010/main" val="3711985631"/>
+      </p:ext>
+    </p:extLst>
+  </p:cSld>
+  <p:clrMapOvr>
+    <a:masterClrMapping/>
+  </p:clrMapOvr>
+</p:sld>
+</file>
+
+<file path=ppt/slides/slide37.xml><?xml version="1.0" encoding="utf-8"?>
+<p:sld xmlns:a="http://schemas.openxmlformats.org/drawingml/2006/main" xmlns:r="http://schemas.openxmlformats.org/officeDocument/2006/relationships" xmlns:p="http://schemas.openxmlformats.org/presentationml/2006/main">
+  <p:cSld>
+    <p:spTree>
+      <p:nvGrpSpPr>
+        <p:cNvPr id="1" name=""/>
+        <p:cNvGrpSpPr/>
+        <p:nvPr/>
+      </p:nvGrpSpPr>
+      <p:grpSpPr>
+        <a:xfrm>
+          <a:off x="0" y="0"/>
+          <a:ext cx="0" cy="0"/>
+          <a:chOff x="0" y="0"/>
+          <a:chExt cx="0" cy="0"/>
+        </a:xfrm>
+      </p:grpSpPr>
+      <p:sp>
+        <p:nvSpPr>
+          <p:cNvPr id="2" name="Title 1"/>
+          <p:cNvSpPr>
+            <a:spLocks noGrp="1"/>
+          </p:cNvSpPr>
+          <p:nvPr>
+            <p:ph type="title"/>
+          </p:nvPr>
+        </p:nvSpPr>
+        <p:spPr>
+          <a:xfrm>
+            <a:off x="609600" y="228600"/>
+            <a:ext cx="10439400" cy="624840"/>
+          </a:xfrm>
+        </p:spPr>
+        <p:txBody>
+          <a:bodyPr>
+            <a:noAutofit/>
+          </a:bodyPr>
+          <a:lstStyle/>
+          <a:p>
+            <a:r>
+              <a:rPr lang="en-US" sz="3600" dirty="0">
+                <a:cs typeface="Times New Roman" panose="02020603050405020304" pitchFamily="18" charset="0"/>
+              </a:rPr>
+              <a:t>Is this useful?</a:t>
+            </a:r>
+            <a:endParaRPr lang="en-US" sz="3600" dirty="0">
+              <a:latin typeface="Times New Roman" panose="02020603050405020304" pitchFamily="18" charset="0"/>
+              <a:cs typeface="Times New Roman" panose="02020603050405020304" pitchFamily="18" charset="0"/>
+            </a:endParaRPr>
+          </a:p>
+        </p:txBody>
+      </p:sp>
+      <p:sp>
+        <p:nvSpPr>
+          <p:cNvPr id="5" name="Content Placeholder 4">
+            <a:extLst>
+              <a:ext uri="{FF2B5EF4-FFF2-40B4-BE49-F238E27FC236}">
+                <a16:creationId xmlns:a16="http://schemas.microsoft.com/office/drawing/2014/main" id="{DF70B080-D23B-F37E-8DF2-1A1E918638D2}"/>
+              </a:ext>
+            </a:extLst>
+          </p:cNvPr>
+          <p:cNvSpPr>
+            <a:spLocks noGrp="1"/>
+          </p:cNvSpPr>
+          <p:nvPr>
+            <p:ph idx="1"/>
+          </p:nvPr>
+        </p:nvSpPr>
+        <p:spPr/>
+        <p:txBody>
+          <a:bodyPr/>
+          <a:lstStyle/>
+          <a:p>
+            <a:endParaRPr lang="en-US"/>
+          </a:p>
+        </p:txBody>
+      </p:sp>
+      <p:sp>
+        <p:nvSpPr>
+          <p:cNvPr id="4" name="TextBox 3">
+            <a:extLst>
+              <a:ext uri="{FF2B5EF4-FFF2-40B4-BE49-F238E27FC236}">
+                <a16:creationId xmlns:a16="http://schemas.microsoft.com/office/drawing/2014/main" id="{9D8B743B-6F0B-565B-8078-C69A997D3237}"/>
+              </a:ext>
+            </a:extLst>
+          </p:cNvPr>
+          <p:cNvSpPr txBox="1"/>
+          <p:nvPr/>
+        </p:nvSpPr>
+        <p:spPr>
+          <a:xfrm>
+            <a:off x="914400" y="990600"/>
+            <a:ext cx="10015728" cy="5016758"/>
+          </a:xfrm>
+          <a:prstGeom prst="rect">
+            <a:avLst/>
+          </a:prstGeom>
+          <a:solidFill>
+            <a:schemeClr val="accent6">
+              <a:lumMod val="75000"/>
+            </a:schemeClr>
+          </a:solidFill>
+          <a:ln w="28575">
+            <a:solidFill>
+              <a:schemeClr val="accent6">
+                <a:lumMod val="50000"/>
+              </a:schemeClr>
+            </a:solidFill>
+          </a:ln>
+        </p:spPr>
+        <p:txBody>
+          <a:bodyPr wrap="square">
+            <a:spAutoFit/>
+          </a:bodyPr>
+          <a:lstStyle/>
+          <a:p>
+            <a:r>
+              <a:rPr lang="en-US" sz="4000" dirty="0">
+                <a:solidFill>
+                  <a:schemeClr val="bg1"/>
+                </a:solidFill>
+              </a:rPr>
+              <a:t>For example, an engaged profile would characterize a worker with minimal exhaustion and cynicism, and a strong sense of efficacy; this pattern describes a positive experience of work without signs of burnout. All other profiles involve different degrees and manifestations of burnout</a:t>
+            </a:r>
+          </a:p>
+        </p:txBody>
+      </p:sp>
+    </p:spTree>
+    <p:extLst>
+      <p:ext uri="{BB962C8B-B14F-4D97-AF65-F5344CB8AC3E}">
+        <p14:creationId xmlns:p14="http://schemas.microsoft.com/office/powerpoint/2010/main" val="784601192"/>
+      </p:ext>
+    </p:extLst>
+  </p:cSld>
+  <p:clrMapOvr>
+    <a:masterClrMapping/>
+  </p:clrMapOvr>
+</p:sld>
+</file>
+
+<file path=ppt/slides/slide38.xml><?xml version="1.0" encoding="utf-8"?>
+<p:sld xmlns:a="http://schemas.openxmlformats.org/drawingml/2006/main" xmlns:r="http://schemas.openxmlformats.org/officeDocument/2006/relationships" xmlns:p="http://schemas.openxmlformats.org/presentationml/2006/main">
+  <p:cSld>
+    <p:spTree>
+      <p:nvGrpSpPr>
+        <p:cNvPr id="1" name=""/>
+        <p:cNvGrpSpPr/>
+        <p:nvPr/>
+      </p:nvGrpSpPr>
+      <p:grpSpPr>
+        <a:xfrm>
+          <a:off x="0" y="0"/>
+          <a:ext cx="0" cy="0"/>
+          <a:chOff x="0" y="0"/>
+          <a:chExt cx="0" cy="0"/>
+        </a:xfrm>
+      </p:grpSpPr>
+      <p:sp>
+        <p:nvSpPr>
+          <p:cNvPr id="2" name="Title 1"/>
+          <p:cNvSpPr>
+            <a:spLocks noGrp="1"/>
+          </p:cNvSpPr>
+          <p:nvPr>
+            <p:ph type="title"/>
+          </p:nvPr>
+        </p:nvSpPr>
+        <p:spPr>
+          <a:xfrm>
+            <a:off x="609600" y="228600"/>
+            <a:ext cx="10439400" cy="624840"/>
+          </a:xfrm>
+        </p:spPr>
+        <p:txBody>
+          <a:bodyPr>
+            <a:noAutofit/>
+          </a:bodyPr>
+          <a:lstStyle/>
+          <a:p>
+            <a:r>
+              <a:rPr lang="en-US" sz="3600" dirty="0">
+                <a:cs typeface="Times New Roman" panose="02020603050405020304" pitchFamily="18" charset="0"/>
+              </a:rPr>
+              <a:t>Data Collection: Quantitative</a:t>
+            </a:r>
+            <a:endParaRPr lang="en-US" sz="3600" dirty="0">
+              <a:latin typeface="Times New Roman" panose="02020603050405020304" pitchFamily="18" charset="0"/>
+              <a:cs typeface="Times New Roman" panose="02020603050405020304" pitchFamily="18" charset="0"/>
+            </a:endParaRPr>
+          </a:p>
+        </p:txBody>
+      </p:sp>
+      <p:sp>
+        <p:nvSpPr>
+          <p:cNvPr id="5" name="Content Placeholder 4">
+            <a:extLst>
+              <a:ext uri="{FF2B5EF4-FFF2-40B4-BE49-F238E27FC236}">
+                <a16:creationId xmlns:a16="http://schemas.microsoft.com/office/drawing/2014/main" id="{DF70B080-D23B-F37E-8DF2-1A1E918638D2}"/>
+              </a:ext>
+            </a:extLst>
+          </p:cNvPr>
+          <p:cNvSpPr>
+            <a:spLocks noGrp="1"/>
+          </p:cNvSpPr>
+          <p:nvPr>
+            <p:ph idx="1"/>
+          </p:nvPr>
+        </p:nvSpPr>
+        <p:spPr>
+          <a:xfrm>
+            <a:off x="609600" y="853440"/>
+            <a:ext cx="7534275" cy="5326697"/>
+          </a:xfrm>
+        </p:spPr>
+        <p:txBody>
+          <a:bodyPr>
+            <a:normAutofit/>
+          </a:bodyPr>
+          <a:lstStyle/>
+          <a:p>
+            <a:r>
+              <a:rPr lang="en-US" sz="2400" dirty="0"/>
+              <a:t>Maslach Burnout Inventory (MBI)</a:t>
+            </a:r>
+          </a:p>
+          <a:p>
+            <a:r>
+              <a:rPr lang="en-US" sz="2400" dirty="0">
+                <a:solidFill>
+                  <a:schemeClr val="bg2">
+                    <a:lumMod val="75000"/>
+                  </a:schemeClr>
+                </a:solidFill>
+              </a:rPr>
+              <a:t>“Scores on these subscales are then used to categorize participants into one of five distinct profiles: engaged, ineffective, overextended, disengaged, and burnout.”</a:t>
+            </a:r>
+          </a:p>
+          <a:p>
+            <a:r>
+              <a:rPr lang="en-US" sz="2400" dirty="0"/>
+              <a:t>What does this mean in terms of </a:t>
+            </a:r>
+            <a:r>
+              <a:rPr lang="en-US" sz="2400" b="1" u="sng" dirty="0"/>
+              <a:t>context validity?</a:t>
+            </a:r>
+          </a:p>
+          <a:p>
+            <a:r>
+              <a:rPr lang="en-US" sz="2400" dirty="0"/>
+              <a:t>Limitations of the MBI: </a:t>
+            </a:r>
+          </a:p>
+          <a:p>
+            <a:pPr lvl="1"/>
+            <a:r>
+              <a:rPr lang="en-US" sz="2200" dirty="0"/>
+              <a:t>Proprietary nature</a:t>
+            </a:r>
+          </a:p>
+          <a:p>
+            <a:pPr lvl="1"/>
+            <a:r>
+              <a:rPr lang="en-US" sz="2200" dirty="0"/>
+              <a:t>Lack of an established cutoff for burnout</a:t>
+            </a:r>
+          </a:p>
+          <a:p>
+            <a:pPr lvl="1"/>
+            <a:r>
+              <a:rPr lang="en-US" sz="2200" dirty="0"/>
+              <a:t>Observed cutoffs do not correlate with all negative outcomes</a:t>
+            </a:r>
+          </a:p>
+          <a:p>
+            <a:pPr lvl="1"/>
+            <a:r>
+              <a:rPr lang="en-US" sz="2200" dirty="0"/>
+              <a:t>Categories do not translate into target areas for interventions</a:t>
+            </a:r>
+          </a:p>
+        </p:txBody>
+      </p:sp>
+      <p:pic>
+        <p:nvPicPr>
+          <p:cNvPr id="2050" name="Picture 2" descr="Maslach Burnout Inventory Item Stems and Frequency With Which Items... |  Download Table">
+            <a:extLst>
+              <a:ext uri="{FF2B5EF4-FFF2-40B4-BE49-F238E27FC236}">
+                <a16:creationId xmlns:a16="http://schemas.microsoft.com/office/drawing/2014/main" id="{6514FBAE-8CF0-516C-6DB3-E00430B8EC85}"/>
+              </a:ext>
+            </a:extLst>
+          </p:cNvPr>
+          <p:cNvPicPr>
+            <a:picLocks noChangeAspect="1" noChangeArrowheads="1"/>
+          </p:cNvPicPr>
+          <p:nvPr/>
+        </p:nvPicPr>
+        <p:blipFill rotWithShape="1">
+          <a:blip r:embed="rId3">
+            <a:extLst>
+              <a:ext uri="{28A0092B-C50C-407E-A947-70E740481C1C}">
+                <a14:useLocalDpi xmlns:a14="http://schemas.microsoft.com/office/drawing/2010/main" val="0"/>
+              </a:ext>
+            </a:extLst>
+          </a:blip>
+          <a:srcRect t="9547" r="63177"/>
+          <a:stretch/>
+        </p:blipFill>
+        <p:spPr bwMode="auto">
+          <a:xfrm>
+            <a:off x="8143875" y="76200"/>
+            <a:ext cx="3133725" cy="6466019"/>
+          </a:xfrm>
+          <a:prstGeom prst="rect">
+            <a:avLst/>
+          </a:prstGeom>
+          <a:noFill/>
+          <a:extLst>
+            <a:ext uri="{909E8E84-426E-40DD-AFC4-6F175D3DCCD1}">
+              <a14:hiddenFill xmlns:a14="http://schemas.microsoft.com/office/drawing/2010/main">
+                <a:solidFill>
+                  <a:srgbClr val="FFFFFF"/>
+                </a:solidFill>
+              </a14:hiddenFill>
+            </a:ext>
+          </a:extLst>
+        </p:spPr>
+      </p:pic>
+    </p:spTree>
+    <p:extLst>
+      <p:ext uri="{BB962C8B-B14F-4D97-AF65-F5344CB8AC3E}">
+        <p14:creationId xmlns:p14="http://schemas.microsoft.com/office/powerpoint/2010/main" val="138964082"/>
+      </p:ext>
+    </p:extLst>
+  </p:cSld>
+  <p:clrMapOvr>
+    <a:masterClrMapping/>
+  </p:clrMapOvr>
+</p:sld>
+</file>
+
+<file path=ppt/slides/slide39.xml><?xml version="1.0" encoding="utf-8"?>
+<p:sld xmlns:a="http://schemas.openxmlformats.org/drawingml/2006/main" xmlns:r="http://schemas.openxmlformats.org/officeDocument/2006/relationships" xmlns:p="http://schemas.openxmlformats.org/presentationml/2006/main">
+  <p:cSld>
+    <p:spTree>
+      <p:nvGrpSpPr>
+        <p:cNvPr id="1" name=""/>
+        <p:cNvGrpSpPr/>
+        <p:nvPr/>
+      </p:nvGrpSpPr>
+      <p:grpSpPr>
+        <a:xfrm>
+          <a:off x="0" y="0"/>
+          <a:ext cx="0" cy="0"/>
+          <a:chOff x="0" y="0"/>
+          <a:chExt cx="0" cy="0"/>
+        </a:xfrm>
+      </p:grpSpPr>
+      <p:sp>
+        <p:nvSpPr>
+          <p:cNvPr id="2" name="Title 1"/>
+          <p:cNvSpPr>
+            <a:spLocks noGrp="1"/>
+          </p:cNvSpPr>
+          <p:nvPr>
+            <p:ph type="title"/>
+          </p:nvPr>
+        </p:nvSpPr>
+        <p:spPr>
+          <a:xfrm>
+            <a:off x="609600" y="228600"/>
+            <a:ext cx="10439400" cy="624840"/>
+          </a:xfrm>
+        </p:spPr>
+        <p:txBody>
+          <a:bodyPr>
+            <a:noAutofit/>
+          </a:bodyPr>
+          <a:lstStyle/>
+          <a:p>
+            <a:r>
+              <a:rPr lang="en-US" sz="3600" dirty="0">
+                <a:cs typeface="Times New Roman" panose="02020603050405020304" pitchFamily="18" charset="0"/>
+              </a:rPr>
+              <a:t>Data Collection: Quantitative</a:t>
+            </a:r>
+            <a:endParaRPr lang="en-US" sz="3600" dirty="0">
+              <a:latin typeface="Times New Roman" panose="02020603050405020304" pitchFamily="18" charset="0"/>
+              <a:cs typeface="Times New Roman" panose="02020603050405020304" pitchFamily="18" charset="0"/>
+            </a:endParaRPr>
+          </a:p>
+        </p:txBody>
+      </p:sp>
+      <p:sp>
+        <p:nvSpPr>
+          <p:cNvPr id="4" name="Content Placeholder 3">
+            <a:extLst>
+              <a:ext uri="{FF2B5EF4-FFF2-40B4-BE49-F238E27FC236}">
+                <a16:creationId xmlns:a16="http://schemas.microsoft.com/office/drawing/2014/main" id="{98986CA2-7793-4D55-7458-CE1FC19C3CA9}"/>
+              </a:ext>
+            </a:extLst>
+          </p:cNvPr>
+          <p:cNvSpPr>
+            <a:spLocks noGrp="1"/>
+          </p:cNvSpPr>
+          <p:nvPr>
+            <p:ph idx="1"/>
+          </p:nvPr>
+        </p:nvSpPr>
+        <p:spPr/>
+        <p:txBody>
+          <a:bodyPr/>
+          <a:lstStyle/>
+          <a:p>
+            <a:endParaRPr lang="en-US"/>
+          </a:p>
+        </p:txBody>
+      </p:sp>
+      <p:pic>
+        <p:nvPicPr>
+          <p:cNvPr id="7" name="Picture 6">
+            <a:extLst>
+              <a:ext uri="{FF2B5EF4-FFF2-40B4-BE49-F238E27FC236}">
+                <a16:creationId xmlns:a16="http://schemas.microsoft.com/office/drawing/2014/main" id="{265856AC-679D-99C6-69EC-CD34C3A31D3D}"/>
+              </a:ext>
+            </a:extLst>
+          </p:cNvPr>
+          <p:cNvPicPr>
+            <a:picLocks noChangeAspect="1"/>
+          </p:cNvPicPr>
+          <p:nvPr/>
+        </p:nvPicPr>
+        <p:blipFill>
+          <a:blip r:embed="rId3"/>
+          <a:stretch>
+            <a:fillRect/>
+          </a:stretch>
+        </p:blipFill>
+        <p:spPr>
+          <a:xfrm>
+            <a:off x="572552" y="853440"/>
+            <a:ext cx="4990048" cy="5979067"/>
+          </a:xfrm>
+          <a:prstGeom prst="rect">
+            <a:avLst/>
+          </a:prstGeom>
+        </p:spPr>
+      </p:pic>
+    </p:spTree>
+    <p:extLst>
+      <p:ext uri="{BB962C8B-B14F-4D97-AF65-F5344CB8AC3E}">
+        <p14:creationId xmlns:p14="http://schemas.microsoft.com/office/powerpoint/2010/main" val="2828540404"/>
+      </p:ext>
+    </p:extLst>
+  </p:cSld>
+  <p:clrMapOvr>
+    <a:masterClrMapping/>
+  </p:clrMapOvr>
+</p:sld>
+</file>
+
 <file path=ppt/slides/slide4.xml><?xml version="1.0" encoding="utf-8"?>
 <p:sld xmlns:a="http://schemas.openxmlformats.org/drawingml/2006/main" xmlns:r="http://schemas.openxmlformats.org/officeDocument/2006/relationships" xmlns:p="http://schemas.openxmlformats.org/presentationml/2006/main">
   <p:cSld>
@@ -11525,441 +16031,111 @@
       </p:grpSpPr>
       <p:sp>
         <p:nvSpPr>
-          <p:cNvPr id="12" name="TextBox 11">
-            <a:extLst>
-              <a:ext uri="{FF2B5EF4-FFF2-40B4-BE49-F238E27FC236}">
-                <a16:creationId xmlns:a16="http://schemas.microsoft.com/office/drawing/2014/main" id="{31339C2C-C2AE-3890-BB1C-AD17116D976A}"/>
-              </a:ext>
-            </a:extLst>
-          </p:cNvPr>
-          <p:cNvSpPr txBox="1"/>
-          <p:nvPr/>
+          <p:cNvPr id="2" name="Title 1"/>
+          <p:cNvSpPr>
+            <a:spLocks noGrp="1"/>
+          </p:cNvSpPr>
+          <p:nvPr>
+            <p:ph type="title"/>
+          </p:nvPr>
         </p:nvSpPr>
         <p:spPr>
           <a:xfrm>
-            <a:off x="381000" y="-9023271"/>
-            <a:ext cx="12643757" cy="15881271"/>
+            <a:off x="609600" y="337392"/>
+            <a:ext cx="10439400" cy="624840"/>
           </a:xfrm>
-          <a:prstGeom prst="rect">
-            <a:avLst/>
-          </a:prstGeom>
-          <a:noFill/>
         </p:spPr>
         <p:txBody>
-          <a:bodyPr wrap="square">
-            <a:spAutoFit/>
+          <a:bodyPr>
+            <a:noAutofit/>
           </a:bodyPr>
           <a:lstStyle/>
           <a:p>
             <a:r>
-              <a:rPr lang="en-US" dirty="0"/>
-              <a:t>**Slide 4: Kaplan-Meier Estimator**</a:t>
-            </a:r>
-          </a:p>
-          <a:p>
-            <a:r>
-              <a:rPr lang="en-US" dirty="0"/>
-              <a:t>- **Key Features:** </a:t>
-            </a:r>
-          </a:p>
-          <a:p>
-            <a:r>
-              <a:rPr lang="en-US" dirty="0"/>
-              <a:t>  - Estimates survival probability over time.</a:t>
-            </a:r>
-          </a:p>
-          <a:p>
-            <a:r>
-              <a:rPr lang="en-US" dirty="0"/>
-              <a:t>  - Suitable for censored data.</a:t>
-            </a:r>
-          </a:p>
-          <a:p>
-            <a:r>
-              <a:rPr lang="en-US" dirty="0"/>
-              <a:t>- **Formula:** </a:t>
-            </a:r>
-          </a:p>
-          <a:p>
-            <a:r>
-              <a:rPr lang="en-US" dirty="0"/>
-              <a:t>  - \( S(t) = \prod_{</a:t>
-            </a:r>
-            <a:r>
-              <a:rPr lang="en-US" dirty="0" err="1"/>
-              <a:t>t_i</a:t>
-            </a:r>
-            <a:r>
-              <a:rPr lang="en-US" dirty="0"/>
-              <a:t> &lt; t} (1 - \frac{</a:t>
-            </a:r>
-            <a:r>
-              <a:rPr lang="en-US" dirty="0" err="1"/>
-              <a:t>d_i</a:t>
-            </a:r>
-            <a:r>
-              <a:rPr lang="en-US" dirty="0"/>
-              <a:t>}{</a:t>
-            </a:r>
-            <a:r>
-              <a:rPr lang="en-US" dirty="0" err="1"/>
-              <a:t>n_i</a:t>
-            </a:r>
-            <a:r>
-              <a:rPr lang="en-US" dirty="0"/>
-              <a:t>}) \)</a:t>
-            </a:r>
-          </a:p>
-          <a:p>
-            <a:r>
-              <a:rPr lang="en-US" dirty="0"/>
-              <a:t>  - Where \(</a:t>
-            </a:r>
-            <a:r>
-              <a:rPr lang="en-US" dirty="0" err="1"/>
-              <a:t>d_i</a:t>
-            </a:r>
-            <a:r>
-              <a:rPr lang="en-US" dirty="0"/>
-              <a:t>\) is the number of events at time \(</a:t>
-            </a:r>
-            <a:r>
-              <a:rPr lang="en-US" dirty="0" err="1"/>
-              <a:t>t_i</a:t>
-            </a:r>
-            <a:r>
-              <a:rPr lang="en-US" dirty="0"/>
-              <a:t>\) and \(</a:t>
-            </a:r>
-            <a:r>
-              <a:rPr lang="en-US" dirty="0" err="1"/>
-              <a:t>n_i</a:t>
-            </a:r>
-            <a:r>
-              <a:rPr lang="en-US" dirty="0"/>
-              <a:t>\) is the number of subjects at risk just before time \(</a:t>
-            </a:r>
-            <a:r>
-              <a:rPr lang="en-US" dirty="0" err="1"/>
-              <a:t>t_i</a:t>
-            </a:r>
-            <a:r>
-              <a:rPr lang="en-US" dirty="0"/>
-              <a:t>\).</a:t>
-            </a:r>
-          </a:p>
-          <a:p>
-            <a:endParaRPr lang="en-US" dirty="0"/>
-          </a:p>
-          <a:p>
-            <a:r>
-              <a:rPr lang="en-US" dirty="0"/>
-              <a:t>---</a:t>
-            </a:r>
-          </a:p>
-          <a:p>
-            <a:endParaRPr lang="en-US" dirty="0"/>
-          </a:p>
-          <a:p>
-            <a:r>
-              <a:rPr lang="en-US" dirty="0"/>
-              <a:t>**Slide 5: Example of Kaplan-Meier Curve**</a:t>
-            </a:r>
-          </a:p>
-          <a:p>
-            <a:r>
-              <a:rPr lang="en-US" dirty="0"/>
-              <a:t>- *Insert a graph illustrating the Kaplan-Meier survival curve.*</a:t>
-            </a:r>
-          </a:p>
-          <a:p>
-            <a:r>
-              <a:rPr lang="en-US" dirty="0"/>
-              <a:t>- **Interpretation:** The curve represents the estimated probability of survival over time.</a:t>
-            </a:r>
-          </a:p>
-          <a:p>
-            <a:endParaRPr lang="en-US" dirty="0"/>
-          </a:p>
-          <a:p>
-            <a:r>
-              <a:rPr lang="en-US" dirty="0"/>
-              <a:t>---</a:t>
-            </a:r>
-          </a:p>
-          <a:p>
-            <a:endParaRPr lang="en-US" dirty="0"/>
-          </a:p>
-          <a:p>
-            <a:r>
-              <a:rPr lang="en-US" dirty="0"/>
-              <a:t>**Slide 6: Cox Proportional Hazards Model**</a:t>
-            </a:r>
-          </a:p>
-          <a:p>
-            <a:r>
-              <a:rPr lang="en-US" dirty="0"/>
-              <a:t>- **Assumptions:** </a:t>
-            </a:r>
-          </a:p>
-          <a:p>
-            <a:r>
-              <a:rPr lang="en-US" dirty="0"/>
-              <a:t>  - Proportional hazards assumption.</a:t>
-            </a:r>
-          </a:p>
-          <a:p>
-            <a:r>
-              <a:rPr lang="en-US" dirty="0"/>
-              <a:t>  - Linear relationship between covariates and log-hazard.</a:t>
-            </a:r>
-          </a:p>
-          <a:p>
-            <a:r>
-              <a:rPr lang="en-US" dirty="0"/>
-              <a:t>- **Formula:** </a:t>
-            </a:r>
-          </a:p>
-          <a:p>
-            <a:r>
-              <a:rPr lang="en-US" dirty="0"/>
-              <a:t>  - \( h(</a:t>
-            </a:r>
-            <a:r>
-              <a:rPr lang="en-US" dirty="0" err="1"/>
-              <a:t>t|x</a:t>
-            </a:r>
-            <a:r>
-              <a:rPr lang="en-US" dirty="0"/>
-              <a:t>) = h_0(t) \</a:t>
-            </a:r>
-            <a:r>
-              <a:rPr lang="en-US" dirty="0" err="1"/>
-              <a:t>cdot</a:t>
-            </a:r>
-            <a:r>
-              <a:rPr lang="en-US" dirty="0"/>
-              <a:t> e^{\beta_1x_1 + \beta_2x_2 + ... + \</a:t>
-            </a:r>
-            <a:r>
-              <a:rPr lang="en-US" dirty="0" err="1"/>
-              <a:t>beta_px_p</a:t>
-            </a:r>
-            <a:r>
-              <a:rPr lang="en-US" dirty="0"/>
-              <a:t>} \)</a:t>
-            </a:r>
-          </a:p>
-          <a:p>
-            <a:endParaRPr lang="en-US" dirty="0"/>
-          </a:p>
-          <a:p>
-            <a:r>
-              <a:rPr lang="en-US" dirty="0"/>
-              <a:t>---</a:t>
-            </a:r>
-          </a:p>
-          <a:p>
-            <a:endParaRPr lang="en-US" dirty="0"/>
-          </a:p>
-          <a:p>
-            <a:r>
-              <a:rPr lang="en-US" dirty="0"/>
-              <a:t>**Slide 7: Cox Proportional Hazards Model (Contd.)**</a:t>
-            </a:r>
-          </a:p>
-          <a:p>
-            <a:r>
-              <a:rPr lang="en-US" dirty="0"/>
-              <a:t>- **Interpretation:** </a:t>
-            </a:r>
-          </a:p>
-          <a:p>
-            <a:r>
-              <a:rPr lang="en-US" dirty="0"/>
-              <a:t>  - \(h(</a:t>
-            </a:r>
-            <a:r>
-              <a:rPr lang="en-US" dirty="0" err="1"/>
-              <a:t>t|x</a:t>
-            </a:r>
-            <a:r>
-              <a:rPr lang="en-US" dirty="0"/>
-              <a:t>)\): Hazard at time \(t\) for a subject with covariates \(x\).</a:t>
-            </a:r>
-          </a:p>
-          <a:p>
-            <a:r>
-              <a:rPr lang="en-US" dirty="0"/>
-              <a:t>  - \(h_0(t)\): Baseline hazard function.</a:t>
-            </a:r>
-          </a:p>
-          <a:p>
-            <a:r>
-              <a:rPr lang="en-US" dirty="0"/>
-              <a:t>  - \(x_1, x_2, ..., </a:t>
-            </a:r>
-            <a:r>
-              <a:rPr lang="en-US" dirty="0" err="1"/>
-              <a:t>x_p</a:t>
-            </a:r>
-            <a:r>
-              <a:rPr lang="en-US" dirty="0"/>
-              <a:t>\): Covariates.</a:t>
-            </a:r>
-          </a:p>
-          <a:p>
-            <a:r>
-              <a:rPr lang="en-US" dirty="0"/>
-              <a:t>  - \(\beta_1, \beta_2, ..., \</a:t>
-            </a:r>
-            <a:r>
-              <a:rPr lang="en-US" dirty="0" err="1"/>
-              <a:t>beta_p</a:t>
-            </a:r>
-            <a:r>
-              <a:rPr lang="en-US" dirty="0"/>
-              <a:t>\): Coefficients.</a:t>
-            </a:r>
-          </a:p>
-          <a:p>
-            <a:endParaRPr lang="en-US" dirty="0"/>
-          </a:p>
-          <a:p>
-            <a:r>
-              <a:rPr lang="en-US" dirty="0"/>
-              <a:t>---</a:t>
-            </a:r>
-          </a:p>
-          <a:p>
-            <a:endParaRPr lang="en-US" dirty="0"/>
-          </a:p>
-          <a:p>
-            <a:r>
-              <a:rPr lang="en-US" dirty="0"/>
-              <a:t>**Slide 8: Parametric Survival Models**</a:t>
-            </a:r>
-          </a:p>
-          <a:p>
-            <a:r>
-              <a:rPr lang="en-US" dirty="0"/>
-              <a:t>- **Key Points:** </a:t>
-            </a:r>
-          </a:p>
-          <a:p>
-            <a:r>
-              <a:rPr lang="en-US" dirty="0"/>
-              <a:t>  - Assumes a specific distribution for survival times (e.g., exponential, Weibull).</a:t>
-            </a:r>
-          </a:p>
-          <a:p>
-            <a:r>
-              <a:rPr lang="en-US" dirty="0"/>
-              <a:t>  - Requires fewer assumptions if the chosen distribution fits the data well.</a:t>
-            </a:r>
-          </a:p>
-          <a:p>
-            <a:endParaRPr lang="en-US" dirty="0"/>
-          </a:p>
-          <a:p>
-            <a:r>
-              <a:rPr lang="en-US" dirty="0"/>
-              <a:t>---</a:t>
-            </a:r>
-          </a:p>
-          <a:p>
-            <a:endParaRPr lang="en-US" dirty="0"/>
-          </a:p>
-          <a:p>
-            <a:r>
-              <a:rPr lang="en-US" dirty="0"/>
-              <a:t>**Slide 9: Application in Health Systems Research**</a:t>
-            </a:r>
-          </a:p>
-          <a:p>
-            <a:r>
-              <a:rPr lang="en-US" dirty="0"/>
-              <a:t>- **Example:** </a:t>
-            </a:r>
-          </a:p>
-          <a:p>
-            <a:r>
-              <a:rPr lang="en-US" dirty="0"/>
-              <a:t>  - Assessing the effectiveness of a new treatment on cancer patient survival rates.</a:t>
-            </a:r>
-          </a:p>
-          <a:p>
-            <a:r>
-              <a:rPr lang="en-US" dirty="0"/>
-              <a:t>  - Predicting the time to readmission after a surgical procedure.</a:t>
-            </a:r>
-          </a:p>
-          <a:p>
-            <a:r>
-              <a:rPr lang="en-US" dirty="0"/>
-              <a:t>  - Analyzing factors influencing the time to recovery from a disease outbreak.</a:t>
-            </a:r>
-          </a:p>
-          <a:p>
-            <a:endParaRPr lang="en-US" dirty="0"/>
-          </a:p>
-          <a:p>
-            <a:r>
-              <a:rPr lang="en-US" dirty="0"/>
-              <a:t>---</a:t>
-            </a:r>
-          </a:p>
-          <a:p>
-            <a:endParaRPr lang="en-US" dirty="0"/>
-          </a:p>
-          <a:p>
-            <a:r>
-              <a:rPr lang="en-US" dirty="0"/>
-              <a:t>**Slide 10: Considerations in Survival Analysis**</a:t>
-            </a:r>
-          </a:p>
-          <a:p>
-            <a:r>
-              <a:rPr lang="en-US" dirty="0"/>
-              <a:t>- **Censoring:** </a:t>
-            </a:r>
-          </a:p>
-          <a:p>
-            <a:r>
-              <a:rPr lang="en-US" dirty="0"/>
-              <a:t>  - Types of censoring (right, left, interval).</a:t>
-            </a:r>
-          </a:p>
-          <a:p>
-            <a:r>
-              <a:rPr lang="en-US" dirty="0"/>
-              <a:t>  - Methods to handle censoring (Kaplan-Meier, Cox regression).</a:t>
-            </a:r>
-          </a:p>
-          <a:p>
-            <a:r>
-              <a:rPr lang="en-US" dirty="0"/>
-              <a:t>- **Variable Selection:** </a:t>
-            </a:r>
-          </a:p>
-          <a:p>
-            <a:r>
-              <a:rPr lang="en-US" dirty="0"/>
-              <a:t>  - Choosing relevant covariates.</a:t>
-            </a:r>
-          </a:p>
-          <a:p>
-            <a:r>
-              <a:rPr lang="en-US" dirty="0"/>
-              <a:t>  - Avoiding overfitting.</a:t>
-            </a:r>
+              <a:rPr lang="en-US" sz="3600" dirty="0">
+                <a:cs typeface="Times New Roman" panose="02020603050405020304" pitchFamily="18" charset="0"/>
+              </a:rPr>
+              <a:t>What is Survival Analysis?</a:t>
+            </a:r>
+            <a:endParaRPr lang="en-US" sz="3600" dirty="0">
+              <a:latin typeface="Times New Roman" panose="02020603050405020304" pitchFamily="18" charset="0"/>
+              <a:cs typeface="Times New Roman" panose="02020603050405020304" pitchFamily="18" charset="0"/>
+            </a:endParaRPr>
+          </a:p>
+        </p:txBody>
+      </p:sp>
+      <p:sp>
+        <p:nvSpPr>
+          <p:cNvPr id="3" name="Content Placeholder 2"/>
+          <p:cNvSpPr>
+            <a:spLocks noGrp="1"/>
+          </p:cNvSpPr>
+          <p:nvPr>
+            <p:ph idx="1"/>
+          </p:nvPr>
+        </p:nvSpPr>
+        <p:spPr>
+          <a:xfrm>
+            <a:off x="990600" y="954612"/>
+            <a:ext cx="9982201" cy="5141388"/>
+          </a:xfrm>
+        </p:spPr>
+        <p:txBody>
+          <a:bodyPr>
+            <a:noAutofit/>
+          </a:bodyPr>
+          <a:lstStyle/>
+          <a:p>
+            <a:r>
+              <a:rPr lang="en-US" sz="2400" dirty="0"/>
+              <a:t>What if our outcome isn’t an event, but </a:t>
+            </a:r>
+            <a:r>
+              <a:rPr lang="en-US" sz="2400" b="1" dirty="0"/>
+              <a:t>how long </a:t>
+            </a:r>
+            <a:r>
+              <a:rPr lang="en-US" sz="2400" dirty="0"/>
+              <a:t>it takes for an event to occur? </a:t>
+            </a:r>
+          </a:p>
+          <a:p>
+            <a:pPr lvl="1"/>
+            <a:r>
+              <a:rPr lang="en-US" sz="2400" dirty="0"/>
+              <a:t>Patient survival</a:t>
+            </a:r>
+          </a:p>
+          <a:p>
+            <a:pPr lvl="1"/>
+            <a:r>
+              <a:rPr lang="en-US" sz="2400" dirty="0"/>
+              <a:t>Effectiveness of treatment (time until symptoms reappear)</a:t>
+            </a:r>
+          </a:p>
+          <a:p>
+            <a:pPr lvl="1"/>
+            <a:r>
+              <a:rPr lang="en-US" sz="2400" dirty="0"/>
+              <a:t>Disease progression</a:t>
+            </a:r>
+          </a:p>
+          <a:p>
+            <a:pPr lvl="1"/>
+            <a:r>
+              <a:rPr lang="en-US" sz="2400" dirty="0"/>
+              <a:t>Etc. </a:t>
+            </a:r>
+          </a:p>
+          <a:p>
+            <a:endParaRPr lang="en-US" sz="2400" dirty="0"/>
           </a:p>
         </p:txBody>
       </p:sp>
     </p:spTree>
     <p:extLst>
       <p:ext uri="{BB962C8B-B14F-4D97-AF65-F5344CB8AC3E}">
-        <p14:creationId xmlns:p14="http://schemas.microsoft.com/office/powerpoint/2010/main" val="897467416"/>
+        <p14:creationId xmlns:p14="http://schemas.microsoft.com/office/powerpoint/2010/main" val="1609663116"/>
       </p:ext>
     </p:extLst>
   </p:cSld>
@@ -11969,7 +16145,7 @@
 </p:sld>
 </file>
 
-<file path=ppt/slides/slide5.xml><?xml version="1.0" encoding="utf-8"?>
+<file path=ppt/slides/slide40.xml><?xml version="1.0" encoding="utf-8"?>
 <p:sld xmlns:a="http://schemas.openxmlformats.org/drawingml/2006/main" xmlns:r="http://schemas.openxmlformats.org/officeDocument/2006/relationships" xmlns:p="http://schemas.openxmlformats.org/presentationml/2006/main">
   <p:cSld>
     <p:spTree>
@@ -11998,7 +16174,7 @@
         </p:nvSpPr>
         <p:spPr>
           <a:xfrm>
-            <a:off x="609600" y="337392"/>
+            <a:off x="609600" y="228600"/>
             <a:ext cx="10439400" cy="624840"/>
           </a:xfrm>
         </p:spPr>
@@ -12012,7 +16188,7 @@
               <a:rPr lang="en-US" sz="3600" dirty="0">
                 <a:cs typeface="Times New Roman" panose="02020603050405020304" pitchFamily="18" charset="0"/>
               </a:rPr>
-              <a:t>What is Survival Analysis?</a:t>
+              <a:t>Data Collection: Interviews</a:t>
             </a:r>
             <a:endParaRPr lang="en-US" sz="3600" dirty="0">
               <a:latin typeface="Times New Roman" panose="02020603050405020304" pitchFamily="18" charset="0"/>
@@ -12023,7 +16199,13 @@
       </p:sp>
       <p:sp>
         <p:nvSpPr>
-          <p:cNvPr id="3" name="Content Placeholder 2"/>
+          <p:cNvPr id="4" name="Content Placeholder 3">
+            <a:extLst>
+              <a:ext uri="{FF2B5EF4-FFF2-40B4-BE49-F238E27FC236}">
+                <a16:creationId xmlns:a16="http://schemas.microsoft.com/office/drawing/2014/main" id="{6AB55BC2-9619-48EC-37CC-6488CC0D5235}"/>
+              </a:ext>
+            </a:extLst>
+          </p:cNvPr>
           <p:cNvSpPr>
             <a:spLocks noGrp="1"/>
           </p:cNvSpPr>
@@ -12031,68 +16213,79 @@
             <p:ph idx="1"/>
           </p:nvPr>
         </p:nvSpPr>
+        <p:spPr/>
+        <p:txBody>
+          <a:bodyPr/>
+          <a:lstStyle/>
+          <a:p>
+            <a:endParaRPr lang="en-US"/>
+          </a:p>
+        </p:txBody>
+      </p:sp>
+      <p:pic>
+        <p:nvPicPr>
+          <p:cNvPr id="7" name="Picture 6">
+            <a:extLst>
+              <a:ext uri="{FF2B5EF4-FFF2-40B4-BE49-F238E27FC236}">
+                <a16:creationId xmlns:a16="http://schemas.microsoft.com/office/drawing/2014/main" id="{94BDF9DD-87D4-F480-C6BF-B4D6F8636C36}"/>
+              </a:ext>
+            </a:extLst>
+          </p:cNvPr>
+          <p:cNvPicPr>
+            <a:picLocks noChangeAspect="1"/>
+          </p:cNvPicPr>
+          <p:nvPr/>
+        </p:nvPicPr>
+        <p:blipFill>
+          <a:blip r:embed="rId3"/>
+          <a:stretch>
+            <a:fillRect/>
+          </a:stretch>
+        </p:blipFill>
         <p:spPr>
           <a:xfrm>
-            <a:off x="990600" y="954612"/>
-            <a:ext cx="9982201" cy="5141388"/>
+            <a:off x="457200" y="873034"/>
+            <a:ext cx="10369249" cy="2098766"/>
           </a:xfrm>
+          <a:prstGeom prst="rect">
+            <a:avLst/>
+          </a:prstGeom>
         </p:spPr>
-        <p:txBody>
-          <a:bodyPr>
-            <a:noAutofit/>
-          </a:bodyPr>
-          <a:lstStyle/>
-          <a:p>
-            <a:r>
-              <a:rPr lang="en-US" sz="2400" dirty="0"/>
-              <a:t>What if our outcome isn’t an event, but </a:t>
-            </a:r>
-            <a:r>
-              <a:rPr lang="en-US" sz="2400" b="1" dirty="0"/>
-              <a:t>how long </a:t>
-            </a:r>
-            <a:r>
-              <a:rPr lang="en-US" sz="2400" dirty="0"/>
-              <a:t>it takes for an event to occur? </a:t>
-            </a:r>
-          </a:p>
-          <a:p>
-            <a:pPr lvl="1"/>
-            <a:r>
-              <a:rPr lang="en-US" sz="2400" dirty="0"/>
-              <a:t>Patient survival</a:t>
-            </a:r>
-          </a:p>
-          <a:p>
-            <a:pPr lvl="1"/>
-            <a:r>
-              <a:rPr lang="en-US" sz="2400" dirty="0"/>
-              <a:t>Effectiveness of treatment (time until symptoms reappear)</a:t>
-            </a:r>
-          </a:p>
-          <a:p>
-            <a:pPr lvl="1"/>
-            <a:r>
-              <a:rPr lang="en-US" sz="2400" dirty="0"/>
-              <a:t>Disease progression</a:t>
-            </a:r>
-          </a:p>
-          <a:p>
-            <a:pPr lvl="1"/>
-            <a:r>
-              <a:rPr lang="en-US" sz="2400" dirty="0"/>
-              <a:t>Etc. </a:t>
-            </a:r>
-          </a:p>
-          <a:p>
-            <a:endParaRPr lang="en-US" sz="2400" dirty="0"/>
-          </a:p>
-        </p:txBody>
-      </p:sp>
+      </p:pic>
+      <p:pic>
+        <p:nvPicPr>
+          <p:cNvPr id="9" name="Picture 8">
+            <a:extLst>
+              <a:ext uri="{FF2B5EF4-FFF2-40B4-BE49-F238E27FC236}">
+                <a16:creationId xmlns:a16="http://schemas.microsoft.com/office/drawing/2014/main" id="{C13ADBAC-B7A5-B5B5-E56D-B269F0DFFC42}"/>
+              </a:ext>
+            </a:extLst>
+          </p:cNvPr>
+          <p:cNvPicPr>
+            <a:picLocks noChangeAspect="1"/>
+          </p:cNvPicPr>
+          <p:nvPr/>
+        </p:nvPicPr>
+        <p:blipFill>
+          <a:blip r:embed="rId4"/>
+          <a:stretch>
+            <a:fillRect/>
+          </a:stretch>
+        </p:blipFill>
+        <p:spPr>
+          <a:xfrm>
+            <a:off x="-76201" y="3886201"/>
+            <a:ext cx="12221825" cy="2743199"/>
+          </a:xfrm>
+          <a:prstGeom prst="rect">
+            <a:avLst/>
+          </a:prstGeom>
+        </p:spPr>
+      </p:pic>
     </p:spTree>
     <p:extLst>
       <p:ext uri="{BB962C8B-B14F-4D97-AF65-F5344CB8AC3E}">
-        <p14:creationId xmlns:p14="http://schemas.microsoft.com/office/powerpoint/2010/main" val="1609663116"/>
+        <p14:creationId xmlns:p14="http://schemas.microsoft.com/office/powerpoint/2010/main" val="2616907628"/>
       </p:ext>
     </p:extLst>
   </p:cSld>
@@ -12102,7 +16295,1385 @@
 </p:sld>
 </file>
 
-<file path=ppt/slides/slide6.xml><?xml version="1.0" encoding="utf-8"?>
+<file path=ppt/slides/slide41.xml><?xml version="1.0" encoding="utf-8"?>
+<p:sld xmlns:a="http://schemas.openxmlformats.org/drawingml/2006/main" xmlns:r="http://schemas.openxmlformats.org/officeDocument/2006/relationships" xmlns:p="http://schemas.openxmlformats.org/presentationml/2006/main">
+  <p:cSld>
+    <p:spTree>
+      <p:nvGrpSpPr>
+        <p:cNvPr id="1" name=""/>
+        <p:cNvGrpSpPr/>
+        <p:nvPr/>
+      </p:nvGrpSpPr>
+      <p:grpSpPr>
+        <a:xfrm>
+          <a:off x="0" y="0"/>
+          <a:ext cx="0" cy="0"/>
+          <a:chOff x="0" y="0"/>
+          <a:chExt cx="0" cy="0"/>
+        </a:xfrm>
+      </p:grpSpPr>
+      <p:sp>
+        <p:nvSpPr>
+          <p:cNvPr id="2" name="Title 1"/>
+          <p:cNvSpPr>
+            <a:spLocks noGrp="1"/>
+          </p:cNvSpPr>
+          <p:nvPr>
+            <p:ph type="title"/>
+          </p:nvPr>
+        </p:nvSpPr>
+        <p:spPr>
+          <a:xfrm>
+            <a:off x="609600" y="228600"/>
+            <a:ext cx="10439400" cy="624840"/>
+          </a:xfrm>
+        </p:spPr>
+        <p:txBody>
+          <a:bodyPr>
+            <a:noAutofit/>
+          </a:bodyPr>
+          <a:lstStyle/>
+          <a:p>
+            <a:r>
+              <a:rPr lang="en-US" sz="3600" dirty="0">
+                <a:cs typeface="Times New Roman" panose="02020603050405020304" pitchFamily="18" charset="0"/>
+              </a:rPr>
+              <a:t>Data Collection: Interviews</a:t>
+            </a:r>
+            <a:endParaRPr lang="en-US" sz="3600" dirty="0">
+              <a:latin typeface="Times New Roman" panose="02020603050405020304" pitchFamily="18" charset="0"/>
+              <a:cs typeface="Times New Roman" panose="02020603050405020304" pitchFamily="18" charset="0"/>
+            </a:endParaRPr>
+          </a:p>
+        </p:txBody>
+      </p:sp>
+      <p:sp>
+        <p:nvSpPr>
+          <p:cNvPr id="4" name="Content Placeholder 3">
+            <a:extLst>
+              <a:ext uri="{FF2B5EF4-FFF2-40B4-BE49-F238E27FC236}">
+                <a16:creationId xmlns:a16="http://schemas.microsoft.com/office/drawing/2014/main" id="{6AB55BC2-9619-48EC-37CC-6488CC0D5235}"/>
+              </a:ext>
+            </a:extLst>
+          </p:cNvPr>
+          <p:cNvSpPr>
+            <a:spLocks noGrp="1"/>
+          </p:cNvSpPr>
+          <p:nvPr>
+            <p:ph idx="1"/>
+          </p:nvPr>
+        </p:nvSpPr>
+        <p:spPr/>
+        <p:txBody>
+          <a:bodyPr/>
+          <a:lstStyle/>
+          <a:p>
+            <a:endParaRPr lang="en-US"/>
+          </a:p>
+        </p:txBody>
+      </p:sp>
+      <p:pic>
+        <p:nvPicPr>
+          <p:cNvPr id="5" name="Picture 4">
+            <a:extLst>
+              <a:ext uri="{FF2B5EF4-FFF2-40B4-BE49-F238E27FC236}">
+                <a16:creationId xmlns:a16="http://schemas.microsoft.com/office/drawing/2014/main" id="{C09617EA-C06D-CD42-74BB-3C0E499B3F99}"/>
+              </a:ext>
+            </a:extLst>
+          </p:cNvPr>
+          <p:cNvPicPr>
+            <a:picLocks noChangeAspect="1"/>
+          </p:cNvPicPr>
+          <p:nvPr/>
+        </p:nvPicPr>
+        <p:blipFill>
+          <a:blip r:embed="rId3"/>
+          <a:stretch>
+            <a:fillRect/>
+          </a:stretch>
+        </p:blipFill>
+        <p:spPr>
+          <a:xfrm>
+            <a:off x="609600" y="850744"/>
+            <a:ext cx="10273081" cy="4559455"/>
+          </a:xfrm>
+          <a:prstGeom prst="rect">
+            <a:avLst/>
+          </a:prstGeom>
+        </p:spPr>
+      </p:pic>
+    </p:spTree>
+    <p:extLst>
+      <p:ext uri="{BB962C8B-B14F-4D97-AF65-F5344CB8AC3E}">
+        <p14:creationId xmlns:p14="http://schemas.microsoft.com/office/powerpoint/2010/main" val="3777962855"/>
+      </p:ext>
+    </p:extLst>
+  </p:cSld>
+  <p:clrMapOvr>
+    <a:masterClrMapping/>
+  </p:clrMapOvr>
+</p:sld>
+</file>
+
+<file path=ppt/slides/slide42.xml><?xml version="1.0" encoding="utf-8"?>
+<p:sld xmlns:a="http://schemas.openxmlformats.org/drawingml/2006/main" xmlns:r="http://schemas.openxmlformats.org/officeDocument/2006/relationships" xmlns:p="http://schemas.openxmlformats.org/presentationml/2006/main">
+  <p:cSld>
+    <p:spTree>
+      <p:nvGrpSpPr>
+        <p:cNvPr id="1" name=""/>
+        <p:cNvGrpSpPr/>
+        <p:nvPr/>
+      </p:nvGrpSpPr>
+      <p:grpSpPr>
+        <a:xfrm>
+          <a:off x="0" y="0"/>
+          <a:ext cx="0" cy="0"/>
+          <a:chOff x="0" y="0"/>
+          <a:chExt cx="0" cy="0"/>
+        </a:xfrm>
+      </p:grpSpPr>
+      <p:sp>
+        <p:nvSpPr>
+          <p:cNvPr id="2" name="Title 1"/>
+          <p:cNvSpPr>
+            <a:spLocks noGrp="1"/>
+          </p:cNvSpPr>
+          <p:nvPr>
+            <p:ph type="title"/>
+          </p:nvPr>
+        </p:nvSpPr>
+        <p:spPr>
+          <a:xfrm>
+            <a:off x="609600" y="228600"/>
+            <a:ext cx="10439400" cy="624840"/>
+          </a:xfrm>
+        </p:spPr>
+        <p:txBody>
+          <a:bodyPr>
+            <a:noAutofit/>
+          </a:bodyPr>
+          <a:lstStyle/>
+          <a:p>
+            <a:r>
+              <a:rPr lang="en-US" sz="3600" dirty="0">
+                <a:cs typeface="Times New Roman" panose="02020603050405020304" pitchFamily="18" charset="0"/>
+              </a:rPr>
+              <a:t>Analysis: Quantitative</a:t>
+            </a:r>
+            <a:endParaRPr lang="en-US" sz="3600" dirty="0">
+              <a:latin typeface="Times New Roman" panose="02020603050405020304" pitchFamily="18" charset="0"/>
+              <a:cs typeface="Times New Roman" panose="02020603050405020304" pitchFamily="18" charset="0"/>
+            </a:endParaRPr>
+          </a:p>
+        </p:txBody>
+      </p:sp>
+      <p:sp>
+        <p:nvSpPr>
+          <p:cNvPr id="4" name="Content Placeholder 3">
+            <a:extLst>
+              <a:ext uri="{FF2B5EF4-FFF2-40B4-BE49-F238E27FC236}">
+                <a16:creationId xmlns:a16="http://schemas.microsoft.com/office/drawing/2014/main" id="{6AB55BC2-9619-48EC-37CC-6488CC0D5235}"/>
+              </a:ext>
+            </a:extLst>
+          </p:cNvPr>
+          <p:cNvSpPr>
+            <a:spLocks noGrp="1"/>
+          </p:cNvSpPr>
+          <p:nvPr>
+            <p:ph idx="1"/>
+          </p:nvPr>
+        </p:nvSpPr>
+        <p:spPr>
+          <a:xfrm>
+            <a:off x="609600" y="853440"/>
+            <a:ext cx="9247632" cy="5326697"/>
+          </a:xfrm>
+        </p:spPr>
+        <p:txBody>
+          <a:bodyPr>
+            <a:normAutofit/>
+          </a:bodyPr>
+          <a:lstStyle/>
+          <a:p>
+            <a:pPr marL="0" indent="0">
+              <a:buNone/>
+            </a:pPr>
+            <a:r>
+              <a:rPr lang="en-US" sz="3000" dirty="0"/>
+              <a:t>What are the authors doing here? Is it appropriate?</a:t>
+            </a:r>
+          </a:p>
+        </p:txBody>
+      </p:sp>
+      <p:sp>
+        <p:nvSpPr>
+          <p:cNvPr id="3" name="TextBox 2">
+            <a:extLst>
+              <a:ext uri="{FF2B5EF4-FFF2-40B4-BE49-F238E27FC236}">
+                <a16:creationId xmlns:a16="http://schemas.microsoft.com/office/drawing/2014/main" id="{5C849C2A-F220-4462-214D-4AFF9F66C42D}"/>
+              </a:ext>
+            </a:extLst>
+          </p:cNvPr>
+          <p:cNvSpPr txBox="1"/>
+          <p:nvPr/>
+        </p:nvSpPr>
+        <p:spPr>
+          <a:xfrm>
+            <a:off x="762000" y="2001083"/>
+            <a:ext cx="9829800" cy="4247317"/>
+          </a:xfrm>
+          <a:prstGeom prst="rect">
+            <a:avLst/>
+          </a:prstGeom>
+          <a:solidFill>
+            <a:schemeClr val="accent6">
+              <a:lumMod val="75000"/>
+            </a:schemeClr>
+          </a:solidFill>
+          <a:ln>
+            <a:solidFill>
+              <a:schemeClr val="accent6">
+                <a:lumMod val="50000"/>
+              </a:schemeClr>
+            </a:solidFill>
+          </a:ln>
+        </p:spPr>
+        <p:txBody>
+          <a:bodyPr wrap="square" rtlCol="0">
+            <a:spAutoFit/>
+          </a:bodyPr>
+          <a:lstStyle/>
+          <a:p>
+            <a:r>
+              <a:rPr lang="en-US" sz="3000" dirty="0">
+                <a:solidFill>
+                  <a:schemeClr val="bg1"/>
+                </a:solidFill>
+              </a:rPr>
+              <a:t>Due to the high number of predictors and low number of observations, several structural factors were removed prior to regression analysis. Pearson correlation was used to determine degree of relatedness of factors; factors with a correlation coefficient &gt; 0.3 were flagged, and two authors decided which factors to exclude based on statistical correlation and contextual significance. In total, 18 factors were excluded.</a:t>
+            </a:r>
+          </a:p>
+        </p:txBody>
+      </p:sp>
+    </p:spTree>
+    <p:extLst>
+      <p:ext uri="{BB962C8B-B14F-4D97-AF65-F5344CB8AC3E}">
+        <p14:creationId xmlns:p14="http://schemas.microsoft.com/office/powerpoint/2010/main" val="435346316"/>
+      </p:ext>
+    </p:extLst>
+  </p:cSld>
+  <p:clrMapOvr>
+    <a:masterClrMapping/>
+  </p:clrMapOvr>
+</p:sld>
+</file>
+
+<file path=ppt/slides/slide43.xml><?xml version="1.0" encoding="utf-8"?>
+<p:sld xmlns:a="http://schemas.openxmlformats.org/drawingml/2006/main" xmlns:r="http://schemas.openxmlformats.org/officeDocument/2006/relationships" xmlns:p="http://schemas.openxmlformats.org/presentationml/2006/main">
+  <p:cSld>
+    <p:spTree>
+      <p:nvGrpSpPr>
+        <p:cNvPr id="1" name=""/>
+        <p:cNvGrpSpPr/>
+        <p:nvPr/>
+      </p:nvGrpSpPr>
+      <p:grpSpPr>
+        <a:xfrm>
+          <a:off x="0" y="0"/>
+          <a:ext cx="0" cy="0"/>
+          <a:chOff x="0" y="0"/>
+          <a:chExt cx="0" cy="0"/>
+        </a:xfrm>
+      </p:grpSpPr>
+      <p:sp>
+        <p:nvSpPr>
+          <p:cNvPr id="2" name="Title 1"/>
+          <p:cNvSpPr>
+            <a:spLocks noGrp="1"/>
+          </p:cNvSpPr>
+          <p:nvPr>
+            <p:ph type="title"/>
+          </p:nvPr>
+        </p:nvSpPr>
+        <p:spPr>
+          <a:xfrm>
+            <a:off x="609600" y="228600"/>
+            <a:ext cx="10439400" cy="624840"/>
+          </a:xfrm>
+        </p:spPr>
+        <p:txBody>
+          <a:bodyPr>
+            <a:noAutofit/>
+          </a:bodyPr>
+          <a:lstStyle/>
+          <a:p>
+            <a:r>
+              <a:rPr lang="en-US" sz="3600" dirty="0">
+                <a:cs typeface="Times New Roman" panose="02020603050405020304" pitchFamily="18" charset="0"/>
+              </a:rPr>
+              <a:t>Analysis: Qualitative (Thematic Analysis)</a:t>
+            </a:r>
+            <a:endParaRPr lang="en-US" sz="3600" dirty="0">
+              <a:latin typeface="Times New Roman" panose="02020603050405020304" pitchFamily="18" charset="0"/>
+              <a:cs typeface="Times New Roman" panose="02020603050405020304" pitchFamily="18" charset="0"/>
+            </a:endParaRPr>
+          </a:p>
+        </p:txBody>
+      </p:sp>
+      <p:sp>
+        <p:nvSpPr>
+          <p:cNvPr id="4" name="Content Placeholder 3">
+            <a:extLst>
+              <a:ext uri="{FF2B5EF4-FFF2-40B4-BE49-F238E27FC236}">
+                <a16:creationId xmlns:a16="http://schemas.microsoft.com/office/drawing/2014/main" id="{1E926016-6EFD-1480-CFB4-E35AE703A6CC}"/>
+              </a:ext>
+            </a:extLst>
+          </p:cNvPr>
+          <p:cNvSpPr>
+            <a:spLocks noGrp="1"/>
+          </p:cNvSpPr>
+          <p:nvPr>
+            <p:ph idx="1"/>
+          </p:nvPr>
+        </p:nvSpPr>
+        <p:spPr>
+          <a:xfrm>
+            <a:off x="7924800" y="1415662"/>
+            <a:ext cx="3124200" cy="4764476"/>
+          </a:xfrm>
+        </p:spPr>
+        <p:txBody>
+          <a:bodyPr>
+            <a:normAutofit/>
+          </a:bodyPr>
+          <a:lstStyle/>
+          <a:p>
+            <a:r>
+              <a:rPr lang="en-US" sz="2200" dirty="0"/>
+              <a:t>How is this different/similar to quant work? </a:t>
+            </a:r>
+          </a:p>
+          <a:p>
+            <a:r>
+              <a:rPr lang="en-US" sz="2200" dirty="0"/>
+              <a:t>How do you feel about it? </a:t>
+            </a:r>
+          </a:p>
+          <a:p>
+            <a:r>
+              <a:rPr lang="en-US" sz="2200" dirty="0"/>
+              <a:t>What are potential strengths and weaknesses?</a:t>
+            </a:r>
+          </a:p>
+        </p:txBody>
+      </p:sp>
+      <p:pic>
+        <p:nvPicPr>
+          <p:cNvPr id="10" name="Picture 9">
+            <a:extLst>
+              <a:ext uri="{FF2B5EF4-FFF2-40B4-BE49-F238E27FC236}">
+                <a16:creationId xmlns:a16="http://schemas.microsoft.com/office/drawing/2014/main" id="{3CA57210-2087-4C26-7605-E2B32D150F42}"/>
+              </a:ext>
+            </a:extLst>
+          </p:cNvPr>
+          <p:cNvPicPr>
+            <a:picLocks noChangeAspect="1"/>
+          </p:cNvPicPr>
+          <p:nvPr/>
+        </p:nvPicPr>
+        <p:blipFill>
+          <a:blip r:embed="rId3"/>
+          <a:stretch>
+            <a:fillRect/>
+          </a:stretch>
+        </p:blipFill>
+        <p:spPr>
+          <a:xfrm>
+            <a:off x="685514" y="790821"/>
+            <a:ext cx="7391686" cy="5990979"/>
+          </a:xfrm>
+          <a:prstGeom prst="rect">
+            <a:avLst/>
+          </a:prstGeom>
+        </p:spPr>
+      </p:pic>
+    </p:spTree>
+    <p:extLst>
+      <p:ext uri="{BB962C8B-B14F-4D97-AF65-F5344CB8AC3E}">
+        <p14:creationId xmlns:p14="http://schemas.microsoft.com/office/powerpoint/2010/main" val="2549334229"/>
+      </p:ext>
+    </p:extLst>
+  </p:cSld>
+  <p:clrMapOvr>
+    <a:masterClrMapping/>
+  </p:clrMapOvr>
+</p:sld>
+</file>
+
+<file path=ppt/slides/slide44.xml><?xml version="1.0" encoding="utf-8"?>
+<p:sld xmlns:a="http://schemas.openxmlformats.org/drawingml/2006/main" xmlns:r="http://schemas.openxmlformats.org/officeDocument/2006/relationships" xmlns:p="http://schemas.openxmlformats.org/presentationml/2006/main">
+  <p:cSld>
+    <p:spTree>
+      <p:nvGrpSpPr>
+        <p:cNvPr id="1" name=""/>
+        <p:cNvGrpSpPr/>
+        <p:nvPr/>
+      </p:nvGrpSpPr>
+      <p:grpSpPr>
+        <a:xfrm>
+          <a:off x="0" y="0"/>
+          <a:ext cx="0" cy="0"/>
+          <a:chOff x="0" y="0"/>
+          <a:chExt cx="0" cy="0"/>
+        </a:xfrm>
+      </p:grpSpPr>
+      <p:pic>
+        <p:nvPicPr>
+          <p:cNvPr id="5" name="Picture 4">
+            <a:extLst>
+              <a:ext uri="{FF2B5EF4-FFF2-40B4-BE49-F238E27FC236}">
+                <a16:creationId xmlns:a16="http://schemas.microsoft.com/office/drawing/2014/main" id="{BBF187C2-1E33-E665-4C43-3987BDD4DDE7}"/>
+              </a:ext>
+            </a:extLst>
+          </p:cNvPr>
+          <p:cNvPicPr>
+            <a:picLocks noChangeAspect="1"/>
+          </p:cNvPicPr>
+          <p:nvPr/>
+        </p:nvPicPr>
+        <p:blipFill>
+          <a:blip r:embed="rId3"/>
+          <a:stretch>
+            <a:fillRect/>
+          </a:stretch>
+        </p:blipFill>
+        <p:spPr>
+          <a:xfrm>
+            <a:off x="457200" y="609600"/>
+            <a:ext cx="6705600" cy="3658526"/>
+          </a:xfrm>
+          <a:prstGeom prst="rect">
+            <a:avLst/>
+          </a:prstGeom>
+        </p:spPr>
+      </p:pic>
+      <p:sp>
+        <p:nvSpPr>
+          <p:cNvPr id="2" name="Title 1"/>
+          <p:cNvSpPr>
+            <a:spLocks noGrp="1"/>
+          </p:cNvSpPr>
+          <p:nvPr>
+            <p:ph type="title"/>
+          </p:nvPr>
+        </p:nvSpPr>
+        <p:spPr>
+          <a:xfrm>
+            <a:off x="609600" y="228600"/>
+            <a:ext cx="10439400" cy="624840"/>
+          </a:xfrm>
+        </p:spPr>
+        <p:txBody>
+          <a:bodyPr>
+            <a:noAutofit/>
+          </a:bodyPr>
+          <a:lstStyle/>
+          <a:p>
+            <a:r>
+              <a:rPr lang="en-US" sz="3600" dirty="0">
+                <a:cs typeface="Times New Roman" panose="02020603050405020304" pitchFamily="18" charset="0"/>
+              </a:rPr>
+              <a:t>Results: Quantitative</a:t>
+            </a:r>
+            <a:endParaRPr lang="en-US" sz="3600" dirty="0">
+              <a:latin typeface="Times New Roman" panose="02020603050405020304" pitchFamily="18" charset="0"/>
+              <a:cs typeface="Times New Roman" panose="02020603050405020304" pitchFamily="18" charset="0"/>
+            </a:endParaRPr>
+          </a:p>
+        </p:txBody>
+      </p:sp>
+      <p:sp>
+        <p:nvSpPr>
+          <p:cNvPr id="4" name="Content Placeholder 3">
+            <a:extLst>
+              <a:ext uri="{FF2B5EF4-FFF2-40B4-BE49-F238E27FC236}">
+                <a16:creationId xmlns:a16="http://schemas.microsoft.com/office/drawing/2014/main" id="{1E926016-6EFD-1480-CFB4-E35AE703A6CC}"/>
+              </a:ext>
+            </a:extLst>
+          </p:cNvPr>
+          <p:cNvSpPr>
+            <a:spLocks noGrp="1"/>
+          </p:cNvSpPr>
+          <p:nvPr>
+            <p:ph idx="1"/>
+          </p:nvPr>
+        </p:nvSpPr>
+        <p:spPr>
+          <a:xfrm>
+            <a:off x="7315200" y="853440"/>
+            <a:ext cx="3733800" cy="5326698"/>
+          </a:xfrm>
+        </p:spPr>
+        <p:txBody>
+          <a:bodyPr>
+            <a:normAutofit/>
+          </a:bodyPr>
+          <a:lstStyle/>
+          <a:p>
+            <a:r>
+              <a:rPr lang="en-US" sz="2200" dirty="0"/>
+              <a:t>Is this a good table? </a:t>
+            </a:r>
+          </a:p>
+          <a:p>
+            <a:r>
+              <a:rPr lang="en-US" sz="2200" dirty="0"/>
+              <a:t>What do the coefficients mean? Are they reasonable? </a:t>
+            </a:r>
+          </a:p>
+        </p:txBody>
+      </p:sp>
+      <p:pic>
+        <p:nvPicPr>
+          <p:cNvPr id="7" name="Picture 6">
+            <a:extLst>
+              <a:ext uri="{FF2B5EF4-FFF2-40B4-BE49-F238E27FC236}">
+                <a16:creationId xmlns:a16="http://schemas.microsoft.com/office/drawing/2014/main" id="{7A7E9C58-8E1F-10F3-12F5-E17A00EC436E}"/>
+              </a:ext>
+            </a:extLst>
+          </p:cNvPr>
+          <p:cNvPicPr>
+            <a:picLocks noChangeAspect="1"/>
+          </p:cNvPicPr>
+          <p:nvPr/>
+        </p:nvPicPr>
+        <p:blipFill>
+          <a:blip r:embed="rId4"/>
+          <a:stretch>
+            <a:fillRect/>
+          </a:stretch>
+        </p:blipFill>
+        <p:spPr>
+          <a:xfrm>
+            <a:off x="589968" y="4038600"/>
+            <a:ext cx="7182432" cy="2902855"/>
+          </a:xfrm>
+          <a:prstGeom prst="rect">
+            <a:avLst/>
+          </a:prstGeom>
+        </p:spPr>
+      </p:pic>
+    </p:spTree>
+    <p:extLst>
+      <p:ext uri="{BB962C8B-B14F-4D97-AF65-F5344CB8AC3E}">
+        <p14:creationId xmlns:p14="http://schemas.microsoft.com/office/powerpoint/2010/main" val="2049288204"/>
+      </p:ext>
+    </p:extLst>
+  </p:cSld>
+  <p:clrMapOvr>
+    <a:masterClrMapping/>
+  </p:clrMapOvr>
+</p:sld>
+</file>
+
+<file path=ppt/slides/slide45.xml><?xml version="1.0" encoding="utf-8"?>
+<p:sld xmlns:a="http://schemas.openxmlformats.org/drawingml/2006/main" xmlns:r="http://schemas.openxmlformats.org/officeDocument/2006/relationships" xmlns:p="http://schemas.openxmlformats.org/presentationml/2006/main">
+  <p:cSld>
+    <p:spTree>
+      <p:nvGrpSpPr>
+        <p:cNvPr id="1" name=""/>
+        <p:cNvGrpSpPr/>
+        <p:nvPr/>
+      </p:nvGrpSpPr>
+      <p:grpSpPr>
+        <a:xfrm>
+          <a:off x="0" y="0"/>
+          <a:ext cx="0" cy="0"/>
+          <a:chOff x="0" y="0"/>
+          <a:chExt cx="0" cy="0"/>
+        </a:xfrm>
+      </p:grpSpPr>
+      <p:sp>
+        <p:nvSpPr>
+          <p:cNvPr id="2" name="Title 1"/>
+          <p:cNvSpPr>
+            <a:spLocks noGrp="1"/>
+          </p:cNvSpPr>
+          <p:nvPr>
+            <p:ph type="title"/>
+          </p:nvPr>
+        </p:nvSpPr>
+        <p:spPr>
+          <a:xfrm>
+            <a:off x="609600" y="228600"/>
+            <a:ext cx="10439400" cy="624840"/>
+          </a:xfrm>
+        </p:spPr>
+        <p:txBody>
+          <a:bodyPr>
+            <a:noAutofit/>
+          </a:bodyPr>
+          <a:lstStyle/>
+          <a:p>
+            <a:r>
+              <a:rPr lang="en-US" sz="3600" dirty="0">
+                <a:cs typeface="Times New Roman" panose="02020603050405020304" pitchFamily="18" charset="0"/>
+              </a:rPr>
+              <a:t>Results: Qualitative</a:t>
+            </a:r>
+            <a:endParaRPr lang="en-US" sz="3600" dirty="0">
+              <a:latin typeface="Times New Roman" panose="02020603050405020304" pitchFamily="18" charset="0"/>
+              <a:cs typeface="Times New Roman" panose="02020603050405020304" pitchFamily="18" charset="0"/>
+            </a:endParaRPr>
+          </a:p>
+        </p:txBody>
+      </p:sp>
+      <p:sp>
+        <p:nvSpPr>
+          <p:cNvPr id="4" name="Content Placeholder 3">
+            <a:extLst>
+              <a:ext uri="{FF2B5EF4-FFF2-40B4-BE49-F238E27FC236}">
+                <a16:creationId xmlns:a16="http://schemas.microsoft.com/office/drawing/2014/main" id="{1E926016-6EFD-1480-CFB4-E35AE703A6CC}"/>
+              </a:ext>
+            </a:extLst>
+          </p:cNvPr>
+          <p:cNvSpPr>
+            <a:spLocks noGrp="1"/>
+          </p:cNvSpPr>
+          <p:nvPr>
+            <p:ph idx="1"/>
+          </p:nvPr>
+        </p:nvSpPr>
+        <p:spPr>
+          <a:xfrm>
+            <a:off x="685800" y="990600"/>
+            <a:ext cx="10363200" cy="5189538"/>
+          </a:xfrm>
+        </p:spPr>
+        <p:txBody>
+          <a:bodyPr>
+            <a:normAutofit/>
+          </a:bodyPr>
+          <a:lstStyle/>
+          <a:p>
+            <a:pPr marL="0" indent="0">
+              <a:buNone/>
+            </a:pPr>
+            <a:r>
+              <a:rPr lang="en-US" sz="2400" dirty="0"/>
+              <a:t>Major themes: </a:t>
+            </a:r>
+          </a:p>
+          <a:p>
+            <a:pPr marL="457200" indent="-457200">
+              <a:buAutoNum type="arabicPeriod"/>
+            </a:pPr>
+            <a:r>
+              <a:rPr lang="en-US" sz="2400" dirty="0"/>
+              <a:t>Contributing factors</a:t>
+            </a:r>
+          </a:p>
+          <a:p>
+            <a:pPr marL="457200" indent="-457200">
+              <a:buAutoNum type="arabicPeriod"/>
+            </a:pPr>
+            <a:r>
+              <a:rPr lang="en-US" sz="2400" dirty="0"/>
+              <a:t>Mitigating factors</a:t>
+            </a:r>
+          </a:p>
+          <a:p>
+            <a:pPr marL="457200" indent="-457200">
+              <a:buAutoNum type="arabicPeriod"/>
+            </a:pPr>
+            <a:r>
+              <a:rPr lang="en-US" sz="2400" dirty="0"/>
+              <a:t>“Double-edged swords”</a:t>
+            </a:r>
+          </a:p>
+        </p:txBody>
+      </p:sp>
+    </p:spTree>
+    <p:extLst>
+      <p:ext uri="{BB962C8B-B14F-4D97-AF65-F5344CB8AC3E}">
+        <p14:creationId xmlns:p14="http://schemas.microsoft.com/office/powerpoint/2010/main" val="4058152085"/>
+      </p:ext>
+    </p:extLst>
+  </p:cSld>
+  <p:clrMapOvr>
+    <a:masterClrMapping/>
+  </p:clrMapOvr>
+</p:sld>
+</file>
+
+<file path=ppt/slides/slide46.xml><?xml version="1.0" encoding="utf-8"?>
+<p:sld xmlns:a="http://schemas.openxmlformats.org/drawingml/2006/main" xmlns:r="http://schemas.openxmlformats.org/officeDocument/2006/relationships" xmlns:p="http://schemas.openxmlformats.org/presentationml/2006/main">
+  <p:cSld>
+    <p:spTree>
+      <p:nvGrpSpPr>
+        <p:cNvPr id="1" name=""/>
+        <p:cNvGrpSpPr/>
+        <p:nvPr/>
+      </p:nvGrpSpPr>
+      <p:grpSpPr>
+        <a:xfrm>
+          <a:off x="0" y="0"/>
+          <a:ext cx="0" cy="0"/>
+          <a:chOff x="0" y="0"/>
+          <a:chExt cx="0" cy="0"/>
+        </a:xfrm>
+      </p:grpSpPr>
+      <p:sp>
+        <p:nvSpPr>
+          <p:cNvPr id="2" name="Title 1"/>
+          <p:cNvSpPr>
+            <a:spLocks noGrp="1"/>
+          </p:cNvSpPr>
+          <p:nvPr>
+            <p:ph type="title"/>
+          </p:nvPr>
+        </p:nvSpPr>
+        <p:spPr>
+          <a:xfrm>
+            <a:off x="609600" y="228600"/>
+            <a:ext cx="10439400" cy="624840"/>
+          </a:xfrm>
+        </p:spPr>
+        <p:txBody>
+          <a:bodyPr>
+            <a:noAutofit/>
+          </a:bodyPr>
+          <a:lstStyle/>
+          <a:p>
+            <a:r>
+              <a:rPr lang="en-US" sz="3600" dirty="0">
+                <a:cs typeface="Times New Roman" panose="02020603050405020304" pitchFamily="18" charset="0"/>
+              </a:rPr>
+              <a:t>Results: Qualitative</a:t>
+            </a:r>
+            <a:endParaRPr lang="en-US" sz="3600" dirty="0">
+              <a:latin typeface="Times New Roman" panose="02020603050405020304" pitchFamily="18" charset="0"/>
+              <a:cs typeface="Times New Roman" panose="02020603050405020304" pitchFamily="18" charset="0"/>
+            </a:endParaRPr>
+          </a:p>
+        </p:txBody>
+      </p:sp>
+      <p:sp>
+        <p:nvSpPr>
+          <p:cNvPr id="4" name="Content Placeholder 3">
+            <a:extLst>
+              <a:ext uri="{FF2B5EF4-FFF2-40B4-BE49-F238E27FC236}">
+                <a16:creationId xmlns:a16="http://schemas.microsoft.com/office/drawing/2014/main" id="{1E926016-6EFD-1480-CFB4-E35AE703A6CC}"/>
+              </a:ext>
+            </a:extLst>
+          </p:cNvPr>
+          <p:cNvSpPr>
+            <a:spLocks noGrp="1"/>
+          </p:cNvSpPr>
+          <p:nvPr>
+            <p:ph idx="1"/>
+          </p:nvPr>
+        </p:nvSpPr>
+        <p:spPr>
+          <a:xfrm>
+            <a:off x="685800" y="990600"/>
+            <a:ext cx="10363200" cy="5189538"/>
+          </a:xfrm>
+        </p:spPr>
+        <p:txBody>
+          <a:bodyPr>
+            <a:normAutofit/>
+          </a:bodyPr>
+          <a:lstStyle/>
+          <a:p>
+            <a:pPr marL="0" indent="0">
+              <a:buNone/>
+            </a:pPr>
+            <a:r>
+              <a:rPr lang="en-US" sz="2400" dirty="0"/>
+              <a:t>Major themes: </a:t>
+            </a:r>
+          </a:p>
+          <a:p>
+            <a:pPr marL="457200" indent="-457200">
+              <a:buAutoNum type="arabicPeriod"/>
+            </a:pPr>
+            <a:r>
+              <a:rPr lang="en-US" sz="2400" b="1" u="sng" dirty="0"/>
+              <a:t>Contributing factors</a:t>
+            </a:r>
+          </a:p>
+          <a:p>
+            <a:pPr lvl="1"/>
+            <a:r>
+              <a:rPr lang="en-US" sz="2200" dirty="0"/>
+              <a:t>Lack of influence on policy </a:t>
+            </a:r>
+          </a:p>
+          <a:p>
+            <a:pPr lvl="1"/>
+            <a:r>
+              <a:rPr lang="en-US" sz="2200" dirty="0"/>
+              <a:t>Systemic failures in cultural safety </a:t>
+            </a:r>
+            <a:r>
+              <a:rPr lang="en-US" sz="2200" dirty="0">
+                <a:solidFill>
+                  <a:schemeClr val="accent3">
+                    <a:lumMod val="75000"/>
+                  </a:schemeClr>
+                </a:solidFill>
+              </a:rPr>
+              <a:t>(“[The health system] feeds into the colonial system of mistrust”)</a:t>
+            </a:r>
+          </a:p>
+          <a:p>
+            <a:pPr lvl="1"/>
+            <a:r>
+              <a:rPr lang="en-US" sz="2200" dirty="0">
+                <a:solidFill>
+                  <a:schemeClr val="tx1"/>
+                </a:solidFill>
+              </a:rPr>
+              <a:t>Discontinuity of care (too many patients per provider)</a:t>
+            </a:r>
+          </a:p>
+          <a:p>
+            <a:pPr lvl="1"/>
+            <a:r>
+              <a:rPr lang="en-US" sz="2200" dirty="0">
+                <a:solidFill>
+                  <a:schemeClr val="tx1"/>
+                </a:solidFill>
+              </a:rPr>
+              <a:t>Upshifting of tasks (EMR)</a:t>
+            </a:r>
+          </a:p>
+          <a:p>
+            <a:pPr lvl="1"/>
+            <a:r>
+              <a:rPr lang="en-US" sz="2200" dirty="0">
+                <a:solidFill>
+                  <a:schemeClr val="tx1"/>
+                </a:solidFill>
+              </a:rPr>
+              <a:t>Physician turnover</a:t>
+            </a:r>
+          </a:p>
+          <a:p>
+            <a:pPr lvl="1"/>
+            <a:r>
+              <a:rPr lang="en-US" sz="2200" dirty="0">
+                <a:solidFill>
+                  <a:schemeClr val="tx1"/>
+                </a:solidFill>
+              </a:rPr>
+              <a:t>Lack of systemic supports</a:t>
+            </a:r>
+          </a:p>
+          <a:p>
+            <a:pPr lvl="1"/>
+            <a:endParaRPr lang="en-US" sz="2200" dirty="0">
+              <a:solidFill>
+                <a:schemeClr val="accent3">
+                  <a:lumMod val="75000"/>
+                </a:schemeClr>
+              </a:solidFill>
+            </a:endParaRPr>
+          </a:p>
+          <a:p>
+            <a:pPr marL="457200" indent="-457200">
+              <a:buAutoNum type="arabicPeriod"/>
+            </a:pPr>
+            <a:r>
+              <a:rPr lang="en-US" sz="2400" dirty="0"/>
+              <a:t>Mitigating factors</a:t>
+            </a:r>
+          </a:p>
+          <a:p>
+            <a:pPr marL="457200" indent="-457200">
+              <a:buAutoNum type="arabicPeriod"/>
+            </a:pPr>
+            <a:r>
+              <a:rPr lang="en-US" sz="2400" dirty="0"/>
+              <a:t>“Double-edged swords”</a:t>
+            </a:r>
+          </a:p>
+        </p:txBody>
+      </p:sp>
+    </p:spTree>
+    <p:extLst>
+      <p:ext uri="{BB962C8B-B14F-4D97-AF65-F5344CB8AC3E}">
+        <p14:creationId xmlns:p14="http://schemas.microsoft.com/office/powerpoint/2010/main" val="4046614925"/>
+      </p:ext>
+    </p:extLst>
+  </p:cSld>
+  <p:clrMapOvr>
+    <a:masterClrMapping/>
+  </p:clrMapOvr>
+</p:sld>
+</file>
+
+<file path=ppt/slides/slide47.xml><?xml version="1.0" encoding="utf-8"?>
+<p:sld xmlns:a="http://schemas.openxmlformats.org/drawingml/2006/main" xmlns:r="http://schemas.openxmlformats.org/officeDocument/2006/relationships" xmlns:p="http://schemas.openxmlformats.org/presentationml/2006/main">
+  <p:cSld>
+    <p:spTree>
+      <p:nvGrpSpPr>
+        <p:cNvPr id="1" name=""/>
+        <p:cNvGrpSpPr/>
+        <p:nvPr/>
+      </p:nvGrpSpPr>
+      <p:grpSpPr>
+        <a:xfrm>
+          <a:off x="0" y="0"/>
+          <a:ext cx="0" cy="0"/>
+          <a:chOff x="0" y="0"/>
+          <a:chExt cx="0" cy="0"/>
+        </a:xfrm>
+      </p:grpSpPr>
+      <p:sp>
+        <p:nvSpPr>
+          <p:cNvPr id="2" name="Title 1"/>
+          <p:cNvSpPr>
+            <a:spLocks noGrp="1"/>
+          </p:cNvSpPr>
+          <p:nvPr>
+            <p:ph type="title"/>
+          </p:nvPr>
+        </p:nvSpPr>
+        <p:spPr>
+          <a:xfrm>
+            <a:off x="609600" y="228600"/>
+            <a:ext cx="10439400" cy="624840"/>
+          </a:xfrm>
+        </p:spPr>
+        <p:txBody>
+          <a:bodyPr>
+            <a:noAutofit/>
+          </a:bodyPr>
+          <a:lstStyle/>
+          <a:p>
+            <a:r>
+              <a:rPr lang="en-US" sz="3600" dirty="0">
+                <a:cs typeface="Times New Roman" panose="02020603050405020304" pitchFamily="18" charset="0"/>
+              </a:rPr>
+              <a:t>Results: Qualitative</a:t>
+            </a:r>
+            <a:endParaRPr lang="en-US" sz="3600" dirty="0">
+              <a:latin typeface="Times New Roman" panose="02020603050405020304" pitchFamily="18" charset="0"/>
+              <a:cs typeface="Times New Roman" panose="02020603050405020304" pitchFamily="18" charset="0"/>
+            </a:endParaRPr>
+          </a:p>
+        </p:txBody>
+      </p:sp>
+      <p:sp>
+        <p:nvSpPr>
+          <p:cNvPr id="5" name="Content Placeholder 4">
+            <a:extLst>
+              <a:ext uri="{FF2B5EF4-FFF2-40B4-BE49-F238E27FC236}">
+                <a16:creationId xmlns:a16="http://schemas.microsoft.com/office/drawing/2014/main" id="{B6525CB1-D8C3-1B3E-877D-DEA4606C897A}"/>
+              </a:ext>
+            </a:extLst>
+          </p:cNvPr>
+          <p:cNvSpPr>
+            <a:spLocks noGrp="1"/>
+          </p:cNvSpPr>
+          <p:nvPr>
+            <p:ph idx="1"/>
+          </p:nvPr>
+        </p:nvSpPr>
+        <p:spPr/>
+        <p:txBody>
+          <a:bodyPr/>
+          <a:lstStyle/>
+          <a:p>
+            <a:endParaRPr lang="en-US"/>
+          </a:p>
+        </p:txBody>
+      </p:sp>
+      <p:pic>
+        <p:nvPicPr>
+          <p:cNvPr id="7" name="Picture 6">
+            <a:extLst>
+              <a:ext uri="{FF2B5EF4-FFF2-40B4-BE49-F238E27FC236}">
+                <a16:creationId xmlns:a16="http://schemas.microsoft.com/office/drawing/2014/main" id="{8364F609-B182-45BF-D270-798F5FC89A20}"/>
+              </a:ext>
+            </a:extLst>
+          </p:cNvPr>
+          <p:cNvPicPr>
+            <a:picLocks noChangeAspect="1"/>
+          </p:cNvPicPr>
+          <p:nvPr/>
+        </p:nvPicPr>
+        <p:blipFill>
+          <a:blip r:embed="rId3"/>
+          <a:stretch>
+            <a:fillRect/>
+          </a:stretch>
+        </p:blipFill>
+        <p:spPr>
+          <a:xfrm>
+            <a:off x="0" y="775834"/>
+            <a:ext cx="12322899" cy="4481966"/>
+          </a:xfrm>
+          <a:prstGeom prst="rect">
+            <a:avLst/>
+          </a:prstGeom>
+        </p:spPr>
+      </p:pic>
+    </p:spTree>
+    <p:extLst>
+      <p:ext uri="{BB962C8B-B14F-4D97-AF65-F5344CB8AC3E}">
+        <p14:creationId xmlns:p14="http://schemas.microsoft.com/office/powerpoint/2010/main" val="1280207910"/>
+      </p:ext>
+    </p:extLst>
+  </p:cSld>
+  <p:clrMapOvr>
+    <a:masterClrMapping/>
+  </p:clrMapOvr>
+</p:sld>
+</file>
+
+<file path=ppt/slides/slide48.xml><?xml version="1.0" encoding="utf-8"?>
+<p:sld xmlns:a="http://schemas.openxmlformats.org/drawingml/2006/main" xmlns:r="http://schemas.openxmlformats.org/officeDocument/2006/relationships" xmlns:p="http://schemas.openxmlformats.org/presentationml/2006/main">
+  <p:cSld>
+    <p:spTree>
+      <p:nvGrpSpPr>
+        <p:cNvPr id="1" name=""/>
+        <p:cNvGrpSpPr/>
+        <p:nvPr/>
+      </p:nvGrpSpPr>
+      <p:grpSpPr>
+        <a:xfrm>
+          <a:off x="0" y="0"/>
+          <a:ext cx="0" cy="0"/>
+          <a:chOff x="0" y="0"/>
+          <a:chExt cx="0" cy="0"/>
+        </a:xfrm>
+      </p:grpSpPr>
+      <p:sp>
+        <p:nvSpPr>
+          <p:cNvPr id="2" name="Title 1"/>
+          <p:cNvSpPr>
+            <a:spLocks noGrp="1"/>
+          </p:cNvSpPr>
+          <p:nvPr>
+            <p:ph type="title"/>
+          </p:nvPr>
+        </p:nvSpPr>
+        <p:spPr>
+          <a:xfrm>
+            <a:off x="609600" y="228600"/>
+            <a:ext cx="10439400" cy="624840"/>
+          </a:xfrm>
+        </p:spPr>
+        <p:txBody>
+          <a:bodyPr>
+            <a:noAutofit/>
+          </a:bodyPr>
+          <a:lstStyle/>
+          <a:p>
+            <a:r>
+              <a:rPr lang="en-US" sz="3600" dirty="0">
+                <a:cs typeface="Times New Roman" panose="02020603050405020304" pitchFamily="18" charset="0"/>
+              </a:rPr>
+              <a:t>Results: Qualitative</a:t>
+            </a:r>
+            <a:endParaRPr lang="en-US" sz="3600" dirty="0">
+              <a:latin typeface="Times New Roman" panose="02020603050405020304" pitchFamily="18" charset="0"/>
+              <a:cs typeface="Times New Roman" panose="02020603050405020304" pitchFamily="18" charset="0"/>
+            </a:endParaRPr>
+          </a:p>
+        </p:txBody>
+      </p:sp>
+      <p:sp>
+        <p:nvSpPr>
+          <p:cNvPr id="4" name="Content Placeholder 3">
+            <a:extLst>
+              <a:ext uri="{FF2B5EF4-FFF2-40B4-BE49-F238E27FC236}">
+                <a16:creationId xmlns:a16="http://schemas.microsoft.com/office/drawing/2014/main" id="{1E926016-6EFD-1480-CFB4-E35AE703A6CC}"/>
+              </a:ext>
+            </a:extLst>
+          </p:cNvPr>
+          <p:cNvSpPr>
+            <a:spLocks noGrp="1"/>
+          </p:cNvSpPr>
+          <p:nvPr>
+            <p:ph idx="1"/>
+          </p:nvPr>
+        </p:nvSpPr>
+        <p:spPr>
+          <a:xfrm>
+            <a:off x="685800" y="990600"/>
+            <a:ext cx="10363200" cy="5189538"/>
+          </a:xfrm>
+        </p:spPr>
+        <p:txBody>
+          <a:bodyPr>
+            <a:normAutofit/>
+          </a:bodyPr>
+          <a:lstStyle/>
+          <a:p>
+            <a:pPr marL="0" indent="0">
+              <a:buNone/>
+            </a:pPr>
+            <a:r>
+              <a:rPr lang="en-US" sz="2400" dirty="0"/>
+              <a:t>Major themes: </a:t>
+            </a:r>
+          </a:p>
+          <a:p>
+            <a:pPr marL="457200" indent="-457200">
+              <a:buAutoNum type="arabicPeriod"/>
+            </a:pPr>
+            <a:r>
+              <a:rPr lang="en-US" sz="2400" dirty="0"/>
+              <a:t>Contributing factors</a:t>
+            </a:r>
+          </a:p>
+          <a:p>
+            <a:pPr marL="457200" indent="-457200">
+              <a:buAutoNum type="arabicPeriod"/>
+            </a:pPr>
+            <a:r>
+              <a:rPr lang="en-US" sz="2400" b="1" u="sng" dirty="0"/>
+              <a:t>Mitigating factors</a:t>
+            </a:r>
+          </a:p>
+          <a:p>
+            <a:pPr lvl="1"/>
+            <a:r>
+              <a:rPr lang="en-US" sz="2200" dirty="0"/>
+              <a:t>Relationships</a:t>
+            </a:r>
+          </a:p>
+          <a:p>
+            <a:pPr lvl="1"/>
+            <a:r>
+              <a:rPr lang="en-US" sz="2200" dirty="0"/>
+              <a:t>Time on the Land &amp; Outdoor Activities</a:t>
+            </a:r>
+          </a:p>
+          <a:p>
+            <a:pPr marL="457200" indent="-457200">
+              <a:buAutoNum type="arabicPeriod"/>
+            </a:pPr>
+            <a:r>
+              <a:rPr lang="en-US" sz="2400" dirty="0"/>
+              <a:t>“Double-edged swords”</a:t>
+            </a:r>
+          </a:p>
+        </p:txBody>
+      </p:sp>
+      <p:pic>
+        <p:nvPicPr>
+          <p:cNvPr id="5" name="Picture 4">
+            <a:extLst>
+              <a:ext uri="{FF2B5EF4-FFF2-40B4-BE49-F238E27FC236}">
+                <a16:creationId xmlns:a16="http://schemas.microsoft.com/office/drawing/2014/main" id="{2D8245A7-CD62-E798-4689-C8D8EC315FF5}"/>
+              </a:ext>
+            </a:extLst>
+          </p:cNvPr>
+          <p:cNvPicPr>
+            <a:picLocks noChangeAspect="1"/>
+          </p:cNvPicPr>
+          <p:nvPr/>
+        </p:nvPicPr>
+        <p:blipFill>
+          <a:blip r:embed="rId3"/>
+          <a:stretch>
+            <a:fillRect/>
+          </a:stretch>
+        </p:blipFill>
+        <p:spPr>
+          <a:xfrm>
+            <a:off x="5683043" y="2895601"/>
+            <a:ext cx="5518357" cy="3768634"/>
+          </a:xfrm>
+          <a:prstGeom prst="rect">
+            <a:avLst/>
+          </a:prstGeom>
+        </p:spPr>
+      </p:pic>
+    </p:spTree>
+    <p:extLst>
+      <p:ext uri="{BB962C8B-B14F-4D97-AF65-F5344CB8AC3E}">
+        <p14:creationId xmlns:p14="http://schemas.microsoft.com/office/powerpoint/2010/main" val="4286552401"/>
+      </p:ext>
+    </p:extLst>
+  </p:cSld>
+  <p:clrMapOvr>
+    <a:masterClrMapping/>
+  </p:clrMapOvr>
+</p:sld>
+</file>
+
+<file path=ppt/slides/slide49.xml><?xml version="1.0" encoding="utf-8"?>
+<p:sld xmlns:a="http://schemas.openxmlformats.org/drawingml/2006/main" xmlns:r="http://schemas.openxmlformats.org/officeDocument/2006/relationships" xmlns:p="http://schemas.openxmlformats.org/presentationml/2006/main">
+  <p:cSld>
+    <p:spTree>
+      <p:nvGrpSpPr>
+        <p:cNvPr id="1" name=""/>
+        <p:cNvGrpSpPr/>
+        <p:nvPr/>
+      </p:nvGrpSpPr>
+      <p:grpSpPr>
+        <a:xfrm>
+          <a:off x="0" y="0"/>
+          <a:ext cx="0" cy="0"/>
+          <a:chOff x="0" y="0"/>
+          <a:chExt cx="0" cy="0"/>
+        </a:xfrm>
+      </p:grpSpPr>
+      <p:sp>
+        <p:nvSpPr>
+          <p:cNvPr id="2" name="Title 1"/>
+          <p:cNvSpPr>
+            <a:spLocks noGrp="1"/>
+          </p:cNvSpPr>
+          <p:nvPr>
+            <p:ph type="title"/>
+          </p:nvPr>
+        </p:nvSpPr>
+        <p:spPr>
+          <a:xfrm>
+            <a:off x="609600" y="228600"/>
+            <a:ext cx="10439400" cy="624840"/>
+          </a:xfrm>
+        </p:spPr>
+        <p:txBody>
+          <a:bodyPr>
+            <a:noAutofit/>
+          </a:bodyPr>
+          <a:lstStyle/>
+          <a:p>
+            <a:r>
+              <a:rPr lang="en-US" sz="3600" dirty="0">
+                <a:cs typeface="Times New Roman" panose="02020603050405020304" pitchFamily="18" charset="0"/>
+              </a:rPr>
+              <a:t>Results: Qualitative</a:t>
+            </a:r>
+            <a:endParaRPr lang="en-US" sz="3600" dirty="0">
+              <a:latin typeface="Times New Roman" panose="02020603050405020304" pitchFamily="18" charset="0"/>
+              <a:cs typeface="Times New Roman" panose="02020603050405020304" pitchFamily="18" charset="0"/>
+            </a:endParaRPr>
+          </a:p>
+        </p:txBody>
+      </p:sp>
+      <p:sp>
+        <p:nvSpPr>
+          <p:cNvPr id="4" name="Content Placeholder 3">
+            <a:extLst>
+              <a:ext uri="{FF2B5EF4-FFF2-40B4-BE49-F238E27FC236}">
+                <a16:creationId xmlns:a16="http://schemas.microsoft.com/office/drawing/2014/main" id="{1E926016-6EFD-1480-CFB4-E35AE703A6CC}"/>
+              </a:ext>
+            </a:extLst>
+          </p:cNvPr>
+          <p:cNvSpPr>
+            <a:spLocks noGrp="1"/>
+          </p:cNvSpPr>
+          <p:nvPr>
+            <p:ph idx="1"/>
+          </p:nvPr>
+        </p:nvSpPr>
+        <p:spPr>
+          <a:xfrm>
+            <a:off x="685800" y="990600"/>
+            <a:ext cx="10363200" cy="5189538"/>
+          </a:xfrm>
+        </p:spPr>
+        <p:txBody>
+          <a:bodyPr>
+            <a:normAutofit/>
+          </a:bodyPr>
+          <a:lstStyle/>
+          <a:p>
+            <a:pPr marL="0" indent="0">
+              <a:buNone/>
+            </a:pPr>
+            <a:r>
+              <a:rPr lang="en-US" sz="2400" dirty="0"/>
+              <a:t>Major themes: </a:t>
+            </a:r>
+          </a:p>
+          <a:p>
+            <a:pPr marL="457200" indent="-457200">
+              <a:buAutoNum type="arabicPeriod"/>
+            </a:pPr>
+            <a:r>
+              <a:rPr lang="en-US" sz="2400" dirty="0"/>
+              <a:t>Contributing factors</a:t>
+            </a:r>
+          </a:p>
+          <a:p>
+            <a:pPr marL="457200" indent="-457200">
+              <a:buAutoNum type="arabicPeriod"/>
+            </a:pPr>
+            <a:r>
+              <a:rPr lang="en-US" sz="2400" dirty="0"/>
+              <a:t>Mitigating factors </a:t>
+            </a:r>
+          </a:p>
+          <a:p>
+            <a:pPr marL="457200" indent="-457200">
+              <a:buAutoNum type="arabicPeriod"/>
+            </a:pPr>
+            <a:r>
+              <a:rPr lang="en-US" sz="2400" b="1" u="sng" dirty="0"/>
+              <a:t>“Double-edged swords”</a:t>
+            </a:r>
+          </a:p>
+          <a:p>
+            <a:pPr lvl="1"/>
+            <a:r>
+              <a:rPr lang="en-US" sz="2200" dirty="0"/>
+              <a:t>Scope of Practice (lots to do; engaging, but also overwhelming)</a:t>
+            </a:r>
+          </a:p>
+          <a:p>
+            <a:pPr lvl="1"/>
+            <a:r>
+              <a:rPr lang="en-US" sz="2200" dirty="0"/>
+              <a:t>Blurring Boundaries (integral role in the community, but you’re always “on”)</a:t>
+            </a:r>
+          </a:p>
+          <a:p>
+            <a:pPr lvl="1"/>
+            <a:r>
+              <a:rPr lang="en-US" sz="2200" dirty="0"/>
+              <a:t>Time Away (</a:t>
+            </a:r>
+            <a:r>
+              <a:rPr lang="en-US" sz="2200" dirty="0">
+                <a:solidFill>
+                  <a:schemeClr val="accent3">
+                    <a:lumMod val="75000"/>
+                  </a:schemeClr>
+                </a:solidFill>
+              </a:rPr>
+              <a:t>“Though vacation time emerged as a protective factor, providers argued it is used as a post hoc solution to issues of overscheduling”</a:t>
+            </a:r>
+            <a:r>
+              <a:rPr lang="en-US" sz="2200" dirty="0"/>
+              <a:t>)</a:t>
+            </a:r>
+          </a:p>
+        </p:txBody>
+      </p:sp>
+    </p:spTree>
+    <p:extLst>
+      <p:ext uri="{BB962C8B-B14F-4D97-AF65-F5344CB8AC3E}">
+        <p14:creationId xmlns:p14="http://schemas.microsoft.com/office/powerpoint/2010/main" val="1081779732"/>
+      </p:ext>
+    </p:extLst>
+  </p:cSld>
+  <p:clrMapOvr>
+    <a:masterClrMapping/>
+  </p:clrMapOvr>
+</p:sld>
+</file>
+
+<file path=ppt/slides/slide5.xml><?xml version="1.0" encoding="utf-8"?>
 <p:sld xmlns:a="http://schemas.openxmlformats.org/drawingml/2006/main" xmlns:r="http://schemas.openxmlformats.org/officeDocument/2006/relationships" xmlns:p="http://schemas.openxmlformats.org/presentationml/2006/main">
   <p:cSld>
     <p:spTree>
@@ -12291,7 +17862,140 @@
 </p:sld>
 </file>
 
-<file path=ppt/slides/slide7.xml><?xml version="1.0" encoding="utf-8"?>
+<file path=ppt/slides/slide50.xml><?xml version="1.0" encoding="utf-8"?>
+<p:sld xmlns:a="http://schemas.openxmlformats.org/drawingml/2006/main" xmlns:r="http://schemas.openxmlformats.org/officeDocument/2006/relationships" xmlns:p="http://schemas.openxmlformats.org/presentationml/2006/main">
+  <p:cSld>
+    <p:spTree>
+      <p:nvGrpSpPr>
+        <p:cNvPr id="1" name=""/>
+        <p:cNvGrpSpPr/>
+        <p:nvPr/>
+      </p:nvGrpSpPr>
+      <p:grpSpPr>
+        <a:xfrm>
+          <a:off x="0" y="0"/>
+          <a:ext cx="0" cy="0"/>
+          <a:chOff x="0" y="0"/>
+          <a:chExt cx="0" cy="0"/>
+        </a:xfrm>
+      </p:grpSpPr>
+      <p:sp>
+        <p:nvSpPr>
+          <p:cNvPr id="2" name="Title 1"/>
+          <p:cNvSpPr>
+            <a:spLocks noGrp="1"/>
+          </p:cNvSpPr>
+          <p:nvPr>
+            <p:ph type="title"/>
+          </p:nvPr>
+        </p:nvSpPr>
+        <p:spPr>
+          <a:xfrm>
+            <a:off x="609600" y="228600"/>
+            <a:ext cx="10439400" cy="624840"/>
+          </a:xfrm>
+        </p:spPr>
+        <p:txBody>
+          <a:bodyPr>
+            <a:noAutofit/>
+          </a:bodyPr>
+          <a:lstStyle/>
+          <a:p>
+            <a:r>
+              <a:rPr lang="en-US" sz="3600" dirty="0">
+                <a:cs typeface="Times New Roman" panose="02020603050405020304" pitchFamily="18" charset="0"/>
+              </a:rPr>
+              <a:t>Interpretation and Limitations of Analysis </a:t>
+            </a:r>
+            <a:endParaRPr lang="en-US" sz="3600" dirty="0">
+              <a:latin typeface="Times New Roman" panose="02020603050405020304" pitchFamily="18" charset="0"/>
+              <a:cs typeface="Times New Roman" panose="02020603050405020304" pitchFamily="18" charset="0"/>
+            </a:endParaRPr>
+          </a:p>
+        </p:txBody>
+      </p:sp>
+      <p:sp>
+        <p:nvSpPr>
+          <p:cNvPr id="3" name="Content Placeholder 2"/>
+          <p:cNvSpPr>
+            <a:spLocks noGrp="1"/>
+          </p:cNvSpPr>
+          <p:nvPr>
+            <p:ph idx="1"/>
+          </p:nvPr>
+        </p:nvSpPr>
+        <p:spPr>
+          <a:xfrm>
+            <a:off x="609601" y="1066801"/>
+            <a:ext cx="10439400" cy="5141388"/>
+          </a:xfrm>
+        </p:spPr>
+        <p:txBody>
+          <a:bodyPr>
+            <a:noAutofit/>
+          </a:bodyPr>
+          <a:lstStyle/>
+          <a:p>
+            <a:pPr lvl="1"/>
+            <a:r>
+              <a:rPr lang="en-US" sz="2400" dirty="0">
+                <a:cs typeface="Times New Roman" panose="02020603050405020304" pitchFamily="18" charset="0"/>
+              </a:rPr>
+              <a:t>What worked well in this analysis? </a:t>
+            </a:r>
+          </a:p>
+          <a:p>
+            <a:pPr lvl="1"/>
+            <a:r>
+              <a:rPr lang="en-US" sz="2400" dirty="0">
+                <a:cs typeface="Times New Roman" panose="02020603050405020304" pitchFamily="18" charset="0"/>
+              </a:rPr>
+              <a:t>What was lacking? </a:t>
+            </a:r>
+          </a:p>
+          <a:p>
+            <a:pPr lvl="1"/>
+            <a:r>
+              <a:rPr lang="en-US" sz="2400" dirty="0">
+                <a:cs typeface="Times New Roman" panose="02020603050405020304" pitchFamily="18" charset="0"/>
+              </a:rPr>
+              <a:t>What are the takeaways for you? </a:t>
+            </a:r>
+          </a:p>
+          <a:p>
+            <a:pPr lvl="1"/>
+            <a:r>
+              <a:rPr lang="en-US" sz="2400" dirty="0">
+                <a:cs typeface="Times New Roman" panose="02020603050405020304" pitchFamily="18" charset="0"/>
+              </a:rPr>
+              <a:t>What might limit the takeaways? What hinders your approach to thinking of this as causal? </a:t>
+            </a:r>
+          </a:p>
+          <a:p>
+            <a:pPr lvl="1"/>
+            <a:r>
+              <a:rPr lang="en-US" sz="2400" dirty="0">
+                <a:cs typeface="Times New Roman" panose="02020603050405020304" pitchFamily="18" charset="0"/>
+              </a:rPr>
+              <a:t>Any other thoughts? </a:t>
+            </a:r>
+          </a:p>
+        </p:txBody>
+      </p:sp>
+    </p:spTree>
+    <p:extLst>
+      <p:ext uri="{BB962C8B-B14F-4D97-AF65-F5344CB8AC3E}">
+        <p14:creationId xmlns:p14="http://schemas.microsoft.com/office/powerpoint/2010/main" val="823959745"/>
+      </p:ext>
+    </p:extLst>
+  </p:cSld>
+  <p:clrMapOvr>
+    <a:masterClrMapping/>
+  </p:clrMapOvr>
+</p:sld>
+</file>
+
+<file path=ppt/slides/slide6.xml><?xml version="1.0" encoding="utf-8"?>
 <p:sld xmlns:a="http://schemas.openxmlformats.org/drawingml/2006/main" xmlns:r="http://schemas.openxmlformats.org/officeDocument/2006/relationships" xmlns:p="http://schemas.openxmlformats.org/presentationml/2006/main">
   <p:cSld>
     <p:spTree>
@@ -12494,7 +18198,7 @@
 </p:sld>
 </file>
 
-<file path=ppt/slides/slide8.xml><?xml version="1.0" encoding="utf-8"?>
+<file path=ppt/slides/slide7.xml><?xml version="1.0" encoding="utf-8"?>
 <p:sld xmlns:a="http://schemas.openxmlformats.org/drawingml/2006/main" xmlns:r="http://schemas.openxmlformats.org/officeDocument/2006/relationships" xmlns:p="http://schemas.openxmlformats.org/presentationml/2006/main">
   <p:cSld>
     <p:spTree>
@@ -13081,7 +18785,7 @@
 </p:sld>
 </file>
 
-<file path=ppt/slides/slide9.xml><?xml version="1.0" encoding="utf-8"?>
+<file path=ppt/slides/slide8.xml><?xml version="1.0" encoding="utf-8"?>
 <p:sld xmlns:a="http://schemas.openxmlformats.org/drawingml/2006/main" xmlns:r="http://schemas.openxmlformats.org/officeDocument/2006/relationships" xmlns:p="http://schemas.openxmlformats.org/presentationml/2006/main">
   <p:cSld>
     <p:spTree>
@@ -13980,6 +19684,138 @@
 </p:sld>
 </file>
 
+<file path=ppt/slides/slide9.xml><?xml version="1.0" encoding="utf-8"?>
+<p:sld xmlns:a="http://schemas.openxmlformats.org/drawingml/2006/main" xmlns:r="http://schemas.openxmlformats.org/officeDocument/2006/relationships" xmlns:p="http://schemas.openxmlformats.org/presentationml/2006/main">
+  <p:cSld>
+    <p:spTree>
+      <p:nvGrpSpPr>
+        <p:cNvPr id="1" name=""/>
+        <p:cNvGrpSpPr/>
+        <p:nvPr/>
+      </p:nvGrpSpPr>
+      <p:grpSpPr>
+        <a:xfrm>
+          <a:off x="0" y="0"/>
+          <a:ext cx="0" cy="0"/>
+          <a:chOff x="0" y="0"/>
+          <a:chExt cx="0" cy="0"/>
+        </a:xfrm>
+      </p:grpSpPr>
+      <p:sp>
+        <p:nvSpPr>
+          <p:cNvPr id="2" name="Title 1"/>
+          <p:cNvSpPr>
+            <a:spLocks noGrp="1"/>
+          </p:cNvSpPr>
+          <p:nvPr>
+            <p:ph type="title"/>
+          </p:nvPr>
+        </p:nvSpPr>
+        <p:spPr>
+          <a:xfrm>
+            <a:off x="609600" y="337392"/>
+            <a:ext cx="10439400" cy="624840"/>
+          </a:xfrm>
+        </p:spPr>
+        <p:txBody>
+          <a:bodyPr>
+            <a:noAutofit/>
+          </a:bodyPr>
+          <a:lstStyle/>
+          <a:p>
+            <a:r>
+              <a:rPr lang="en-US" sz="3600" dirty="0">
+                <a:cs typeface="Times New Roman" panose="02020603050405020304" pitchFamily="18" charset="0"/>
+              </a:rPr>
+              <a:t>Research Setting: Intervention and Context</a:t>
+            </a:r>
+            <a:endParaRPr lang="en-US" sz="3600" dirty="0">
+              <a:latin typeface="Times New Roman" panose="02020603050405020304" pitchFamily="18" charset="0"/>
+              <a:cs typeface="Times New Roman" panose="02020603050405020304" pitchFamily="18" charset="0"/>
+            </a:endParaRPr>
+          </a:p>
+        </p:txBody>
+      </p:sp>
+      <p:sp>
+        <p:nvSpPr>
+          <p:cNvPr id="3" name="Content Placeholder 2"/>
+          <p:cNvSpPr>
+            <a:spLocks noGrp="1"/>
+          </p:cNvSpPr>
+          <p:nvPr>
+            <p:ph idx="1"/>
+          </p:nvPr>
+        </p:nvSpPr>
+        <p:spPr>
+          <a:xfrm>
+            <a:off x="990600" y="954612"/>
+            <a:ext cx="9982201" cy="5141388"/>
+          </a:xfrm>
+        </p:spPr>
+        <p:txBody>
+          <a:bodyPr>
+            <a:noAutofit/>
+          </a:bodyPr>
+          <a:lstStyle/>
+          <a:p>
+            <a:r>
+              <a:rPr lang="en-US" sz="2400" dirty="0"/>
+              <a:t>2008 intervention to improve time to surgery in </a:t>
+            </a:r>
+            <a:r>
+              <a:rPr lang="en-US" sz="2400" b="1" dirty="0"/>
+              <a:t>Winnipeg</a:t>
+            </a:r>
+            <a:r>
+              <a:rPr lang="en-US" sz="2400" dirty="0"/>
+              <a:t>:</a:t>
+            </a:r>
+          </a:p>
+        </p:txBody>
+      </p:sp>
+      <p:pic>
+        <p:nvPicPr>
+          <p:cNvPr id="6" name="Picture 5">
+            <a:extLst>
+              <a:ext uri="{FF2B5EF4-FFF2-40B4-BE49-F238E27FC236}">
+                <a16:creationId xmlns:a16="http://schemas.microsoft.com/office/drawing/2014/main" id="{0C5A61E4-B0D5-9645-0DB3-FBFA8EF2C5A7}"/>
+              </a:ext>
+            </a:extLst>
+          </p:cNvPr>
+          <p:cNvPicPr>
+            <a:picLocks noChangeAspect="1"/>
+          </p:cNvPicPr>
+          <p:nvPr/>
+        </p:nvPicPr>
+        <p:blipFill>
+          <a:blip r:embed="rId3"/>
+          <a:stretch>
+            <a:fillRect/>
+          </a:stretch>
+        </p:blipFill>
+        <p:spPr>
+          <a:xfrm>
+            <a:off x="465187" y="1447800"/>
+            <a:ext cx="10507613" cy="4953000"/>
+          </a:xfrm>
+          <a:prstGeom prst="rect">
+            <a:avLst/>
+          </a:prstGeom>
+        </p:spPr>
+      </p:pic>
+    </p:spTree>
+    <p:extLst>
+      <p:ext uri="{BB962C8B-B14F-4D97-AF65-F5344CB8AC3E}">
+        <p14:creationId xmlns:p14="http://schemas.microsoft.com/office/powerpoint/2010/main" val="809282293"/>
+      </p:ext>
+    </p:extLst>
+  </p:cSld>
+  <p:clrMapOvr>
+    <a:masterClrMapping/>
+  </p:clrMapOvr>
+</p:sld>
+</file>
+
 <file path=ppt/theme/theme1.xml><?xml version="1.0" encoding="utf-8"?>
 <a:theme xmlns:a="http://schemas.openxmlformats.org/drawingml/2006/main" name="View">
   <a:themeElements>

--- a/Lectures/Lecture10_SurvivalAnalysis_MixedMethods/Lecture10_SurvivalAnalysis_MixedMethods.pptx
+++ b/Lectures/Lecture10_SurvivalAnalysis_MixedMethods/Lecture10_SurvivalAnalysis_MixedMethods.pptx
@@ -5,7 +5,7 @@
     <p:sldMasterId id="2147483738" r:id="rId1"/>
   </p:sldMasterIdLst>
   <p:notesMasterIdLst>
-    <p:notesMasterId r:id="rId52"/>
+    <p:notesMasterId r:id="rId51"/>
   </p:notesMasterIdLst>
   <p:sldIdLst>
     <p:sldId id="256" r:id="rId2"/>
@@ -33,31 +33,30 @@
     <p:sldId id="544" r:id="rId24"/>
     <p:sldId id="564" r:id="rId25"/>
     <p:sldId id="567" r:id="rId26"/>
-    <p:sldId id="568" r:id="rId27"/>
-    <p:sldId id="569" r:id="rId28"/>
-    <p:sldId id="571" r:id="rId29"/>
-    <p:sldId id="575" r:id="rId30"/>
-    <p:sldId id="576" r:id="rId31"/>
-    <p:sldId id="577" r:id="rId32"/>
-    <p:sldId id="572" r:id="rId33"/>
-    <p:sldId id="570" r:id="rId34"/>
-    <p:sldId id="578" r:id="rId35"/>
-    <p:sldId id="573" r:id="rId36"/>
-    <p:sldId id="574" r:id="rId37"/>
-    <p:sldId id="579" r:id="rId38"/>
-    <p:sldId id="580" r:id="rId39"/>
-    <p:sldId id="585" r:id="rId40"/>
-    <p:sldId id="582" r:id="rId41"/>
-    <p:sldId id="583" r:id="rId42"/>
-    <p:sldId id="584" r:id="rId43"/>
-    <p:sldId id="581" r:id="rId44"/>
-    <p:sldId id="586" r:id="rId45"/>
-    <p:sldId id="587" r:id="rId46"/>
-    <p:sldId id="588" r:id="rId47"/>
-    <p:sldId id="589" r:id="rId48"/>
-    <p:sldId id="590" r:id="rId49"/>
-    <p:sldId id="591" r:id="rId50"/>
-    <p:sldId id="592" r:id="rId51"/>
+    <p:sldId id="569" r:id="rId27"/>
+    <p:sldId id="571" r:id="rId28"/>
+    <p:sldId id="575" r:id="rId29"/>
+    <p:sldId id="576" r:id="rId30"/>
+    <p:sldId id="577" r:id="rId31"/>
+    <p:sldId id="572" r:id="rId32"/>
+    <p:sldId id="570" r:id="rId33"/>
+    <p:sldId id="578" r:id="rId34"/>
+    <p:sldId id="573" r:id="rId35"/>
+    <p:sldId id="574" r:id="rId36"/>
+    <p:sldId id="579" r:id="rId37"/>
+    <p:sldId id="580" r:id="rId38"/>
+    <p:sldId id="585" r:id="rId39"/>
+    <p:sldId id="582" r:id="rId40"/>
+    <p:sldId id="583" r:id="rId41"/>
+    <p:sldId id="584" r:id="rId42"/>
+    <p:sldId id="581" r:id="rId43"/>
+    <p:sldId id="586" r:id="rId44"/>
+    <p:sldId id="587" r:id="rId45"/>
+    <p:sldId id="588" r:id="rId46"/>
+    <p:sldId id="589" r:id="rId47"/>
+    <p:sldId id="590" r:id="rId48"/>
+    <p:sldId id="591" r:id="rId49"/>
+    <p:sldId id="592" r:id="rId50"/>
   </p:sldIdLst>
   <p:sldSz cx="12192000" cy="6858000"/>
   <p:notesSz cx="7010400" cy="9296400"/>
@@ -257,7 +256,7 @@
           <a:p>
             <a:fld id="{EF911157-0FC2-4F06-8D61-FD647FE4E19D}" type="datetimeFigureOut">
               <a:rPr lang="en-US" smtClean="0"/>
-              <a:t>3/21/2024</a:t>
+              <a:t>3/27/2024</a:t>
             </a:fld>
             <a:endParaRPr lang="en-US"/>
           </a:p>
@@ -579,8 +578,13 @@
             </a:pPr>
             <a:r>
               <a:rPr lang="en-US" dirty="0"/>
-              <a:t>Add slides on how to evaluate an RCT (simple example?)</a:t>
-            </a:r>
+              <a:t>Discuss course </a:t>
+            </a:r>
+            <a:r>
+              <a:rPr lang="en-US" dirty="0" err="1"/>
+              <a:t>evalus</a:t>
+            </a:r>
+            <a:endParaRPr lang="en-US" dirty="0"/>
           </a:p>
         </p:txBody>
       </p:sp>
@@ -2479,7 +2483,7 @@
     </p:spTree>
     <p:extLst>
       <p:ext uri="{BB962C8B-B14F-4D97-AF65-F5344CB8AC3E}">
-        <p14:creationId xmlns:p14="http://schemas.microsoft.com/office/powerpoint/2010/main" val="1485835297"/>
+        <p14:creationId xmlns:p14="http://schemas.microsoft.com/office/powerpoint/2010/main" val="2284488900"/>
       </p:ext>
     </p:extLst>
   </p:cSld>
@@ -2563,7 +2567,7 @@
     </p:spTree>
     <p:extLst>
       <p:ext uri="{BB962C8B-B14F-4D97-AF65-F5344CB8AC3E}">
-        <p14:creationId xmlns:p14="http://schemas.microsoft.com/office/powerpoint/2010/main" val="2284488900"/>
+        <p14:creationId xmlns:p14="http://schemas.microsoft.com/office/powerpoint/2010/main" val="1657245300"/>
       </p:ext>
     </p:extLst>
   </p:cSld>
@@ -2647,7 +2651,7 @@
     </p:spTree>
     <p:extLst>
       <p:ext uri="{BB962C8B-B14F-4D97-AF65-F5344CB8AC3E}">
-        <p14:creationId xmlns:p14="http://schemas.microsoft.com/office/powerpoint/2010/main" val="1657245300"/>
+        <p14:creationId xmlns:p14="http://schemas.microsoft.com/office/powerpoint/2010/main" val="1615139983"/>
       </p:ext>
     </p:extLst>
   </p:cSld>
@@ -2731,7 +2735,7 @@
     </p:spTree>
     <p:extLst>
       <p:ext uri="{BB962C8B-B14F-4D97-AF65-F5344CB8AC3E}">
-        <p14:creationId xmlns:p14="http://schemas.microsoft.com/office/powerpoint/2010/main" val="1615139983"/>
+        <p14:creationId xmlns:p14="http://schemas.microsoft.com/office/powerpoint/2010/main" val="1093075128"/>
       </p:ext>
     </p:extLst>
   </p:cSld>
@@ -3154,7 +3158,10 @@
           <a:bodyPr/>
           <a:lstStyle/>
           <a:p>
-            <a:endParaRPr lang="en-US" dirty="0"/>
+            <a:r>
+              <a:rPr lang="en-US" dirty="0"/>
+              <a:t>What does Table 1 here tell us? </a:t>
+            </a:r>
           </a:p>
         </p:txBody>
       </p:sp>
@@ -3184,7 +3191,7 @@
     </p:spTree>
     <p:extLst>
       <p:ext uri="{BB962C8B-B14F-4D97-AF65-F5344CB8AC3E}">
-        <p14:creationId xmlns:p14="http://schemas.microsoft.com/office/powerpoint/2010/main" val="1093075128"/>
+        <p14:creationId xmlns:p14="http://schemas.microsoft.com/office/powerpoint/2010/main" val="3153869028"/>
       </p:ext>
     </p:extLst>
   </p:cSld>
@@ -3238,10 +3245,7 @@
           <a:bodyPr/>
           <a:lstStyle/>
           <a:p>
-            <a:r>
-              <a:rPr lang="en-US" dirty="0"/>
-              <a:t>What does Table 1 here tell us? </a:t>
-            </a:r>
+            <a:endParaRPr lang="en-US" dirty="0"/>
           </a:p>
         </p:txBody>
       </p:sp>
@@ -3271,7 +3275,7 @@
     </p:spTree>
     <p:extLst>
       <p:ext uri="{BB962C8B-B14F-4D97-AF65-F5344CB8AC3E}">
-        <p14:creationId xmlns:p14="http://schemas.microsoft.com/office/powerpoint/2010/main" val="3153869028"/>
+        <p14:creationId xmlns:p14="http://schemas.microsoft.com/office/powerpoint/2010/main" val="2480835458"/>
       </p:ext>
     </p:extLst>
   </p:cSld>
@@ -3325,7 +3329,10 @@
           <a:bodyPr/>
           <a:lstStyle/>
           <a:p>
-            <a:endParaRPr lang="en-US" dirty="0"/>
+            <a:r>
+              <a:rPr lang="en-US" dirty="0"/>
+              <a:t>What did they do here? </a:t>
+            </a:r>
           </a:p>
         </p:txBody>
       </p:sp>
@@ -3355,7 +3362,7 @@
     </p:spTree>
     <p:extLst>
       <p:ext uri="{BB962C8B-B14F-4D97-AF65-F5344CB8AC3E}">
-        <p14:creationId xmlns:p14="http://schemas.microsoft.com/office/powerpoint/2010/main" val="2480835458"/>
+        <p14:creationId xmlns:p14="http://schemas.microsoft.com/office/powerpoint/2010/main" val="821076985"/>
       </p:ext>
     </p:extLst>
   </p:cSld>
@@ -3442,7 +3449,7 @@
     </p:spTree>
     <p:extLst>
       <p:ext uri="{BB962C8B-B14F-4D97-AF65-F5344CB8AC3E}">
-        <p14:creationId xmlns:p14="http://schemas.microsoft.com/office/powerpoint/2010/main" val="821076985"/>
+        <p14:creationId xmlns:p14="http://schemas.microsoft.com/office/powerpoint/2010/main" val="391643880"/>
       </p:ext>
     </p:extLst>
   </p:cSld>
@@ -3496,10 +3503,7 @@
           <a:bodyPr/>
           <a:lstStyle/>
           <a:p>
-            <a:r>
-              <a:rPr lang="en-US" dirty="0"/>
-              <a:t>What did they do here? </a:t>
-            </a:r>
+            <a:endParaRPr lang="en-US" dirty="0"/>
           </a:p>
         </p:txBody>
       </p:sp>
@@ -3529,7 +3533,7 @@
     </p:spTree>
     <p:extLst>
       <p:ext uri="{BB962C8B-B14F-4D97-AF65-F5344CB8AC3E}">
-        <p14:creationId xmlns:p14="http://schemas.microsoft.com/office/powerpoint/2010/main" val="391643880"/>
+        <p14:creationId xmlns:p14="http://schemas.microsoft.com/office/powerpoint/2010/main" val="2378158438"/>
       </p:ext>
     </p:extLst>
   </p:cSld>
@@ -3583,7 +3587,10 @@
           <a:bodyPr/>
           <a:lstStyle/>
           <a:p>
-            <a:endParaRPr lang="en-US" dirty="0"/>
+            <a:r>
+              <a:rPr lang="en-US" dirty="0"/>
+              <a:t>What did they do here? </a:t>
+            </a:r>
           </a:p>
         </p:txBody>
       </p:sp>
@@ -3613,7 +3620,7 @@
     </p:spTree>
     <p:extLst>
       <p:ext uri="{BB962C8B-B14F-4D97-AF65-F5344CB8AC3E}">
-        <p14:creationId xmlns:p14="http://schemas.microsoft.com/office/powerpoint/2010/main" val="2378158438"/>
+        <p14:creationId xmlns:p14="http://schemas.microsoft.com/office/powerpoint/2010/main" val="2073511175"/>
       </p:ext>
     </p:extLst>
   </p:cSld>
@@ -3700,7 +3707,7 @@
     </p:spTree>
     <p:extLst>
       <p:ext uri="{BB962C8B-B14F-4D97-AF65-F5344CB8AC3E}">
-        <p14:creationId xmlns:p14="http://schemas.microsoft.com/office/powerpoint/2010/main" val="2073511175"/>
+        <p14:creationId xmlns:p14="http://schemas.microsoft.com/office/powerpoint/2010/main" val="3544419289"/>
       </p:ext>
     </p:extLst>
   </p:cSld>
@@ -3787,7 +3794,7 @@
     </p:spTree>
     <p:extLst>
       <p:ext uri="{BB962C8B-B14F-4D97-AF65-F5344CB8AC3E}">
-        <p14:creationId xmlns:p14="http://schemas.microsoft.com/office/powerpoint/2010/main" val="3544419289"/>
+        <p14:creationId xmlns:p14="http://schemas.microsoft.com/office/powerpoint/2010/main" val="2528547765"/>
       </p:ext>
     </p:extLst>
   </p:cSld>
@@ -3874,7 +3881,7 @@
     </p:spTree>
     <p:extLst>
       <p:ext uri="{BB962C8B-B14F-4D97-AF65-F5344CB8AC3E}">
-        <p14:creationId xmlns:p14="http://schemas.microsoft.com/office/powerpoint/2010/main" val="2528547765"/>
+        <p14:creationId xmlns:p14="http://schemas.microsoft.com/office/powerpoint/2010/main" val="4209690449"/>
       </p:ext>
     </p:extLst>
   </p:cSld>
@@ -3930,7 +3937,7 @@
           <a:p>
             <a:r>
               <a:rPr lang="en-US" dirty="0"/>
-              <a:t>What did they do here? </a:t>
+              <a:t>Comes from supplement, go over in a little bit of detail</a:t>
             </a:r>
           </a:p>
         </p:txBody>
@@ -3961,7 +3968,7 @@
     </p:spTree>
     <p:extLst>
       <p:ext uri="{BB962C8B-B14F-4D97-AF65-F5344CB8AC3E}">
-        <p14:creationId xmlns:p14="http://schemas.microsoft.com/office/powerpoint/2010/main" val="4209690449"/>
+        <p14:creationId xmlns:p14="http://schemas.microsoft.com/office/powerpoint/2010/main" val="3130913519"/>
       </p:ext>
     </p:extLst>
   </p:cSld>
@@ -4143,7 +4150,7 @@
     </p:spTree>
     <p:extLst>
       <p:ext uri="{BB962C8B-B14F-4D97-AF65-F5344CB8AC3E}">
-        <p14:creationId xmlns:p14="http://schemas.microsoft.com/office/powerpoint/2010/main" val="3130913519"/>
+        <p14:creationId xmlns:p14="http://schemas.microsoft.com/office/powerpoint/2010/main" val="470029752"/>
       </p:ext>
     </p:extLst>
   </p:cSld>
@@ -4197,10 +4204,7 @@
           <a:bodyPr/>
           <a:lstStyle/>
           <a:p>
-            <a:r>
-              <a:rPr lang="en-US" dirty="0"/>
-              <a:t>Comes from supplement, go over in a little bit of detail</a:t>
-            </a:r>
+            <a:endParaRPr lang="en-US" dirty="0"/>
           </a:p>
         </p:txBody>
       </p:sp>
@@ -4230,7 +4234,7 @@
     </p:spTree>
     <p:extLst>
       <p:ext uri="{BB962C8B-B14F-4D97-AF65-F5344CB8AC3E}">
-        <p14:creationId xmlns:p14="http://schemas.microsoft.com/office/powerpoint/2010/main" val="470029752"/>
+        <p14:creationId xmlns:p14="http://schemas.microsoft.com/office/powerpoint/2010/main" val="798527676"/>
       </p:ext>
     </p:extLst>
   </p:cSld>
@@ -4284,7 +4288,10 @@
           <a:bodyPr/>
           <a:lstStyle/>
           <a:p>
-            <a:endParaRPr lang="en-US" dirty="0"/>
+            <a:r>
+              <a:rPr lang="en-US" dirty="0"/>
+              <a:t>What did they do here? </a:t>
+            </a:r>
           </a:p>
         </p:txBody>
       </p:sp>
@@ -4314,7 +4321,7 @@
     </p:spTree>
     <p:extLst>
       <p:ext uri="{BB962C8B-B14F-4D97-AF65-F5344CB8AC3E}">
-        <p14:creationId xmlns:p14="http://schemas.microsoft.com/office/powerpoint/2010/main" val="798527676"/>
+        <p14:creationId xmlns:p14="http://schemas.microsoft.com/office/powerpoint/2010/main" val="1821734871"/>
       </p:ext>
     </p:extLst>
   </p:cSld>
@@ -4370,7 +4377,7 @@
           <a:p>
             <a:r>
               <a:rPr lang="en-US" dirty="0"/>
-              <a:t>What did they do here? </a:t>
+              <a:t>Recall n=57. The likelihood here is “being engaged” but the table/text treats it differently. Confusing!</a:t>
             </a:r>
           </a:p>
         </p:txBody>
@@ -4401,7 +4408,7 @@
     </p:spTree>
     <p:extLst>
       <p:ext uri="{BB962C8B-B14F-4D97-AF65-F5344CB8AC3E}">
-        <p14:creationId xmlns:p14="http://schemas.microsoft.com/office/powerpoint/2010/main" val="1821734871"/>
+        <p14:creationId xmlns:p14="http://schemas.microsoft.com/office/powerpoint/2010/main" val="2440171620"/>
       </p:ext>
     </p:extLst>
   </p:cSld>
@@ -4455,10 +4462,7 @@
           <a:bodyPr/>
           <a:lstStyle/>
           <a:p>
-            <a:r>
-              <a:rPr lang="en-US" dirty="0"/>
-              <a:t>Recall n=57. The likelihood here is “being engaged” but the table/text treats it differently. Confusing!</a:t>
-            </a:r>
+            <a:endParaRPr lang="en-US" dirty="0"/>
           </a:p>
         </p:txBody>
       </p:sp>
@@ -4488,7 +4492,7 @@
     </p:spTree>
     <p:extLst>
       <p:ext uri="{BB962C8B-B14F-4D97-AF65-F5344CB8AC3E}">
-        <p14:creationId xmlns:p14="http://schemas.microsoft.com/office/powerpoint/2010/main" val="2440171620"/>
+        <p14:creationId xmlns:p14="http://schemas.microsoft.com/office/powerpoint/2010/main" val="1889326001"/>
       </p:ext>
     </p:extLst>
   </p:cSld>
@@ -4572,7 +4576,7 @@
     </p:spTree>
     <p:extLst>
       <p:ext uri="{BB962C8B-B14F-4D97-AF65-F5344CB8AC3E}">
-        <p14:creationId xmlns:p14="http://schemas.microsoft.com/office/powerpoint/2010/main" val="1889326001"/>
+        <p14:creationId xmlns:p14="http://schemas.microsoft.com/office/powerpoint/2010/main" val="1903782446"/>
       </p:ext>
     </p:extLst>
   </p:cSld>
@@ -4656,7 +4660,7 @@
     </p:spTree>
     <p:extLst>
       <p:ext uri="{BB962C8B-B14F-4D97-AF65-F5344CB8AC3E}">
-        <p14:creationId xmlns:p14="http://schemas.microsoft.com/office/powerpoint/2010/main" val="1903782446"/>
+        <p14:creationId xmlns:p14="http://schemas.microsoft.com/office/powerpoint/2010/main" val="2435794044"/>
       </p:ext>
     </p:extLst>
   </p:cSld>
@@ -4740,7 +4744,7 @@
     </p:spTree>
     <p:extLst>
       <p:ext uri="{BB962C8B-B14F-4D97-AF65-F5344CB8AC3E}">
-        <p14:creationId xmlns:p14="http://schemas.microsoft.com/office/powerpoint/2010/main" val="2435794044"/>
+        <p14:creationId xmlns:p14="http://schemas.microsoft.com/office/powerpoint/2010/main" val="4070602718"/>
       </p:ext>
     </p:extLst>
   </p:cSld>
@@ -4824,7 +4828,7 @@
     </p:spTree>
     <p:extLst>
       <p:ext uri="{BB962C8B-B14F-4D97-AF65-F5344CB8AC3E}">
-        <p14:creationId xmlns:p14="http://schemas.microsoft.com/office/powerpoint/2010/main" val="4070602718"/>
+        <p14:creationId xmlns:p14="http://schemas.microsoft.com/office/powerpoint/2010/main" val="3896283928"/>
       </p:ext>
     </p:extLst>
   </p:cSld>
@@ -4908,7 +4912,7 @@
     </p:spTree>
     <p:extLst>
       <p:ext uri="{BB962C8B-B14F-4D97-AF65-F5344CB8AC3E}">
-        <p14:creationId xmlns:p14="http://schemas.microsoft.com/office/powerpoint/2010/main" val="3896283928"/>
+        <p14:creationId xmlns:p14="http://schemas.microsoft.com/office/powerpoint/2010/main" val="1682245509"/>
       </p:ext>
     </p:extLst>
   </p:cSld>
@@ -4993,93 +4997,6 @@
     <p:extLst>
       <p:ext uri="{BB962C8B-B14F-4D97-AF65-F5344CB8AC3E}">
         <p14:creationId xmlns:p14="http://schemas.microsoft.com/office/powerpoint/2010/main" val="3260395365"/>
-      </p:ext>
-    </p:extLst>
-  </p:cSld>
-  <p:clrMapOvr>
-    <a:masterClrMapping/>
-  </p:clrMapOvr>
-</p:notes>
-</file>
-
-<file path=ppt/notesSlides/notesSlide50.xml><?xml version="1.0" encoding="utf-8"?>
-<p:notes xmlns:a="http://schemas.openxmlformats.org/drawingml/2006/main" xmlns:r="http://schemas.openxmlformats.org/officeDocument/2006/relationships" xmlns:p="http://schemas.openxmlformats.org/presentationml/2006/main">
-  <p:cSld>
-    <p:spTree>
-      <p:nvGrpSpPr>
-        <p:cNvPr id="1" name=""/>
-        <p:cNvGrpSpPr/>
-        <p:nvPr/>
-      </p:nvGrpSpPr>
-      <p:grpSpPr>
-        <a:xfrm>
-          <a:off x="0" y="0"/>
-          <a:ext cx="0" cy="0"/>
-          <a:chOff x="0" y="0"/>
-          <a:chExt cx="0" cy="0"/>
-        </a:xfrm>
-      </p:grpSpPr>
-      <p:sp>
-        <p:nvSpPr>
-          <p:cNvPr id="2" name="Slide Image Placeholder 1"/>
-          <p:cNvSpPr>
-            <a:spLocks noGrp="1" noRot="1" noChangeAspect="1"/>
-          </p:cNvSpPr>
-          <p:nvPr>
-            <p:ph type="sldImg"/>
-          </p:nvPr>
-        </p:nvSpPr>
-        <p:spPr/>
-      </p:sp>
-      <p:sp>
-        <p:nvSpPr>
-          <p:cNvPr id="3" name="Notes Placeholder 2"/>
-          <p:cNvSpPr>
-            <a:spLocks noGrp="1"/>
-          </p:cNvSpPr>
-          <p:nvPr>
-            <p:ph type="body" idx="1"/>
-          </p:nvPr>
-        </p:nvSpPr>
-        <p:spPr/>
-        <p:txBody>
-          <a:bodyPr/>
-          <a:lstStyle/>
-          <a:p>
-            <a:r>
-              <a:rPr lang="en-US" dirty="0"/>
-              <a:t>I don’t think they did a super good job dealing with this. Their limitations are all “fake” limitations. </a:t>
-            </a:r>
-          </a:p>
-        </p:txBody>
-      </p:sp>
-      <p:sp>
-        <p:nvSpPr>
-          <p:cNvPr id="4" name="Slide Number Placeholder 3"/>
-          <p:cNvSpPr>
-            <a:spLocks noGrp="1"/>
-          </p:cNvSpPr>
-          <p:nvPr>
-            <p:ph type="sldNum" sz="quarter" idx="5"/>
-          </p:nvPr>
-        </p:nvSpPr>
-        <p:spPr/>
-        <p:txBody>
-          <a:bodyPr/>
-          <a:lstStyle/>
-          <a:p>
-            <a:fld id="{4AF79E1B-2C51-4B9B-8EA4-26DE9E345AFF}" type="slidenum">
-              <a:rPr lang="en-US" smtClean="0"/>
-              <a:t>50</a:t>
-            </a:fld>
-            <a:endParaRPr lang="en-US"/>
-          </a:p>
-        </p:txBody>
-      </p:sp>
-    </p:spTree>
-    <p:extLst>
-      <p:ext uri="{BB962C8B-B14F-4D97-AF65-F5344CB8AC3E}">
-        <p14:creationId xmlns:p14="http://schemas.microsoft.com/office/powerpoint/2010/main" val="1682245509"/>
       </p:ext>
     </p:extLst>
   </p:cSld>
@@ -5224,18 +5141,7 @@
           <a:bodyPr/>
           <a:lstStyle/>
           <a:p>
-            <a:r>
-              <a:rPr lang="en-CA" dirty="0"/>
-              <a:t>We’re </a:t>
-            </a:r>
-            <a:r>
-              <a:rPr lang="en-CA" dirty="0" err="1"/>
-              <a:t>gonna</a:t>
-            </a:r>
-            <a:r>
-              <a:rPr lang="en-CA" dirty="0"/>
-              <a:t> touch on more threats to internal validity now. </a:t>
-            </a:r>
+            <a:endParaRPr lang="en-CA" dirty="0"/>
           </a:p>
         </p:txBody>
       </p:sp>
@@ -5615,7 +5521,7 @@
             <a:fld id="{0972D05C-DCFB-4BB6-B49C-AC126BF3ED2C}" type="datetimeFigureOut">
               <a:rPr lang="en-US" smtClean="0"/>
               <a:pPr/>
-              <a:t>3/21/2024</a:t>
+              <a:t>3/27/2024</a:t>
             </a:fld>
             <a:endParaRPr lang="en-US"/>
           </a:p>
@@ -5845,7 +5751,7 @@
             <a:fld id="{0972D05C-DCFB-4BB6-B49C-AC126BF3ED2C}" type="datetimeFigureOut">
               <a:rPr lang="en-US" smtClean="0"/>
               <a:pPr/>
-              <a:t>3/21/2024</a:t>
+              <a:t>3/27/2024</a:t>
             </a:fld>
             <a:endParaRPr lang="en-US"/>
           </a:p>
@@ -6027,7 +5933,7 @@
             <a:fld id="{0972D05C-DCFB-4BB6-B49C-AC126BF3ED2C}" type="datetimeFigureOut">
               <a:rPr lang="en-US" smtClean="0"/>
               <a:pPr/>
-              <a:t>3/21/2024</a:t>
+              <a:t>3/27/2024</a:t>
             </a:fld>
             <a:endParaRPr lang="en-US"/>
           </a:p>
@@ -6199,7 +6105,7 @@
             <a:fld id="{0972D05C-DCFB-4BB6-B49C-AC126BF3ED2C}" type="datetimeFigureOut">
               <a:rPr lang="en-US" smtClean="0"/>
               <a:pPr/>
-              <a:t>3/21/2024</a:t>
+              <a:t>3/27/2024</a:t>
             </a:fld>
             <a:endParaRPr lang="en-US"/>
           </a:p>
@@ -6455,7 +6361,7 @@
             <a:fld id="{0972D05C-DCFB-4BB6-B49C-AC126BF3ED2C}" type="datetimeFigureOut">
               <a:rPr lang="en-US" smtClean="0"/>
               <a:pPr/>
-              <a:t>3/21/2024</a:t>
+              <a:t>3/27/2024</a:t>
             </a:fld>
             <a:endParaRPr lang="en-US"/>
           </a:p>
@@ -6783,7 +6689,7 @@
             <a:fld id="{0972D05C-DCFB-4BB6-B49C-AC126BF3ED2C}" type="datetimeFigureOut">
               <a:rPr lang="en-US" smtClean="0"/>
               <a:pPr/>
-              <a:t>3/21/2024</a:t>
+              <a:t>3/27/2024</a:t>
             </a:fld>
             <a:endParaRPr lang="en-US"/>
           </a:p>
@@ -7236,7 +7142,7 @@
             <a:fld id="{0972D05C-DCFB-4BB6-B49C-AC126BF3ED2C}" type="datetimeFigureOut">
               <a:rPr lang="en-US" smtClean="0"/>
               <a:pPr/>
-              <a:t>3/21/2024</a:t>
+              <a:t>3/27/2024</a:t>
             </a:fld>
             <a:endParaRPr lang="en-US"/>
           </a:p>
@@ -7356,7 +7262,7 @@
             <a:fld id="{0972D05C-DCFB-4BB6-B49C-AC126BF3ED2C}" type="datetimeFigureOut">
               <a:rPr lang="en-US" smtClean="0"/>
               <a:pPr/>
-              <a:t>3/21/2024</a:t>
+              <a:t>3/27/2024</a:t>
             </a:fld>
             <a:endParaRPr lang="en-US"/>
           </a:p>
@@ -7453,7 +7359,7 @@
             <a:fld id="{0972D05C-DCFB-4BB6-B49C-AC126BF3ED2C}" type="datetimeFigureOut">
               <a:rPr lang="en-US" smtClean="0"/>
               <a:pPr/>
-              <a:t>3/21/2024</a:t>
+              <a:t>3/27/2024</a:t>
             </a:fld>
             <a:endParaRPr lang="en-US"/>
           </a:p>
@@ -7742,7 +7648,7 @@
             <a:fld id="{0972D05C-DCFB-4BB6-B49C-AC126BF3ED2C}" type="datetimeFigureOut">
               <a:rPr lang="en-US" smtClean="0"/>
               <a:pPr/>
-              <a:t>3/21/2024</a:t>
+              <a:t>3/27/2024</a:t>
             </a:fld>
             <a:endParaRPr lang="en-US"/>
           </a:p>
@@ -8066,7 +7972,7 @@
             <a:fld id="{0972D05C-DCFB-4BB6-B49C-AC126BF3ED2C}" type="datetimeFigureOut">
               <a:rPr lang="en-US" smtClean="0"/>
               <a:pPr/>
-              <a:t>3/21/2024</a:t>
+              <a:t>3/27/2024</a:t>
             </a:fld>
             <a:endParaRPr lang="en-US"/>
           </a:p>
@@ -8321,7 +8227,7 @@
             <a:fld id="{0972D05C-DCFB-4BB6-B49C-AC126BF3ED2C}" type="datetimeFigureOut">
               <a:rPr lang="en-US" smtClean="0"/>
               <a:pPr/>
-              <a:t>3/21/2024</a:t>
+              <a:t>3/27/2024</a:t>
             </a:fld>
             <a:endParaRPr lang="en-US" dirty="0"/>
           </a:p>
@@ -8824,8 +8730,8 @@
         </p:nvSpPr>
         <p:spPr>
           <a:xfrm>
-            <a:off x="1981200" y="2209800"/>
-            <a:ext cx="9525000" cy="1894362"/>
+            <a:off x="1219200" y="2209800"/>
+            <a:ext cx="10287000" cy="1894362"/>
           </a:xfrm>
         </p:spPr>
         <p:txBody>
@@ -8853,8 +8759,8 @@
         </p:nvSpPr>
         <p:spPr>
           <a:xfrm>
-            <a:off x="2057400" y="4191000"/>
-            <a:ext cx="9296400" cy="1981200"/>
+            <a:off x="1219200" y="4191000"/>
+            <a:ext cx="10134600" cy="1981200"/>
           </a:xfrm>
         </p:spPr>
         <p:txBody>
@@ -8865,13 +8771,13 @@
           <a:p>
             <a:r>
               <a:rPr lang="en-US" sz="2400" dirty="0"/>
-              <a:t>Lecture 9: Introduction to Causal Inference and Matching</a:t>
+              <a:t>Lecture 10: Applications of Regression II (Survival Analysis + Mixed Methods)</a:t>
             </a:r>
           </a:p>
           <a:p>
             <a:r>
               <a:rPr lang="en-US" sz="2400" dirty="0"/>
-              <a:t>March 20, 2024</a:t>
+              <a:t>March 27, 2024</a:t>
             </a:r>
           </a:p>
           <a:p>
@@ -9970,8 +9876,8 @@
           </a:p>
         </p:txBody>
       </p:sp>
-      <mc:AlternateContent xmlns:mc="http://schemas.openxmlformats.org/markup-compatibility/2006">
-        <mc:Choice xmlns:a14="http://schemas.microsoft.com/office/drawing/2010/main" Requires="a14">
+      <mc:AlternateContent xmlns:mc="http://schemas.openxmlformats.org/markup-compatibility/2006" xmlns:a14="http://schemas.microsoft.com/office/drawing/2010/main">
+        <mc:Choice Requires="a14">
           <p:sp>
             <p:nvSpPr>
               <p:cNvPr id="3" name="Content Placeholder 2"/>
@@ -10401,7 +10307,7 @@
             </p:txBody>
           </p:sp>
         </mc:Choice>
-        <mc:Fallback>
+        <mc:Fallback xmlns="">
           <p:sp>
             <p:nvSpPr>
               <p:cNvPr id="3" name="Content Placeholder 2"/>
@@ -10504,8 +10410,8 @@
           </a:p>
         </p:txBody>
       </p:sp>
-      <mc:AlternateContent xmlns:mc="http://schemas.openxmlformats.org/markup-compatibility/2006">
-        <mc:Choice xmlns:a14="http://schemas.microsoft.com/office/drawing/2010/main" Requires="a14">
+      <mc:AlternateContent xmlns:mc="http://schemas.openxmlformats.org/markup-compatibility/2006" xmlns:a14="http://schemas.microsoft.com/office/drawing/2010/main">
+        <mc:Choice Requires="a14">
           <p:sp>
             <p:nvSpPr>
               <p:cNvPr id="3" name="Content Placeholder 2"/>
@@ -10570,7 +10476,7 @@
             </p:txBody>
           </p:sp>
         </mc:Choice>
-        <mc:Fallback>
+        <mc:Fallback xmlns="">
           <p:sp>
             <p:nvSpPr>
               <p:cNvPr id="3" name="Content Placeholder 2"/>
@@ -11013,8 +10919,8 @@
           </a:p>
         </p:txBody>
       </p:sp>
-      <mc:AlternateContent xmlns:mc="http://schemas.openxmlformats.org/markup-compatibility/2006">
-        <mc:Choice xmlns:a14="http://schemas.microsoft.com/office/drawing/2010/main" Requires="a14">
+      <mc:AlternateContent xmlns:mc="http://schemas.openxmlformats.org/markup-compatibility/2006" xmlns:a14="http://schemas.microsoft.com/office/drawing/2010/main">
+        <mc:Choice Requires="a14">
           <p:sp>
             <p:nvSpPr>
               <p:cNvPr id="3" name="Content Placeholder 2"/>
@@ -11079,7 +10985,7 @@
             </p:txBody>
           </p:sp>
         </mc:Choice>
-        <mc:Fallback>
+        <mc:Fallback xmlns="">
           <p:sp>
             <p:nvSpPr>
               <p:cNvPr id="3" name="Content Placeholder 2"/>
@@ -11212,8 +11118,8 @@
           </a:p>
         </p:txBody>
       </p:sp>
-      <mc:AlternateContent xmlns:mc="http://schemas.openxmlformats.org/markup-compatibility/2006">
-        <mc:Choice xmlns:a14="http://schemas.microsoft.com/office/drawing/2010/main" Requires="a14">
+      <mc:AlternateContent xmlns:mc="http://schemas.openxmlformats.org/markup-compatibility/2006" xmlns:a14="http://schemas.microsoft.com/office/drawing/2010/main">
+        <mc:Choice Requires="a14">
           <p:sp>
             <p:nvSpPr>
               <p:cNvPr id="3" name="Content Placeholder 2"/>
@@ -11304,7 +11210,7 @@
             </p:txBody>
           </p:sp>
         </mc:Choice>
-        <mc:Fallback>
+        <mc:Fallback xmlns="">
           <p:sp>
             <p:nvSpPr>
               <p:cNvPr id="3" name="Content Placeholder 2"/>
@@ -11407,8 +11313,8 @@
           </a:p>
         </p:txBody>
       </p:sp>
-      <mc:AlternateContent xmlns:mc="http://schemas.openxmlformats.org/markup-compatibility/2006">
-        <mc:Choice xmlns:a14="http://schemas.microsoft.com/office/drawing/2010/main" Requires="a14">
+      <mc:AlternateContent xmlns:mc="http://schemas.openxmlformats.org/markup-compatibility/2006" xmlns:a14="http://schemas.microsoft.com/office/drawing/2010/main">
+        <mc:Choice Requires="a14">
           <p:sp>
             <p:nvSpPr>
               <p:cNvPr id="3" name="Content Placeholder 2"/>
@@ -11512,7 +11418,7 @@
             </p:txBody>
           </p:sp>
         </mc:Choice>
-        <mc:Fallback>
+        <mc:Fallback xmlns="">
           <p:sp>
             <p:nvSpPr>
               <p:cNvPr id="3" name="Content Placeholder 2"/>
@@ -12402,8 +12308,8 @@
           </a:p>
         </p:txBody>
       </p:sp>
-      <mc:AlternateContent xmlns:mc="http://schemas.openxmlformats.org/markup-compatibility/2006">
-        <mc:Choice xmlns:a14="http://schemas.microsoft.com/office/drawing/2010/main" Requires="a14">
+      <mc:AlternateContent xmlns:mc="http://schemas.openxmlformats.org/markup-compatibility/2006" xmlns:a14="http://schemas.microsoft.com/office/drawing/2010/main">
+        <mc:Choice Requires="a14">
           <p:sp>
             <p:nvSpPr>
               <p:cNvPr id="3" name="Content Placeholder 2"/>
@@ -12520,7 +12426,7 @@
             </p:txBody>
           </p:sp>
         </mc:Choice>
-        <mc:Fallback>
+        <mc:Fallback xmlns="">
           <p:sp>
             <p:nvSpPr>
               <p:cNvPr id="3" name="Content Placeholder 2"/>
@@ -12794,8 +12700,8 @@
           </a:p>
         </p:txBody>
       </p:sp>
-      <mc:AlternateContent xmlns:mc="http://schemas.openxmlformats.org/markup-compatibility/2006">
-        <mc:Choice xmlns:a14="http://schemas.microsoft.com/office/drawing/2010/main" Requires="a14">
+      <mc:AlternateContent xmlns:mc="http://schemas.openxmlformats.org/markup-compatibility/2006" xmlns:a14="http://schemas.microsoft.com/office/drawing/2010/main">
+        <mc:Choice Requires="a14">
           <p:sp>
             <p:nvSpPr>
               <p:cNvPr id="3" name="Content Placeholder 2"/>
@@ -12882,7 +12788,7 @@
             </p:txBody>
           </p:sp>
         </mc:Choice>
-        <mc:Fallback>
+        <mc:Fallback xmlns="">
           <p:sp>
             <p:nvSpPr>
               <p:cNvPr id="3" name="Content Placeholder 2"/>
@@ -13352,340 +13258,6 @@
       </p:grpSpPr>
       <p:sp>
         <p:nvSpPr>
-          <p:cNvPr id="5" name="Content Placeholder 4">
-            <a:extLst>
-              <a:ext uri="{FF2B5EF4-FFF2-40B4-BE49-F238E27FC236}">
-                <a16:creationId xmlns:a16="http://schemas.microsoft.com/office/drawing/2014/main" id="{02C067E7-55F1-3ED8-0262-CE9D862A4DF9}"/>
-              </a:ext>
-            </a:extLst>
-          </p:cNvPr>
-          <p:cNvSpPr>
-            <a:spLocks noGrp="1"/>
-          </p:cNvSpPr>
-          <p:nvPr>
-            <p:ph idx="1"/>
-          </p:nvPr>
-        </p:nvSpPr>
-        <p:spPr/>
-        <p:txBody>
-          <a:bodyPr/>
-          <a:lstStyle/>
-          <a:p>
-            <a:endParaRPr lang="en-US"/>
-          </a:p>
-        </p:txBody>
-      </p:sp>
-      <p:sp>
-        <p:nvSpPr>
-          <p:cNvPr id="7" name="Title 6">
-            <a:extLst>
-              <a:ext uri="{FF2B5EF4-FFF2-40B4-BE49-F238E27FC236}">
-                <a16:creationId xmlns:a16="http://schemas.microsoft.com/office/drawing/2014/main" id="{8ADA244E-A34B-8AAB-17F3-8D2064FD47B2}"/>
-              </a:ext>
-            </a:extLst>
-          </p:cNvPr>
-          <p:cNvSpPr>
-            <a:spLocks noGrp="1"/>
-          </p:cNvSpPr>
-          <p:nvPr>
-            <p:ph type="title"/>
-          </p:nvPr>
-        </p:nvSpPr>
-        <p:spPr/>
-        <p:txBody>
-          <a:bodyPr/>
-          <a:lstStyle/>
-          <a:p>
-            <a:endParaRPr lang="en-US"/>
-          </a:p>
-        </p:txBody>
-      </p:sp>
-      <p:sp>
-        <p:nvSpPr>
-          <p:cNvPr id="9" name="TextBox 8">
-            <a:extLst>
-              <a:ext uri="{FF2B5EF4-FFF2-40B4-BE49-F238E27FC236}">
-                <a16:creationId xmlns:a16="http://schemas.microsoft.com/office/drawing/2014/main" id="{4FEDFF1D-03BA-F782-6DBC-CB9E5166D1C1}"/>
-              </a:ext>
-            </a:extLst>
-          </p:cNvPr>
-          <p:cNvSpPr txBox="1"/>
-          <p:nvPr/>
-        </p:nvSpPr>
-        <p:spPr>
-          <a:xfrm>
-            <a:off x="-2971800" y="-5863144"/>
-            <a:ext cx="13792199" cy="11726287"/>
-          </a:xfrm>
-          <a:prstGeom prst="rect">
-            <a:avLst/>
-          </a:prstGeom>
-          <a:noFill/>
-        </p:spPr>
-        <p:txBody>
-          <a:bodyPr wrap="square">
-            <a:spAutoFit/>
-          </a:bodyPr>
-          <a:lstStyle/>
-          <a:p>
-            <a:r>
-              <a:rPr lang="en-US" dirty="0"/>
-              <a:t>**Slide 9: Data Analysis**</a:t>
-            </a:r>
-          </a:p>
-          <a:p>
-            <a:r>
-              <a:rPr lang="en-US" dirty="0"/>
-              <a:t>- Quantitative analysis:</a:t>
-            </a:r>
-          </a:p>
-          <a:p>
-            <a:r>
-              <a:rPr lang="en-US" dirty="0"/>
-              <a:t>  - Statistical methods (e.g., regression analysis)</a:t>
-            </a:r>
-          </a:p>
-          <a:p>
-            <a:r>
-              <a:rPr lang="en-US" dirty="0"/>
-              <a:t>- Qualitative analysis:</a:t>
-            </a:r>
-          </a:p>
-          <a:p>
-            <a:r>
-              <a:rPr lang="en-US" dirty="0"/>
-              <a:t>  - Thematic analysis</a:t>
-            </a:r>
-          </a:p>
-          <a:p>
-            <a:r>
-              <a:rPr lang="en-US" dirty="0"/>
-              <a:t>  - Grounded theory</a:t>
-            </a:r>
-          </a:p>
-          <a:p>
-            <a:r>
-              <a:rPr lang="en-US" dirty="0"/>
-              <a:t>  - Content analysis</a:t>
-            </a:r>
-          </a:p>
-          <a:p>
-            <a:endParaRPr lang="en-US" dirty="0"/>
-          </a:p>
-          <a:p>
-            <a:r>
-              <a:rPr lang="en-US" dirty="0"/>
-              <a:t>**Slide 10: Triangulation**</a:t>
-            </a:r>
-          </a:p>
-          <a:p>
-            <a:r>
-              <a:rPr lang="en-US" dirty="0"/>
-              <a:t>- Definition: the use of multiple methods to corroborate findings</a:t>
-            </a:r>
-          </a:p>
-          <a:p>
-            <a:r>
-              <a:rPr lang="en-US" dirty="0"/>
-              <a:t>- Types of triangulation:</a:t>
-            </a:r>
-          </a:p>
-          <a:p>
-            <a:r>
-              <a:rPr lang="en-US" dirty="0"/>
-              <a:t>  - Data triangulation</a:t>
-            </a:r>
-          </a:p>
-          <a:p>
-            <a:r>
-              <a:rPr lang="en-US" dirty="0"/>
-              <a:t>  - Investigator triangulation</a:t>
-            </a:r>
-          </a:p>
-          <a:p>
-            <a:r>
-              <a:rPr lang="en-US" dirty="0"/>
-              <a:t>  - Methodological triangulation</a:t>
-            </a:r>
-          </a:p>
-          <a:p>
-            <a:endParaRPr lang="en-US" dirty="0"/>
-          </a:p>
-          <a:p>
-            <a:r>
-              <a:rPr lang="en-US" dirty="0"/>
-              <a:t>**Slide 11: Challenges in Mixed Methods Research**</a:t>
-            </a:r>
-          </a:p>
-          <a:p>
-            <a:r>
-              <a:rPr lang="en-US" dirty="0"/>
-              <a:t>- Integration of quantitative and qualitative data</a:t>
-            </a:r>
-          </a:p>
-          <a:p>
-            <a:r>
-              <a:rPr lang="en-US" dirty="0"/>
-              <a:t>- Time and resource-intensive</a:t>
-            </a:r>
-          </a:p>
-          <a:p>
-            <a:r>
-              <a:rPr lang="en-US" dirty="0"/>
-              <a:t>- Ensuring validity and reliability across methods</a:t>
-            </a:r>
-          </a:p>
-          <a:p>
-            <a:endParaRPr lang="en-US" dirty="0"/>
-          </a:p>
-          <a:p>
-            <a:r>
-              <a:rPr lang="en-US" dirty="0"/>
-              <a:t>**Slide 12: Ethical Considerations**</a:t>
-            </a:r>
-          </a:p>
-          <a:p>
-            <a:r>
-              <a:rPr lang="en-US" dirty="0"/>
-              <a:t>- Informed consent for both quantitative and qualitative components</a:t>
-            </a:r>
-          </a:p>
-          <a:p>
-            <a:r>
-              <a:rPr lang="en-US" dirty="0"/>
-              <a:t>- Protection of participant confidentiality</a:t>
-            </a:r>
-          </a:p>
-          <a:p>
-            <a:r>
-              <a:rPr lang="en-US" dirty="0"/>
-              <a:t>- Ethical handling of sensitive data</a:t>
-            </a:r>
-          </a:p>
-          <a:p>
-            <a:endParaRPr lang="en-US" dirty="0"/>
-          </a:p>
-          <a:p>
-            <a:r>
-              <a:rPr lang="en-US" dirty="0"/>
-              <a:t>**Slide 13: Reporting and Dissemination**</a:t>
-            </a:r>
-          </a:p>
-          <a:p>
-            <a:r>
-              <a:rPr lang="en-US" dirty="0"/>
-              <a:t>- Importance of transparent reporting</a:t>
-            </a:r>
-          </a:p>
-          <a:p>
-            <a:r>
-              <a:rPr lang="en-US" dirty="0"/>
-              <a:t>- Integration of quantitative and qualitative findings in dissemination efforts</a:t>
-            </a:r>
-          </a:p>
-          <a:p>
-            <a:r>
-              <a:rPr lang="en-US" dirty="0"/>
-              <a:t>- Publication guidelines for mixed methods research</a:t>
-            </a:r>
-          </a:p>
-          <a:p>
-            <a:endParaRPr lang="en-US" dirty="0"/>
-          </a:p>
-          <a:p>
-            <a:r>
-              <a:rPr lang="en-US" dirty="0"/>
-              <a:t>**Slide 14: Examples of Successful Mixed Methods Studies in Health Systems Research**</a:t>
-            </a:r>
-          </a:p>
-          <a:p>
-            <a:r>
-              <a:rPr lang="en-US" dirty="0"/>
-              <a:t>- Highlight a few notable studies and their impact on healthcare policy and practice</a:t>
-            </a:r>
-          </a:p>
-          <a:p>
-            <a:endParaRPr lang="en-US" dirty="0"/>
-          </a:p>
-          <a:p>
-            <a:r>
-              <a:rPr lang="en-US" dirty="0"/>
-              <a:t>**Slide 15: Future Directions**</a:t>
-            </a:r>
-          </a:p>
-          <a:p>
-            <a:r>
-              <a:rPr lang="en-US" dirty="0"/>
-              <a:t>- Advancements in mixed methods research methodologies</a:t>
-            </a:r>
-          </a:p>
-          <a:p>
-            <a:r>
-              <a:rPr lang="en-US" dirty="0"/>
-              <a:t>- Integration of technology in data collection and analysis</a:t>
-            </a:r>
-          </a:p>
-          <a:p>
-            <a:r>
-              <a:rPr lang="en-US" dirty="0"/>
-              <a:t>- Importance of interdisciplinary collaboration</a:t>
-            </a:r>
-          </a:p>
-          <a:p>
-            <a:endParaRPr lang="en-US" dirty="0"/>
-          </a:p>
-          <a:p>
-            <a:r>
-              <a:rPr lang="en-US" dirty="0"/>
-              <a:t>**Slide 16: Conclusion**</a:t>
-            </a:r>
-          </a:p>
-          <a:p>
-            <a:r>
-              <a:rPr lang="en-US" dirty="0"/>
-              <a:t>- Recap of the benefits of mixed methods in health systems research</a:t>
-            </a:r>
-          </a:p>
-          <a:p>
-            <a:r>
-              <a:rPr lang="en-US" dirty="0"/>
-              <a:t>- Encouragement for researchers to consider mixed methods approaches in future studies</a:t>
-            </a:r>
-          </a:p>
-        </p:txBody>
-      </p:sp>
-    </p:spTree>
-    <p:extLst>
-      <p:ext uri="{BB962C8B-B14F-4D97-AF65-F5344CB8AC3E}">
-        <p14:creationId xmlns:p14="http://schemas.microsoft.com/office/powerpoint/2010/main" val="3801388410"/>
-      </p:ext>
-    </p:extLst>
-  </p:cSld>
-  <p:clrMapOvr>
-    <a:masterClrMapping/>
-  </p:clrMapOvr>
-</p:sld>
-</file>
-
-<file path=ppt/slides/slide27.xml><?xml version="1.0" encoding="utf-8"?>
-<p:sld xmlns:a="http://schemas.openxmlformats.org/drawingml/2006/main" xmlns:r="http://schemas.openxmlformats.org/officeDocument/2006/relationships" xmlns:p="http://schemas.openxmlformats.org/presentationml/2006/main">
-  <p:cSld>
-    <p:spTree>
-      <p:nvGrpSpPr>
-        <p:cNvPr id="1" name=""/>
-        <p:cNvGrpSpPr/>
-        <p:nvPr/>
-      </p:nvGrpSpPr>
-      <p:grpSpPr>
-        <a:xfrm>
-          <a:off x="0" y="0"/>
-          <a:ext cx="0" cy="0"/>
-          <a:chOff x="0" y="0"/>
-          <a:chExt cx="0" cy="0"/>
-        </a:xfrm>
-      </p:grpSpPr>
-      <p:sp>
-        <p:nvSpPr>
           <p:cNvPr id="2" name="Title 1"/>
           <p:cNvSpPr>
             <a:spLocks noGrp="1"/>
@@ -13837,7 +13409,7 @@
 </p:sld>
 </file>
 
-<file path=ppt/slides/slide28.xml><?xml version="1.0" encoding="utf-8"?>
+<file path=ppt/slides/slide27.xml><?xml version="1.0" encoding="utf-8"?>
 <p:sld xmlns:a="http://schemas.openxmlformats.org/drawingml/2006/main" xmlns:r="http://schemas.openxmlformats.org/officeDocument/2006/relationships" xmlns:p="http://schemas.openxmlformats.org/presentationml/2006/main">
   <p:cSld>
     <p:spTree>
@@ -14067,6 +13639,154 @@
 </p:sld>
 </file>
 
+<file path=ppt/slides/slide28.xml><?xml version="1.0" encoding="utf-8"?>
+<p:sld xmlns:a="http://schemas.openxmlformats.org/drawingml/2006/main" xmlns:r="http://schemas.openxmlformats.org/officeDocument/2006/relationships" xmlns:p="http://schemas.openxmlformats.org/presentationml/2006/main">
+  <p:cSld>
+    <p:spTree>
+      <p:nvGrpSpPr>
+        <p:cNvPr id="1" name=""/>
+        <p:cNvGrpSpPr/>
+        <p:nvPr/>
+      </p:nvGrpSpPr>
+      <p:grpSpPr>
+        <a:xfrm>
+          <a:off x="0" y="0"/>
+          <a:ext cx="0" cy="0"/>
+          <a:chOff x="0" y="0"/>
+          <a:chExt cx="0" cy="0"/>
+        </a:xfrm>
+      </p:grpSpPr>
+      <p:sp>
+        <p:nvSpPr>
+          <p:cNvPr id="2" name="Title 1"/>
+          <p:cNvSpPr>
+            <a:spLocks noGrp="1"/>
+          </p:cNvSpPr>
+          <p:nvPr>
+            <p:ph type="title"/>
+          </p:nvPr>
+        </p:nvSpPr>
+        <p:spPr>
+          <a:xfrm>
+            <a:off x="609600" y="228600"/>
+            <a:ext cx="10439400" cy="624840"/>
+          </a:xfrm>
+        </p:spPr>
+        <p:txBody>
+          <a:bodyPr>
+            <a:noAutofit/>
+          </a:bodyPr>
+          <a:lstStyle/>
+          <a:p>
+            <a:r>
+              <a:rPr lang="en-US" sz="3600" dirty="0">
+                <a:cs typeface="Times New Roman" panose="02020603050405020304" pitchFamily="18" charset="0"/>
+              </a:rPr>
+              <a:t>Mixed Methods in Context</a:t>
+            </a:r>
+            <a:endParaRPr lang="en-US" sz="3600" dirty="0">
+              <a:latin typeface="Times New Roman" panose="02020603050405020304" pitchFamily="18" charset="0"/>
+              <a:cs typeface="Times New Roman" panose="02020603050405020304" pitchFamily="18" charset="0"/>
+            </a:endParaRPr>
+          </a:p>
+        </p:txBody>
+      </p:sp>
+      <p:sp>
+        <p:nvSpPr>
+          <p:cNvPr id="3" name="Content Placeholder 2"/>
+          <p:cNvSpPr>
+            <a:spLocks noGrp="1"/>
+          </p:cNvSpPr>
+          <p:nvPr>
+            <p:ph idx="1"/>
+          </p:nvPr>
+        </p:nvSpPr>
+        <p:spPr>
+          <a:xfrm>
+            <a:off x="304800" y="1066801"/>
+            <a:ext cx="10744201" cy="5141388"/>
+          </a:xfrm>
+        </p:spPr>
+        <p:txBody>
+          <a:bodyPr>
+            <a:noAutofit/>
+          </a:bodyPr>
+          <a:lstStyle/>
+          <a:p>
+            <a:pPr marL="274320" lvl="1" indent="0">
+              <a:buNone/>
+            </a:pPr>
+            <a:r>
+              <a:rPr lang="en-US" sz="2400" dirty="0">
+                <a:solidFill>
+                  <a:schemeClr val="tx2">
+                    <a:lumMod val="60000"/>
+                    <a:lumOff val="40000"/>
+                  </a:schemeClr>
+                </a:solidFill>
+                <a:cs typeface="Times New Roman" panose="02020603050405020304" pitchFamily="18" charset="0"/>
+              </a:rPr>
+              <a:t>Why should we care about this? (How is the study motivated?)</a:t>
+            </a:r>
+          </a:p>
+          <a:p>
+            <a:pPr marL="274320" lvl="1" indent="0">
+              <a:buNone/>
+            </a:pPr>
+            <a:endParaRPr lang="en-US" sz="2400" dirty="0">
+              <a:solidFill>
+                <a:schemeClr val="tx2">
+                  <a:lumMod val="60000"/>
+                  <a:lumOff val="40000"/>
+                </a:schemeClr>
+              </a:solidFill>
+              <a:cs typeface="Times New Roman" panose="02020603050405020304" pitchFamily="18" charset="0"/>
+            </a:endParaRPr>
+          </a:p>
+          <a:p>
+            <a:pPr marL="274320" lvl="1" indent="0">
+              <a:buNone/>
+            </a:pPr>
+            <a:r>
+              <a:rPr lang="en-US" sz="2400" dirty="0">
+                <a:solidFill>
+                  <a:schemeClr val="tx2">
+                    <a:lumMod val="60000"/>
+                    <a:lumOff val="40000"/>
+                  </a:schemeClr>
+                </a:solidFill>
+                <a:cs typeface="Times New Roman" panose="02020603050405020304" pitchFamily="18" charset="0"/>
+              </a:rPr>
+              <a:t>What’s the motivation for mixed methods research? </a:t>
+            </a:r>
+          </a:p>
+          <a:p>
+            <a:pPr lvl="1"/>
+            <a:endParaRPr lang="en-US" sz="2400" dirty="0">
+              <a:solidFill>
+                <a:schemeClr val="tx2">
+                  <a:lumMod val="60000"/>
+                  <a:lumOff val="40000"/>
+                </a:schemeClr>
+              </a:solidFill>
+              <a:cs typeface="Times New Roman" panose="02020603050405020304" pitchFamily="18" charset="0"/>
+            </a:endParaRPr>
+          </a:p>
+        </p:txBody>
+      </p:sp>
+    </p:spTree>
+    <p:extLst>
+      <p:ext uri="{BB962C8B-B14F-4D97-AF65-F5344CB8AC3E}">
+        <p14:creationId xmlns:p14="http://schemas.microsoft.com/office/powerpoint/2010/main" val="3900756467"/>
+      </p:ext>
+    </p:extLst>
+  </p:cSld>
+  <p:clrMapOvr>
+    <a:masterClrMapping/>
+  </p:clrMapOvr>
+</p:sld>
+</file>
+
 <file path=ppt/slides/slide29.xml><?xml version="1.0" encoding="utf-8"?>
 <p:sld xmlns:a="http://schemas.openxmlformats.org/drawingml/2006/main" xmlns:r="http://schemas.openxmlformats.org/officeDocument/2006/relationships" xmlns:p="http://schemas.openxmlformats.org/presentationml/2006/main">
   <p:cSld>
@@ -14158,15 +13878,67 @@
             </a:r>
           </a:p>
           <a:p>
-            <a:pPr marL="274320" lvl="1" indent="0">
-              <a:buNone/>
-            </a:pPr>
-            <a:endParaRPr lang="en-US" sz="2400" dirty="0">
+            <a:pPr lvl="1"/>
+            <a:r>
+              <a:rPr lang="en-US" sz="2400" dirty="0">
+                <a:solidFill>
+                  <a:schemeClr val="tx1"/>
+                </a:solidFill>
+                <a:cs typeface="Times New Roman" panose="02020603050405020304" pitchFamily="18" charset="0"/>
+              </a:rPr>
+              <a:t>Burnout can include substance use, insomnia, and depression</a:t>
+            </a:r>
+          </a:p>
+          <a:p>
+            <a:pPr lvl="1"/>
+            <a:r>
+              <a:rPr lang="en-US" sz="2400" dirty="0">
+                <a:solidFill>
+                  <a:schemeClr val="tx1"/>
+                </a:solidFill>
+                <a:cs typeface="Times New Roman" panose="02020603050405020304" pitchFamily="18" charset="0"/>
+              </a:rPr>
+              <a:t>Burnout can lead to poor patient outcomes, in some cases doubling the risk of medical error and increasing recovery times for hospitalized patients. </a:t>
+            </a:r>
+          </a:p>
+          <a:p>
+            <a:pPr lvl="1"/>
+            <a:r>
+              <a:rPr lang="en-US" sz="2400" dirty="0">
+                <a:solidFill>
+                  <a:schemeClr val="tx1"/>
+                </a:solidFill>
+                <a:cs typeface="Times New Roman" panose="02020603050405020304" pitchFamily="18" charset="0"/>
+              </a:rPr>
+              <a:t>Burnout also has broader consequences for health systems ($$$) as a contributor to reduced productivity and staff turnover.</a:t>
+            </a:r>
+          </a:p>
+          <a:p>
+            <a:pPr lvl="1"/>
+            <a:r>
+              <a:rPr lang="en-US" sz="2400" b="1" dirty="0">
+                <a:solidFill>
+                  <a:schemeClr val="tx1"/>
+                </a:solidFill>
+                <a:cs typeface="Times New Roman" panose="02020603050405020304" pitchFamily="18" charset="0"/>
+              </a:rPr>
+              <a:t>This study </a:t>
+            </a:r>
+            <a:r>
+              <a:rPr lang="en-US" sz="2400" dirty="0">
+                <a:solidFill>
+                  <a:schemeClr val="tx1"/>
+                </a:solidFill>
+                <a:cs typeface="Times New Roman" panose="02020603050405020304" pitchFamily="18" charset="0"/>
+              </a:rPr>
+              <a:t>moves beyond urban data to look at rural areas (why?)</a:t>
+            </a:r>
+          </a:p>
+          <a:p>
+            <a:pPr lvl="1"/>
+            <a:endParaRPr lang="en-US" sz="2400" b="1" dirty="0">
               <a:solidFill>
-                <a:schemeClr val="tx2">
-                  <a:lumMod val="60000"/>
-                  <a:lumOff val="40000"/>
-                </a:schemeClr>
+                <a:schemeClr val="tx1"/>
               </a:solidFill>
               <a:cs typeface="Times New Roman" panose="02020603050405020304" pitchFamily="18" charset="0"/>
             </a:endParaRPr>
@@ -14187,6 +13959,39 @@
               </a:rPr>
               <a:t>What’s the motivation for mixed methods research? </a:t>
             </a:r>
+            <a:endParaRPr lang="en-US" sz="2400" b="1" dirty="0">
+              <a:solidFill>
+                <a:schemeClr val="tx1"/>
+              </a:solidFill>
+              <a:cs typeface="Times New Roman" panose="02020603050405020304" pitchFamily="18" charset="0"/>
+            </a:endParaRPr>
+          </a:p>
+          <a:p>
+            <a:pPr marL="274320" lvl="1" indent="0">
+              <a:buNone/>
+            </a:pPr>
+            <a:r>
+              <a:rPr lang="en-US" sz="2400" b="1" dirty="0">
+                <a:solidFill>
+                  <a:schemeClr val="tx1"/>
+                </a:solidFill>
+                <a:cs typeface="Times New Roman" panose="02020603050405020304" pitchFamily="18" charset="0"/>
+              </a:rPr>
+              <a:t>“</a:t>
+            </a:r>
+            <a:r>
+              <a:rPr lang="en-US" sz="2400" dirty="0"/>
+              <a:t>Populations in rural and remote contexts are often small, yet the findings of research conducted in these settings remain important and should not be hindered by an inability to generate large statistical power.</a:t>
+            </a:r>
+            <a:r>
+              <a:rPr lang="en-US" sz="2400" b="1" dirty="0">
+                <a:solidFill>
+                  <a:schemeClr val="tx1"/>
+                </a:solidFill>
+                <a:cs typeface="Times New Roman" panose="02020603050405020304" pitchFamily="18" charset="0"/>
+              </a:rPr>
+              <a:t>”</a:t>
+            </a:r>
           </a:p>
           <a:p>
             <a:pPr lvl="1"/>
@@ -14205,7 +14010,7 @@
     </p:spTree>
     <p:extLst>
       <p:ext uri="{BB962C8B-B14F-4D97-AF65-F5344CB8AC3E}">
-        <p14:creationId xmlns:p14="http://schemas.microsoft.com/office/powerpoint/2010/main" val="3900756467"/>
+        <p14:creationId xmlns:p14="http://schemas.microsoft.com/office/powerpoint/2010/main" val="3347133308"/>
       </p:ext>
     </p:extLst>
   </p:cSld>
@@ -14319,239 +14124,6 @@
 </file>
 
 <file path=ppt/slides/slide30.xml><?xml version="1.0" encoding="utf-8"?>
-<p:sld xmlns:a="http://schemas.openxmlformats.org/drawingml/2006/main" xmlns:r="http://schemas.openxmlformats.org/officeDocument/2006/relationships" xmlns:p="http://schemas.openxmlformats.org/presentationml/2006/main">
-  <p:cSld>
-    <p:spTree>
-      <p:nvGrpSpPr>
-        <p:cNvPr id="1" name=""/>
-        <p:cNvGrpSpPr/>
-        <p:nvPr/>
-      </p:nvGrpSpPr>
-      <p:grpSpPr>
-        <a:xfrm>
-          <a:off x="0" y="0"/>
-          <a:ext cx="0" cy="0"/>
-          <a:chOff x="0" y="0"/>
-          <a:chExt cx="0" cy="0"/>
-        </a:xfrm>
-      </p:grpSpPr>
-      <p:sp>
-        <p:nvSpPr>
-          <p:cNvPr id="2" name="Title 1"/>
-          <p:cNvSpPr>
-            <a:spLocks noGrp="1"/>
-          </p:cNvSpPr>
-          <p:nvPr>
-            <p:ph type="title"/>
-          </p:nvPr>
-        </p:nvSpPr>
-        <p:spPr>
-          <a:xfrm>
-            <a:off x="609600" y="228600"/>
-            <a:ext cx="10439400" cy="624840"/>
-          </a:xfrm>
-        </p:spPr>
-        <p:txBody>
-          <a:bodyPr>
-            <a:noAutofit/>
-          </a:bodyPr>
-          <a:lstStyle/>
-          <a:p>
-            <a:r>
-              <a:rPr lang="en-US" sz="3600" dirty="0">
-                <a:cs typeface="Times New Roman" panose="02020603050405020304" pitchFamily="18" charset="0"/>
-              </a:rPr>
-              <a:t>Mixed Methods in Context</a:t>
-            </a:r>
-            <a:endParaRPr lang="en-US" sz="3600" dirty="0">
-              <a:latin typeface="Times New Roman" panose="02020603050405020304" pitchFamily="18" charset="0"/>
-              <a:cs typeface="Times New Roman" panose="02020603050405020304" pitchFamily="18" charset="0"/>
-            </a:endParaRPr>
-          </a:p>
-        </p:txBody>
-      </p:sp>
-      <p:sp>
-        <p:nvSpPr>
-          <p:cNvPr id="3" name="Content Placeholder 2"/>
-          <p:cNvSpPr>
-            <a:spLocks noGrp="1"/>
-          </p:cNvSpPr>
-          <p:nvPr>
-            <p:ph idx="1"/>
-          </p:nvPr>
-        </p:nvSpPr>
-        <p:spPr>
-          <a:xfrm>
-            <a:off x="304800" y="1066801"/>
-            <a:ext cx="10744201" cy="5141388"/>
-          </a:xfrm>
-        </p:spPr>
-        <p:txBody>
-          <a:bodyPr>
-            <a:noAutofit/>
-          </a:bodyPr>
-          <a:lstStyle/>
-          <a:p>
-            <a:pPr marL="274320" lvl="1" indent="0">
-              <a:buNone/>
-            </a:pPr>
-            <a:r>
-              <a:rPr lang="en-US" sz="2400" dirty="0">
-                <a:solidFill>
-                  <a:schemeClr val="tx2">
-                    <a:lumMod val="60000"/>
-                    <a:lumOff val="40000"/>
-                  </a:schemeClr>
-                </a:solidFill>
-                <a:cs typeface="Times New Roman" panose="02020603050405020304" pitchFamily="18" charset="0"/>
-              </a:rPr>
-              <a:t>Why should we care about this? (How is the study motivated?)</a:t>
-            </a:r>
-          </a:p>
-          <a:p>
-            <a:pPr lvl="1"/>
-            <a:r>
-              <a:rPr lang="en-US" sz="2400" dirty="0">
-                <a:solidFill>
-                  <a:schemeClr val="tx1"/>
-                </a:solidFill>
-                <a:cs typeface="Times New Roman" panose="02020603050405020304" pitchFamily="18" charset="0"/>
-              </a:rPr>
-              <a:t>Burnout can include substance use, insomnia, and depression</a:t>
-            </a:r>
-          </a:p>
-          <a:p>
-            <a:pPr lvl="1"/>
-            <a:r>
-              <a:rPr lang="en-US" sz="2400" dirty="0">
-                <a:solidFill>
-                  <a:schemeClr val="tx1"/>
-                </a:solidFill>
-                <a:cs typeface="Times New Roman" panose="02020603050405020304" pitchFamily="18" charset="0"/>
-              </a:rPr>
-              <a:t>Burnout can lead to poor patient outcomes, in some cases doubling the risk of medical error and increasing recovery times for hospitalized patients. </a:t>
-            </a:r>
-          </a:p>
-          <a:p>
-            <a:pPr lvl="1"/>
-            <a:r>
-              <a:rPr lang="en-US" sz="2400" dirty="0">
-                <a:solidFill>
-                  <a:schemeClr val="tx1"/>
-                </a:solidFill>
-                <a:cs typeface="Times New Roman" panose="02020603050405020304" pitchFamily="18" charset="0"/>
-              </a:rPr>
-              <a:t>Burnout also has broader consequences for health systems ($$$) as a contributor to reduced productivity and staff turnover.</a:t>
-            </a:r>
-          </a:p>
-          <a:p>
-            <a:pPr lvl="1"/>
-            <a:r>
-              <a:rPr lang="en-US" sz="2400" b="1" dirty="0">
-                <a:solidFill>
-                  <a:schemeClr val="tx1"/>
-                </a:solidFill>
-                <a:cs typeface="Times New Roman" panose="02020603050405020304" pitchFamily="18" charset="0"/>
-              </a:rPr>
-              <a:t>This study </a:t>
-            </a:r>
-            <a:r>
-              <a:rPr lang="en-US" sz="2400" dirty="0">
-                <a:solidFill>
-                  <a:schemeClr val="tx1"/>
-                </a:solidFill>
-                <a:cs typeface="Times New Roman" panose="02020603050405020304" pitchFamily="18" charset="0"/>
-              </a:rPr>
-              <a:t>moves beyond urban data to look at rural areas (why?)</a:t>
-            </a:r>
-          </a:p>
-          <a:p>
-            <a:pPr lvl="1"/>
-            <a:endParaRPr lang="en-US" sz="2400" b="1" dirty="0">
-              <a:solidFill>
-                <a:schemeClr val="tx1"/>
-              </a:solidFill>
-              <a:cs typeface="Times New Roman" panose="02020603050405020304" pitchFamily="18" charset="0"/>
-            </a:endParaRPr>
-          </a:p>
-          <a:p>
-            <a:pPr marL="274320" lvl="1" indent="0">
-              <a:buNone/>
-            </a:pPr>
-            <a:r>
-              <a:rPr lang="en-US" sz="2400" dirty="0">
-                <a:solidFill>
-                  <a:schemeClr val="tx2">
-                    <a:lumMod val="60000"/>
-                    <a:lumOff val="40000"/>
-                  </a:schemeClr>
-                </a:solidFill>
-                <a:cs typeface="Times New Roman" panose="02020603050405020304" pitchFamily="18" charset="0"/>
-              </a:rPr>
-              <a:t>What’s the motivation for mixed methods research? </a:t>
-            </a:r>
-            <a:endParaRPr lang="en-US" sz="2400" b="1" dirty="0">
-              <a:solidFill>
-                <a:schemeClr val="tx1"/>
-              </a:solidFill>
-              <a:cs typeface="Times New Roman" panose="02020603050405020304" pitchFamily="18" charset="0"/>
-            </a:endParaRPr>
-          </a:p>
-          <a:p>
-            <a:pPr marL="274320" lvl="1" indent="0">
-              <a:buNone/>
-            </a:pPr>
-            <a:r>
-              <a:rPr lang="en-US" sz="2400" b="1" dirty="0">
-                <a:solidFill>
-                  <a:schemeClr val="tx1"/>
-                </a:solidFill>
-                <a:cs typeface="Times New Roman" panose="02020603050405020304" pitchFamily="18" charset="0"/>
-              </a:rPr>
-              <a:t>“</a:t>
-            </a:r>
-            <a:r>
-              <a:rPr lang="en-US" sz="2400" dirty="0"/>
-              <a:t>Populations in rural and remote contexts are often small, yet the findings of research conducted in these settings remain important and should not be hindered by an inability to generate large statistical power.</a:t>
-            </a:r>
-            <a:r>
-              <a:rPr lang="en-US" sz="2400" b="1" dirty="0">
-                <a:solidFill>
-                  <a:schemeClr val="tx1"/>
-                </a:solidFill>
-                <a:cs typeface="Times New Roman" panose="02020603050405020304" pitchFamily="18" charset="0"/>
-              </a:rPr>
-              <a:t>”</a:t>
-            </a:r>
-          </a:p>
-          <a:p>
-            <a:pPr lvl="1"/>
-            <a:endParaRPr lang="en-US" sz="2400" dirty="0">
-              <a:solidFill>
-                <a:schemeClr val="tx2">
-                  <a:lumMod val="60000"/>
-                  <a:lumOff val="40000"/>
-                </a:schemeClr>
-              </a:solidFill>
-              <a:cs typeface="Times New Roman" panose="02020603050405020304" pitchFamily="18" charset="0"/>
-            </a:endParaRPr>
-          </a:p>
-        </p:txBody>
-      </p:sp>
-    </p:spTree>
-    <p:extLst>
-      <p:ext uri="{BB962C8B-B14F-4D97-AF65-F5344CB8AC3E}">
-        <p14:creationId xmlns:p14="http://schemas.microsoft.com/office/powerpoint/2010/main" val="3347133308"/>
-      </p:ext>
-    </p:extLst>
-  </p:cSld>
-  <p:clrMapOvr>
-    <a:masterClrMapping/>
-  </p:clrMapOvr>
-</p:sld>
-</file>
-
-<file path=ppt/slides/slide31.xml><?xml version="1.0" encoding="utf-8"?>
 <p:sld xmlns:a="http://schemas.openxmlformats.org/drawingml/2006/main" xmlns:r="http://schemas.openxmlformats.org/officeDocument/2006/relationships" xmlns:p="http://schemas.openxmlformats.org/presentationml/2006/main">
   <p:cSld>
     <p:spTree>
@@ -14687,7 +14259,7 @@
 </p:sld>
 </file>
 
-<file path=ppt/slides/slide32.xml><?xml version="1.0" encoding="utf-8"?>
+<file path=ppt/slides/slide31.xml><?xml version="1.0" encoding="utf-8"?>
 <p:sld xmlns:a="http://schemas.openxmlformats.org/drawingml/2006/main" xmlns:r="http://schemas.openxmlformats.org/officeDocument/2006/relationships" xmlns:p="http://schemas.openxmlformats.org/presentationml/2006/main">
   <p:cSld>
     <p:spTree>
@@ -14862,6 +14434,152 @@
 </p:sld>
 </file>
 
+<file path=ppt/slides/slide32.xml><?xml version="1.0" encoding="utf-8"?>
+<p:sld xmlns:a="http://schemas.openxmlformats.org/drawingml/2006/main" xmlns:r="http://schemas.openxmlformats.org/officeDocument/2006/relationships" xmlns:p="http://schemas.openxmlformats.org/presentationml/2006/main">
+  <p:cSld>
+    <p:spTree>
+      <p:nvGrpSpPr>
+        <p:cNvPr id="1" name=""/>
+        <p:cNvGrpSpPr/>
+        <p:nvPr/>
+      </p:nvGrpSpPr>
+      <p:grpSpPr>
+        <a:xfrm>
+          <a:off x="0" y="0"/>
+          <a:ext cx="0" cy="0"/>
+          <a:chOff x="0" y="0"/>
+          <a:chExt cx="0" cy="0"/>
+        </a:xfrm>
+      </p:grpSpPr>
+      <p:sp>
+        <p:nvSpPr>
+          <p:cNvPr id="2" name="Title 1"/>
+          <p:cNvSpPr>
+            <a:spLocks noGrp="1"/>
+          </p:cNvSpPr>
+          <p:nvPr>
+            <p:ph type="title"/>
+          </p:nvPr>
+        </p:nvSpPr>
+        <p:spPr>
+          <a:xfrm>
+            <a:off x="609600" y="228600"/>
+            <a:ext cx="10439400" cy="624840"/>
+          </a:xfrm>
+        </p:spPr>
+        <p:txBody>
+          <a:bodyPr>
+            <a:noAutofit/>
+          </a:bodyPr>
+          <a:lstStyle/>
+          <a:p>
+            <a:r>
+              <a:rPr lang="en-US" sz="3600" dirty="0">
+                <a:cs typeface="Times New Roman" panose="02020603050405020304" pitchFamily="18" charset="0"/>
+              </a:rPr>
+              <a:t>How do we design a mixed methods study?</a:t>
+            </a:r>
+            <a:endParaRPr lang="en-US" sz="3600" dirty="0">
+              <a:latin typeface="Times New Roman" panose="02020603050405020304" pitchFamily="18" charset="0"/>
+              <a:cs typeface="Times New Roman" panose="02020603050405020304" pitchFamily="18" charset="0"/>
+            </a:endParaRPr>
+          </a:p>
+        </p:txBody>
+      </p:sp>
+      <p:sp>
+        <p:nvSpPr>
+          <p:cNvPr id="3" name="Content Placeholder 2"/>
+          <p:cNvSpPr>
+            <a:spLocks noGrp="1"/>
+          </p:cNvSpPr>
+          <p:nvPr>
+            <p:ph idx="1"/>
+          </p:nvPr>
+        </p:nvSpPr>
+        <p:spPr>
+          <a:xfrm>
+            <a:off x="609601" y="1066801"/>
+            <a:ext cx="10439400" cy="5141388"/>
+          </a:xfrm>
+        </p:spPr>
+        <p:txBody>
+          <a:bodyPr>
+            <a:noAutofit/>
+          </a:bodyPr>
+          <a:lstStyle/>
+          <a:p>
+            <a:pPr marL="0" indent="0">
+              <a:buNone/>
+            </a:pPr>
+            <a:r>
+              <a:rPr lang="en-US" sz="2800" dirty="0"/>
+              <a:t>Need two types of data: </a:t>
+            </a:r>
+          </a:p>
+          <a:p>
+            <a:pPr marL="514350" indent="-514350">
+              <a:buAutoNum type="arabicPeriod"/>
+            </a:pPr>
+            <a:r>
+              <a:rPr lang="en-US" sz="2800" dirty="0"/>
+              <a:t>Sequential design: </a:t>
+            </a:r>
+          </a:p>
+          <a:p>
+            <a:pPr lvl="1"/>
+            <a:r>
+              <a:rPr lang="en-US" sz="2600" dirty="0"/>
+              <a:t>Quantitative data collected first, followed by qualitative data</a:t>
+            </a:r>
+          </a:p>
+          <a:p>
+            <a:pPr marL="514350" indent="-514350">
+              <a:buFont typeface="+mj-lt"/>
+              <a:buAutoNum type="arabicPeriod"/>
+            </a:pPr>
+            <a:r>
+              <a:rPr lang="en-US" sz="2800" dirty="0"/>
+              <a:t>Concurrent design: </a:t>
+            </a:r>
+          </a:p>
+          <a:p>
+            <a:pPr lvl="1"/>
+            <a:r>
+              <a:rPr lang="en-US" sz="2600" dirty="0"/>
+              <a:t>Both quantitative and qualitative data collected simultaneously</a:t>
+            </a:r>
+          </a:p>
+          <a:p>
+            <a:pPr marL="0" indent="0">
+              <a:buNone/>
+            </a:pPr>
+            <a:r>
+              <a:rPr lang="en-US" sz="2800" dirty="0"/>
+              <a:t>3. Transformative design: (responsive)</a:t>
+            </a:r>
+          </a:p>
+          <a:p>
+            <a:pPr lvl="1"/>
+            <a:r>
+              <a:rPr lang="en-US" sz="2600" dirty="0"/>
+              <a:t>Integrates quantitative and qualitative data throughout the research process</a:t>
+            </a:r>
+          </a:p>
+        </p:txBody>
+      </p:sp>
+    </p:spTree>
+    <p:extLst>
+      <p:ext uri="{BB962C8B-B14F-4D97-AF65-F5344CB8AC3E}">
+        <p14:creationId xmlns:p14="http://schemas.microsoft.com/office/powerpoint/2010/main" val="1754695007"/>
+      </p:ext>
+    </p:extLst>
+  </p:cSld>
+  <p:clrMapOvr>
+    <a:masterClrMapping/>
+  </p:clrMapOvr>
+</p:sld>
+</file>
+
 <file path=ppt/slides/slide33.xml><?xml version="1.0" encoding="utf-8"?>
 <p:sld xmlns:a="http://schemas.openxmlformats.org/drawingml/2006/main" xmlns:r="http://schemas.openxmlformats.org/officeDocument/2006/relationships" xmlns:p="http://schemas.openxmlformats.org/presentationml/2006/main">
   <p:cSld>
@@ -14949,152 +14667,6 @@
               <a:buAutoNum type="arabicPeriod"/>
             </a:pPr>
             <a:r>
-              <a:rPr lang="en-US" sz="2800" dirty="0"/>
-              <a:t>Sequential design: </a:t>
-            </a:r>
-          </a:p>
-          <a:p>
-            <a:pPr lvl="1"/>
-            <a:r>
-              <a:rPr lang="en-US" sz="2600" dirty="0"/>
-              <a:t>Quantitative data collected first, followed by qualitative data</a:t>
-            </a:r>
-          </a:p>
-          <a:p>
-            <a:pPr marL="514350" indent="-514350">
-              <a:buFont typeface="+mj-lt"/>
-              <a:buAutoNum type="arabicPeriod"/>
-            </a:pPr>
-            <a:r>
-              <a:rPr lang="en-US" sz="2800" dirty="0"/>
-              <a:t>Concurrent design: </a:t>
-            </a:r>
-          </a:p>
-          <a:p>
-            <a:pPr lvl="1"/>
-            <a:r>
-              <a:rPr lang="en-US" sz="2600" dirty="0"/>
-              <a:t>Both quantitative and qualitative data collected simultaneously</a:t>
-            </a:r>
-          </a:p>
-          <a:p>
-            <a:pPr marL="0" indent="0">
-              <a:buNone/>
-            </a:pPr>
-            <a:r>
-              <a:rPr lang="en-US" sz="2800" dirty="0"/>
-              <a:t>3. Transformative design: (responsive)</a:t>
-            </a:r>
-          </a:p>
-          <a:p>
-            <a:pPr lvl="1"/>
-            <a:r>
-              <a:rPr lang="en-US" sz="2600" dirty="0"/>
-              <a:t>Integrates quantitative and qualitative data throughout the research process</a:t>
-            </a:r>
-          </a:p>
-        </p:txBody>
-      </p:sp>
-    </p:spTree>
-    <p:extLst>
-      <p:ext uri="{BB962C8B-B14F-4D97-AF65-F5344CB8AC3E}">
-        <p14:creationId xmlns:p14="http://schemas.microsoft.com/office/powerpoint/2010/main" val="1754695007"/>
-      </p:ext>
-    </p:extLst>
-  </p:cSld>
-  <p:clrMapOvr>
-    <a:masterClrMapping/>
-  </p:clrMapOvr>
-</p:sld>
-</file>
-
-<file path=ppt/slides/slide34.xml><?xml version="1.0" encoding="utf-8"?>
-<p:sld xmlns:a="http://schemas.openxmlformats.org/drawingml/2006/main" xmlns:r="http://schemas.openxmlformats.org/officeDocument/2006/relationships" xmlns:p="http://schemas.openxmlformats.org/presentationml/2006/main">
-  <p:cSld>
-    <p:spTree>
-      <p:nvGrpSpPr>
-        <p:cNvPr id="1" name=""/>
-        <p:cNvGrpSpPr/>
-        <p:nvPr/>
-      </p:nvGrpSpPr>
-      <p:grpSpPr>
-        <a:xfrm>
-          <a:off x="0" y="0"/>
-          <a:ext cx="0" cy="0"/>
-          <a:chOff x="0" y="0"/>
-          <a:chExt cx="0" cy="0"/>
-        </a:xfrm>
-      </p:grpSpPr>
-      <p:sp>
-        <p:nvSpPr>
-          <p:cNvPr id="2" name="Title 1"/>
-          <p:cNvSpPr>
-            <a:spLocks noGrp="1"/>
-          </p:cNvSpPr>
-          <p:nvPr>
-            <p:ph type="title"/>
-          </p:nvPr>
-        </p:nvSpPr>
-        <p:spPr>
-          <a:xfrm>
-            <a:off x="609600" y="228600"/>
-            <a:ext cx="10439400" cy="624840"/>
-          </a:xfrm>
-        </p:spPr>
-        <p:txBody>
-          <a:bodyPr>
-            <a:noAutofit/>
-          </a:bodyPr>
-          <a:lstStyle/>
-          <a:p>
-            <a:r>
-              <a:rPr lang="en-US" sz="3600" dirty="0">
-                <a:cs typeface="Times New Roman" panose="02020603050405020304" pitchFamily="18" charset="0"/>
-              </a:rPr>
-              <a:t>How do we design a mixed methods study?</a:t>
-            </a:r>
-            <a:endParaRPr lang="en-US" sz="3600" dirty="0">
-              <a:latin typeface="Times New Roman" panose="02020603050405020304" pitchFamily="18" charset="0"/>
-              <a:cs typeface="Times New Roman" panose="02020603050405020304" pitchFamily="18" charset="0"/>
-            </a:endParaRPr>
-          </a:p>
-        </p:txBody>
-      </p:sp>
-      <p:sp>
-        <p:nvSpPr>
-          <p:cNvPr id="3" name="Content Placeholder 2"/>
-          <p:cNvSpPr>
-            <a:spLocks noGrp="1"/>
-          </p:cNvSpPr>
-          <p:nvPr>
-            <p:ph idx="1"/>
-          </p:nvPr>
-        </p:nvSpPr>
-        <p:spPr>
-          <a:xfrm>
-            <a:off x="609601" y="1066801"/>
-            <a:ext cx="10439400" cy="5141388"/>
-          </a:xfrm>
-        </p:spPr>
-        <p:txBody>
-          <a:bodyPr>
-            <a:noAutofit/>
-          </a:bodyPr>
-          <a:lstStyle/>
-          <a:p>
-            <a:pPr marL="0" indent="0">
-              <a:buNone/>
-            </a:pPr>
-            <a:r>
-              <a:rPr lang="en-US" sz="2800" dirty="0"/>
-              <a:t>Need two types of data: </a:t>
-            </a:r>
-          </a:p>
-          <a:p>
-            <a:pPr marL="514350" indent="-514350">
-              <a:buAutoNum type="arabicPeriod"/>
-            </a:pPr>
-            <a:r>
               <a:rPr lang="en-US" sz="2800" b="1" u="sng" dirty="0"/>
               <a:t>Sequential design: </a:t>
             </a:r>
@@ -15154,7 +14726,7 @@
 </p:sld>
 </file>
 
-<file path=ppt/slides/slide35.xml><?xml version="1.0" encoding="utf-8"?>
+<file path=ppt/slides/slide34.xml><?xml version="1.0" encoding="utf-8"?>
 <p:sld xmlns:a="http://schemas.openxmlformats.org/drawingml/2006/main" xmlns:r="http://schemas.openxmlformats.org/officeDocument/2006/relationships" xmlns:p="http://schemas.openxmlformats.org/presentationml/2006/main">
   <p:cSld>
     <p:spTree>
@@ -15384,7 +14956,7 @@
 </p:sld>
 </file>
 
-<file path=ppt/slides/slide36.xml><?xml version="1.0" encoding="utf-8"?>
+<file path=ppt/slides/slide35.xml><?xml version="1.0" encoding="utf-8"?>
 <p:sld xmlns:a="http://schemas.openxmlformats.org/drawingml/2006/main" xmlns:r="http://schemas.openxmlformats.org/officeDocument/2006/relationships" xmlns:p="http://schemas.openxmlformats.org/presentationml/2006/main">
   <p:cSld>
     <p:spTree>
@@ -15551,7 +15123,7 @@
 </p:sld>
 </file>
 
-<file path=ppt/slides/slide37.xml><?xml version="1.0" encoding="utf-8"?>
+<file path=ppt/slides/slide36.xml><?xml version="1.0" encoding="utf-8"?>
 <p:sld xmlns:a="http://schemas.openxmlformats.org/drawingml/2006/main" xmlns:r="http://schemas.openxmlformats.org/officeDocument/2006/relationships" xmlns:p="http://schemas.openxmlformats.org/presentationml/2006/main">
   <p:cSld>
     <p:spTree>
@@ -15691,7 +15263,7 @@
 </p:sld>
 </file>
 
-<file path=ppt/slides/slide38.xml><?xml version="1.0" encoding="utf-8"?>
+<file path=ppt/slides/slide37.xml><?xml version="1.0" encoding="utf-8"?>
 <p:sld xmlns:a="http://schemas.openxmlformats.org/drawingml/2006/main" xmlns:r="http://schemas.openxmlformats.org/officeDocument/2006/relationships" xmlns:p="http://schemas.openxmlformats.org/presentationml/2006/main">
   <p:cSld>
     <p:spTree>
@@ -15892,7 +15464,7 @@
 </p:sld>
 </file>
 
-<file path=ppt/slides/slide39.xml><?xml version="1.0" encoding="utf-8"?>
+<file path=ppt/slides/slide38.xml><?xml version="1.0" encoding="utf-8"?>
 <p:sld xmlns:a="http://schemas.openxmlformats.org/drawingml/2006/main" xmlns:r="http://schemas.openxmlformats.org/officeDocument/2006/relationships" xmlns:p="http://schemas.openxmlformats.org/presentationml/2006/main">
   <p:cSld>
     <p:spTree>
@@ -16012,140 +15584,7 @@
 </p:sld>
 </file>
 
-<file path=ppt/slides/slide4.xml><?xml version="1.0" encoding="utf-8"?>
-<p:sld xmlns:a="http://schemas.openxmlformats.org/drawingml/2006/main" xmlns:r="http://schemas.openxmlformats.org/officeDocument/2006/relationships" xmlns:p="http://schemas.openxmlformats.org/presentationml/2006/main">
-  <p:cSld>
-    <p:spTree>
-      <p:nvGrpSpPr>
-        <p:cNvPr id="1" name=""/>
-        <p:cNvGrpSpPr/>
-        <p:nvPr/>
-      </p:nvGrpSpPr>
-      <p:grpSpPr>
-        <a:xfrm>
-          <a:off x="0" y="0"/>
-          <a:ext cx="0" cy="0"/>
-          <a:chOff x="0" y="0"/>
-          <a:chExt cx="0" cy="0"/>
-        </a:xfrm>
-      </p:grpSpPr>
-      <p:sp>
-        <p:nvSpPr>
-          <p:cNvPr id="2" name="Title 1"/>
-          <p:cNvSpPr>
-            <a:spLocks noGrp="1"/>
-          </p:cNvSpPr>
-          <p:nvPr>
-            <p:ph type="title"/>
-          </p:nvPr>
-        </p:nvSpPr>
-        <p:spPr>
-          <a:xfrm>
-            <a:off x="609600" y="337392"/>
-            <a:ext cx="10439400" cy="624840"/>
-          </a:xfrm>
-        </p:spPr>
-        <p:txBody>
-          <a:bodyPr>
-            <a:noAutofit/>
-          </a:bodyPr>
-          <a:lstStyle/>
-          <a:p>
-            <a:r>
-              <a:rPr lang="en-US" sz="3600" dirty="0">
-                <a:cs typeface="Times New Roman" panose="02020603050405020304" pitchFamily="18" charset="0"/>
-              </a:rPr>
-              <a:t>What is Survival Analysis?</a:t>
-            </a:r>
-            <a:endParaRPr lang="en-US" sz="3600" dirty="0">
-              <a:latin typeface="Times New Roman" panose="02020603050405020304" pitchFamily="18" charset="0"/>
-              <a:cs typeface="Times New Roman" panose="02020603050405020304" pitchFamily="18" charset="0"/>
-            </a:endParaRPr>
-          </a:p>
-        </p:txBody>
-      </p:sp>
-      <p:sp>
-        <p:nvSpPr>
-          <p:cNvPr id="3" name="Content Placeholder 2"/>
-          <p:cNvSpPr>
-            <a:spLocks noGrp="1"/>
-          </p:cNvSpPr>
-          <p:nvPr>
-            <p:ph idx="1"/>
-          </p:nvPr>
-        </p:nvSpPr>
-        <p:spPr>
-          <a:xfrm>
-            <a:off x="990600" y="954612"/>
-            <a:ext cx="9982201" cy="5141388"/>
-          </a:xfrm>
-        </p:spPr>
-        <p:txBody>
-          <a:bodyPr>
-            <a:noAutofit/>
-          </a:bodyPr>
-          <a:lstStyle/>
-          <a:p>
-            <a:r>
-              <a:rPr lang="en-US" sz="2400" dirty="0"/>
-              <a:t>What if our outcome isn’t an event, but </a:t>
-            </a:r>
-            <a:r>
-              <a:rPr lang="en-US" sz="2400" b="1" dirty="0"/>
-              <a:t>how long </a:t>
-            </a:r>
-            <a:r>
-              <a:rPr lang="en-US" sz="2400" dirty="0"/>
-              <a:t>it takes for an event to occur? </a:t>
-            </a:r>
-          </a:p>
-          <a:p>
-            <a:pPr lvl="1"/>
-            <a:r>
-              <a:rPr lang="en-US" sz="2400" dirty="0"/>
-              <a:t>Patient survival</a:t>
-            </a:r>
-          </a:p>
-          <a:p>
-            <a:pPr lvl="1"/>
-            <a:r>
-              <a:rPr lang="en-US" sz="2400" dirty="0"/>
-              <a:t>Effectiveness of treatment (time until symptoms reappear)</a:t>
-            </a:r>
-          </a:p>
-          <a:p>
-            <a:pPr lvl="1"/>
-            <a:r>
-              <a:rPr lang="en-US" sz="2400" dirty="0"/>
-              <a:t>Disease progression</a:t>
-            </a:r>
-          </a:p>
-          <a:p>
-            <a:pPr lvl="1"/>
-            <a:r>
-              <a:rPr lang="en-US" sz="2400" dirty="0"/>
-              <a:t>Etc. </a:t>
-            </a:r>
-          </a:p>
-          <a:p>
-            <a:endParaRPr lang="en-US" sz="2400" dirty="0"/>
-          </a:p>
-        </p:txBody>
-      </p:sp>
-    </p:spTree>
-    <p:extLst>
-      <p:ext uri="{BB962C8B-B14F-4D97-AF65-F5344CB8AC3E}">
-        <p14:creationId xmlns:p14="http://schemas.microsoft.com/office/powerpoint/2010/main" val="1609663116"/>
-      </p:ext>
-    </p:extLst>
-  </p:cSld>
-  <p:clrMapOvr>
-    <a:masterClrMapping/>
-  </p:clrMapOvr>
-</p:sld>
-</file>
-
-<file path=ppt/slides/slide40.xml><?xml version="1.0" encoding="utf-8"?>
+<file path=ppt/slides/slide39.xml><?xml version="1.0" encoding="utf-8"?>
 <p:sld xmlns:a="http://schemas.openxmlformats.org/drawingml/2006/main" xmlns:r="http://schemas.openxmlformats.org/officeDocument/2006/relationships" xmlns:p="http://schemas.openxmlformats.org/presentationml/2006/main">
   <p:cSld>
     <p:spTree>
@@ -16295,7 +15734,140 @@
 </p:sld>
 </file>
 
-<file path=ppt/slides/slide41.xml><?xml version="1.0" encoding="utf-8"?>
+<file path=ppt/slides/slide4.xml><?xml version="1.0" encoding="utf-8"?>
+<p:sld xmlns:a="http://schemas.openxmlformats.org/drawingml/2006/main" xmlns:r="http://schemas.openxmlformats.org/officeDocument/2006/relationships" xmlns:p="http://schemas.openxmlformats.org/presentationml/2006/main">
+  <p:cSld>
+    <p:spTree>
+      <p:nvGrpSpPr>
+        <p:cNvPr id="1" name=""/>
+        <p:cNvGrpSpPr/>
+        <p:nvPr/>
+      </p:nvGrpSpPr>
+      <p:grpSpPr>
+        <a:xfrm>
+          <a:off x="0" y="0"/>
+          <a:ext cx="0" cy="0"/>
+          <a:chOff x="0" y="0"/>
+          <a:chExt cx="0" cy="0"/>
+        </a:xfrm>
+      </p:grpSpPr>
+      <p:sp>
+        <p:nvSpPr>
+          <p:cNvPr id="2" name="Title 1"/>
+          <p:cNvSpPr>
+            <a:spLocks noGrp="1"/>
+          </p:cNvSpPr>
+          <p:nvPr>
+            <p:ph type="title"/>
+          </p:nvPr>
+        </p:nvSpPr>
+        <p:spPr>
+          <a:xfrm>
+            <a:off x="609600" y="337392"/>
+            <a:ext cx="10439400" cy="624840"/>
+          </a:xfrm>
+        </p:spPr>
+        <p:txBody>
+          <a:bodyPr>
+            <a:noAutofit/>
+          </a:bodyPr>
+          <a:lstStyle/>
+          <a:p>
+            <a:r>
+              <a:rPr lang="en-US" sz="3600" dirty="0">
+                <a:cs typeface="Times New Roman" panose="02020603050405020304" pitchFamily="18" charset="0"/>
+              </a:rPr>
+              <a:t>What is Survival Analysis?</a:t>
+            </a:r>
+            <a:endParaRPr lang="en-US" sz="3600" dirty="0">
+              <a:latin typeface="Times New Roman" panose="02020603050405020304" pitchFamily="18" charset="0"/>
+              <a:cs typeface="Times New Roman" panose="02020603050405020304" pitchFamily="18" charset="0"/>
+            </a:endParaRPr>
+          </a:p>
+        </p:txBody>
+      </p:sp>
+      <p:sp>
+        <p:nvSpPr>
+          <p:cNvPr id="3" name="Content Placeholder 2"/>
+          <p:cNvSpPr>
+            <a:spLocks noGrp="1"/>
+          </p:cNvSpPr>
+          <p:nvPr>
+            <p:ph idx="1"/>
+          </p:nvPr>
+        </p:nvSpPr>
+        <p:spPr>
+          <a:xfrm>
+            <a:off x="990600" y="954612"/>
+            <a:ext cx="9982201" cy="5141388"/>
+          </a:xfrm>
+        </p:spPr>
+        <p:txBody>
+          <a:bodyPr>
+            <a:noAutofit/>
+          </a:bodyPr>
+          <a:lstStyle/>
+          <a:p>
+            <a:r>
+              <a:rPr lang="en-US" sz="2400" dirty="0"/>
+              <a:t>What if our outcome isn’t an event, but </a:t>
+            </a:r>
+            <a:r>
+              <a:rPr lang="en-US" sz="2400" b="1" dirty="0"/>
+              <a:t>how long </a:t>
+            </a:r>
+            <a:r>
+              <a:rPr lang="en-US" sz="2400" dirty="0"/>
+              <a:t>it takes for an event to occur? </a:t>
+            </a:r>
+          </a:p>
+          <a:p>
+            <a:pPr lvl="1"/>
+            <a:r>
+              <a:rPr lang="en-US" sz="2400" dirty="0"/>
+              <a:t>Patient survival</a:t>
+            </a:r>
+          </a:p>
+          <a:p>
+            <a:pPr lvl="1"/>
+            <a:r>
+              <a:rPr lang="en-US" sz="2400" dirty="0"/>
+              <a:t>Effectiveness of treatment (time until symptoms reappear)</a:t>
+            </a:r>
+          </a:p>
+          <a:p>
+            <a:pPr lvl="1"/>
+            <a:r>
+              <a:rPr lang="en-US" sz="2400" dirty="0"/>
+              <a:t>Disease progression</a:t>
+            </a:r>
+          </a:p>
+          <a:p>
+            <a:pPr lvl="1"/>
+            <a:r>
+              <a:rPr lang="en-US" sz="2400" dirty="0"/>
+              <a:t>Etc. </a:t>
+            </a:r>
+          </a:p>
+          <a:p>
+            <a:endParaRPr lang="en-US" sz="2400" dirty="0"/>
+          </a:p>
+        </p:txBody>
+      </p:sp>
+    </p:spTree>
+    <p:extLst>
+      <p:ext uri="{BB962C8B-B14F-4D97-AF65-F5344CB8AC3E}">
+        <p14:creationId xmlns:p14="http://schemas.microsoft.com/office/powerpoint/2010/main" val="1609663116"/>
+      </p:ext>
+    </p:extLst>
+  </p:cSld>
+  <p:clrMapOvr>
+    <a:masterClrMapping/>
+  </p:clrMapOvr>
+</p:sld>
+</file>
+
+<file path=ppt/slides/slide40.xml><?xml version="1.0" encoding="utf-8"?>
 <p:sld xmlns:a="http://schemas.openxmlformats.org/drawingml/2006/main" xmlns:r="http://schemas.openxmlformats.org/officeDocument/2006/relationships" xmlns:p="http://schemas.openxmlformats.org/presentationml/2006/main">
   <p:cSld>
     <p:spTree>
@@ -16415,7 +15987,7 @@
 </p:sld>
 </file>
 
-<file path=ppt/slides/slide42.xml><?xml version="1.0" encoding="utf-8"?>
+<file path=ppt/slides/slide41.xml><?xml version="1.0" encoding="utf-8"?>
 <p:sld xmlns:a="http://schemas.openxmlformats.org/drawingml/2006/main" xmlns:r="http://schemas.openxmlformats.org/officeDocument/2006/relationships" xmlns:p="http://schemas.openxmlformats.org/presentationml/2006/main">
   <p:cSld>
     <p:spTree>
@@ -16568,7 +16140,7 @@
 </p:sld>
 </file>
 
-<file path=ppt/slides/slide43.xml><?xml version="1.0" encoding="utf-8"?>
+<file path=ppt/slides/slide42.xml><?xml version="1.0" encoding="utf-8"?>
 <p:sld xmlns:a="http://schemas.openxmlformats.org/drawingml/2006/main" xmlns:r="http://schemas.openxmlformats.org/officeDocument/2006/relationships" xmlns:p="http://schemas.openxmlformats.org/presentationml/2006/main">
   <p:cSld>
     <p:spTree>
@@ -16710,7 +16282,7 @@
 </p:sld>
 </file>
 
-<file path=ppt/slides/slide44.xml><?xml version="1.0" encoding="utf-8"?>
+<file path=ppt/slides/slide43.xml><?xml version="1.0" encoding="utf-8"?>
 <p:sld xmlns:a="http://schemas.openxmlformats.org/drawingml/2006/main" xmlns:r="http://schemas.openxmlformats.org/officeDocument/2006/relationships" xmlns:p="http://schemas.openxmlformats.org/presentationml/2006/main">
   <p:cSld>
     <p:spTree>
@@ -16876,6 +16448,136 @@
 </p:sld>
 </file>
 
+<file path=ppt/slides/slide44.xml><?xml version="1.0" encoding="utf-8"?>
+<p:sld xmlns:a="http://schemas.openxmlformats.org/drawingml/2006/main" xmlns:r="http://schemas.openxmlformats.org/officeDocument/2006/relationships" xmlns:p="http://schemas.openxmlformats.org/presentationml/2006/main">
+  <p:cSld>
+    <p:spTree>
+      <p:nvGrpSpPr>
+        <p:cNvPr id="1" name=""/>
+        <p:cNvGrpSpPr/>
+        <p:nvPr/>
+      </p:nvGrpSpPr>
+      <p:grpSpPr>
+        <a:xfrm>
+          <a:off x="0" y="0"/>
+          <a:ext cx="0" cy="0"/>
+          <a:chOff x="0" y="0"/>
+          <a:chExt cx="0" cy="0"/>
+        </a:xfrm>
+      </p:grpSpPr>
+      <p:sp>
+        <p:nvSpPr>
+          <p:cNvPr id="2" name="Title 1"/>
+          <p:cNvSpPr>
+            <a:spLocks noGrp="1"/>
+          </p:cNvSpPr>
+          <p:nvPr>
+            <p:ph type="title"/>
+          </p:nvPr>
+        </p:nvSpPr>
+        <p:spPr>
+          <a:xfrm>
+            <a:off x="609600" y="228600"/>
+            <a:ext cx="10439400" cy="624840"/>
+          </a:xfrm>
+        </p:spPr>
+        <p:txBody>
+          <a:bodyPr>
+            <a:noAutofit/>
+          </a:bodyPr>
+          <a:lstStyle/>
+          <a:p>
+            <a:r>
+              <a:rPr lang="en-US" sz="3600" dirty="0">
+                <a:cs typeface="Times New Roman" panose="02020603050405020304" pitchFamily="18" charset="0"/>
+              </a:rPr>
+              <a:t>Results: Qualitative</a:t>
+            </a:r>
+            <a:endParaRPr lang="en-US" sz="3600" dirty="0">
+              <a:latin typeface="Times New Roman" panose="02020603050405020304" pitchFamily="18" charset="0"/>
+              <a:cs typeface="Times New Roman" panose="02020603050405020304" pitchFamily="18" charset="0"/>
+            </a:endParaRPr>
+          </a:p>
+        </p:txBody>
+      </p:sp>
+      <p:sp>
+        <p:nvSpPr>
+          <p:cNvPr id="4" name="Content Placeholder 3">
+            <a:extLst>
+              <a:ext uri="{FF2B5EF4-FFF2-40B4-BE49-F238E27FC236}">
+                <a16:creationId xmlns:a16="http://schemas.microsoft.com/office/drawing/2014/main" id="{1E926016-6EFD-1480-CFB4-E35AE703A6CC}"/>
+              </a:ext>
+            </a:extLst>
+          </p:cNvPr>
+          <p:cNvSpPr>
+            <a:spLocks noGrp="1"/>
+          </p:cNvSpPr>
+          <p:nvPr>
+            <p:ph idx="1"/>
+          </p:nvPr>
+        </p:nvSpPr>
+        <p:spPr>
+          <a:xfrm>
+            <a:off x="685800" y="990600"/>
+            <a:ext cx="10363200" cy="5189538"/>
+          </a:xfrm>
+        </p:spPr>
+        <p:txBody>
+          <a:bodyPr>
+            <a:normAutofit/>
+          </a:bodyPr>
+          <a:lstStyle/>
+          <a:p>
+            <a:pPr marL="0" indent="0">
+              <a:buNone/>
+            </a:pPr>
+            <a:r>
+              <a:rPr lang="en-US" sz="2400" dirty="0"/>
+              <a:t>Major themes: </a:t>
+            </a:r>
+          </a:p>
+          <a:p>
+            <a:pPr marL="457200" indent="-457200">
+              <a:buAutoNum type="arabicPeriod"/>
+            </a:pPr>
+            <a:r>
+              <a:rPr lang="en-US" sz="2400" dirty="0"/>
+              <a:t>Contributing factors</a:t>
+            </a:r>
+          </a:p>
+          <a:p>
+            <a:pPr marL="457200" indent="-457200">
+              <a:buAutoNum type="arabicPeriod"/>
+            </a:pPr>
+            <a:r>
+              <a:rPr lang="en-US" sz="2400" dirty="0"/>
+              <a:t>Mitigating factors</a:t>
+            </a:r>
+          </a:p>
+          <a:p>
+            <a:pPr marL="457200" indent="-457200">
+              <a:buAutoNum type="arabicPeriod"/>
+            </a:pPr>
+            <a:r>
+              <a:rPr lang="en-US" sz="2400" dirty="0"/>
+              <a:t>“Double-edged swords”</a:t>
+            </a:r>
+          </a:p>
+        </p:txBody>
+      </p:sp>
+    </p:spTree>
+    <p:extLst>
+      <p:ext uri="{BB962C8B-B14F-4D97-AF65-F5344CB8AC3E}">
+        <p14:creationId xmlns:p14="http://schemas.microsoft.com/office/powerpoint/2010/main" val="4058152085"/>
+      </p:ext>
+    </p:extLst>
+  </p:cSld>
+  <p:clrMapOvr>
+    <a:masterClrMapping/>
+  </p:clrMapOvr>
+</p:sld>
+</file>
+
 <file path=ppt/slides/slide45.xml><?xml version="1.0" encoding="utf-8"?>
 <p:sld xmlns:a="http://schemas.openxmlformats.org/drawingml/2006/main" xmlns:r="http://schemas.openxmlformats.org/officeDocument/2006/relationships" xmlns:p="http://schemas.openxmlformats.org/presentationml/2006/main">
   <p:cSld>
@@ -16969,136 +16671,6 @@
               <a:buAutoNum type="arabicPeriod"/>
             </a:pPr>
             <a:r>
-              <a:rPr lang="en-US" sz="2400" dirty="0"/>
-              <a:t>Contributing factors</a:t>
-            </a:r>
-          </a:p>
-          <a:p>
-            <a:pPr marL="457200" indent="-457200">
-              <a:buAutoNum type="arabicPeriod"/>
-            </a:pPr>
-            <a:r>
-              <a:rPr lang="en-US" sz="2400" dirty="0"/>
-              <a:t>Mitigating factors</a:t>
-            </a:r>
-          </a:p>
-          <a:p>
-            <a:pPr marL="457200" indent="-457200">
-              <a:buAutoNum type="arabicPeriod"/>
-            </a:pPr>
-            <a:r>
-              <a:rPr lang="en-US" sz="2400" dirty="0"/>
-              <a:t>“Double-edged swords”</a:t>
-            </a:r>
-          </a:p>
-        </p:txBody>
-      </p:sp>
-    </p:spTree>
-    <p:extLst>
-      <p:ext uri="{BB962C8B-B14F-4D97-AF65-F5344CB8AC3E}">
-        <p14:creationId xmlns:p14="http://schemas.microsoft.com/office/powerpoint/2010/main" val="4058152085"/>
-      </p:ext>
-    </p:extLst>
-  </p:cSld>
-  <p:clrMapOvr>
-    <a:masterClrMapping/>
-  </p:clrMapOvr>
-</p:sld>
-</file>
-
-<file path=ppt/slides/slide46.xml><?xml version="1.0" encoding="utf-8"?>
-<p:sld xmlns:a="http://schemas.openxmlformats.org/drawingml/2006/main" xmlns:r="http://schemas.openxmlformats.org/officeDocument/2006/relationships" xmlns:p="http://schemas.openxmlformats.org/presentationml/2006/main">
-  <p:cSld>
-    <p:spTree>
-      <p:nvGrpSpPr>
-        <p:cNvPr id="1" name=""/>
-        <p:cNvGrpSpPr/>
-        <p:nvPr/>
-      </p:nvGrpSpPr>
-      <p:grpSpPr>
-        <a:xfrm>
-          <a:off x="0" y="0"/>
-          <a:ext cx="0" cy="0"/>
-          <a:chOff x="0" y="0"/>
-          <a:chExt cx="0" cy="0"/>
-        </a:xfrm>
-      </p:grpSpPr>
-      <p:sp>
-        <p:nvSpPr>
-          <p:cNvPr id="2" name="Title 1"/>
-          <p:cNvSpPr>
-            <a:spLocks noGrp="1"/>
-          </p:cNvSpPr>
-          <p:nvPr>
-            <p:ph type="title"/>
-          </p:nvPr>
-        </p:nvSpPr>
-        <p:spPr>
-          <a:xfrm>
-            <a:off x="609600" y="228600"/>
-            <a:ext cx="10439400" cy="624840"/>
-          </a:xfrm>
-        </p:spPr>
-        <p:txBody>
-          <a:bodyPr>
-            <a:noAutofit/>
-          </a:bodyPr>
-          <a:lstStyle/>
-          <a:p>
-            <a:r>
-              <a:rPr lang="en-US" sz="3600" dirty="0">
-                <a:cs typeface="Times New Roman" panose="02020603050405020304" pitchFamily="18" charset="0"/>
-              </a:rPr>
-              <a:t>Results: Qualitative</a:t>
-            </a:r>
-            <a:endParaRPr lang="en-US" sz="3600" dirty="0">
-              <a:latin typeface="Times New Roman" panose="02020603050405020304" pitchFamily="18" charset="0"/>
-              <a:cs typeface="Times New Roman" panose="02020603050405020304" pitchFamily="18" charset="0"/>
-            </a:endParaRPr>
-          </a:p>
-        </p:txBody>
-      </p:sp>
-      <p:sp>
-        <p:nvSpPr>
-          <p:cNvPr id="4" name="Content Placeholder 3">
-            <a:extLst>
-              <a:ext uri="{FF2B5EF4-FFF2-40B4-BE49-F238E27FC236}">
-                <a16:creationId xmlns:a16="http://schemas.microsoft.com/office/drawing/2014/main" id="{1E926016-6EFD-1480-CFB4-E35AE703A6CC}"/>
-              </a:ext>
-            </a:extLst>
-          </p:cNvPr>
-          <p:cNvSpPr>
-            <a:spLocks noGrp="1"/>
-          </p:cNvSpPr>
-          <p:nvPr>
-            <p:ph idx="1"/>
-          </p:nvPr>
-        </p:nvSpPr>
-        <p:spPr>
-          <a:xfrm>
-            <a:off x="685800" y="990600"/>
-            <a:ext cx="10363200" cy="5189538"/>
-          </a:xfrm>
-        </p:spPr>
-        <p:txBody>
-          <a:bodyPr>
-            <a:normAutofit/>
-          </a:bodyPr>
-          <a:lstStyle/>
-          <a:p>
-            <a:pPr marL="0" indent="0">
-              <a:buNone/>
-            </a:pPr>
-            <a:r>
-              <a:rPr lang="en-US" sz="2400" dirty="0"/>
-              <a:t>Major themes: </a:t>
-            </a:r>
-          </a:p>
-          <a:p>
-            <a:pPr marL="457200" indent="-457200">
-              <a:buAutoNum type="arabicPeriod"/>
-            </a:pPr>
-            <a:r>
               <a:rPr lang="en-US" sz="2400" b="1" u="sng" dirty="0"/>
               <a:t>Contributing factors</a:t>
             </a:r>
@@ -17214,7 +16786,7 @@
 </p:sld>
 </file>
 
-<file path=ppt/slides/slide47.xml><?xml version="1.0" encoding="utf-8"?>
+<file path=ppt/slides/slide46.xml><?xml version="1.0" encoding="utf-8"?>
 <p:sld xmlns:a="http://schemas.openxmlformats.org/drawingml/2006/main" xmlns:r="http://schemas.openxmlformats.org/officeDocument/2006/relationships" xmlns:p="http://schemas.openxmlformats.org/presentationml/2006/main">
   <p:cSld>
     <p:spTree>
@@ -17334,7 +16906,7 @@
 </p:sld>
 </file>
 
-<file path=ppt/slides/slide48.xml><?xml version="1.0" encoding="utf-8"?>
+<file path=ppt/slides/slide47.xml><?xml version="1.0" encoding="utf-8"?>
 <p:sld xmlns:a="http://schemas.openxmlformats.org/drawingml/2006/main" xmlns:r="http://schemas.openxmlformats.org/officeDocument/2006/relationships" xmlns:p="http://schemas.openxmlformats.org/presentationml/2006/main">
   <p:cSld>
     <p:spTree>
@@ -17508,6 +17080,171 @@
 </p:sld>
 </file>
 
+<file path=ppt/slides/slide48.xml><?xml version="1.0" encoding="utf-8"?>
+<p:sld xmlns:a="http://schemas.openxmlformats.org/drawingml/2006/main" xmlns:r="http://schemas.openxmlformats.org/officeDocument/2006/relationships" xmlns:p="http://schemas.openxmlformats.org/presentationml/2006/main">
+  <p:cSld>
+    <p:spTree>
+      <p:nvGrpSpPr>
+        <p:cNvPr id="1" name=""/>
+        <p:cNvGrpSpPr/>
+        <p:nvPr/>
+      </p:nvGrpSpPr>
+      <p:grpSpPr>
+        <a:xfrm>
+          <a:off x="0" y="0"/>
+          <a:ext cx="0" cy="0"/>
+          <a:chOff x="0" y="0"/>
+          <a:chExt cx="0" cy="0"/>
+        </a:xfrm>
+      </p:grpSpPr>
+      <p:sp>
+        <p:nvSpPr>
+          <p:cNvPr id="2" name="Title 1"/>
+          <p:cNvSpPr>
+            <a:spLocks noGrp="1"/>
+          </p:cNvSpPr>
+          <p:nvPr>
+            <p:ph type="title"/>
+          </p:nvPr>
+        </p:nvSpPr>
+        <p:spPr>
+          <a:xfrm>
+            <a:off x="609600" y="228600"/>
+            <a:ext cx="10439400" cy="624840"/>
+          </a:xfrm>
+        </p:spPr>
+        <p:txBody>
+          <a:bodyPr>
+            <a:noAutofit/>
+          </a:bodyPr>
+          <a:lstStyle/>
+          <a:p>
+            <a:r>
+              <a:rPr lang="en-US" sz="3600" dirty="0">
+                <a:cs typeface="Times New Roman" panose="02020603050405020304" pitchFamily="18" charset="0"/>
+              </a:rPr>
+              <a:t>Results: Qualitative</a:t>
+            </a:r>
+            <a:endParaRPr lang="en-US" sz="3600" dirty="0">
+              <a:latin typeface="Times New Roman" panose="02020603050405020304" pitchFamily="18" charset="0"/>
+              <a:cs typeface="Times New Roman" panose="02020603050405020304" pitchFamily="18" charset="0"/>
+            </a:endParaRPr>
+          </a:p>
+        </p:txBody>
+      </p:sp>
+      <p:sp>
+        <p:nvSpPr>
+          <p:cNvPr id="4" name="Content Placeholder 3">
+            <a:extLst>
+              <a:ext uri="{FF2B5EF4-FFF2-40B4-BE49-F238E27FC236}">
+                <a16:creationId xmlns:a16="http://schemas.microsoft.com/office/drawing/2014/main" id="{1E926016-6EFD-1480-CFB4-E35AE703A6CC}"/>
+              </a:ext>
+            </a:extLst>
+          </p:cNvPr>
+          <p:cNvSpPr>
+            <a:spLocks noGrp="1"/>
+          </p:cNvSpPr>
+          <p:nvPr>
+            <p:ph idx="1"/>
+          </p:nvPr>
+        </p:nvSpPr>
+        <p:spPr>
+          <a:xfrm>
+            <a:off x="685800" y="990600"/>
+            <a:ext cx="10363200" cy="5189538"/>
+          </a:xfrm>
+        </p:spPr>
+        <p:txBody>
+          <a:bodyPr>
+            <a:normAutofit/>
+          </a:bodyPr>
+          <a:lstStyle/>
+          <a:p>
+            <a:pPr marL="0" indent="0">
+              <a:buNone/>
+            </a:pPr>
+            <a:r>
+              <a:rPr lang="en-US" sz="2400" dirty="0"/>
+              <a:t>Major themes: </a:t>
+            </a:r>
+          </a:p>
+          <a:p>
+            <a:pPr marL="457200" indent="-457200">
+              <a:buAutoNum type="arabicPeriod"/>
+            </a:pPr>
+            <a:r>
+              <a:rPr lang="en-US" sz="2400" dirty="0"/>
+              <a:t>Contributing factors</a:t>
+            </a:r>
+          </a:p>
+          <a:p>
+            <a:pPr marL="457200" indent="-457200">
+              <a:buAutoNum type="arabicPeriod"/>
+            </a:pPr>
+            <a:r>
+              <a:rPr lang="en-US" sz="2400" dirty="0"/>
+              <a:t>Mitigating factors </a:t>
+            </a:r>
+          </a:p>
+          <a:p>
+            <a:pPr marL="457200" indent="-457200">
+              <a:buAutoNum type="arabicPeriod"/>
+            </a:pPr>
+            <a:r>
+              <a:rPr lang="en-US" sz="2400" b="1" u="sng" dirty="0"/>
+              <a:t>“Double-edged swords”</a:t>
+            </a:r>
+          </a:p>
+          <a:p>
+            <a:pPr lvl="1"/>
+            <a:r>
+              <a:rPr lang="en-US" sz="2200" dirty="0"/>
+              <a:t>Scope of Practice (lots to do; engaging, but also overwhelming)</a:t>
+            </a:r>
+          </a:p>
+          <a:p>
+            <a:pPr lvl="1"/>
+            <a:r>
+              <a:rPr lang="en-US" sz="2200" dirty="0"/>
+              <a:t>Blurring Boundaries (integral role in the community, but you’re always “on”)</a:t>
+            </a:r>
+          </a:p>
+          <a:p>
+            <a:pPr lvl="1"/>
+            <a:r>
+              <a:rPr lang="en-US" sz="2200" dirty="0"/>
+              <a:t>Time Away (</a:t>
+            </a:r>
+            <a:r>
+              <a:rPr lang="en-US" sz="2200" dirty="0">
+                <a:solidFill>
+                  <a:schemeClr val="accent3">
+                    <a:lumMod val="75000"/>
+                  </a:schemeClr>
+                </a:solidFill>
+              </a:rPr>
+              <a:t>“Though vacation time emerged as a protective factor, providers argued it is used as a post hoc solution to issues of overscheduling”</a:t>
+            </a:r>
+            <a:r>
+              <a:rPr lang="en-US" sz="2200" dirty="0"/>
+              <a:t>)</a:t>
+            </a:r>
+          </a:p>
+        </p:txBody>
+      </p:sp>
+    </p:spTree>
+    <p:extLst>
+      <p:ext uri="{BB962C8B-B14F-4D97-AF65-F5344CB8AC3E}">
+        <p14:creationId xmlns:p14="http://schemas.microsoft.com/office/powerpoint/2010/main" val="1081779732"/>
+      </p:ext>
+    </p:extLst>
+  </p:cSld>
+  <p:clrMapOvr>
+    <a:masterClrMapping/>
+  </p:clrMapOvr>
+</p:sld>
+</file>
+
 <file path=ppt/slides/slide49.xml><?xml version="1.0" encoding="utf-8"?>
 <p:sld xmlns:a="http://schemas.openxmlformats.org/drawingml/2006/main" xmlns:r="http://schemas.openxmlformats.org/officeDocument/2006/relationships" xmlns:p="http://schemas.openxmlformats.org/presentationml/2006/main">
   <p:cSld>
@@ -17551,7 +17288,7 @@
               <a:rPr lang="en-US" sz="3600" dirty="0">
                 <a:cs typeface="Times New Roman" panose="02020603050405020304" pitchFamily="18" charset="0"/>
               </a:rPr>
-              <a:t>Results: Qualitative</a:t>
+              <a:t>Interpretation and Limitations of Analysis </a:t>
             </a:r>
             <a:endParaRPr lang="en-US" sz="3600" dirty="0">
               <a:latin typeface="Times New Roman" panose="02020603050405020304" pitchFamily="18" charset="0"/>
@@ -17562,13 +17299,7 @@
       </p:sp>
       <p:sp>
         <p:nvSpPr>
-          <p:cNvPr id="4" name="Content Placeholder 3">
-            <a:extLst>
-              <a:ext uri="{FF2B5EF4-FFF2-40B4-BE49-F238E27FC236}">
-                <a16:creationId xmlns:a16="http://schemas.microsoft.com/office/drawing/2014/main" id="{1E926016-6EFD-1480-CFB4-E35AE703A6CC}"/>
-              </a:ext>
-            </a:extLst>
-          </p:cNvPr>
+          <p:cNvPr id="3" name="Content Placeholder 2"/>
           <p:cNvSpPr>
             <a:spLocks noGrp="1"/>
           </p:cNvSpPr>
@@ -17578,84 +17309,58 @@
         </p:nvSpPr>
         <p:spPr>
           <a:xfrm>
-            <a:off x="685800" y="990600"/>
-            <a:ext cx="10363200" cy="5189538"/>
+            <a:off x="609601" y="1066801"/>
+            <a:ext cx="10439400" cy="5141388"/>
           </a:xfrm>
         </p:spPr>
         <p:txBody>
           <a:bodyPr>
-            <a:normAutofit/>
+            <a:noAutofit/>
           </a:bodyPr>
           <a:lstStyle/>
           <a:p>
-            <a:pPr marL="0" indent="0">
-              <a:buNone/>
-            </a:pPr>
-            <a:r>
-              <a:rPr lang="en-US" sz="2400" dirty="0"/>
-              <a:t>Major themes: </a:t>
-            </a:r>
-          </a:p>
-          <a:p>
-            <a:pPr marL="457200" indent="-457200">
-              <a:buAutoNum type="arabicPeriod"/>
-            </a:pPr>
-            <a:r>
-              <a:rPr lang="en-US" sz="2400" dirty="0"/>
-              <a:t>Contributing factors</a:t>
-            </a:r>
-          </a:p>
-          <a:p>
-            <a:pPr marL="457200" indent="-457200">
-              <a:buAutoNum type="arabicPeriod"/>
-            </a:pPr>
-            <a:r>
-              <a:rPr lang="en-US" sz="2400" dirty="0"/>
-              <a:t>Mitigating factors </a:t>
-            </a:r>
-          </a:p>
-          <a:p>
-            <a:pPr marL="457200" indent="-457200">
-              <a:buAutoNum type="arabicPeriod"/>
-            </a:pPr>
-            <a:r>
-              <a:rPr lang="en-US" sz="2400" b="1" u="sng" dirty="0"/>
-              <a:t>“Double-edged swords”</a:t>
-            </a:r>
-          </a:p>
-          <a:p>
             <a:pPr lvl="1"/>
             <a:r>
-              <a:rPr lang="en-US" sz="2200" dirty="0"/>
-              <a:t>Scope of Practice (lots to do; engaging, but also overwhelming)</a:t>
+              <a:rPr lang="en-US" sz="2400" dirty="0">
+                <a:cs typeface="Times New Roman" panose="02020603050405020304" pitchFamily="18" charset="0"/>
+              </a:rPr>
+              <a:t>What worked well in this analysis? </a:t>
             </a:r>
           </a:p>
           <a:p>
             <a:pPr lvl="1"/>
             <a:r>
-              <a:rPr lang="en-US" sz="2200" dirty="0"/>
-              <a:t>Blurring Boundaries (integral role in the community, but you’re always “on”)</a:t>
+              <a:rPr lang="en-US" sz="2400" dirty="0">
+                <a:cs typeface="Times New Roman" panose="02020603050405020304" pitchFamily="18" charset="0"/>
+              </a:rPr>
+              <a:t>What was lacking? </a:t>
             </a:r>
           </a:p>
           <a:p>
             <a:pPr lvl="1"/>
             <a:r>
-              <a:rPr lang="en-US" sz="2200" dirty="0"/>
-              <a:t>Time Away (</a:t>
-            </a:r>
-            <a:r>
-              <a:rPr lang="en-US" sz="2200" dirty="0">
-                <a:solidFill>
-                  <a:schemeClr val="accent3">
-                    <a:lumMod val="75000"/>
-                  </a:schemeClr>
-                </a:solidFill>
+              <a:rPr lang="en-US" sz="2400" dirty="0">
+                <a:cs typeface="Times New Roman" panose="02020603050405020304" pitchFamily="18" charset="0"/>
               </a:rPr>
-              <a:t>“Though vacation time emerged as a protective factor, providers argued it is used as a post hoc solution to issues of overscheduling”</a:t>
-            </a:r>
-            <a:r>
-              <a:rPr lang="en-US" sz="2200" dirty="0"/>
-              <a:t>)</a:t>
+              <a:t>What are the takeaways for you? </a:t>
+            </a:r>
+          </a:p>
+          <a:p>
+            <a:pPr lvl="1"/>
+            <a:r>
+              <a:rPr lang="en-US" sz="2400" dirty="0">
+                <a:cs typeface="Times New Roman" panose="02020603050405020304" pitchFamily="18" charset="0"/>
+              </a:rPr>
+              <a:t>What might limit the takeaways? What hinders your approach to thinking of this as causal? </a:t>
+            </a:r>
+          </a:p>
+          <a:p>
+            <a:pPr lvl="1"/>
+            <a:r>
+              <a:rPr lang="en-US" sz="2400" dirty="0">
+                <a:cs typeface="Times New Roman" panose="02020603050405020304" pitchFamily="18" charset="0"/>
+              </a:rPr>
+              <a:t>Any other thoughts? </a:t>
             </a:r>
           </a:p>
         </p:txBody>
@@ -17663,7 +17368,7 @@
     </p:spTree>
     <p:extLst>
       <p:ext uri="{BB962C8B-B14F-4D97-AF65-F5344CB8AC3E}">
-        <p14:creationId xmlns:p14="http://schemas.microsoft.com/office/powerpoint/2010/main" val="1081779732"/>
+        <p14:creationId xmlns:p14="http://schemas.microsoft.com/office/powerpoint/2010/main" val="823959745"/>
       </p:ext>
     </p:extLst>
   </p:cSld>
@@ -17862,139 +17567,6 @@
 </p:sld>
 </file>
 
-<file path=ppt/slides/slide50.xml><?xml version="1.0" encoding="utf-8"?>
-<p:sld xmlns:a="http://schemas.openxmlformats.org/drawingml/2006/main" xmlns:r="http://schemas.openxmlformats.org/officeDocument/2006/relationships" xmlns:p="http://schemas.openxmlformats.org/presentationml/2006/main">
-  <p:cSld>
-    <p:spTree>
-      <p:nvGrpSpPr>
-        <p:cNvPr id="1" name=""/>
-        <p:cNvGrpSpPr/>
-        <p:nvPr/>
-      </p:nvGrpSpPr>
-      <p:grpSpPr>
-        <a:xfrm>
-          <a:off x="0" y="0"/>
-          <a:ext cx="0" cy="0"/>
-          <a:chOff x="0" y="0"/>
-          <a:chExt cx="0" cy="0"/>
-        </a:xfrm>
-      </p:grpSpPr>
-      <p:sp>
-        <p:nvSpPr>
-          <p:cNvPr id="2" name="Title 1"/>
-          <p:cNvSpPr>
-            <a:spLocks noGrp="1"/>
-          </p:cNvSpPr>
-          <p:nvPr>
-            <p:ph type="title"/>
-          </p:nvPr>
-        </p:nvSpPr>
-        <p:spPr>
-          <a:xfrm>
-            <a:off x="609600" y="228600"/>
-            <a:ext cx="10439400" cy="624840"/>
-          </a:xfrm>
-        </p:spPr>
-        <p:txBody>
-          <a:bodyPr>
-            <a:noAutofit/>
-          </a:bodyPr>
-          <a:lstStyle/>
-          <a:p>
-            <a:r>
-              <a:rPr lang="en-US" sz="3600" dirty="0">
-                <a:cs typeface="Times New Roman" panose="02020603050405020304" pitchFamily="18" charset="0"/>
-              </a:rPr>
-              <a:t>Interpretation and Limitations of Analysis </a:t>
-            </a:r>
-            <a:endParaRPr lang="en-US" sz="3600" dirty="0">
-              <a:latin typeface="Times New Roman" panose="02020603050405020304" pitchFamily="18" charset="0"/>
-              <a:cs typeface="Times New Roman" panose="02020603050405020304" pitchFamily="18" charset="0"/>
-            </a:endParaRPr>
-          </a:p>
-        </p:txBody>
-      </p:sp>
-      <p:sp>
-        <p:nvSpPr>
-          <p:cNvPr id="3" name="Content Placeholder 2"/>
-          <p:cNvSpPr>
-            <a:spLocks noGrp="1"/>
-          </p:cNvSpPr>
-          <p:nvPr>
-            <p:ph idx="1"/>
-          </p:nvPr>
-        </p:nvSpPr>
-        <p:spPr>
-          <a:xfrm>
-            <a:off x="609601" y="1066801"/>
-            <a:ext cx="10439400" cy="5141388"/>
-          </a:xfrm>
-        </p:spPr>
-        <p:txBody>
-          <a:bodyPr>
-            <a:noAutofit/>
-          </a:bodyPr>
-          <a:lstStyle/>
-          <a:p>
-            <a:pPr lvl="1"/>
-            <a:r>
-              <a:rPr lang="en-US" sz="2400" dirty="0">
-                <a:cs typeface="Times New Roman" panose="02020603050405020304" pitchFamily="18" charset="0"/>
-              </a:rPr>
-              <a:t>What worked well in this analysis? </a:t>
-            </a:r>
-          </a:p>
-          <a:p>
-            <a:pPr lvl="1"/>
-            <a:r>
-              <a:rPr lang="en-US" sz="2400" dirty="0">
-                <a:cs typeface="Times New Roman" panose="02020603050405020304" pitchFamily="18" charset="0"/>
-              </a:rPr>
-              <a:t>What was lacking? </a:t>
-            </a:r>
-          </a:p>
-          <a:p>
-            <a:pPr lvl="1"/>
-            <a:r>
-              <a:rPr lang="en-US" sz="2400" dirty="0">
-                <a:cs typeface="Times New Roman" panose="02020603050405020304" pitchFamily="18" charset="0"/>
-              </a:rPr>
-              <a:t>What are the takeaways for you? </a:t>
-            </a:r>
-          </a:p>
-          <a:p>
-            <a:pPr lvl="1"/>
-            <a:r>
-              <a:rPr lang="en-US" sz="2400" dirty="0">
-                <a:cs typeface="Times New Roman" panose="02020603050405020304" pitchFamily="18" charset="0"/>
-              </a:rPr>
-              <a:t>What might limit the takeaways? What hinders your approach to thinking of this as causal? </a:t>
-            </a:r>
-          </a:p>
-          <a:p>
-            <a:pPr lvl="1"/>
-            <a:r>
-              <a:rPr lang="en-US" sz="2400" dirty="0">
-                <a:cs typeface="Times New Roman" panose="02020603050405020304" pitchFamily="18" charset="0"/>
-              </a:rPr>
-              <a:t>Any other thoughts? </a:t>
-            </a:r>
-          </a:p>
-        </p:txBody>
-      </p:sp>
-    </p:spTree>
-    <p:extLst>
-      <p:ext uri="{BB962C8B-B14F-4D97-AF65-F5344CB8AC3E}">
-        <p14:creationId xmlns:p14="http://schemas.microsoft.com/office/powerpoint/2010/main" val="823959745"/>
-      </p:ext>
-    </p:extLst>
-  </p:cSld>
-  <p:clrMapOvr>
-    <a:masterClrMapping/>
-  </p:clrMapOvr>
-</p:sld>
-</file>
-
 <file path=ppt/slides/slide6.xml><?xml version="1.0" encoding="utf-8"?>
 <p:sld xmlns:a="http://schemas.openxmlformats.org/drawingml/2006/main" xmlns:r="http://schemas.openxmlformats.org/officeDocument/2006/relationships" xmlns:p="http://schemas.openxmlformats.org/presentationml/2006/main">
   <p:cSld>
@@ -18250,8 +17822,8 @@
           </a:p>
         </p:txBody>
       </p:sp>
-      <mc:AlternateContent xmlns:mc="http://schemas.openxmlformats.org/markup-compatibility/2006">
-        <mc:Choice xmlns:a14="http://schemas.microsoft.com/office/drawing/2010/main" Requires="a14">
+      <mc:AlternateContent xmlns:mc="http://schemas.openxmlformats.org/markup-compatibility/2006" xmlns:a14="http://schemas.microsoft.com/office/drawing/2010/main">
+        <mc:Choice Requires="a14">
           <p:sp>
             <p:nvSpPr>
               <p:cNvPr id="3" name="Content Placeholder 2"/>
@@ -18734,7 +18306,7 @@
             </p:txBody>
           </p:sp>
         </mc:Choice>
-        <mc:Fallback>
+        <mc:Fallback xmlns="">
           <p:sp>
             <p:nvSpPr>
               <p:cNvPr id="3" name="Content Placeholder 2"/>
@@ -18837,8 +18409,8 @@
           </a:p>
         </p:txBody>
       </p:sp>
-      <mc:AlternateContent xmlns:mc="http://schemas.openxmlformats.org/markup-compatibility/2006">
-        <mc:Choice xmlns:a14="http://schemas.microsoft.com/office/drawing/2010/main" Requires="a14">
+      <mc:AlternateContent xmlns:mc="http://schemas.openxmlformats.org/markup-compatibility/2006" xmlns:a14="http://schemas.microsoft.com/office/drawing/2010/main">
+        <mc:Choice Requires="a14">
           <p:sp>
             <p:nvSpPr>
               <p:cNvPr id="3" name="Content Placeholder 2"/>
@@ -19633,7 +19205,7 @@
             </p:txBody>
           </p:sp>
         </mc:Choice>
-        <mc:Fallback>
+        <mc:Fallback xmlns="">
           <p:sp>
             <p:nvSpPr>
               <p:cNvPr id="3" name="Content Placeholder 2"/>
